--- a/workshop III..pptx
+++ b/workshop III..pptx
@@ -5,14 +5,18 @@
     <p:sldMasterId id="2147483648" r:id="rId1"/>
   </p:sldMasterIdLst>
   <p:sldIdLst>
-    <p:sldId id="261" r:id="rId2"/>
-    <p:sldId id="262" r:id="rId3"/>
-    <p:sldId id="263" r:id="rId4"/>
-    <p:sldId id="256" r:id="rId5"/>
-    <p:sldId id="259" r:id="rId6"/>
-    <p:sldId id="260" r:id="rId7"/>
-    <p:sldId id="257" r:id="rId8"/>
-    <p:sldId id="258" r:id="rId9"/>
+    <p:sldId id="265" r:id="rId2"/>
+    <p:sldId id="266" r:id="rId3"/>
+    <p:sldId id="267" r:id="rId4"/>
+    <p:sldId id="264" r:id="rId5"/>
+    <p:sldId id="261" r:id="rId6"/>
+    <p:sldId id="262" r:id="rId7"/>
+    <p:sldId id="263" r:id="rId8"/>
+    <p:sldId id="256" r:id="rId9"/>
+    <p:sldId id="259" r:id="rId10"/>
+    <p:sldId id="260" r:id="rId11"/>
+    <p:sldId id="257" r:id="rId12"/>
+    <p:sldId id="258" r:id="rId13"/>
   </p:sldIdLst>
   <p:sldSz cx="12192000" cy="6858000"/>
   <p:notesSz cx="6858000" cy="9144000"/>
@@ -111,6 +115,11 @@
       </a:defRPr>
     </a:lvl9pPr>
   </p:defaultTextStyle>
+  <p:extLst>
+    <p:ext uri="{EFAFB233-063F-42B5-8137-9DF3F51BA10A}">
+      <p15:sldGuideLst xmlns:p15="http://schemas.microsoft.com/office/powerpoint/2012/main"/>
+    </p:ext>
+  </p:extLst>
 </p:presentation>
 </file>
 
@@ -261,7 +270,7 @@
           <a:p>
             <a:fld id="{6129DD96-5E77-4586-A2B9-E5BB275D3AE2}" type="datetimeFigureOut">
               <a:rPr lang="hu-HU" smtClean="0"/>
-              <a:t>2023. 12. 11.</a:t>
+              <a:t>2023. 12. 14.</a:t>
             </a:fld>
             <a:endParaRPr lang="hu-HU"/>
           </a:p>
@@ -459,7 +468,7 @@
           <a:p>
             <a:fld id="{6129DD96-5E77-4586-A2B9-E5BB275D3AE2}" type="datetimeFigureOut">
               <a:rPr lang="hu-HU" smtClean="0"/>
-              <a:t>2023. 12. 11.</a:t>
+              <a:t>2023. 12. 14.</a:t>
             </a:fld>
             <a:endParaRPr lang="hu-HU"/>
           </a:p>
@@ -667,7 +676,7 @@
           <a:p>
             <a:fld id="{6129DD96-5E77-4586-A2B9-E5BB275D3AE2}" type="datetimeFigureOut">
               <a:rPr lang="hu-HU" smtClean="0"/>
-              <a:t>2023. 12. 11.</a:t>
+              <a:t>2023. 12. 14.</a:t>
             </a:fld>
             <a:endParaRPr lang="hu-HU"/>
           </a:p>
@@ -865,7 +874,7 @@
           <a:p>
             <a:fld id="{6129DD96-5E77-4586-A2B9-E5BB275D3AE2}" type="datetimeFigureOut">
               <a:rPr lang="hu-HU" smtClean="0"/>
-              <a:t>2023. 12. 11.</a:t>
+              <a:t>2023. 12. 14.</a:t>
             </a:fld>
             <a:endParaRPr lang="hu-HU"/>
           </a:p>
@@ -1140,7 +1149,7 @@
           <a:p>
             <a:fld id="{6129DD96-5E77-4586-A2B9-E5BB275D3AE2}" type="datetimeFigureOut">
               <a:rPr lang="hu-HU" smtClean="0"/>
-              <a:t>2023. 12. 11.</a:t>
+              <a:t>2023. 12. 14.</a:t>
             </a:fld>
             <a:endParaRPr lang="hu-HU"/>
           </a:p>
@@ -1405,7 +1414,7 @@
           <a:p>
             <a:fld id="{6129DD96-5E77-4586-A2B9-E5BB275D3AE2}" type="datetimeFigureOut">
               <a:rPr lang="hu-HU" smtClean="0"/>
-              <a:t>2023. 12. 11.</a:t>
+              <a:t>2023. 12. 14.</a:t>
             </a:fld>
             <a:endParaRPr lang="hu-HU"/>
           </a:p>
@@ -1817,7 +1826,7 @@
           <a:p>
             <a:fld id="{6129DD96-5E77-4586-A2B9-E5BB275D3AE2}" type="datetimeFigureOut">
               <a:rPr lang="hu-HU" smtClean="0"/>
-              <a:t>2023. 12. 11.</a:t>
+              <a:t>2023. 12. 14.</a:t>
             </a:fld>
             <a:endParaRPr lang="hu-HU"/>
           </a:p>
@@ -1958,7 +1967,7 @@
           <a:p>
             <a:fld id="{6129DD96-5E77-4586-A2B9-E5BB275D3AE2}" type="datetimeFigureOut">
               <a:rPr lang="hu-HU" smtClean="0"/>
-              <a:t>2023. 12. 11.</a:t>
+              <a:t>2023. 12. 14.</a:t>
             </a:fld>
             <a:endParaRPr lang="hu-HU"/>
           </a:p>
@@ -2071,7 +2080,7 @@
           <a:p>
             <a:fld id="{6129DD96-5E77-4586-A2B9-E5BB275D3AE2}" type="datetimeFigureOut">
               <a:rPr lang="hu-HU" smtClean="0"/>
-              <a:t>2023. 12. 11.</a:t>
+              <a:t>2023. 12. 14.</a:t>
             </a:fld>
             <a:endParaRPr lang="hu-HU"/>
           </a:p>
@@ -2382,7 +2391,7 @@
           <a:p>
             <a:fld id="{6129DD96-5E77-4586-A2B9-E5BB275D3AE2}" type="datetimeFigureOut">
               <a:rPr lang="hu-HU" smtClean="0"/>
-              <a:t>2023. 12. 11.</a:t>
+              <a:t>2023. 12. 14.</a:t>
             </a:fld>
             <a:endParaRPr lang="hu-HU"/>
           </a:p>
@@ -2670,7 +2679,7 @@
           <a:p>
             <a:fld id="{6129DD96-5E77-4586-A2B9-E5BB275D3AE2}" type="datetimeFigureOut">
               <a:rPr lang="hu-HU" smtClean="0"/>
-              <a:t>2023. 12. 11.</a:t>
+              <a:t>2023. 12. 14.</a:t>
             </a:fld>
             <a:endParaRPr lang="hu-HU"/>
           </a:p>
@@ -2911,7 +2920,7 @@
           <a:p>
             <a:fld id="{6129DD96-5E77-4586-A2B9-E5BB275D3AE2}" type="datetimeFigureOut">
               <a:rPr lang="hu-HU" smtClean="0"/>
-              <a:t>2023. 12. 11.</a:t>
+              <a:t>2023. 12. 14.</a:t>
             </a:fld>
             <a:endParaRPr lang="hu-HU"/>
           </a:p>
@@ -3314,6 +3323,20 @@
 <file path=ppt/slides/slide1.xml><?xml version="1.0" encoding="utf-8"?>
 <p:sld xmlns:a="http://schemas.openxmlformats.org/drawingml/2006/main" xmlns:r="http://schemas.openxmlformats.org/officeDocument/2006/relationships" xmlns:p="http://schemas.openxmlformats.org/presentationml/2006/main">
   <p:cSld>
+    <p:bg>
+      <p:bgPr>
+        <a:blipFill dpi="0" rotWithShape="1">
+          <a:blip r:embed="rId2">
+            <a:lum/>
+          </a:blip>
+          <a:srcRect/>
+          <a:stretch>
+            <a:fillRect/>
+          </a:stretch>
+        </a:blipFill>
+        <a:effectLst/>
+      </p:bgPr>
+    </p:bg>
     <p:spTree>
       <p:nvGrpSpPr>
         <p:cNvPr id="1" name=""/>
@@ -3328,12 +3351,57 @@
           <a:chExt cx="0" cy="0"/>
         </a:xfrm>
       </p:grpSpPr>
-      <p:sp>
-        <p:nvSpPr>
-          <p:cNvPr id="2" name="Téglalap: lekerekített 1">
-            <a:extLst>
-              <a:ext uri="{FF2B5EF4-FFF2-40B4-BE49-F238E27FC236}">
-                <a16:creationId xmlns:a16="http://schemas.microsoft.com/office/drawing/2014/main" id="{7A51B6C5-23F5-234E-3837-63D1E69B099B}"/>
+      <p:pic>
+        <p:nvPicPr>
+          <p:cNvPr id="1032" name="Picture 8" descr="MacBook Pro">
+            <a:extLst>
+              <a:ext uri="{FF2B5EF4-FFF2-40B4-BE49-F238E27FC236}">
+                <a16:creationId xmlns:a16="http://schemas.microsoft.com/office/drawing/2014/main" id="{277736F9-C298-C84C-0CE9-A68A6DD17D11}"/>
+              </a:ext>
+            </a:extLst>
+          </p:cNvPr>
+          <p:cNvPicPr>
+            <a:picLocks noChangeAspect="1" noChangeArrowheads="1"/>
+          </p:cNvPicPr>
+          <p:nvPr/>
+        </p:nvPicPr>
+        <p:blipFill rotWithShape="1">
+          <a:blip r:embed="rId3">
+            <a:extLst>
+              <a:ext uri="{28A0092B-C50C-407E-A947-70E740481C1C}">
+                <a14:useLocalDpi xmlns:a14="http://schemas.microsoft.com/office/drawing/2010/main" val="0"/>
+              </a:ext>
+            </a:extLst>
+          </a:blip>
+          <a:srcRect t="11728" b="17823"/>
+          <a:stretch/>
+        </p:blipFill>
+        <p:spPr bwMode="auto">
+          <a:xfrm>
+            <a:off x="0" y="0"/>
+            <a:ext cx="12168277" cy="6858001"/>
+          </a:xfrm>
+          <a:prstGeom prst="rect">
+            <a:avLst/>
+          </a:prstGeom>
+          <a:noFill/>
+          <a:extLst>
+            <a:ext uri="{909E8E84-426E-40DD-AFC4-6F175D3DCCD1}">
+              <a14:hiddenFill xmlns:a14="http://schemas.microsoft.com/office/drawing/2010/main">
+                <a:solidFill>
+                  <a:srgbClr val="FFFFFF"/>
+                </a:solidFill>
+              </a14:hiddenFill>
+            </a:ext>
+          </a:extLst>
+        </p:spPr>
+      </p:pic>
+      <p:sp useBgFill="1">
+        <p:nvSpPr>
+          <p:cNvPr id="6" name="Téglalap: lekerekített 5">
+            <a:extLst>
+              <a:ext uri="{FF2B5EF4-FFF2-40B4-BE49-F238E27FC236}">
+                <a16:creationId xmlns:a16="http://schemas.microsoft.com/office/drawing/2014/main" id="{661E97ED-ABBB-9CAD-411A-908DC18A4776}"/>
               </a:ext>
             </a:extLst>
           </p:cNvPr>
@@ -3342,18 +3410,24 @@
         </p:nvSpPr>
         <p:spPr>
           <a:xfrm>
-            <a:off x="12652430" y="3336626"/>
-            <a:ext cx="3438470" cy="1616374"/>
+            <a:off x="3156454" y="1306901"/>
+            <a:ext cx="5879092" cy="4215013"/>
           </a:xfrm>
           <a:prstGeom prst="roundRect">
             <a:avLst/>
           </a:prstGeom>
-          <a:solidFill>
-            <a:schemeClr val="accent1">
-              <a:lumMod val="20000"/>
-              <a:lumOff val="80000"/>
-            </a:schemeClr>
-          </a:solidFill>
+          <a:ln>
+            <a:solidFill>
+              <a:schemeClr val="accent1">
+                <a:shade val="15000"/>
+              </a:schemeClr>
+            </a:solidFill>
+          </a:ln>
+          <a:effectLst>
+            <a:innerShdw blurRad="254000">
+              <a:schemeClr val="bg1"/>
+            </a:innerShdw>
+          </a:effectLst>
         </p:spPr>
         <p:style>
           <a:lnRef idx="2">
@@ -3380,252 +3454,12 @@
           </a:p>
         </p:txBody>
       </p:sp>
-      <p:sp>
-        <p:nvSpPr>
-          <p:cNvPr id="3" name="Téglalap: lekerekített 2">
-            <a:extLst>
-              <a:ext uri="{FF2B5EF4-FFF2-40B4-BE49-F238E27FC236}">
-                <a16:creationId xmlns:a16="http://schemas.microsoft.com/office/drawing/2014/main" id="{DDD0043A-256F-C8B5-F1BB-3B32DF4E0BDD}"/>
-              </a:ext>
-            </a:extLst>
-          </p:cNvPr>
-          <p:cNvSpPr/>
-          <p:nvPr/>
-        </p:nvSpPr>
-        <p:spPr>
-          <a:xfrm>
-            <a:off x="21078880" y="3336626"/>
-            <a:ext cx="3438470" cy="1616374"/>
-          </a:xfrm>
-          <a:prstGeom prst="roundRect">
-            <a:avLst/>
-          </a:prstGeom>
-          <a:solidFill>
-            <a:schemeClr val="accent1">
-              <a:lumMod val="60000"/>
-              <a:lumOff val="40000"/>
-            </a:schemeClr>
-          </a:solidFill>
-        </p:spPr>
-        <p:style>
-          <a:lnRef idx="2">
-            <a:schemeClr val="accent1">
-              <a:shade val="15000"/>
-            </a:schemeClr>
-          </a:lnRef>
-          <a:fillRef idx="1">
-            <a:schemeClr val="accent1"/>
-          </a:fillRef>
-          <a:effectRef idx="0">
-            <a:schemeClr val="accent1"/>
-          </a:effectRef>
-          <a:fontRef idx="minor">
-            <a:schemeClr val="lt1"/>
-          </a:fontRef>
-        </p:style>
-        <p:txBody>
-          <a:bodyPr rtlCol="0" anchor="ctr"/>
-          <a:lstStyle/>
-          <a:p>
-            <a:pPr algn="ctr"/>
-            <a:endParaRPr lang="hu-HU"/>
-          </a:p>
-        </p:txBody>
-      </p:sp>
-      <p:sp>
-        <p:nvSpPr>
-          <p:cNvPr id="4" name="Téglalap: lekerekített 3">
-            <a:extLst>
-              <a:ext uri="{FF2B5EF4-FFF2-40B4-BE49-F238E27FC236}">
-                <a16:creationId xmlns:a16="http://schemas.microsoft.com/office/drawing/2014/main" id="{7A429D45-3DFA-A9F6-FEA9-200E2B0D1AB3}"/>
-              </a:ext>
-            </a:extLst>
-          </p:cNvPr>
-          <p:cNvSpPr/>
-          <p:nvPr/>
-        </p:nvSpPr>
-        <p:spPr>
-          <a:xfrm>
-            <a:off x="29505330" y="3336626"/>
-            <a:ext cx="3438470" cy="1616374"/>
-          </a:xfrm>
-          <a:prstGeom prst="roundRect">
-            <a:avLst/>
-          </a:prstGeom>
-          <a:solidFill>
-            <a:schemeClr val="accent1">
-              <a:lumMod val="50000"/>
-            </a:schemeClr>
-          </a:solidFill>
-        </p:spPr>
-        <p:style>
-          <a:lnRef idx="2">
-            <a:schemeClr val="accent1">
-              <a:shade val="15000"/>
-            </a:schemeClr>
-          </a:lnRef>
-          <a:fillRef idx="1">
-            <a:schemeClr val="accent1"/>
-          </a:fillRef>
-          <a:effectRef idx="0">
-            <a:schemeClr val="accent1"/>
-          </a:effectRef>
-          <a:fontRef idx="minor">
-            <a:schemeClr val="lt1"/>
-          </a:fontRef>
-        </p:style>
-        <p:txBody>
-          <a:bodyPr rtlCol="0" anchor="ctr"/>
-          <a:lstStyle/>
-          <a:p>
-            <a:pPr algn="ctr"/>
-            <a:endParaRPr lang="hu-HU"/>
-          </a:p>
-        </p:txBody>
-      </p:sp>
       <p:pic>
         <p:nvPicPr>
-          <p:cNvPr id="5" name="Ábra 4" descr="Számítógép egyszínű kitöltéssel">
-            <a:extLst>
-              <a:ext uri="{FF2B5EF4-FFF2-40B4-BE49-F238E27FC236}">
-                <a16:creationId xmlns:a16="http://schemas.microsoft.com/office/drawing/2014/main" id="{3C9392A3-9E76-67CA-8C95-E0AD1C0A2209}"/>
-              </a:ext>
-            </a:extLst>
-          </p:cNvPr>
-          <p:cNvPicPr>
-            <a:picLocks noChangeAspect="1"/>
-          </p:cNvPicPr>
-          <p:nvPr/>
-        </p:nvPicPr>
-        <p:blipFill>
-          <a:blip r:embed="rId2">
-            <a:extLst>
-              <a:ext uri="{28A0092B-C50C-407E-A947-70E740481C1C}">
-                <a14:useLocalDpi xmlns:a14="http://schemas.microsoft.com/office/drawing/2010/main" val="0"/>
-              </a:ext>
-              <a:ext uri="{96DAC541-7B7A-43D3-8B79-37D633B846F1}">
-                <asvg:svgBlip xmlns:asvg="http://schemas.microsoft.com/office/drawing/2016/SVG/main" r:embed="rId3"/>
-              </a:ext>
-            </a:extLst>
-          </a:blip>
-          <a:stretch>
-            <a:fillRect/>
-          </a:stretch>
-        </p:blipFill>
-        <p:spPr>
-          <a:xfrm>
-            <a:off x="4527550" y="2576363"/>
-            <a:ext cx="3136900" cy="3136900"/>
-          </a:xfrm>
-          <a:prstGeom prst="rect">
-            <a:avLst/>
-          </a:prstGeom>
-        </p:spPr>
-      </p:pic>
-      <p:cxnSp>
-        <p:nvCxnSpPr>
-          <p:cNvPr id="6" name="Egyenes összekötő 5">
-            <a:extLst>
-              <a:ext uri="{FF2B5EF4-FFF2-40B4-BE49-F238E27FC236}">
-                <a16:creationId xmlns:a16="http://schemas.microsoft.com/office/drawing/2014/main" id="{A0EF3063-8FD3-7616-949C-85E4008989A7}"/>
-              </a:ext>
-            </a:extLst>
-          </p:cNvPr>
-          <p:cNvCxnSpPr>
-            <a:cxnSpLocks/>
-            <a:stCxn id="5" idx="3"/>
-            <a:endCxn id="2" idx="1"/>
-          </p:cNvCxnSpPr>
-          <p:nvPr/>
-        </p:nvCxnSpPr>
-        <p:spPr>
-          <a:xfrm>
-            <a:off x="7664450" y="4144813"/>
-            <a:ext cx="4987980" cy="0"/>
-          </a:xfrm>
-          <a:prstGeom prst="line">
-            <a:avLst/>
-          </a:prstGeom>
-          <a:ln w="25400" cap="flat" cmpd="sng" algn="ctr">
-            <a:solidFill>
-              <a:schemeClr val="dk1"/>
-            </a:solidFill>
-            <a:prstDash val="dash"/>
-            <a:round/>
-            <a:headEnd type="none" w="med" len="med"/>
-            <a:tailEnd type="none" w="med" len="med"/>
-          </a:ln>
-        </p:spPr>
-        <p:style>
-          <a:lnRef idx="0">
-            <a:scrgbClr r="0" g="0" b="0"/>
-          </a:lnRef>
-          <a:fillRef idx="0">
-            <a:scrgbClr r="0" g="0" b="0"/>
-          </a:fillRef>
-          <a:effectRef idx="0">
-            <a:scrgbClr r="0" g="0" b="0"/>
-          </a:effectRef>
-          <a:fontRef idx="minor">
-            <a:schemeClr val="tx1"/>
-          </a:fontRef>
-        </p:style>
-      </p:cxnSp>
-      <p:cxnSp>
-        <p:nvCxnSpPr>
-          <p:cNvPr id="7" name="Egyenes összekötő 6">
-            <a:extLst>
-              <a:ext uri="{FF2B5EF4-FFF2-40B4-BE49-F238E27FC236}">
-                <a16:creationId xmlns:a16="http://schemas.microsoft.com/office/drawing/2014/main" id="{A7D1F4B4-F312-EE02-3CD1-77A94E6D751C}"/>
-              </a:ext>
-            </a:extLst>
-          </p:cNvPr>
-          <p:cNvCxnSpPr>
-            <a:cxnSpLocks/>
-            <a:stCxn id="2" idx="3"/>
-            <a:endCxn id="3" idx="1"/>
-          </p:cNvCxnSpPr>
-          <p:nvPr/>
-        </p:nvCxnSpPr>
-        <p:spPr>
-          <a:xfrm>
-            <a:off x="16090900" y="4144813"/>
-            <a:ext cx="4987980" cy="0"/>
-          </a:xfrm>
-          <a:prstGeom prst="line">
-            <a:avLst/>
-          </a:prstGeom>
-          <a:ln w="25400" cap="flat" cmpd="sng" algn="ctr">
-            <a:solidFill>
-              <a:schemeClr val="dk1"/>
-            </a:solidFill>
-            <a:prstDash val="dash"/>
-            <a:round/>
-            <a:headEnd type="none" w="med" len="med"/>
-            <a:tailEnd type="none" w="med" len="med"/>
-          </a:ln>
-        </p:spPr>
-        <p:style>
-          <a:lnRef idx="0">
-            <a:scrgbClr r="0" g="0" b="0"/>
-          </a:lnRef>
-          <a:fillRef idx="0">
-            <a:scrgbClr r="0" g="0" b="0"/>
-          </a:fillRef>
-          <a:effectRef idx="0">
-            <a:scrgbClr r="0" g="0" b="0"/>
-          </a:effectRef>
-          <a:fontRef idx="minor">
-            <a:schemeClr val="tx1"/>
-          </a:fontRef>
-        </p:style>
-      </p:cxnSp>
-      <p:pic>
-        <p:nvPicPr>
-          <p:cNvPr id="10" name="Kép 9" descr="A képen szöveg, Grafika, Betűtípus, szimbólum látható&#10;&#10;Automatikusan generált leírás">
-            <a:extLst>
-              <a:ext uri="{FF2B5EF4-FFF2-40B4-BE49-F238E27FC236}">
-                <a16:creationId xmlns:a16="http://schemas.microsoft.com/office/drawing/2014/main" id="{EB75F6A8-045A-7F35-C49D-9148F9E860C2}"/>
+          <p:cNvPr id="16" name="Kép 15" descr="A képen Betűtípus, Grafika, embléma, Grafikus tervezés látható&#10;&#10;Automatikusan generált leírás">
+            <a:extLst>
+              <a:ext uri="{FF2B5EF4-FFF2-40B4-BE49-F238E27FC236}">
+                <a16:creationId xmlns:a16="http://schemas.microsoft.com/office/drawing/2014/main" id="{9883CE8C-9286-4615-EA0A-CBB377DC328A}"/>
               </a:ext>
             </a:extLst>
           </p:cNvPr>
@@ -3648,102 +3482,20 @@
         </p:blipFill>
         <p:spPr>
           <a:xfrm>
-            <a:off x="4593842" y="3429000"/>
-            <a:ext cx="1990687" cy="1119761"/>
+            <a:off x="14308620" y="2132693"/>
+            <a:ext cx="3918454" cy="2484873"/>
           </a:xfrm>
           <a:prstGeom prst="rect">
             <a:avLst/>
           </a:prstGeom>
         </p:spPr>
       </p:pic>
-    </p:spTree>
-    <p:extLst>
-      <p:ext uri="{BB962C8B-B14F-4D97-AF65-F5344CB8AC3E}">
-        <p14:creationId xmlns:p14="http://schemas.microsoft.com/office/powerpoint/2010/main" val="2826745602"/>
-      </p:ext>
-    </p:extLst>
-  </p:cSld>
-  <p:clrMapOvr>
-    <a:masterClrMapping/>
-  </p:clrMapOvr>
-</p:sld>
-</file>
-
-<file path=ppt/slides/slide2.xml><?xml version="1.0" encoding="utf-8"?>
-<p:sld xmlns:a="http://schemas.openxmlformats.org/drawingml/2006/main" xmlns:r="http://schemas.openxmlformats.org/officeDocument/2006/relationships" xmlns:p="http://schemas.openxmlformats.org/presentationml/2006/main">
-  <p:cSld>
-    <p:spTree>
-      <p:nvGrpSpPr>
-        <p:cNvPr id="1" name=""/>
-        <p:cNvGrpSpPr/>
-        <p:nvPr/>
-      </p:nvGrpSpPr>
-      <p:grpSpPr>
-        <a:xfrm>
-          <a:off x="0" y="0"/>
-          <a:ext cx="0" cy="0"/>
-          <a:chOff x="0" y="0"/>
-          <a:chExt cx="0" cy="0"/>
-        </a:xfrm>
-      </p:grpSpPr>
-      <p:sp>
-        <p:nvSpPr>
-          <p:cNvPr id="4" name="Téglalap: lekerekített 3">
-            <a:extLst>
-              <a:ext uri="{FF2B5EF4-FFF2-40B4-BE49-F238E27FC236}">
-                <a16:creationId xmlns:a16="http://schemas.microsoft.com/office/drawing/2014/main" id="{58C1CB8E-6771-E98F-5E07-282BE81E4151}"/>
-              </a:ext>
-            </a:extLst>
-          </p:cNvPr>
-          <p:cNvSpPr/>
-          <p:nvPr/>
-        </p:nvSpPr>
-        <p:spPr>
-          <a:xfrm>
-            <a:off x="13816358" y="1594296"/>
-            <a:ext cx="9187814" cy="3669408"/>
-          </a:xfrm>
-          <a:prstGeom prst="roundRect">
-            <a:avLst/>
-          </a:prstGeom>
-          <a:solidFill>
-            <a:schemeClr val="accent1">
-              <a:lumMod val="20000"/>
-              <a:lumOff val="80000"/>
-            </a:schemeClr>
-          </a:solidFill>
-        </p:spPr>
-        <p:style>
-          <a:lnRef idx="2">
-            <a:schemeClr val="accent1">
-              <a:shade val="15000"/>
-            </a:schemeClr>
-          </a:lnRef>
-          <a:fillRef idx="1">
-            <a:schemeClr val="accent1"/>
-          </a:fillRef>
-          <a:effectRef idx="0">
-            <a:schemeClr val="accent1"/>
-          </a:effectRef>
-          <a:fontRef idx="minor">
-            <a:schemeClr val="lt1"/>
-          </a:fontRef>
-        </p:style>
-        <p:txBody>
-          <a:bodyPr rtlCol="0" anchor="ctr"/>
-          <a:lstStyle/>
-          <a:p>
-            <a:pPr algn="ctr"/>
-            <a:endParaRPr lang="hu-HU" dirty="0"/>
-          </a:p>
-        </p:txBody>
-      </p:sp>
       <p:pic>
         <p:nvPicPr>
-          <p:cNvPr id="5" name="Ábra 4" descr="Számítógép egyszínű kitöltéssel">
-            <a:extLst>
-              <a:ext uri="{FF2B5EF4-FFF2-40B4-BE49-F238E27FC236}">
-                <a16:creationId xmlns:a16="http://schemas.microsoft.com/office/drawing/2014/main" id="{34A02D9F-A4E8-D6EF-FAC9-13A16811E16E}"/>
+          <p:cNvPr id="15" name="Kép 14" descr="A képen szöveg, Grafika, Betűtípus, szimbólum látható&#10;&#10;Automatikusan generált leírás">
+            <a:extLst>
+              <a:ext uri="{FF2B5EF4-FFF2-40B4-BE49-F238E27FC236}">
+                <a16:creationId xmlns:a16="http://schemas.microsoft.com/office/drawing/2014/main" id="{5921782C-15EC-6A91-BE26-BAB571D2E13B}"/>
               </a:ext>
             </a:extLst>
           </p:cNvPr>
@@ -3752,120 +3504,192 @@
           </p:cNvPicPr>
           <p:nvPr/>
         </p:nvPicPr>
-        <p:blipFill>
-          <a:blip r:embed="rId2">
+        <p:blipFill rotWithShape="1">
+          <a:blip r:embed="rId5">
             <a:extLst>
               <a:ext uri="{28A0092B-C50C-407E-A947-70E740481C1C}">
                 <a14:useLocalDpi xmlns:a14="http://schemas.microsoft.com/office/drawing/2010/main" val="0"/>
               </a:ext>
-              <a:ext uri="{96DAC541-7B7A-43D3-8B79-37D633B846F1}">
-                <asvg:svgBlip xmlns:asvg="http://schemas.microsoft.com/office/drawing/2016/SVG/main" r:embed="rId3"/>
-              </a:ext>
             </a:extLst>
           </a:blip>
-          <a:stretch>
-            <a:fillRect/>
-          </a:stretch>
+          <a:srcRect l="21440" t="20172" r="20828" b="25427"/>
+          <a:stretch/>
         </p:blipFill>
         <p:spPr>
           <a:xfrm>
-            <a:off x="2057400" y="-762000"/>
-            <a:ext cx="8382000" cy="8382000"/>
+            <a:off x="3826042" y="2211251"/>
+            <a:ext cx="4539916" cy="2406315"/>
           </a:xfrm>
           <a:prstGeom prst="rect">
             <a:avLst/>
           </a:prstGeom>
         </p:spPr>
       </p:pic>
-      <p:cxnSp>
-        <p:nvCxnSpPr>
-          <p:cNvPr id="6" name="Egyenes összekötő 5">
-            <a:extLst>
-              <a:ext uri="{FF2B5EF4-FFF2-40B4-BE49-F238E27FC236}">
-                <a16:creationId xmlns:a16="http://schemas.microsoft.com/office/drawing/2014/main" id="{49837EE7-732B-DFAB-FD4D-50511E377156}"/>
-              </a:ext>
-            </a:extLst>
-          </p:cNvPr>
-          <p:cNvCxnSpPr>
-            <a:cxnSpLocks/>
-            <a:stCxn id="5" idx="3"/>
-            <a:endCxn id="4" idx="1"/>
-          </p:cNvCxnSpPr>
-          <p:nvPr/>
-        </p:nvCxnSpPr>
-        <p:spPr>
-          <a:xfrm>
-            <a:off x="10439400" y="3429000"/>
-            <a:ext cx="3376958" cy="0"/>
-          </a:xfrm>
-          <a:prstGeom prst="line">
-            <a:avLst/>
-          </a:prstGeom>
-          <a:ln w="25400" cap="flat" cmpd="sng" algn="ctr">
-            <a:solidFill>
-              <a:schemeClr val="dk1"/>
-            </a:solidFill>
-            <a:prstDash val="dash"/>
-            <a:round/>
-            <a:headEnd type="none" w="med" len="med"/>
-            <a:tailEnd type="none" w="med" len="med"/>
-          </a:ln>
-        </p:spPr>
-        <p:style>
-          <a:lnRef idx="0">
-            <a:scrgbClr r="0" g="0" b="0"/>
-          </a:lnRef>
-          <a:fillRef idx="0">
-            <a:scrgbClr r="0" g="0" b="0"/>
-          </a:fillRef>
-          <a:effectRef idx="0">
-            <a:scrgbClr r="0" g="0" b="0"/>
-          </a:effectRef>
-          <a:fontRef idx="minor">
-            <a:schemeClr val="tx1"/>
-          </a:fontRef>
-        </p:style>
-      </p:cxnSp>
       <p:pic>
         <p:nvPicPr>
-          <p:cNvPr id="9" name="Kép 8" descr="A képen szöveg, Grafika, Betűtípus, szimbólum látható&#10;&#10;Automatikusan generált leírás">
-            <a:extLst>
-              <a:ext uri="{FF2B5EF4-FFF2-40B4-BE49-F238E27FC236}">
-                <a16:creationId xmlns:a16="http://schemas.microsoft.com/office/drawing/2014/main" id="{63F9A9ED-BBDD-0179-6F41-AD2CD16C0A7F}"/>
+          <p:cNvPr id="20" name="Kép 19" descr="MacBook Pro">
+            <a:extLst>
+              <a:ext uri="{FF2B5EF4-FFF2-40B4-BE49-F238E27FC236}">
+                <a16:creationId xmlns:a16="http://schemas.microsoft.com/office/drawing/2014/main" id="{21F80F2A-19A2-BE61-98F7-92EB1D6C434B}"/>
               </a:ext>
             </a:extLst>
           </p:cNvPr>
           <p:cNvPicPr>
-            <a:picLocks noChangeAspect="1"/>
+            <a:picLocks noChangeAspect="1" noChangeArrowheads="1"/>
           </p:cNvPicPr>
           <p:nvPr/>
         </p:nvPicPr>
-        <p:blipFill>
-          <a:blip r:embed="rId4">
+        <p:blipFill rotWithShape="1">
+          <a:blip r:embed="rId3">
             <a:extLst>
               <a:ext uri="{28A0092B-C50C-407E-A947-70E740481C1C}">
                 <a14:useLocalDpi xmlns:a14="http://schemas.microsoft.com/office/drawing/2010/main" val="0"/>
               </a:ext>
             </a:extLst>
           </a:blip>
-          <a:stretch>
-            <a:fillRect/>
-          </a:stretch>
+          <a:srcRect t="11728" b="17823"/>
+          <a:stretch/>
         </p:blipFill>
-        <p:spPr>
-          <a:xfrm>
-            <a:off x="1955800" y="1363976"/>
-            <a:ext cx="5852172" cy="3291847"/>
-          </a:xfrm>
-          <a:prstGeom prst="rect">
+        <p:spPr bwMode="auto">
+          <a:xfrm>
+            <a:off x="-23724" y="-13370"/>
+            <a:ext cx="12215723" cy="6884741"/>
+          </a:xfrm>
+          <a:custGeom>
             <a:avLst/>
-          </a:prstGeom>
+            <a:gdLst>
+              <a:gd name="connsiteX0" fmla="*/ 3881240 w 12192000"/>
+              <a:gd name="connsiteY0" fmla="*/ 1321493 h 6871371"/>
+              <a:gd name="connsiteX1" fmla="*/ 3178724 w 12192000"/>
+              <a:gd name="connsiteY1" fmla="*/ 2024009 h 6871371"/>
+              <a:gd name="connsiteX2" fmla="*/ 3178724 w 12192000"/>
+              <a:gd name="connsiteY2" fmla="*/ 4833990 h 6871371"/>
+              <a:gd name="connsiteX3" fmla="*/ 3881240 w 12192000"/>
+              <a:gd name="connsiteY3" fmla="*/ 5536506 h 6871371"/>
+              <a:gd name="connsiteX4" fmla="*/ 8355300 w 12192000"/>
+              <a:gd name="connsiteY4" fmla="*/ 5536506 h 6871371"/>
+              <a:gd name="connsiteX5" fmla="*/ 9057816 w 12192000"/>
+              <a:gd name="connsiteY5" fmla="*/ 4833990 h 6871371"/>
+              <a:gd name="connsiteX6" fmla="*/ 9057816 w 12192000"/>
+              <a:gd name="connsiteY6" fmla="*/ 2024009 h 6871371"/>
+              <a:gd name="connsiteX7" fmla="*/ 8355300 w 12192000"/>
+              <a:gd name="connsiteY7" fmla="*/ 1321493 h 6871371"/>
+              <a:gd name="connsiteX8" fmla="*/ 0 w 12192000"/>
+              <a:gd name="connsiteY8" fmla="*/ 0 h 6871371"/>
+              <a:gd name="connsiteX9" fmla="*/ 12192000 w 12192000"/>
+              <a:gd name="connsiteY9" fmla="*/ 0 h 6871371"/>
+              <a:gd name="connsiteX10" fmla="*/ 12192000 w 12192000"/>
+              <a:gd name="connsiteY10" fmla="*/ 6871371 h 6871371"/>
+              <a:gd name="connsiteX11" fmla="*/ 0 w 12192000"/>
+              <a:gd name="connsiteY11" fmla="*/ 6871371 h 6871371"/>
+            </a:gdLst>
+            <a:ahLst/>
+            <a:cxnLst>
+              <a:cxn ang="0">
+                <a:pos x="connsiteX0" y="connsiteY0"/>
+              </a:cxn>
+              <a:cxn ang="0">
+                <a:pos x="connsiteX1" y="connsiteY1"/>
+              </a:cxn>
+              <a:cxn ang="0">
+                <a:pos x="connsiteX2" y="connsiteY2"/>
+              </a:cxn>
+              <a:cxn ang="0">
+                <a:pos x="connsiteX3" y="connsiteY3"/>
+              </a:cxn>
+              <a:cxn ang="0">
+                <a:pos x="connsiteX4" y="connsiteY4"/>
+              </a:cxn>
+              <a:cxn ang="0">
+                <a:pos x="connsiteX5" y="connsiteY5"/>
+              </a:cxn>
+              <a:cxn ang="0">
+                <a:pos x="connsiteX6" y="connsiteY6"/>
+              </a:cxn>
+              <a:cxn ang="0">
+                <a:pos x="connsiteX7" y="connsiteY7"/>
+              </a:cxn>
+              <a:cxn ang="0">
+                <a:pos x="connsiteX8" y="connsiteY8"/>
+              </a:cxn>
+              <a:cxn ang="0">
+                <a:pos x="connsiteX9" y="connsiteY9"/>
+              </a:cxn>
+              <a:cxn ang="0">
+                <a:pos x="connsiteX10" y="connsiteY10"/>
+              </a:cxn>
+              <a:cxn ang="0">
+                <a:pos x="connsiteX11" y="connsiteY11"/>
+              </a:cxn>
+            </a:cxnLst>
+            <a:rect l="l" t="t" r="r" b="b"/>
+            <a:pathLst>
+              <a:path w="12192000" h="6871371">
+                <a:moveTo>
+                  <a:pt x="3881240" y="1321493"/>
+                </a:moveTo>
+                <a:cubicBezTo>
+                  <a:pt x="3493251" y="1321493"/>
+                  <a:pt x="3178724" y="1636020"/>
+                  <a:pt x="3178724" y="2024009"/>
+                </a:cubicBezTo>
+                <a:lnTo>
+                  <a:pt x="3178724" y="4833990"/>
+                </a:lnTo>
+                <a:cubicBezTo>
+                  <a:pt x="3178724" y="5221979"/>
+                  <a:pt x="3493251" y="5536506"/>
+                  <a:pt x="3881240" y="5536506"/>
+                </a:cubicBezTo>
+                <a:lnTo>
+                  <a:pt x="8355300" y="5536506"/>
+                </a:lnTo>
+                <a:cubicBezTo>
+                  <a:pt x="8743289" y="5536506"/>
+                  <a:pt x="9057816" y="5221979"/>
+                  <a:pt x="9057816" y="4833990"/>
+                </a:cubicBezTo>
+                <a:lnTo>
+                  <a:pt x="9057816" y="2024009"/>
+                </a:lnTo>
+                <a:cubicBezTo>
+                  <a:pt x="9057816" y="1636020"/>
+                  <a:pt x="8743289" y="1321493"/>
+                  <a:pt x="8355300" y="1321493"/>
+                </a:cubicBezTo>
+                <a:close/>
+                <a:moveTo>
+                  <a:pt x="0" y="0"/>
+                </a:moveTo>
+                <a:lnTo>
+                  <a:pt x="12192000" y="0"/>
+                </a:lnTo>
+                <a:lnTo>
+                  <a:pt x="12192000" y="6871371"/>
+                </a:lnTo>
+                <a:lnTo>
+                  <a:pt x="0" y="6871371"/>
+                </a:lnTo>
+                <a:close/>
+              </a:path>
+            </a:pathLst>
+          </a:custGeom>
+          <a:noFill/>
+          <a:extLst>
+            <a:ext uri="{909E8E84-426E-40DD-AFC4-6F175D3DCCD1}">
+              <a14:hiddenFill xmlns:a14="http://schemas.microsoft.com/office/drawing/2010/main">
+                <a:solidFill>
+                  <a:srgbClr val="FFFFFF"/>
+                </a:solidFill>
+              </a14:hiddenFill>
+            </a:ext>
+          </a:extLst>
         </p:spPr>
       </p:pic>
     </p:spTree>
     <p:extLst>
       <p:ext uri="{BB962C8B-B14F-4D97-AF65-F5344CB8AC3E}">
-        <p14:creationId xmlns:p14="http://schemas.microsoft.com/office/powerpoint/2010/main" val="2655748658"/>
+        <p14:creationId xmlns:p14="http://schemas.microsoft.com/office/powerpoint/2010/main" val="3038464505"/>
       </p:ext>
     </p:extLst>
   </p:cSld>
@@ -3887,7 +3711,7 @@
 </p:sld>
 </file>
 
-<file path=ppt/slides/slide3.xml><?xml version="1.0" encoding="utf-8"?>
+<file path=ppt/slides/slide10.xml><?xml version="1.0" encoding="utf-8"?>
 <p:sld xmlns:a="http://schemas.openxmlformats.org/drawingml/2006/main" xmlns:r="http://schemas.openxmlformats.org/officeDocument/2006/relationships" xmlns:p="http://schemas.openxmlformats.org/presentationml/2006/main">
   <p:cSld>
     <p:spTree>
@@ -3906,10 +3730,10 @@
       </p:grpSpPr>
       <p:sp>
         <p:nvSpPr>
-          <p:cNvPr id="4" name="Téglalap: lekerekített 3">
-            <a:extLst>
-              <a:ext uri="{FF2B5EF4-FFF2-40B4-BE49-F238E27FC236}">
-                <a16:creationId xmlns:a16="http://schemas.microsoft.com/office/drawing/2014/main" id="{C6152D2F-52ED-30A8-B75A-FDCAD592B177}"/>
+          <p:cNvPr id="26" name="Téglalap: lekerekített 25">
+            <a:extLst>
+              <a:ext uri="{FF2B5EF4-FFF2-40B4-BE49-F238E27FC236}">
+                <a16:creationId xmlns:a16="http://schemas.microsoft.com/office/drawing/2014/main" id="{CDC5B521-8D22-63F7-65A5-4A5AFDC31CA4}"/>
               </a:ext>
             </a:extLst>
           </p:cNvPr>
@@ -3918,7 +3742,7 @@
         </p:nvSpPr>
         <p:spPr>
           <a:xfrm>
-            <a:off x="12652430" y="3336626"/>
+            <a:off x="4376765" y="3336626"/>
             <a:ext cx="3438470" cy="1616374"/>
           </a:xfrm>
           <a:prstGeom prst="roundRect">
@@ -3958,10 +3782,10 @@
       </p:sp>
       <p:sp>
         <p:nvSpPr>
-          <p:cNvPr id="5" name="Téglalap: lekerekített 4">
-            <a:extLst>
-              <a:ext uri="{FF2B5EF4-FFF2-40B4-BE49-F238E27FC236}">
-                <a16:creationId xmlns:a16="http://schemas.microsoft.com/office/drawing/2014/main" id="{19A6A60B-3008-71D0-FDD6-2A6EF29A9B8B}"/>
+          <p:cNvPr id="27" name="Téglalap: lekerekített 26">
+            <a:extLst>
+              <a:ext uri="{FF2B5EF4-FFF2-40B4-BE49-F238E27FC236}">
+                <a16:creationId xmlns:a16="http://schemas.microsoft.com/office/drawing/2014/main" id="{FF2724CB-5BF3-C8EC-6F75-9D9CB588C12C}"/>
               </a:ext>
             </a:extLst>
           </p:cNvPr>
@@ -3970,7 +3794,7 @@
         </p:nvSpPr>
         <p:spPr>
           <a:xfrm>
-            <a:off x="21078880" y="3336626"/>
+            <a:off x="12803215" y="3336626"/>
             <a:ext cx="3438470" cy="1616374"/>
           </a:xfrm>
           <a:prstGeom prst="roundRect">
@@ -4010,10 +3834,10 @@
       </p:sp>
       <p:sp>
         <p:nvSpPr>
-          <p:cNvPr id="6" name="Téglalap: lekerekített 5">
-            <a:extLst>
-              <a:ext uri="{FF2B5EF4-FFF2-40B4-BE49-F238E27FC236}">
-                <a16:creationId xmlns:a16="http://schemas.microsoft.com/office/drawing/2014/main" id="{D86BD0F8-2F5D-B8FC-4CF8-E312C7036DB0}"/>
+          <p:cNvPr id="28" name="Téglalap: lekerekített 27">
+            <a:extLst>
+              <a:ext uri="{FF2B5EF4-FFF2-40B4-BE49-F238E27FC236}">
+                <a16:creationId xmlns:a16="http://schemas.microsoft.com/office/drawing/2014/main" id="{01D43A0F-D0D7-EA22-7A6E-FB5C8FEE0DB6}"/>
               </a:ext>
             </a:extLst>
           </p:cNvPr>
@@ -4022,7 +3846,7 @@
         </p:nvSpPr>
         <p:spPr>
           <a:xfrm>
-            <a:off x="29505330" y="3336626"/>
+            <a:off x="21229665" y="3336626"/>
             <a:ext cx="3438470" cy="1616374"/>
           </a:xfrm>
           <a:prstGeom prst="roundRect">
@@ -4059,196 +3883,23 @@
           </a:p>
         </p:txBody>
       </p:sp>
-      <p:pic>
-        <p:nvPicPr>
-          <p:cNvPr id="7" name="Ábra 6" descr="Számítógép egyszínű kitöltéssel">
-            <a:extLst>
-              <a:ext uri="{FF2B5EF4-FFF2-40B4-BE49-F238E27FC236}">
-                <a16:creationId xmlns:a16="http://schemas.microsoft.com/office/drawing/2014/main" id="{88F1256D-5ADC-F904-5A6F-5D1C9AC366B1}"/>
-              </a:ext>
-            </a:extLst>
-          </p:cNvPr>
-          <p:cNvPicPr>
-            <a:picLocks noChangeAspect="1"/>
-          </p:cNvPicPr>
-          <p:nvPr/>
-        </p:nvPicPr>
-        <p:blipFill>
-          <a:blip r:embed="rId2">
-            <a:extLst>
-              <a:ext uri="{28A0092B-C50C-407E-A947-70E740481C1C}">
-                <a14:useLocalDpi xmlns:a14="http://schemas.microsoft.com/office/drawing/2010/main" val="0"/>
-              </a:ext>
-              <a:ext uri="{96DAC541-7B7A-43D3-8B79-37D633B846F1}">
-                <asvg:svgBlip xmlns:asvg="http://schemas.microsoft.com/office/drawing/2016/SVG/main" r:embed="rId3"/>
-              </a:ext>
-            </a:extLst>
-          </a:blip>
-          <a:stretch>
-            <a:fillRect/>
-          </a:stretch>
-        </p:blipFill>
-        <p:spPr>
-          <a:xfrm>
-            <a:off x="4527550" y="2576363"/>
-            <a:ext cx="3136900" cy="3136900"/>
-          </a:xfrm>
-          <a:prstGeom prst="rect">
-            <a:avLst/>
-          </a:prstGeom>
-        </p:spPr>
-      </p:pic>
-      <p:cxnSp>
-        <p:nvCxnSpPr>
-          <p:cNvPr id="8" name="Egyenes összekötő 7">
-            <a:extLst>
-              <a:ext uri="{FF2B5EF4-FFF2-40B4-BE49-F238E27FC236}">
-                <a16:creationId xmlns:a16="http://schemas.microsoft.com/office/drawing/2014/main" id="{C54B23C7-7C78-56E1-7ACD-3A73E90B28BD}"/>
-              </a:ext>
-            </a:extLst>
-          </p:cNvPr>
-          <p:cNvCxnSpPr>
-            <a:cxnSpLocks/>
-            <a:stCxn id="7" idx="3"/>
-            <a:endCxn id="4" idx="1"/>
-          </p:cNvCxnSpPr>
-          <p:nvPr/>
-        </p:nvCxnSpPr>
-        <p:spPr>
-          <a:xfrm>
-            <a:off x="7664450" y="4144813"/>
-            <a:ext cx="4987980" cy="0"/>
-          </a:xfrm>
-          <a:prstGeom prst="line">
-            <a:avLst/>
-          </a:prstGeom>
-          <a:ln w="25400" cap="flat" cmpd="sng" algn="ctr">
-            <a:solidFill>
-              <a:schemeClr val="dk1"/>
-            </a:solidFill>
-            <a:prstDash val="dash"/>
-            <a:round/>
-            <a:headEnd type="none" w="med" len="med"/>
-            <a:tailEnd type="none" w="med" len="med"/>
-          </a:ln>
-        </p:spPr>
-        <p:style>
-          <a:lnRef idx="0">
-            <a:scrgbClr r="0" g="0" b="0"/>
-          </a:lnRef>
-          <a:fillRef idx="0">
-            <a:scrgbClr r="0" g="0" b="0"/>
-          </a:fillRef>
-          <a:effectRef idx="0">
-            <a:scrgbClr r="0" g="0" b="0"/>
-          </a:effectRef>
-          <a:fontRef idx="minor">
-            <a:schemeClr val="tx1"/>
-          </a:fontRef>
-        </p:style>
-      </p:cxnSp>
-      <p:cxnSp>
-        <p:nvCxnSpPr>
-          <p:cNvPr id="9" name="Egyenes összekötő 8">
-            <a:extLst>
-              <a:ext uri="{FF2B5EF4-FFF2-40B4-BE49-F238E27FC236}">
-                <a16:creationId xmlns:a16="http://schemas.microsoft.com/office/drawing/2014/main" id="{7C9ACF3B-F617-C19C-466B-35AB4EE801F3}"/>
-              </a:ext>
-            </a:extLst>
-          </p:cNvPr>
-          <p:cNvCxnSpPr>
-            <a:cxnSpLocks/>
-            <a:stCxn id="4" idx="3"/>
-            <a:endCxn id="5" idx="1"/>
-          </p:cNvCxnSpPr>
-          <p:nvPr/>
-        </p:nvCxnSpPr>
-        <p:spPr>
-          <a:xfrm>
-            <a:off x="16090900" y="4144813"/>
-            <a:ext cx="4987980" cy="0"/>
-          </a:xfrm>
-          <a:prstGeom prst="line">
-            <a:avLst/>
-          </a:prstGeom>
-          <a:ln w="25400" cap="flat" cmpd="sng" algn="ctr">
-            <a:solidFill>
-              <a:schemeClr val="dk1"/>
-            </a:solidFill>
-            <a:prstDash val="dash"/>
-            <a:round/>
-            <a:headEnd type="none" w="med" len="med"/>
-            <a:tailEnd type="none" w="med" len="med"/>
-          </a:ln>
-        </p:spPr>
-        <p:style>
-          <a:lnRef idx="0">
-            <a:scrgbClr r="0" g="0" b="0"/>
-          </a:lnRef>
-          <a:fillRef idx="0">
-            <a:scrgbClr r="0" g="0" b="0"/>
-          </a:fillRef>
-          <a:effectRef idx="0">
-            <a:scrgbClr r="0" g="0" b="0"/>
-          </a:effectRef>
-          <a:fontRef idx="minor">
-            <a:schemeClr val="tx1"/>
-          </a:fontRef>
-        </p:style>
-      </p:cxnSp>
-      <p:pic>
-        <p:nvPicPr>
-          <p:cNvPr id="10" name="Kép 9" descr="A képen szöveg, Grafika, Betűtípus, szimbólum látható&#10;&#10;Automatikusan generált leírás">
-            <a:extLst>
-              <a:ext uri="{FF2B5EF4-FFF2-40B4-BE49-F238E27FC236}">
-                <a16:creationId xmlns:a16="http://schemas.microsoft.com/office/drawing/2014/main" id="{E267823B-D0D6-C724-ADD9-E9F3AB339812}"/>
-              </a:ext>
-            </a:extLst>
-          </p:cNvPr>
-          <p:cNvPicPr>
-            <a:picLocks noChangeAspect="1"/>
-          </p:cNvPicPr>
-          <p:nvPr/>
-        </p:nvPicPr>
-        <p:blipFill>
-          <a:blip r:embed="rId4">
-            <a:extLst>
-              <a:ext uri="{28A0092B-C50C-407E-A947-70E740481C1C}">
-                <a14:useLocalDpi xmlns:a14="http://schemas.microsoft.com/office/drawing/2010/main" val="0"/>
-              </a:ext>
-            </a:extLst>
-          </a:blip>
-          <a:stretch>
-            <a:fillRect/>
-          </a:stretch>
-        </p:blipFill>
-        <p:spPr>
-          <a:xfrm>
-            <a:off x="4593842" y="3429000"/>
-            <a:ext cx="1990687" cy="1119761"/>
-          </a:xfrm>
-          <a:prstGeom prst="rect">
-            <a:avLst/>
-          </a:prstGeom>
-        </p:spPr>
-      </p:pic>
     </p:spTree>
     <p:extLst>
       <p:ext uri="{BB962C8B-B14F-4D97-AF65-F5344CB8AC3E}">
-        <p14:creationId xmlns:p14="http://schemas.microsoft.com/office/powerpoint/2010/main" val="3633257040"/>
+        <p14:creationId xmlns:p14="http://schemas.microsoft.com/office/powerpoint/2010/main" val="942875713"/>
       </p:ext>
     </p:extLst>
   </p:cSld>
   <p:clrMapOvr>
     <a:masterClrMapping/>
   </p:clrMapOvr>
-  <mc:AlternateContent xmlns:mc="http://schemas.openxmlformats.org/markup-compatibility/2006">
-    <mc:Choice xmlns:p159="http://schemas.microsoft.com/office/powerpoint/2015/09/main" Requires="p159">
-      <p:transition xmlns:p14="http://schemas.microsoft.com/office/powerpoint/2010/main" spd="slow" p14:dur="2000">
+  <mc:AlternateContent xmlns:mc="http://schemas.openxmlformats.org/markup-compatibility/2006" xmlns:p159="http://schemas.microsoft.com/office/powerpoint/2015/09/main">
+    <mc:Choice Requires="p159">
+      <p:transition spd="slow">
         <p159:morph option="byObject"/>
       </p:transition>
     </mc:Choice>
-    <mc:Fallback>
+    <mc:Fallback xmlns="">
       <p:transition spd="slow">
         <p:fade/>
       </p:transition>
@@ -4257,7 +3908,7 @@
 </p:sld>
 </file>
 
-<file path=ppt/slides/slide4.xml><?xml version="1.0" encoding="utf-8"?>
+<file path=ppt/slides/slide11.xml><?xml version="1.0" encoding="utf-8"?>
 <p:sld xmlns:a="http://schemas.openxmlformats.org/drawingml/2006/main" xmlns:r="http://schemas.openxmlformats.org/officeDocument/2006/relationships" xmlns:p="http://schemas.openxmlformats.org/presentationml/2006/main">
   <p:cSld>
     <p:spTree>
@@ -4276,10 +3927,10 @@
       </p:grpSpPr>
       <p:sp>
         <p:nvSpPr>
-          <p:cNvPr id="26" name="Téglalap: lekerekített 25">
-            <a:extLst>
-              <a:ext uri="{FF2B5EF4-FFF2-40B4-BE49-F238E27FC236}">
-                <a16:creationId xmlns:a16="http://schemas.microsoft.com/office/drawing/2014/main" id="{CDC5B521-8D22-63F7-65A5-4A5AFDC31CA4}"/>
+          <p:cNvPr id="3" name="Téglalap: lekerekített 2">
+            <a:extLst>
+              <a:ext uri="{FF2B5EF4-FFF2-40B4-BE49-F238E27FC236}">
+                <a16:creationId xmlns:a16="http://schemas.microsoft.com/office/drawing/2014/main" id="{BECB4016-7356-57EE-BBB1-8EBB95F8E3A3}"/>
               </a:ext>
             </a:extLst>
           </p:cNvPr>
@@ -4288,7 +3939,7 @@
         </p:nvSpPr>
         <p:spPr>
           <a:xfrm>
-            <a:off x="4376765" y="3336626"/>
+            <a:off x="-4049685" y="3336626"/>
             <a:ext cx="3438470" cy="1616374"/>
           </a:xfrm>
           <a:prstGeom prst="roundRect">
@@ -4328,10 +3979,10 @@
       </p:sp>
       <p:sp>
         <p:nvSpPr>
-          <p:cNvPr id="27" name="Téglalap: lekerekített 26">
-            <a:extLst>
-              <a:ext uri="{FF2B5EF4-FFF2-40B4-BE49-F238E27FC236}">
-                <a16:creationId xmlns:a16="http://schemas.microsoft.com/office/drawing/2014/main" id="{FF2724CB-5BF3-C8EC-6F75-9D9CB588C12C}"/>
+          <p:cNvPr id="4" name="Téglalap: lekerekített 3">
+            <a:extLst>
+              <a:ext uri="{FF2B5EF4-FFF2-40B4-BE49-F238E27FC236}">
+                <a16:creationId xmlns:a16="http://schemas.microsoft.com/office/drawing/2014/main" id="{7760F555-A71C-561A-DA1B-A8B921AB2502}"/>
               </a:ext>
             </a:extLst>
           </p:cNvPr>
@@ -4340,7 +3991,7 @@
         </p:nvSpPr>
         <p:spPr>
           <a:xfrm>
-            <a:off x="12803215" y="3336626"/>
+            <a:off x="4376765" y="3336626"/>
             <a:ext cx="3438470" cy="1616374"/>
           </a:xfrm>
           <a:prstGeom prst="roundRect">
@@ -4380,10 +4031,10 @@
       </p:sp>
       <p:sp>
         <p:nvSpPr>
-          <p:cNvPr id="28" name="Téglalap: lekerekített 27">
-            <a:extLst>
-              <a:ext uri="{FF2B5EF4-FFF2-40B4-BE49-F238E27FC236}">
-                <a16:creationId xmlns:a16="http://schemas.microsoft.com/office/drawing/2014/main" id="{01D43A0F-D0D7-EA22-7A6E-FB5C8FEE0DB6}"/>
+          <p:cNvPr id="5" name="Téglalap: lekerekített 4">
+            <a:extLst>
+              <a:ext uri="{FF2B5EF4-FFF2-40B4-BE49-F238E27FC236}">
+                <a16:creationId xmlns:a16="http://schemas.microsoft.com/office/drawing/2014/main" id="{5BACFFC5-43BA-543F-F6B6-B66ACCA77483}"/>
               </a:ext>
             </a:extLst>
           </p:cNvPr>
@@ -4392,7 +4043,7 @@
         </p:nvSpPr>
         <p:spPr>
           <a:xfrm>
-            <a:off x="21229665" y="3336626"/>
+            <a:off x="12803215" y="3336626"/>
             <a:ext cx="3438470" cy="1616374"/>
           </a:xfrm>
           <a:prstGeom prst="roundRect">
@@ -4429,149 +4080,368 @@
           </a:p>
         </p:txBody>
       </p:sp>
+    </p:spTree>
+    <p:extLst>
+      <p:ext uri="{BB962C8B-B14F-4D97-AF65-F5344CB8AC3E}">
+        <p14:creationId xmlns:p14="http://schemas.microsoft.com/office/powerpoint/2010/main" val="1105231747"/>
+      </p:ext>
+    </p:extLst>
+  </p:cSld>
+  <p:clrMapOvr>
+    <a:masterClrMapping/>
+  </p:clrMapOvr>
+  <mc:AlternateContent xmlns:mc="http://schemas.openxmlformats.org/markup-compatibility/2006" xmlns:p159="http://schemas.microsoft.com/office/powerpoint/2015/09/main">
+    <mc:Choice Requires="p159">
+      <p:transition spd="slow">
+        <p159:morph option="byObject"/>
+      </p:transition>
+    </mc:Choice>
+    <mc:Fallback xmlns="">
+      <p:transition spd="slow">
+        <p:fade/>
+      </p:transition>
+    </mc:Fallback>
+  </mc:AlternateContent>
+</p:sld>
+</file>
+
+<file path=ppt/slides/slide12.xml><?xml version="1.0" encoding="utf-8"?>
+<p:sld xmlns:a="http://schemas.openxmlformats.org/drawingml/2006/main" xmlns:r="http://schemas.openxmlformats.org/officeDocument/2006/relationships" xmlns:p="http://schemas.openxmlformats.org/presentationml/2006/main">
+  <p:cSld>
+    <p:spTree>
+      <p:nvGrpSpPr>
+        <p:cNvPr id="1" name=""/>
+        <p:cNvGrpSpPr/>
+        <p:nvPr/>
+      </p:nvGrpSpPr>
+      <p:grpSpPr>
+        <a:xfrm>
+          <a:off x="0" y="0"/>
+          <a:ext cx="0" cy="0"/>
+          <a:chOff x="0" y="0"/>
+          <a:chExt cx="0" cy="0"/>
+        </a:xfrm>
+      </p:grpSpPr>
+      <p:sp>
+        <p:nvSpPr>
+          <p:cNvPr id="3" name="Téglalap: lekerekített 2">
+            <a:extLst>
+              <a:ext uri="{FF2B5EF4-FFF2-40B4-BE49-F238E27FC236}">
+                <a16:creationId xmlns:a16="http://schemas.microsoft.com/office/drawing/2014/main" id="{BECB4016-7356-57EE-BBB1-8EBB95F8E3A3}"/>
+              </a:ext>
+            </a:extLst>
+          </p:cNvPr>
+          <p:cNvSpPr/>
+          <p:nvPr/>
+        </p:nvSpPr>
+        <p:spPr>
+          <a:xfrm>
+            <a:off x="-12476135" y="3336626"/>
+            <a:ext cx="3438470" cy="1616374"/>
+          </a:xfrm>
+          <a:prstGeom prst="roundRect">
+            <a:avLst/>
+          </a:prstGeom>
+          <a:solidFill>
+            <a:schemeClr val="accent1">
+              <a:lumMod val="20000"/>
+              <a:lumOff val="80000"/>
+            </a:schemeClr>
+          </a:solidFill>
+        </p:spPr>
+        <p:style>
+          <a:lnRef idx="2">
+            <a:schemeClr val="accent1">
+              <a:shade val="15000"/>
+            </a:schemeClr>
+          </a:lnRef>
+          <a:fillRef idx="1">
+            <a:schemeClr val="accent1"/>
+          </a:fillRef>
+          <a:effectRef idx="0">
+            <a:schemeClr val="accent1"/>
+          </a:effectRef>
+          <a:fontRef idx="minor">
+            <a:schemeClr val="lt1"/>
+          </a:fontRef>
+        </p:style>
+        <p:txBody>
+          <a:bodyPr rtlCol="0" anchor="ctr"/>
+          <a:lstStyle/>
+          <a:p>
+            <a:pPr algn="ctr"/>
+            <a:endParaRPr lang="hu-HU" dirty="0"/>
+          </a:p>
+        </p:txBody>
+      </p:sp>
+      <p:sp>
+        <p:nvSpPr>
+          <p:cNvPr id="4" name="Téglalap: lekerekített 3">
+            <a:extLst>
+              <a:ext uri="{FF2B5EF4-FFF2-40B4-BE49-F238E27FC236}">
+                <a16:creationId xmlns:a16="http://schemas.microsoft.com/office/drawing/2014/main" id="{7760F555-A71C-561A-DA1B-A8B921AB2502}"/>
+              </a:ext>
+            </a:extLst>
+          </p:cNvPr>
+          <p:cNvSpPr/>
+          <p:nvPr/>
+        </p:nvSpPr>
+        <p:spPr>
+          <a:xfrm>
+            <a:off x="-4049685" y="3336626"/>
+            <a:ext cx="3438470" cy="1616374"/>
+          </a:xfrm>
+          <a:prstGeom prst="roundRect">
+            <a:avLst/>
+          </a:prstGeom>
+          <a:solidFill>
+            <a:schemeClr val="accent1">
+              <a:lumMod val="60000"/>
+              <a:lumOff val="40000"/>
+            </a:schemeClr>
+          </a:solidFill>
+        </p:spPr>
+        <p:style>
+          <a:lnRef idx="2">
+            <a:schemeClr val="accent1">
+              <a:shade val="15000"/>
+            </a:schemeClr>
+          </a:lnRef>
+          <a:fillRef idx="1">
+            <a:schemeClr val="accent1"/>
+          </a:fillRef>
+          <a:effectRef idx="0">
+            <a:schemeClr val="accent1"/>
+          </a:effectRef>
+          <a:fontRef idx="minor">
+            <a:schemeClr val="lt1"/>
+          </a:fontRef>
+        </p:style>
+        <p:txBody>
+          <a:bodyPr rtlCol="0" anchor="ctr"/>
+          <a:lstStyle/>
+          <a:p>
+            <a:pPr algn="ctr"/>
+            <a:endParaRPr lang="hu-HU"/>
+          </a:p>
+        </p:txBody>
+      </p:sp>
+      <p:sp>
+        <p:nvSpPr>
+          <p:cNvPr id="5" name="Téglalap: lekerekített 4">
+            <a:extLst>
+              <a:ext uri="{FF2B5EF4-FFF2-40B4-BE49-F238E27FC236}">
+                <a16:creationId xmlns:a16="http://schemas.microsoft.com/office/drawing/2014/main" id="{5BACFFC5-43BA-543F-F6B6-B66ACCA77483}"/>
+              </a:ext>
+            </a:extLst>
+          </p:cNvPr>
+          <p:cNvSpPr/>
+          <p:nvPr/>
+        </p:nvSpPr>
+        <p:spPr>
+          <a:xfrm>
+            <a:off x="4376765" y="3336626"/>
+            <a:ext cx="3438470" cy="1616374"/>
+          </a:xfrm>
+          <a:prstGeom prst="roundRect">
+            <a:avLst/>
+          </a:prstGeom>
+          <a:solidFill>
+            <a:schemeClr val="accent1">
+              <a:lumMod val="50000"/>
+            </a:schemeClr>
+          </a:solidFill>
+        </p:spPr>
+        <p:style>
+          <a:lnRef idx="2">
+            <a:schemeClr val="accent1">
+              <a:shade val="15000"/>
+            </a:schemeClr>
+          </a:lnRef>
+          <a:fillRef idx="1">
+            <a:schemeClr val="accent1"/>
+          </a:fillRef>
+          <a:effectRef idx="0">
+            <a:schemeClr val="accent1"/>
+          </a:effectRef>
+          <a:fontRef idx="minor">
+            <a:schemeClr val="lt1"/>
+          </a:fontRef>
+        </p:style>
+        <p:txBody>
+          <a:bodyPr rtlCol="0" anchor="ctr"/>
+          <a:lstStyle/>
+          <a:p>
+            <a:pPr algn="ctr"/>
+            <a:endParaRPr lang="hu-HU"/>
+          </a:p>
+        </p:txBody>
+      </p:sp>
+    </p:spTree>
+    <p:extLst>
+      <p:ext uri="{BB962C8B-B14F-4D97-AF65-F5344CB8AC3E}">
+        <p14:creationId xmlns:p14="http://schemas.microsoft.com/office/powerpoint/2010/main" val="3438345790"/>
+      </p:ext>
+    </p:extLst>
+  </p:cSld>
+  <p:clrMapOvr>
+    <a:masterClrMapping/>
+  </p:clrMapOvr>
+  <mc:AlternateContent xmlns:mc="http://schemas.openxmlformats.org/markup-compatibility/2006" xmlns:p159="http://schemas.microsoft.com/office/powerpoint/2015/09/main">
+    <mc:Choice Requires="p159">
+      <p:transition spd="slow">
+        <p159:morph option="byObject"/>
+      </p:transition>
+    </mc:Choice>
+    <mc:Fallback xmlns="">
+      <p:transition spd="slow">
+        <p:fade/>
+      </p:transition>
+    </mc:Fallback>
+  </mc:AlternateContent>
+</p:sld>
+</file>
+
+<file path=ppt/slides/slide2.xml><?xml version="1.0" encoding="utf-8"?>
+<p:sld xmlns:a="http://schemas.openxmlformats.org/drawingml/2006/main" xmlns:r="http://schemas.openxmlformats.org/officeDocument/2006/relationships" xmlns:p="http://schemas.openxmlformats.org/presentationml/2006/main">
+  <p:cSld>
+    <p:bg>
+      <p:bgPr>
+        <a:blipFill dpi="0" rotWithShape="1">
+          <a:blip r:embed="rId2">
+            <a:lum/>
+          </a:blip>
+          <a:srcRect/>
+          <a:stretch>
+            <a:fillRect/>
+          </a:stretch>
+        </a:blipFill>
+        <a:effectLst/>
+      </p:bgPr>
+    </p:bg>
+    <p:spTree>
+      <p:nvGrpSpPr>
+        <p:cNvPr id="1" name=""/>
+        <p:cNvGrpSpPr/>
+        <p:nvPr/>
+      </p:nvGrpSpPr>
+      <p:grpSpPr>
+        <a:xfrm>
+          <a:off x="0" y="0"/>
+          <a:ext cx="0" cy="0"/>
+          <a:chOff x="0" y="0"/>
+          <a:chExt cx="0" cy="0"/>
+        </a:xfrm>
+      </p:grpSpPr>
       <p:pic>
         <p:nvPicPr>
-          <p:cNvPr id="34" name="Ábra 33" descr="Számítógép egyszínű kitöltéssel">
-            <a:extLst>
-              <a:ext uri="{FF2B5EF4-FFF2-40B4-BE49-F238E27FC236}">
-                <a16:creationId xmlns:a16="http://schemas.microsoft.com/office/drawing/2014/main" id="{6E9C46C8-B2B4-42DB-884B-8D49AAED1F38}"/>
+          <p:cNvPr id="1032" name="Picture 8" descr="MacBook Pro">
+            <a:extLst>
+              <a:ext uri="{FF2B5EF4-FFF2-40B4-BE49-F238E27FC236}">
+                <a16:creationId xmlns:a16="http://schemas.microsoft.com/office/drawing/2014/main" id="{277736F9-C298-C84C-0CE9-A68A6DD17D11}"/>
               </a:ext>
             </a:extLst>
           </p:cNvPr>
           <p:cNvPicPr>
-            <a:picLocks noChangeAspect="1"/>
+            <a:picLocks noChangeAspect="1" noChangeArrowheads="1"/>
           </p:cNvPicPr>
           <p:nvPr/>
         </p:nvPicPr>
-        <p:blipFill>
-          <a:blip r:embed="rId2">
+        <p:blipFill rotWithShape="1">
+          <a:blip r:embed="rId3">
             <a:extLst>
               <a:ext uri="{28A0092B-C50C-407E-A947-70E740481C1C}">
                 <a14:useLocalDpi xmlns:a14="http://schemas.microsoft.com/office/drawing/2010/main" val="0"/>
               </a:ext>
-              <a:ext uri="{96DAC541-7B7A-43D3-8B79-37D633B846F1}">
-                <asvg:svgBlip xmlns:asvg="http://schemas.microsoft.com/office/drawing/2016/SVG/main" r:embed="rId3"/>
-              </a:ext>
             </a:extLst>
           </a:blip>
-          <a:stretch>
-            <a:fillRect/>
-          </a:stretch>
+          <a:srcRect t="11728" b="17823"/>
+          <a:stretch/>
         </p:blipFill>
-        <p:spPr>
-          <a:xfrm>
-            <a:off x="-3748115" y="2576363"/>
-            <a:ext cx="3136900" cy="3136900"/>
+        <p:spPr bwMode="auto">
+          <a:xfrm>
+            <a:off x="0" y="0"/>
+            <a:ext cx="12168277" cy="6858001"/>
           </a:xfrm>
           <a:prstGeom prst="rect">
             <a:avLst/>
           </a:prstGeom>
+          <a:noFill/>
+          <a:extLst>
+            <a:ext uri="{909E8E84-426E-40DD-AFC4-6F175D3DCCD1}">
+              <a14:hiddenFill xmlns:a14="http://schemas.microsoft.com/office/drawing/2010/main">
+                <a:solidFill>
+                  <a:srgbClr val="FFFFFF"/>
+                </a:solidFill>
+              </a14:hiddenFill>
+            </a:ext>
+          </a:extLst>
         </p:spPr>
       </p:pic>
-      <p:cxnSp>
-        <p:nvCxnSpPr>
-          <p:cNvPr id="36" name="Egyenes összekötő 35">
-            <a:extLst>
-              <a:ext uri="{FF2B5EF4-FFF2-40B4-BE49-F238E27FC236}">
-                <a16:creationId xmlns:a16="http://schemas.microsoft.com/office/drawing/2014/main" id="{2AE982B1-A19C-3AF7-F43A-75D5C4651373}"/>
-              </a:ext>
-            </a:extLst>
-          </p:cNvPr>
-          <p:cNvCxnSpPr>
-            <a:cxnSpLocks/>
-            <a:stCxn id="34" idx="3"/>
-            <a:endCxn id="26" idx="1"/>
-          </p:cNvCxnSpPr>
+      <p:sp useBgFill="1">
+        <p:nvSpPr>
+          <p:cNvPr id="6" name="Téglalap: lekerekített 5">
+            <a:extLst>
+              <a:ext uri="{FF2B5EF4-FFF2-40B4-BE49-F238E27FC236}">
+                <a16:creationId xmlns:a16="http://schemas.microsoft.com/office/drawing/2014/main" id="{661E97ED-ABBB-9CAD-411A-908DC18A4776}"/>
+              </a:ext>
+            </a:extLst>
+          </p:cNvPr>
+          <p:cNvSpPr/>
           <p:nvPr/>
-        </p:nvCxnSpPr>
-        <p:spPr>
-          <a:xfrm>
-            <a:off x="-611215" y="4144813"/>
-            <a:ext cx="4987980" cy="0"/>
-          </a:xfrm>
-          <a:prstGeom prst="line">
+        </p:nvSpPr>
+        <p:spPr>
+          <a:xfrm>
+            <a:off x="3156454" y="1306901"/>
+            <a:ext cx="5879092" cy="4215013"/>
+          </a:xfrm>
+          <a:prstGeom prst="roundRect">
             <a:avLst/>
           </a:prstGeom>
-          <a:ln w="25400" cap="flat" cmpd="sng" algn="ctr">
+          <a:ln>
             <a:solidFill>
-              <a:schemeClr val="dk1"/>
+              <a:schemeClr val="accent1">
+                <a:shade val="15000"/>
+              </a:schemeClr>
             </a:solidFill>
-            <a:prstDash val="dash"/>
-            <a:round/>
-            <a:headEnd type="none" w="med" len="med"/>
-            <a:tailEnd type="none" w="med" len="med"/>
           </a:ln>
+          <a:effectLst>
+            <a:innerShdw blurRad="254000">
+              <a:schemeClr val="bg1"/>
+            </a:innerShdw>
+          </a:effectLst>
         </p:spPr>
         <p:style>
-          <a:lnRef idx="0">
-            <a:scrgbClr r="0" g="0" b="0"/>
+          <a:lnRef idx="2">
+            <a:schemeClr val="accent1">
+              <a:shade val="15000"/>
+            </a:schemeClr>
           </a:lnRef>
-          <a:fillRef idx="0">
-            <a:scrgbClr r="0" g="0" b="0"/>
+          <a:fillRef idx="1">
+            <a:schemeClr val="accent1"/>
           </a:fillRef>
           <a:effectRef idx="0">
-            <a:scrgbClr r="0" g="0" b="0"/>
+            <a:schemeClr val="accent1"/>
           </a:effectRef>
           <a:fontRef idx="minor">
-            <a:schemeClr val="tx1"/>
+            <a:schemeClr val="lt1"/>
           </a:fontRef>
         </p:style>
-      </p:cxnSp>
-      <p:cxnSp>
-        <p:nvCxnSpPr>
-          <p:cNvPr id="39" name="Egyenes összekötő 38">
-            <a:extLst>
-              <a:ext uri="{FF2B5EF4-FFF2-40B4-BE49-F238E27FC236}">
-                <a16:creationId xmlns:a16="http://schemas.microsoft.com/office/drawing/2014/main" id="{B8241D44-443D-4533-9A49-2E5701E2E799}"/>
-              </a:ext>
-            </a:extLst>
-          </p:cNvPr>
-          <p:cNvCxnSpPr>
-            <a:cxnSpLocks/>
-            <a:stCxn id="26" idx="3"/>
-            <a:endCxn id="27" idx="1"/>
-          </p:cNvCxnSpPr>
-          <p:nvPr/>
-        </p:nvCxnSpPr>
-        <p:spPr>
-          <a:xfrm>
-            <a:off x="7815235" y="4144813"/>
-            <a:ext cx="4987980" cy="0"/>
-          </a:xfrm>
-          <a:prstGeom prst="line">
-            <a:avLst/>
-          </a:prstGeom>
-          <a:ln w="25400" cap="flat" cmpd="sng" algn="ctr">
-            <a:solidFill>
-              <a:schemeClr val="dk1"/>
-            </a:solidFill>
-            <a:prstDash val="dash"/>
-            <a:round/>
-            <a:headEnd type="none" w="med" len="med"/>
-            <a:tailEnd type="none" w="med" len="med"/>
-          </a:ln>
-        </p:spPr>
-        <p:style>
-          <a:lnRef idx="0">
-            <a:scrgbClr r="0" g="0" b="0"/>
-          </a:lnRef>
-          <a:fillRef idx="0">
-            <a:scrgbClr r="0" g="0" b="0"/>
-          </a:fillRef>
-          <a:effectRef idx="0">
-            <a:scrgbClr r="0" g="0" b="0"/>
-          </a:effectRef>
-          <a:fontRef idx="minor">
-            <a:schemeClr val="tx1"/>
-          </a:fontRef>
-        </p:style>
-      </p:cxnSp>
+        <p:txBody>
+          <a:bodyPr rtlCol="0" anchor="ctr"/>
+          <a:lstStyle/>
+          <a:p>
+            <a:pPr algn="ctr"/>
+            <a:endParaRPr lang="hu-HU" dirty="0"/>
+          </a:p>
+        </p:txBody>
+      </p:sp>
       <p:pic>
         <p:nvPicPr>
-          <p:cNvPr id="42" name="Kép 41" descr="A képen szöveg, Grafika, Betűtípus, szimbólum látható&#10;&#10;Automatikusan generált leírás">
-            <a:extLst>
-              <a:ext uri="{FF2B5EF4-FFF2-40B4-BE49-F238E27FC236}">
-                <a16:creationId xmlns:a16="http://schemas.microsoft.com/office/drawing/2014/main" id="{6AC49452-DD9A-C356-D426-DB79D7B1F72A}"/>
+          <p:cNvPr id="16" name="Kép 15" descr="A képen Betűtípus, Grafika, embléma, Grafikus tervezés látható&#10;&#10;Automatikusan generált leírás">
+            <a:extLst>
+              <a:ext uri="{FF2B5EF4-FFF2-40B4-BE49-F238E27FC236}">
+                <a16:creationId xmlns:a16="http://schemas.microsoft.com/office/drawing/2014/main" id="{9883CE8C-9286-4615-EA0A-CBB377DC328A}"/>
               </a:ext>
             </a:extLst>
           </p:cNvPr>
@@ -4594,18 +4464,446 @@
         </p:blipFill>
         <p:spPr>
           <a:xfrm>
-            <a:off x="-3635758" y="3429000"/>
-            <a:ext cx="1990687" cy="1119761"/>
+            <a:off x="4191858" y="2132693"/>
+            <a:ext cx="3918454" cy="2484873"/>
           </a:xfrm>
           <a:prstGeom prst="rect">
             <a:avLst/>
           </a:prstGeom>
         </p:spPr>
       </p:pic>
+      <p:pic>
+        <p:nvPicPr>
+          <p:cNvPr id="15" name="Kép 14" descr="A képen szöveg, Grafika, Betűtípus, szimbólum látható&#10;&#10;Automatikusan generált leírás">
+            <a:extLst>
+              <a:ext uri="{FF2B5EF4-FFF2-40B4-BE49-F238E27FC236}">
+                <a16:creationId xmlns:a16="http://schemas.microsoft.com/office/drawing/2014/main" id="{5921782C-15EC-6A91-BE26-BAB571D2E13B}"/>
+              </a:ext>
+            </a:extLst>
+          </p:cNvPr>
+          <p:cNvPicPr>
+            <a:picLocks noChangeAspect="1"/>
+          </p:cNvPicPr>
+          <p:nvPr/>
+        </p:nvPicPr>
+        <p:blipFill rotWithShape="1">
+          <a:blip r:embed="rId5">
+            <a:extLst>
+              <a:ext uri="{28A0092B-C50C-407E-A947-70E740481C1C}">
+                <a14:useLocalDpi xmlns:a14="http://schemas.microsoft.com/office/drawing/2010/main" val="0"/>
+              </a:ext>
+            </a:extLst>
+          </a:blip>
+          <a:srcRect l="21440" t="20172" r="20828" b="25427"/>
+          <a:stretch/>
+        </p:blipFill>
+        <p:spPr>
+          <a:xfrm>
+            <a:off x="-6290720" y="2211251"/>
+            <a:ext cx="4539916" cy="2406315"/>
+          </a:xfrm>
+          <a:prstGeom prst="rect">
+            <a:avLst/>
+          </a:prstGeom>
+        </p:spPr>
+      </p:pic>
+      <p:pic>
+        <p:nvPicPr>
+          <p:cNvPr id="20" name="Kép 19" descr="MacBook Pro">
+            <a:extLst>
+              <a:ext uri="{FF2B5EF4-FFF2-40B4-BE49-F238E27FC236}">
+                <a16:creationId xmlns:a16="http://schemas.microsoft.com/office/drawing/2014/main" id="{21F80F2A-19A2-BE61-98F7-92EB1D6C434B}"/>
+              </a:ext>
+            </a:extLst>
+          </p:cNvPr>
+          <p:cNvPicPr>
+            <a:picLocks noChangeAspect="1" noChangeArrowheads="1"/>
+          </p:cNvPicPr>
+          <p:nvPr/>
+        </p:nvPicPr>
+        <p:blipFill rotWithShape="1">
+          <a:blip r:embed="rId3">
+            <a:extLst>
+              <a:ext uri="{28A0092B-C50C-407E-A947-70E740481C1C}">
+                <a14:useLocalDpi xmlns:a14="http://schemas.microsoft.com/office/drawing/2010/main" val="0"/>
+              </a:ext>
+            </a:extLst>
+          </a:blip>
+          <a:srcRect t="11728" b="17823"/>
+          <a:stretch/>
+        </p:blipFill>
+        <p:spPr bwMode="auto">
+          <a:xfrm>
+            <a:off x="-23724" y="-13370"/>
+            <a:ext cx="12215723" cy="6884741"/>
+          </a:xfrm>
+          <a:custGeom>
+            <a:avLst/>
+            <a:gdLst>
+              <a:gd name="connsiteX0" fmla="*/ 3881240 w 12192000"/>
+              <a:gd name="connsiteY0" fmla="*/ 1321493 h 6871371"/>
+              <a:gd name="connsiteX1" fmla="*/ 3178724 w 12192000"/>
+              <a:gd name="connsiteY1" fmla="*/ 2024009 h 6871371"/>
+              <a:gd name="connsiteX2" fmla="*/ 3178724 w 12192000"/>
+              <a:gd name="connsiteY2" fmla="*/ 4833990 h 6871371"/>
+              <a:gd name="connsiteX3" fmla="*/ 3881240 w 12192000"/>
+              <a:gd name="connsiteY3" fmla="*/ 5536506 h 6871371"/>
+              <a:gd name="connsiteX4" fmla="*/ 8355300 w 12192000"/>
+              <a:gd name="connsiteY4" fmla="*/ 5536506 h 6871371"/>
+              <a:gd name="connsiteX5" fmla="*/ 9057816 w 12192000"/>
+              <a:gd name="connsiteY5" fmla="*/ 4833990 h 6871371"/>
+              <a:gd name="connsiteX6" fmla="*/ 9057816 w 12192000"/>
+              <a:gd name="connsiteY6" fmla="*/ 2024009 h 6871371"/>
+              <a:gd name="connsiteX7" fmla="*/ 8355300 w 12192000"/>
+              <a:gd name="connsiteY7" fmla="*/ 1321493 h 6871371"/>
+              <a:gd name="connsiteX8" fmla="*/ 0 w 12192000"/>
+              <a:gd name="connsiteY8" fmla="*/ 0 h 6871371"/>
+              <a:gd name="connsiteX9" fmla="*/ 12192000 w 12192000"/>
+              <a:gd name="connsiteY9" fmla="*/ 0 h 6871371"/>
+              <a:gd name="connsiteX10" fmla="*/ 12192000 w 12192000"/>
+              <a:gd name="connsiteY10" fmla="*/ 6871371 h 6871371"/>
+              <a:gd name="connsiteX11" fmla="*/ 0 w 12192000"/>
+              <a:gd name="connsiteY11" fmla="*/ 6871371 h 6871371"/>
+            </a:gdLst>
+            <a:ahLst/>
+            <a:cxnLst>
+              <a:cxn ang="0">
+                <a:pos x="connsiteX0" y="connsiteY0"/>
+              </a:cxn>
+              <a:cxn ang="0">
+                <a:pos x="connsiteX1" y="connsiteY1"/>
+              </a:cxn>
+              <a:cxn ang="0">
+                <a:pos x="connsiteX2" y="connsiteY2"/>
+              </a:cxn>
+              <a:cxn ang="0">
+                <a:pos x="connsiteX3" y="connsiteY3"/>
+              </a:cxn>
+              <a:cxn ang="0">
+                <a:pos x="connsiteX4" y="connsiteY4"/>
+              </a:cxn>
+              <a:cxn ang="0">
+                <a:pos x="connsiteX5" y="connsiteY5"/>
+              </a:cxn>
+              <a:cxn ang="0">
+                <a:pos x="connsiteX6" y="connsiteY6"/>
+              </a:cxn>
+              <a:cxn ang="0">
+                <a:pos x="connsiteX7" y="connsiteY7"/>
+              </a:cxn>
+              <a:cxn ang="0">
+                <a:pos x="connsiteX8" y="connsiteY8"/>
+              </a:cxn>
+              <a:cxn ang="0">
+                <a:pos x="connsiteX9" y="connsiteY9"/>
+              </a:cxn>
+              <a:cxn ang="0">
+                <a:pos x="connsiteX10" y="connsiteY10"/>
+              </a:cxn>
+              <a:cxn ang="0">
+                <a:pos x="connsiteX11" y="connsiteY11"/>
+              </a:cxn>
+            </a:cxnLst>
+            <a:rect l="l" t="t" r="r" b="b"/>
+            <a:pathLst>
+              <a:path w="12192000" h="6871371">
+                <a:moveTo>
+                  <a:pt x="3881240" y="1321493"/>
+                </a:moveTo>
+                <a:cubicBezTo>
+                  <a:pt x="3493251" y="1321493"/>
+                  <a:pt x="3178724" y="1636020"/>
+                  <a:pt x="3178724" y="2024009"/>
+                </a:cubicBezTo>
+                <a:lnTo>
+                  <a:pt x="3178724" y="4833990"/>
+                </a:lnTo>
+                <a:cubicBezTo>
+                  <a:pt x="3178724" y="5221979"/>
+                  <a:pt x="3493251" y="5536506"/>
+                  <a:pt x="3881240" y="5536506"/>
+                </a:cubicBezTo>
+                <a:lnTo>
+                  <a:pt x="8355300" y="5536506"/>
+                </a:lnTo>
+                <a:cubicBezTo>
+                  <a:pt x="8743289" y="5536506"/>
+                  <a:pt x="9057816" y="5221979"/>
+                  <a:pt x="9057816" y="4833990"/>
+                </a:cubicBezTo>
+                <a:lnTo>
+                  <a:pt x="9057816" y="2024009"/>
+                </a:lnTo>
+                <a:cubicBezTo>
+                  <a:pt x="9057816" y="1636020"/>
+                  <a:pt x="8743289" y="1321493"/>
+                  <a:pt x="8355300" y="1321493"/>
+                </a:cubicBezTo>
+                <a:close/>
+                <a:moveTo>
+                  <a:pt x="0" y="0"/>
+                </a:moveTo>
+                <a:lnTo>
+                  <a:pt x="12192000" y="0"/>
+                </a:lnTo>
+                <a:lnTo>
+                  <a:pt x="12192000" y="6871371"/>
+                </a:lnTo>
+                <a:lnTo>
+                  <a:pt x="0" y="6871371"/>
+                </a:lnTo>
+                <a:close/>
+              </a:path>
+            </a:pathLst>
+          </a:custGeom>
+          <a:noFill/>
+          <a:extLst>
+            <a:ext uri="{909E8E84-426E-40DD-AFC4-6F175D3DCCD1}">
+              <a14:hiddenFill xmlns:a14="http://schemas.microsoft.com/office/drawing/2010/main">
+                <a:solidFill>
+                  <a:srgbClr val="FFFFFF"/>
+                </a:solidFill>
+              </a14:hiddenFill>
+            </a:ext>
+          </a:extLst>
+        </p:spPr>
+      </p:pic>
+      <p:sp useBgFill="1">
+        <p:nvSpPr>
+          <p:cNvPr id="2" name="Téglalap: lekerekített 1">
+            <a:extLst>
+              <a:ext uri="{FF2B5EF4-FFF2-40B4-BE49-F238E27FC236}">
+                <a16:creationId xmlns:a16="http://schemas.microsoft.com/office/drawing/2014/main" id="{D8F1135A-23F9-D726-FEF7-B31C26DD7226}"/>
+              </a:ext>
+            </a:extLst>
+          </p:cNvPr>
+          <p:cNvSpPr/>
+          <p:nvPr/>
+        </p:nvSpPr>
+        <p:spPr>
+          <a:xfrm>
+            <a:off x="-6193733" y="2102574"/>
+            <a:ext cx="4345942" cy="2623666"/>
+          </a:xfrm>
+          <a:prstGeom prst="roundRect">
+            <a:avLst/>
+          </a:prstGeom>
+          <a:ln>
+            <a:solidFill>
+              <a:schemeClr val="accent1">
+                <a:shade val="15000"/>
+              </a:schemeClr>
+            </a:solidFill>
+          </a:ln>
+          <a:effectLst>
+            <a:innerShdw blurRad="254000">
+              <a:schemeClr val="bg1"/>
+            </a:innerShdw>
+          </a:effectLst>
+        </p:spPr>
+        <p:style>
+          <a:lnRef idx="2">
+            <a:schemeClr val="accent1">
+              <a:shade val="15000"/>
+            </a:schemeClr>
+          </a:lnRef>
+          <a:fillRef idx="1">
+            <a:schemeClr val="accent1"/>
+          </a:fillRef>
+          <a:effectRef idx="0">
+            <a:schemeClr val="accent1"/>
+          </a:effectRef>
+          <a:fontRef idx="minor">
+            <a:schemeClr val="lt1"/>
+          </a:fontRef>
+        </p:style>
+        <p:txBody>
+          <a:bodyPr rtlCol="0" anchor="ctr"/>
+          <a:lstStyle/>
+          <a:p>
+            <a:pPr algn="ctr"/>
+            <a:endParaRPr lang="hu-HU" dirty="0"/>
+          </a:p>
+        </p:txBody>
+      </p:sp>
+      <p:sp useBgFill="1">
+        <p:nvSpPr>
+          <p:cNvPr id="3" name="Téglalap: lekerekített 2">
+            <a:extLst>
+              <a:ext uri="{FF2B5EF4-FFF2-40B4-BE49-F238E27FC236}">
+                <a16:creationId xmlns:a16="http://schemas.microsoft.com/office/drawing/2014/main" id="{11012CC1-FC52-B39C-968C-03D9389AE662}"/>
+              </a:ext>
+            </a:extLst>
+          </p:cNvPr>
+          <p:cNvSpPr/>
+          <p:nvPr/>
+        </p:nvSpPr>
+        <p:spPr>
+          <a:xfrm>
+            <a:off x="503703" y="7743217"/>
+            <a:ext cx="3134442" cy="2557444"/>
+          </a:xfrm>
+          <a:prstGeom prst="roundRect">
+            <a:avLst/>
+          </a:prstGeom>
+          <a:ln>
+            <a:solidFill>
+              <a:schemeClr val="accent1">
+                <a:shade val="15000"/>
+              </a:schemeClr>
+            </a:solidFill>
+          </a:ln>
+          <a:effectLst>
+            <a:innerShdw blurRad="254000">
+              <a:schemeClr val="bg1"/>
+            </a:innerShdw>
+          </a:effectLst>
+        </p:spPr>
+        <p:style>
+          <a:lnRef idx="2">
+            <a:schemeClr val="accent1">
+              <a:shade val="15000"/>
+            </a:schemeClr>
+          </a:lnRef>
+          <a:fillRef idx="1">
+            <a:schemeClr val="accent1"/>
+          </a:fillRef>
+          <a:effectRef idx="0">
+            <a:schemeClr val="accent1"/>
+          </a:effectRef>
+          <a:fontRef idx="minor">
+            <a:schemeClr val="lt1"/>
+          </a:fontRef>
+        </p:style>
+        <p:txBody>
+          <a:bodyPr rtlCol="0" anchor="ctr"/>
+          <a:lstStyle/>
+          <a:p>
+            <a:pPr algn="ctr"/>
+            <a:endParaRPr lang="hu-HU" dirty="0"/>
+          </a:p>
+        </p:txBody>
+      </p:sp>
+      <p:sp useBgFill="1">
+        <p:nvSpPr>
+          <p:cNvPr id="4" name="Téglalap: lekerekített 3">
+            <a:extLst>
+              <a:ext uri="{FF2B5EF4-FFF2-40B4-BE49-F238E27FC236}">
+                <a16:creationId xmlns:a16="http://schemas.microsoft.com/office/drawing/2014/main" id="{7A2DF727-E82E-2E46-E1CC-C88F5E6E11DE}"/>
+              </a:ext>
+            </a:extLst>
+          </p:cNvPr>
+          <p:cNvSpPr/>
+          <p:nvPr/>
+        </p:nvSpPr>
+        <p:spPr>
+          <a:xfrm>
+            <a:off x="4597446" y="9021939"/>
+            <a:ext cx="2973381" cy="2557444"/>
+          </a:xfrm>
+          <a:prstGeom prst="roundRect">
+            <a:avLst/>
+          </a:prstGeom>
+          <a:ln>
+            <a:solidFill>
+              <a:schemeClr val="accent1">
+                <a:shade val="15000"/>
+              </a:schemeClr>
+            </a:solidFill>
+          </a:ln>
+          <a:effectLst>
+            <a:innerShdw blurRad="254000">
+              <a:schemeClr val="bg1"/>
+            </a:innerShdw>
+          </a:effectLst>
+        </p:spPr>
+        <p:style>
+          <a:lnRef idx="2">
+            <a:schemeClr val="accent1">
+              <a:shade val="15000"/>
+            </a:schemeClr>
+          </a:lnRef>
+          <a:fillRef idx="1">
+            <a:schemeClr val="accent1"/>
+          </a:fillRef>
+          <a:effectRef idx="0">
+            <a:schemeClr val="accent1"/>
+          </a:effectRef>
+          <a:fontRef idx="minor">
+            <a:schemeClr val="lt1"/>
+          </a:fontRef>
+        </p:style>
+        <p:txBody>
+          <a:bodyPr rtlCol="0" anchor="ctr"/>
+          <a:lstStyle/>
+          <a:p>
+            <a:pPr algn="ctr"/>
+            <a:endParaRPr lang="hu-HU" dirty="0"/>
+          </a:p>
+        </p:txBody>
+      </p:sp>
+      <p:sp useBgFill="1">
+        <p:nvSpPr>
+          <p:cNvPr id="5" name="Téglalap: lekerekített 4">
+            <a:extLst>
+              <a:ext uri="{FF2B5EF4-FFF2-40B4-BE49-F238E27FC236}">
+                <a16:creationId xmlns:a16="http://schemas.microsoft.com/office/drawing/2014/main" id="{B1463A13-FA7D-7F31-F2DE-73B32F844101}"/>
+              </a:ext>
+            </a:extLst>
+          </p:cNvPr>
+          <p:cNvSpPr/>
+          <p:nvPr/>
+        </p:nvSpPr>
+        <p:spPr>
+          <a:xfrm>
+            <a:off x="8530128" y="10311319"/>
+            <a:ext cx="3134442" cy="2557444"/>
+          </a:xfrm>
+          <a:prstGeom prst="roundRect">
+            <a:avLst/>
+          </a:prstGeom>
+          <a:ln>
+            <a:solidFill>
+              <a:schemeClr val="accent1">
+                <a:shade val="15000"/>
+              </a:schemeClr>
+            </a:solidFill>
+          </a:ln>
+          <a:effectLst>
+            <a:innerShdw blurRad="254000">
+              <a:schemeClr val="bg1"/>
+            </a:innerShdw>
+          </a:effectLst>
+        </p:spPr>
+        <p:style>
+          <a:lnRef idx="2">
+            <a:schemeClr val="accent1">
+              <a:shade val="15000"/>
+            </a:schemeClr>
+          </a:lnRef>
+          <a:fillRef idx="1">
+            <a:schemeClr val="accent1"/>
+          </a:fillRef>
+          <a:effectRef idx="0">
+            <a:schemeClr val="accent1"/>
+          </a:effectRef>
+          <a:fontRef idx="minor">
+            <a:schemeClr val="lt1"/>
+          </a:fontRef>
+        </p:style>
+        <p:txBody>
+          <a:bodyPr rtlCol="0" anchor="ctr"/>
+          <a:lstStyle/>
+          <a:p>
+            <a:pPr algn="ctr"/>
+            <a:endParaRPr lang="hu-HU" dirty="0"/>
+          </a:p>
+        </p:txBody>
+      </p:sp>
     </p:spTree>
     <p:extLst>
       <p:ext uri="{BB962C8B-B14F-4D97-AF65-F5344CB8AC3E}">
-        <p14:creationId xmlns:p14="http://schemas.microsoft.com/office/powerpoint/2010/main" val="1876388415"/>
+        <p14:creationId xmlns:p14="http://schemas.microsoft.com/office/powerpoint/2010/main" val="2605025800"/>
       </p:ext>
     </p:extLst>
   </p:cSld>
@@ -4614,7 +4912,1016 @@
   </p:clrMapOvr>
   <mc:AlternateContent xmlns:mc="http://schemas.openxmlformats.org/markup-compatibility/2006">
     <mc:Choice xmlns:p159="http://schemas.microsoft.com/office/powerpoint/2015/09/main" Requires="p159">
-      <p:transition xmlns:p14="http://schemas.microsoft.com/office/powerpoint/2010/main" spd="slow" p14:dur="2000">
+      <p:transition xmlns:p14="http://schemas.microsoft.com/office/powerpoint/2010/main" spd="slow" p14:dur="1500">
+        <p159:morph option="byObject"/>
+      </p:transition>
+    </mc:Choice>
+    <mc:Fallback>
+      <p:transition spd="slow">
+        <p:fade/>
+      </p:transition>
+    </mc:Fallback>
+  </mc:AlternateContent>
+</p:sld>
+</file>
+
+<file path=ppt/slides/slide3.xml><?xml version="1.0" encoding="utf-8"?>
+<p:sld xmlns:a="http://schemas.openxmlformats.org/drawingml/2006/main" xmlns:r="http://schemas.openxmlformats.org/officeDocument/2006/relationships" xmlns:p="http://schemas.openxmlformats.org/presentationml/2006/main">
+  <p:cSld>
+    <p:bg>
+      <p:bgPr>
+        <a:blipFill dpi="0" rotWithShape="1">
+          <a:blip r:embed="rId2">
+            <a:lum/>
+          </a:blip>
+          <a:srcRect/>
+          <a:stretch>
+            <a:fillRect/>
+          </a:stretch>
+        </a:blipFill>
+        <a:effectLst/>
+      </p:bgPr>
+    </p:bg>
+    <p:spTree>
+      <p:nvGrpSpPr>
+        <p:cNvPr id="1" name=""/>
+        <p:cNvGrpSpPr/>
+        <p:nvPr/>
+      </p:nvGrpSpPr>
+      <p:grpSpPr>
+        <a:xfrm>
+          <a:off x="0" y="0"/>
+          <a:ext cx="0" cy="0"/>
+          <a:chOff x="0" y="0"/>
+          <a:chExt cx="0" cy="0"/>
+        </a:xfrm>
+      </p:grpSpPr>
+      <p:pic>
+        <p:nvPicPr>
+          <p:cNvPr id="1032" name="Picture 8" descr="MacBook Pro">
+            <a:extLst>
+              <a:ext uri="{FF2B5EF4-FFF2-40B4-BE49-F238E27FC236}">
+                <a16:creationId xmlns:a16="http://schemas.microsoft.com/office/drawing/2014/main" id="{277736F9-C298-C84C-0CE9-A68A6DD17D11}"/>
+              </a:ext>
+            </a:extLst>
+          </p:cNvPr>
+          <p:cNvPicPr>
+            <a:picLocks noChangeAspect="1" noChangeArrowheads="1"/>
+          </p:cNvPicPr>
+          <p:nvPr/>
+        </p:nvPicPr>
+        <p:blipFill rotWithShape="1">
+          <a:blip r:embed="rId3">
+            <a:extLst>
+              <a:ext uri="{28A0092B-C50C-407E-A947-70E740481C1C}">
+                <a14:useLocalDpi xmlns:a14="http://schemas.microsoft.com/office/drawing/2010/main" val="0"/>
+              </a:ext>
+            </a:extLst>
+          </a:blip>
+          <a:srcRect t="11728" b="17823"/>
+          <a:stretch/>
+        </p:blipFill>
+        <p:spPr bwMode="auto">
+          <a:xfrm>
+            <a:off x="0" y="0"/>
+            <a:ext cx="12168277" cy="6858001"/>
+          </a:xfrm>
+          <a:prstGeom prst="rect">
+            <a:avLst/>
+          </a:prstGeom>
+          <a:noFill/>
+          <a:extLst>
+            <a:ext uri="{909E8E84-426E-40DD-AFC4-6F175D3DCCD1}">
+              <a14:hiddenFill xmlns:a14="http://schemas.microsoft.com/office/drawing/2010/main">
+                <a:solidFill>
+                  <a:srgbClr val="FFFFFF"/>
+                </a:solidFill>
+              </a14:hiddenFill>
+            </a:ext>
+          </a:extLst>
+        </p:spPr>
+      </p:pic>
+      <p:sp useBgFill="1">
+        <p:nvSpPr>
+          <p:cNvPr id="6" name="Téglalap: lekerekített 5">
+            <a:extLst>
+              <a:ext uri="{FF2B5EF4-FFF2-40B4-BE49-F238E27FC236}">
+                <a16:creationId xmlns:a16="http://schemas.microsoft.com/office/drawing/2014/main" id="{661E97ED-ABBB-9CAD-411A-908DC18A4776}"/>
+              </a:ext>
+            </a:extLst>
+          </p:cNvPr>
+          <p:cNvSpPr/>
+          <p:nvPr/>
+        </p:nvSpPr>
+        <p:spPr>
+          <a:xfrm>
+            <a:off x="6303313" y="132882"/>
+            <a:ext cx="3613997" cy="1864316"/>
+          </a:xfrm>
+          <a:prstGeom prst="roundRect">
+            <a:avLst/>
+          </a:prstGeom>
+          <a:ln>
+            <a:solidFill>
+              <a:schemeClr val="accent1">
+                <a:shade val="15000"/>
+              </a:schemeClr>
+            </a:solidFill>
+          </a:ln>
+          <a:effectLst>
+            <a:innerShdw blurRad="254000">
+              <a:schemeClr val="bg1"/>
+            </a:innerShdw>
+          </a:effectLst>
+        </p:spPr>
+        <p:style>
+          <a:lnRef idx="2">
+            <a:schemeClr val="accent1">
+              <a:shade val="15000"/>
+            </a:schemeClr>
+          </a:lnRef>
+          <a:fillRef idx="1">
+            <a:schemeClr val="accent1"/>
+          </a:fillRef>
+          <a:effectRef idx="0">
+            <a:schemeClr val="accent1"/>
+          </a:effectRef>
+          <a:fontRef idx="minor">
+            <a:schemeClr val="lt1"/>
+          </a:fontRef>
+        </p:style>
+        <p:txBody>
+          <a:bodyPr rtlCol="0" anchor="ctr"/>
+          <a:lstStyle/>
+          <a:p>
+            <a:pPr algn="ctr"/>
+            <a:endParaRPr lang="hu-HU" dirty="0"/>
+          </a:p>
+        </p:txBody>
+      </p:sp>
+      <p:pic>
+        <p:nvPicPr>
+          <p:cNvPr id="16" name="Kép 15" descr="A képen Betűtípus, Grafika, embléma, Grafikus tervezés látható&#10;&#10;Automatikusan generált leírás">
+            <a:extLst>
+              <a:ext uri="{FF2B5EF4-FFF2-40B4-BE49-F238E27FC236}">
+                <a16:creationId xmlns:a16="http://schemas.microsoft.com/office/drawing/2014/main" id="{9883CE8C-9286-4615-EA0A-CBB377DC328A}"/>
+              </a:ext>
+            </a:extLst>
+          </p:cNvPr>
+          <p:cNvPicPr>
+            <a:picLocks noChangeAspect="1"/>
+          </p:cNvPicPr>
+          <p:nvPr/>
+        </p:nvPicPr>
+        <p:blipFill>
+          <a:blip r:embed="rId4">
+            <a:extLst>
+              <a:ext uri="{28A0092B-C50C-407E-A947-70E740481C1C}">
+                <a14:useLocalDpi xmlns:a14="http://schemas.microsoft.com/office/drawing/2010/main" val="0"/>
+              </a:ext>
+            </a:extLst>
+          </a:blip>
+          <a:stretch>
+            <a:fillRect/>
+          </a:stretch>
+        </p:blipFill>
+        <p:spPr>
+          <a:xfrm>
+            <a:off x="6685139" y="156043"/>
+            <a:ext cx="2903361" cy="1841155"/>
+          </a:xfrm>
+          <a:prstGeom prst="rect">
+            <a:avLst/>
+          </a:prstGeom>
+        </p:spPr>
+      </p:pic>
+      <p:sp useBgFill="1">
+        <p:nvSpPr>
+          <p:cNvPr id="2" name="Téglalap: lekerekített 1">
+            <a:extLst>
+              <a:ext uri="{FF2B5EF4-FFF2-40B4-BE49-F238E27FC236}">
+                <a16:creationId xmlns:a16="http://schemas.microsoft.com/office/drawing/2014/main" id="{9FB5A313-C0E0-2925-9C25-E22555E7A341}"/>
+              </a:ext>
+            </a:extLst>
+          </p:cNvPr>
+          <p:cNvSpPr/>
+          <p:nvPr/>
+        </p:nvSpPr>
+        <p:spPr>
+          <a:xfrm>
+            <a:off x="1813914" y="132882"/>
+            <a:ext cx="3613997" cy="1864316"/>
+          </a:xfrm>
+          <a:prstGeom prst="roundRect">
+            <a:avLst/>
+          </a:prstGeom>
+          <a:ln>
+            <a:solidFill>
+              <a:schemeClr val="accent1">
+                <a:shade val="15000"/>
+              </a:schemeClr>
+            </a:solidFill>
+          </a:ln>
+          <a:effectLst>
+            <a:innerShdw blurRad="254000">
+              <a:schemeClr val="bg1"/>
+            </a:innerShdw>
+          </a:effectLst>
+        </p:spPr>
+        <p:style>
+          <a:lnRef idx="2">
+            <a:schemeClr val="accent1">
+              <a:shade val="15000"/>
+            </a:schemeClr>
+          </a:lnRef>
+          <a:fillRef idx="1">
+            <a:schemeClr val="accent1"/>
+          </a:fillRef>
+          <a:effectRef idx="0">
+            <a:schemeClr val="accent1"/>
+          </a:effectRef>
+          <a:fontRef idx="minor">
+            <a:schemeClr val="lt1"/>
+          </a:fontRef>
+        </p:style>
+        <p:txBody>
+          <a:bodyPr rtlCol="0" anchor="ctr"/>
+          <a:lstStyle/>
+          <a:p>
+            <a:pPr algn="ctr"/>
+            <a:endParaRPr lang="hu-HU" dirty="0"/>
+          </a:p>
+        </p:txBody>
+      </p:sp>
+      <p:pic>
+        <p:nvPicPr>
+          <p:cNvPr id="15" name="Kép 14" descr="A képen szöveg, Grafika, Betűtípus, szimbólum látható&#10;&#10;Automatikusan generált leírás">
+            <a:extLst>
+              <a:ext uri="{FF2B5EF4-FFF2-40B4-BE49-F238E27FC236}">
+                <a16:creationId xmlns:a16="http://schemas.microsoft.com/office/drawing/2014/main" id="{5921782C-15EC-6A91-BE26-BAB571D2E13B}"/>
+              </a:ext>
+            </a:extLst>
+          </p:cNvPr>
+          <p:cNvPicPr>
+            <a:picLocks noChangeAspect="1"/>
+          </p:cNvPicPr>
+          <p:nvPr/>
+        </p:nvPicPr>
+        <p:blipFill rotWithShape="1">
+          <a:blip r:embed="rId5">
+            <a:extLst>
+              <a:ext uri="{28A0092B-C50C-407E-A947-70E740481C1C}">
+                <a14:useLocalDpi xmlns:a14="http://schemas.microsoft.com/office/drawing/2010/main" val="0"/>
+              </a:ext>
+            </a:extLst>
+          </a:blip>
+          <a:srcRect l="21440" t="20172" r="20828" b="25427"/>
+          <a:stretch/>
+        </p:blipFill>
+        <p:spPr>
+          <a:xfrm>
+            <a:off x="2310702" y="370582"/>
+            <a:ext cx="2620420" cy="1388915"/>
+          </a:xfrm>
+          <a:prstGeom prst="rect">
+            <a:avLst/>
+          </a:prstGeom>
+        </p:spPr>
+      </p:pic>
+      <p:sp useBgFill="1">
+        <p:nvSpPr>
+          <p:cNvPr id="3" name="Téglalap: lekerekített 2">
+            <a:extLst>
+              <a:ext uri="{FF2B5EF4-FFF2-40B4-BE49-F238E27FC236}">
+                <a16:creationId xmlns:a16="http://schemas.microsoft.com/office/drawing/2014/main" id="{CB3D9B9F-8278-E0D5-8B89-6CC0CD38F1A8}"/>
+              </a:ext>
+            </a:extLst>
+          </p:cNvPr>
+          <p:cNvSpPr/>
+          <p:nvPr/>
+        </p:nvSpPr>
+        <p:spPr>
+          <a:xfrm>
+            <a:off x="503703" y="3929974"/>
+            <a:ext cx="3134442" cy="2557444"/>
+          </a:xfrm>
+          <a:prstGeom prst="roundRect">
+            <a:avLst/>
+          </a:prstGeom>
+          <a:ln>
+            <a:solidFill>
+              <a:schemeClr val="accent1">
+                <a:shade val="15000"/>
+              </a:schemeClr>
+            </a:solidFill>
+          </a:ln>
+          <a:effectLst>
+            <a:innerShdw blurRad="254000">
+              <a:schemeClr val="bg1"/>
+            </a:innerShdw>
+          </a:effectLst>
+        </p:spPr>
+        <p:style>
+          <a:lnRef idx="2">
+            <a:schemeClr val="accent1">
+              <a:shade val="15000"/>
+            </a:schemeClr>
+          </a:lnRef>
+          <a:fillRef idx="1">
+            <a:schemeClr val="accent1"/>
+          </a:fillRef>
+          <a:effectRef idx="0">
+            <a:schemeClr val="accent1"/>
+          </a:effectRef>
+          <a:fontRef idx="minor">
+            <a:schemeClr val="lt1"/>
+          </a:fontRef>
+        </p:style>
+        <p:txBody>
+          <a:bodyPr rtlCol="0" anchor="ctr"/>
+          <a:lstStyle/>
+          <a:p>
+            <a:pPr algn="ctr"/>
+            <a:endParaRPr lang="hu-HU" dirty="0"/>
+          </a:p>
+        </p:txBody>
+      </p:sp>
+      <p:sp useBgFill="1">
+        <p:nvSpPr>
+          <p:cNvPr id="4" name="Téglalap: lekerekített 3">
+            <a:extLst>
+              <a:ext uri="{FF2B5EF4-FFF2-40B4-BE49-F238E27FC236}">
+                <a16:creationId xmlns:a16="http://schemas.microsoft.com/office/drawing/2014/main" id="{D623A749-9D0D-906D-843C-1148DD6267BD}"/>
+              </a:ext>
+            </a:extLst>
+          </p:cNvPr>
+          <p:cNvSpPr/>
+          <p:nvPr/>
+        </p:nvSpPr>
+        <p:spPr>
+          <a:xfrm>
+            <a:off x="4516917" y="3929974"/>
+            <a:ext cx="3134442" cy="2557444"/>
+          </a:xfrm>
+          <a:prstGeom prst="roundRect">
+            <a:avLst/>
+          </a:prstGeom>
+          <a:ln>
+            <a:solidFill>
+              <a:schemeClr val="accent1">
+                <a:shade val="15000"/>
+              </a:schemeClr>
+            </a:solidFill>
+          </a:ln>
+          <a:effectLst>
+            <a:innerShdw blurRad="254000">
+              <a:schemeClr val="bg1"/>
+            </a:innerShdw>
+          </a:effectLst>
+        </p:spPr>
+        <p:style>
+          <a:lnRef idx="2">
+            <a:schemeClr val="accent1">
+              <a:shade val="15000"/>
+            </a:schemeClr>
+          </a:lnRef>
+          <a:fillRef idx="1">
+            <a:schemeClr val="accent1"/>
+          </a:fillRef>
+          <a:effectRef idx="0">
+            <a:schemeClr val="accent1"/>
+          </a:effectRef>
+          <a:fontRef idx="minor">
+            <a:schemeClr val="lt1"/>
+          </a:fontRef>
+        </p:style>
+        <p:txBody>
+          <a:bodyPr rtlCol="0" anchor="ctr"/>
+          <a:lstStyle/>
+          <a:p>
+            <a:pPr algn="ctr"/>
+            <a:endParaRPr lang="hu-HU" dirty="0"/>
+          </a:p>
+        </p:txBody>
+      </p:sp>
+      <p:sp useBgFill="1">
+        <p:nvSpPr>
+          <p:cNvPr id="5" name="Téglalap: lekerekített 4">
+            <a:extLst>
+              <a:ext uri="{FF2B5EF4-FFF2-40B4-BE49-F238E27FC236}">
+                <a16:creationId xmlns:a16="http://schemas.microsoft.com/office/drawing/2014/main" id="{3499E01B-F177-C636-109D-6D15D06FD3E1}"/>
+              </a:ext>
+            </a:extLst>
+          </p:cNvPr>
+          <p:cNvSpPr/>
+          <p:nvPr/>
+        </p:nvSpPr>
+        <p:spPr>
+          <a:xfrm>
+            <a:off x="8530131" y="3929974"/>
+            <a:ext cx="3134442" cy="2557444"/>
+          </a:xfrm>
+          <a:prstGeom prst="roundRect">
+            <a:avLst/>
+          </a:prstGeom>
+          <a:ln>
+            <a:solidFill>
+              <a:schemeClr val="accent1">
+                <a:shade val="15000"/>
+              </a:schemeClr>
+            </a:solidFill>
+          </a:ln>
+          <a:effectLst>
+            <a:innerShdw blurRad="254000">
+              <a:schemeClr val="bg1"/>
+            </a:innerShdw>
+          </a:effectLst>
+        </p:spPr>
+        <p:style>
+          <a:lnRef idx="2">
+            <a:schemeClr val="accent1">
+              <a:shade val="15000"/>
+            </a:schemeClr>
+          </a:lnRef>
+          <a:fillRef idx="1">
+            <a:schemeClr val="accent1"/>
+          </a:fillRef>
+          <a:effectRef idx="0">
+            <a:schemeClr val="accent1"/>
+          </a:effectRef>
+          <a:fontRef idx="minor">
+            <a:schemeClr val="lt1"/>
+          </a:fontRef>
+        </p:style>
+        <p:txBody>
+          <a:bodyPr rtlCol="0" anchor="ctr"/>
+          <a:lstStyle/>
+          <a:p>
+            <a:pPr algn="ctr"/>
+            <a:endParaRPr lang="hu-HU" dirty="0"/>
+          </a:p>
+        </p:txBody>
+      </p:sp>
+    </p:spTree>
+    <p:extLst>
+      <p:ext uri="{BB962C8B-B14F-4D97-AF65-F5344CB8AC3E}">
+        <p14:creationId xmlns:p14="http://schemas.microsoft.com/office/powerpoint/2010/main" val="727022877"/>
+      </p:ext>
+    </p:extLst>
+  </p:cSld>
+  <p:clrMapOvr>
+    <a:masterClrMapping/>
+  </p:clrMapOvr>
+  <mc:AlternateContent xmlns:mc="http://schemas.openxmlformats.org/markup-compatibility/2006">
+    <mc:Choice xmlns:p159="http://schemas.microsoft.com/office/powerpoint/2015/09/main" Requires="p159">
+      <p:transition xmlns:p14="http://schemas.microsoft.com/office/powerpoint/2010/main" spd="slow" p14:dur="1500">
+        <p159:morph option="byObject"/>
+      </p:transition>
+    </mc:Choice>
+    <mc:Fallback>
+      <p:transition spd="slow">
+        <p:fade/>
+      </p:transition>
+    </mc:Fallback>
+  </mc:AlternateContent>
+</p:sld>
+</file>
+
+<file path=ppt/slides/slide4.xml><?xml version="1.0" encoding="utf-8"?>
+<p:sld xmlns:a="http://schemas.openxmlformats.org/drawingml/2006/main" xmlns:r="http://schemas.openxmlformats.org/officeDocument/2006/relationships" xmlns:p="http://schemas.openxmlformats.org/presentationml/2006/main">
+  <p:cSld>
+    <p:bg>
+      <p:bgPr>
+        <a:blipFill dpi="0" rotWithShape="1">
+          <a:blip r:embed="rId2">
+            <a:lum/>
+          </a:blip>
+          <a:srcRect/>
+          <a:stretch>
+            <a:fillRect t="-9000" b="-9000"/>
+          </a:stretch>
+        </a:blipFill>
+        <a:effectLst/>
+      </p:bgPr>
+    </p:bg>
+    <p:spTree>
+      <p:nvGrpSpPr>
+        <p:cNvPr id="1" name=""/>
+        <p:cNvGrpSpPr/>
+        <p:nvPr/>
+      </p:nvGrpSpPr>
+      <p:grpSpPr>
+        <a:xfrm>
+          <a:off x="0" y="0"/>
+          <a:ext cx="0" cy="0"/>
+          <a:chOff x="0" y="0"/>
+          <a:chExt cx="0" cy="0"/>
+        </a:xfrm>
+      </p:grpSpPr>
+      <p:sp useBgFill="1">
+        <p:nvSpPr>
+          <p:cNvPr id="18" name="Téglalap: lekerekített 17">
+            <a:extLst>
+              <a:ext uri="{FF2B5EF4-FFF2-40B4-BE49-F238E27FC236}">
+                <a16:creationId xmlns:a16="http://schemas.microsoft.com/office/drawing/2014/main" id="{88F1FA27-1357-BBF0-56DD-3A32A354F334}"/>
+              </a:ext>
+            </a:extLst>
+          </p:cNvPr>
+          <p:cNvSpPr/>
+          <p:nvPr/>
+        </p:nvSpPr>
+        <p:spPr>
+          <a:xfrm>
+            <a:off x="-5207499" y="1360771"/>
+            <a:ext cx="5879092" cy="4215013"/>
+          </a:xfrm>
+          <a:prstGeom prst="roundRect">
+            <a:avLst/>
+          </a:prstGeom>
+          <a:ln>
+            <a:solidFill>
+              <a:schemeClr val="accent1">
+                <a:shade val="15000"/>
+              </a:schemeClr>
+            </a:solidFill>
+          </a:ln>
+          <a:effectLst>
+            <a:innerShdw blurRad="254000">
+              <a:schemeClr val="bg1"/>
+            </a:innerShdw>
+          </a:effectLst>
+        </p:spPr>
+        <p:style>
+          <a:lnRef idx="2">
+            <a:schemeClr val="accent1">
+              <a:shade val="15000"/>
+            </a:schemeClr>
+          </a:lnRef>
+          <a:fillRef idx="1">
+            <a:schemeClr val="accent1"/>
+          </a:fillRef>
+          <a:effectRef idx="0">
+            <a:schemeClr val="accent1"/>
+          </a:effectRef>
+          <a:fontRef idx="minor">
+            <a:schemeClr val="lt1"/>
+          </a:fontRef>
+        </p:style>
+        <p:txBody>
+          <a:bodyPr rtlCol="0" anchor="ctr"/>
+          <a:lstStyle/>
+          <a:p>
+            <a:pPr algn="ctr"/>
+            <a:endParaRPr lang="hu-HU" dirty="0"/>
+          </a:p>
+        </p:txBody>
+      </p:sp>
+      <p:sp useBgFill="1">
+        <p:nvSpPr>
+          <p:cNvPr id="16" name="Téglalap: lekerekített 15">
+            <a:extLst>
+              <a:ext uri="{FF2B5EF4-FFF2-40B4-BE49-F238E27FC236}">
+                <a16:creationId xmlns:a16="http://schemas.microsoft.com/office/drawing/2014/main" id="{A6B09DBB-2C06-7717-3F19-3DA6B7D1C86C}"/>
+              </a:ext>
+            </a:extLst>
+          </p:cNvPr>
+          <p:cNvSpPr/>
+          <p:nvPr/>
+        </p:nvSpPr>
+        <p:spPr>
+          <a:xfrm>
+            <a:off x="3148434" y="1306899"/>
+            <a:ext cx="5879092" cy="4215013"/>
+          </a:xfrm>
+          <a:prstGeom prst="roundRect">
+            <a:avLst/>
+          </a:prstGeom>
+          <a:ln>
+            <a:solidFill>
+              <a:schemeClr val="accent1">
+                <a:shade val="15000"/>
+              </a:schemeClr>
+            </a:solidFill>
+          </a:ln>
+          <a:effectLst>
+            <a:innerShdw blurRad="254000">
+              <a:schemeClr val="bg1"/>
+            </a:innerShdw>
+          </a:effectLst>
+        </p:spPr>
+        <p:style>
+          <a:lnRef idx="2">
+            <a:schemeClr val="accent1">
+              <a:shade val="15000"/>
+            </a:schemeClr>
+          </a:lnRef>
+          <a:fillRef idx="1">
+            <a:schemeClr val="accent1"/>
+          </a:fillRef>
+          <a:effectRef idx="0">
+            <a:schemeClr val="accent1"/>
+          </a:effectRef>
+          <a:fontRef idx="minor">
+            <a:schemeClr val="lt1"/>
+          </a:fontRef>
+        </p:style>
+        <p:txBody>
+          <a:bodyPr rtlCol="0" anchor="ctr"/>
+          <a:lstStyle/>
+          <a:p>
+            <a:pPr algn="ctr"/>
+            <a:endParaRPr lang="hu-HU" dirty="0"/>
+          </a:p>
+        </p:txBody>
+      </p:sp>
+      <p:sp useBgFill="1">
+        <p:nvSpPr>
+          <p:cNvPr id="17" name="Téglalap: lekerekített 16">
+            <a:extLst>
+              <a:ext uri="{FF2B5EF4-FFF2-40B4-BE49-F238E27FC236}">
+                <a16:creationId xmlns:a16="http://schemas.microsoft.com/office/drawing/2014/main" id="{72CBD840-999F-EBA6-6C9E-9166D507E0C1}"/>
+              </a:ext>
+            </a:extLst>
+          </p:cNvPr>
+          <p:cNvSpPr/>
+          <p:nvPr/>
+        </p:nvSpPr>
+        <p:spPr>
+          <a:xfrm>
+            <a:off x="3152444" y="1306900"/>
+            <a:ext cx="5879092" cy="4215013"/>
+          </a:xfrm>
+          <a:prstGeom prst="roundRect">
+            <a:avLst/>
+          </a:prstGeom>
+          <a:ln>
+            <a:solidFill>
+              <a:schemeClr val="accent1">
+                <a:shade val="15000"/>
+              </a:schemeClr>
+            </a:solidFill>
+          </a:ln>
+          <a:effectLst>
+            <a:innerShdw blurRad="254000">
+              <a:schemeClr val="bg1"/>
+            </a:innerShdw>
+          </a:effectLst>
+        </p:spPr>
+        <p:style>
+          <a:lnRef idx="2">
+            <a:schemeClr val="accent1">
+              <a:shade val="15000"/>
+            </a:schemeClr>
+          </a:lnRef>
+          <a:fillRef idx="1">
+            <a:schemeClr val="accent1"/>
+          </a:fillRef>
+          <a:effectRef idx="0">
+            <a:schemeClr val="accent1"/>
+          </a:effectRef>
+          <a:fontRef idx="minor">
+            <a:schemeClr val="lt1"/>
+          </a:fontRef>
+        </p:style>
+        <p:txBody>
+          <a:bodyPr rtlCol="0" anchor="ctr"/>
+          <a:lstStyle/>
+          <a:p>
+            <a:pPr algn="ctr"/>
+            <a:endParaRPr lang="hu-HU" dirty="0"/>
+          </a:p>
+        </p:txBody>
+      </p:sp>
+      <p:pic>
+        <p:nvPicPr>
+          <p:cNvPr id="10" name="Kép 9" descr="A képen köd, erdő, Őserdő, erdőség látható&#10;&#10;Automatikusan generált leírás">
+            <a:hlinkClick r:id="rId3"/>
+            <a:extLst>
+              <a:ext uri="{FF2B5EF4-FFF2-40B4-BE49-F238E27FC236}">
+                <a16:creationId xmlns:a16="http://schemas.microsoft.com/office/drawing/2014/main" id="{2B1E4F53-9D3B-07BE-FCB5-F8503F9FF9C0}"/>
+              </a:ext>
+            </a:extLst>
+          </p:cNvPr>
+          <p:cNvPicPr>
+            <a:picLocks noChangeAspect="1"/>
+          </p:cNvPicPr>
+          <p:nvPr/>
+        </p:nvPicPr>
+        <p:blipFill rotWithShape="1">
+          <a:blip r:embed="rId4">
+            <a:extLst>
+              <a:ext uri="{28A0092B-C50C-407E-A947-70E740481C1C}">
+                <a14:useLocalDpi xmlns:a14="http://schemas.microsoft.com/office/drawing/2010/main" val="0"/>
+              </a:ext>
+            </a:extLst>
+          </a:blip>
+          <a:srcRect t="-8458" b="8458"/>
+          <a:stretch/>
+        </p:blipFill>
+        <p:spPr>
+          <a:xfrm>
+            <a:off x="0" y="-633663"/>
+            <a:ext cx="12187990" cy="7491663"/>
+          </a:xfrm>
+          <a:prstGeom prst="rect">
+            <a:avLst/>
+          </a:prstGeom>
+        </p:spPr>
+      </p:pic>
+      <p:sp useBgFill="1">
+        <p:nvSpPr>
+          <p:cNvPr id="11" name="Téglalap: lekerekített 10">
+            <a:extLst>
+              <a:ext uri="{FF2B5EF4-FFF2-40B4-BE49-F238E27FC236}">
+                <a16:creationId xmlns:a16="http://schemas.microsoft.com/office/drawing/2014/main" id="{22E07C27-35FE-5C78-3E4B-124E6593966E}"/>
+              </a:ext>
+            </a:extLst>
+          </p:cNvPr>
+          <p:cNvSpPr/>
+          <p:nvPr/>
+        </p:nvSpPr>
+        <p:spPr>
+          <a:xfrm>
+            <a:off x="3156454" y="1306901"/>
+            <a:ext cx="5879092" cy="4215013"/>
+          </a:xfrm>
+          <a:prstGeom prst="roundRect">
+            <a:avLst/>
+          </a:prstGeom>
+          <a:ln>
+            <a:solidFill>
+              <a:schemeClr val="accent1">
+                <a:shade val="15000"/>
+              </a:schemeClr>
+            </a:solidFill>
+          </a:ln>
+          <a:effectLst>
+            <a:innerShdw blurRad="254000">
+              <a:schemeClr val="bg1"/>
+            </a:innerShdw>
+          </a:effectLst>
+        </p:spPr>
+        <p:style>
+          <a:lnRef idx="2">
+            <a:schemeClr val="accent1">
+              <a:shade val="15000"/>
+            </a:schemeClr>
+          </a:lnRef>
+          <a:fillRef idx="1">
+            <a:schemeClr val="accent1"/>
+          </a:fillRef>
+          <a:effectRef idx="0">
+            <a:schemeClr val="accent1"/>
+          </a:effectRef>
+          <a:fontRef idx="minor">
+            <a:schemeClr val="lt1"/>
+          </a:fontRef>
+        </p:style>
+        <p:txBody>
+          <a:bodyPr rtlCol="0" anchor="ctr"/>
+          <a:lstStyle/>
+          <a:p>
+            <a:pPr algn="ctr"/>
+            <a:endParaRPr lang="hu-HU" dirty="0"/>
+          </a:p>
+        </p:txBody>
+      </p:sp>
+      <p:pic>
+        <p:nvPicPr>
+          <p:cNvPr id="15" name="Kép 14" descr="A képen Betűtípus, Grafika, embléma, Grafikus tervezés látható&#10;&#10;Automatikusan generált leírás">
+            <a:extLst>
+              <a:ext uri="{FF2B5EF4-FFF2-40B4-BE49-F238E27FC236}">
+                <a16:creationId xmlns:a16="http://schemas.microsoft.com/office/drawing/2014/main" id="{BAA4544D-178F-7EE8-CF2A-6E28854B11E4}"/>
+              </a:ext>
+            </a:extLst>
+          </p:cNvPr>
+          <p:cNvPicPr>
+            <a:picLocks noChangeAspect="1"/>
+          </p:cNvPicPr>
+          <p:nvPr/>
+        </p:nvPicPr>
+        <p:blipFill>
+          <a:blip r:embed="rId5">
+            <a:extLst>
+              <a:ext uri="{28A0092B-C50C-407E-A947-70E740481C1C}">
+                <a14:useLocalDpi xmlns:a14="http://schemas.microsoft.com/office/drawing/2010/main" val="0"/>
+              </a:ext>
+            </a:extLst>
+          </a:blip>
+          <a:stretch>
+            <a:fillRect/>
+          </a:stretch>
+        </p:blipFill>
+        <p:spPr>
+          <a:xfrm>
+            <a:off x="4141367" y="2186563"/>
+            <a:ext cx="3918454" cy="2484873"/>
+          </a:xfrm>
+          <a:prstGeom prst="rect">
+            <a:avLst/>
+          </a:prstGeom>
+        </p:spPr>
+      </p:pic>
+      <p:pic>
+        <p:nvPicPr>
+          <p:cNvPr id="12" name="Kép 11" descr="A képen szöveg, Grafika, Betűtípus, szimbólum látható&#10;&#10;Automatikusan generált leírás">
+            <a:extLst>
+              <a:ext uri="{FF2B5EF4-FFF2-40B4-BE49-F238E27FC236}">
+                <a16:creationId xmlns:a16="http://schemas.microsoft.com/office/drawing/2014/main" id="{CCB46D70-9DB1-B70C-0BA2-B28FEC0E3511}"/>
+              </a:ext>
+            </a:extLst>
+          </p:cNvPr>
+          <p:cNvPicPr>
+            <a:picLocks noChangeAspect="1"/>
+          </p:cNvPicPr>
+          <p:nvPr/>
+        </p:nvPicPr>
+        <p:blipFill rotWithShape="1">
+          <a:blip r:embed="rId6">
+            <a:extLst>
+              <a:ext uri="{28A0092B-C50C-407E-A947-70E740481C1C}">
+                <a14:useLocalDpi xmlns:a14="http://schemas.microsoft.com/office/drawing/2010/main" val="0"/>
+              </a:ext>
+            </a:extLst>
+          </a:blip>
+          <a:srcRect l="21440" t="20172" r="20828" b="25427"/>
+          <a:stretch/>
+        </p:blipFill>
+        <p:spPr>
+          <a:xfrm>
+            <a:off x="-4535906" y="2265121"/>
+            <a:ext cx="4539916" cy="2406315"/>
+          </a:xfrm>
+          <a:prstGeom prst="rect">
+            <a:avLst/>
+          </a:prstGeom>
+        </p:spPr>
+      </p:pic>
+      <p:pic>
+        <p:nvPicPr>
+          <p:cNvPr id="13" name="Kép 12" descr="A képen köd, erdő, Őserdő, erdőség látható&#10;&#10;Automatikusan generált leírás">
+            <a:hlinkClick r:id="rId3"/>
+            <a:extLst>
+              <a:ext uri="{FF2B5EF4-FFF2-40B4-BE49-F238E27FC236}">
+                <a16:creationId xmlns:a16="http://schemas.microsoft.com/office/drawing/2014/main" id="{8BBC1C85-2187-4281-DA36-6B3D6DCA918A}"/>
+              </a:ext>
+            </a:extLst>
+          </p:cNvPr>
+          <p:cNvPicPr>
+            <a:picLocks noChangeAspect="1"/>
+          </p:cNvPicPr>
+          <p:nvPr/>
+        </p:nvPicPr>
+        <p:blipFill rotWithShape="1">
+          <a:blip r:embed="rId4">
+            <a:extLst>
+              <a:ext uri="{28A0092B-C50C-407E-A947-70E740481C1C}">
+                <a14:useLocalDpi xmlns:a14="http://schemas.microsoft.com/office/drawing/2010/main" val="0"/>
+              </a:ext>
+            </a:extLst>
+          </a:blip>
+          <a:srcRect t="-8458" b="8458"/>
+          <a:stretch/>
+        </p:blipFill>
+        <p:spPr>
+          <a:xfrm>
+            <a:off x="0" y="-636128"/>
+            <a:ext cx="12192000" cy="7494128"/>
+          </a:xfrm>
+          <a:custGeom>
+            <a:avLst/>
+            <a:gdLst>
+              <a:gd name="connsiteX0" fmla="*/ 3856965 w 12187990"/>
+              <a:gd name="connsiteY0" fmla="*/ 1940564 h 7491663"/>
+              <a:gd name="connsiteX1" fmla="*/ 3154449 w 12187990"/>
+              <a:gd name="connsiteY1" fmla="*/ 2643080 h 7491663"/>
+              <a:gd name="connsiteX2" fmla="*/ 3154449 w 12187990"/>
+              <a:gd name="connsiteY2" fmla="*/ 5453061 h 7491663"/>
+              <a:gd name="connsiteX3" fmla="*/ 3856965 w 12187990"/>
+              <a:gd name="connsiteY3" fmla="*/ 6155577 h 7491663"/>
+              <a:gd name="connsiteX4" fmla="*/ 8331025 w 12187990"/>
+              <a:gd name="connsiteY4" fmla="*/ 6155577 h 7491663"/>
+              <a:gd name="connsiteX5" fmla="*/ 9033541 w 12187990"/>
+              <a:gd name="connsiteY5" fmla="*/ 5453061 h 7491663"/>
+              <a:gd name="connsiteX6" fmla="*/ 9033541 w 12187990"/>
+              <a:gd name="connsiteY6" fmla="*/ 2643080 h 7491663"/>
+              <a:gd name="connsiteX7" fmla="*/ 8331025 w 12187990"/>
+              <a:gd name="connsiteY7" fmla="*/ 1940564 h 7491663"/>
+              <a:gd name="connsiteX8" fmla="*/ 0 w 12187990"/>
+              <a:gd name="connsiteY8" fmla="*/ 0 h 7491663"/>
+              <a:gd name="connsiteX9" fmla="*/ 12187990 w 12187990"/>
+              <a:gd name="connsiteY9" fmla="*/ 0 h 7491663"/>
+              <a:gd name="connsiteX10" fmla="*/ 12187990 w 12187990"/>
+              <a:gd name="connsiteY10" fmla="*/ 7491663 h 7491663"/>
+              <a:gd name="connsiteX11" fmla="*/ 0 w 12187990"/>
+              <a:gd name="connsiteY11" fmla="*/ 7491663 h 7491663"/>
+            </a:gdLst>
+            <a:ahLst/>
+            <a:cxnLst>
+              <a:cxn ang="0">
+                <a:pos x="connsiteX0" y="connsiteY0"/>
+              </a:cxn>
+              <a:cxn ang="0">
+                <a:pos x="connsiteX1" y="connsiteY1"/>
+              </a:cxn>
+              <a:cxn ang="0">
+                <a:pos x="connsiteX2" y="connsiteY2"/>
+              </a:cxn>
+              <a:cxn ang="0">
+                <a:pos x="connsiteX3" y="connsiteY3"/>
+              </a:cxn>
+              <a:cxn ang="0">
+                <a:pos x="connsiteX4" y="connsiteY4"/>
+              </a:cxn>
+              <a:cxn ang="0">
+                <a:pos x="connsiteX5" y="connsiteY5"/>
+              </a:cxn>
+              <a:cxn ang="0">
+                <a:pos x="connsiteX6" y="connsiteY6"/>
+              </a:cxn>
+              <a:cxn ang="0">
+                <a:pos x="connsiteX7" y="connsiteY7"/>
+              </a:cxn>
+              <a:cxn ang="0">
+                <a:pos x="connsiteX8" y="connsiteY8"/>
+              </a:cxn>
+              <a:cxn ang="0">
+                <a:pos x="connsiteX9" y="connsiteY9"/>
+              </a:cxn>
+              <a:cxn ang="0">
+                <a:pos x="connsiteX10" y="connsiteY10"/>
+              </a:cxn>
+              <a:cxn ang="0">
+                <a:pos x="connsiteX11" y="connsiteY11"/>
+              </a:cxn>
+            </a:cxnLst>
+            <a:rect l="l" t="t" r="r" b="b"/>
+            <a:pathLst>
+              <a:path w="12187990" h="7491663">
+                <a:moveTo>
+                  <a:pt x="3856965" y="1940564"/>
+                </a:moveTo>
+                <a:cubicBezTo>
+                  <a:pt x="3468976" y="1940564"/>
+                  <a:pt x="3154449" y="2255091"/>
+                  <a:pt x="3154449" y="2643080"/>
+                </a:cubicBezTo>
+                <a:lnTo>
+                  <a:pt x="3154449" y="5453061"/>
+                </a:lnTo>
+                <a:cubicBezTo>
+                  <a:pt x="3154449" y="5841050"/>
+                  <a:pt x="3468976" y="6155577"/>
+                  <a:pt x="3856965" y="6155577"/>
+                </a:cubicBezTo>
+                <a:lnTo>
+                  <a:pt x="8331025" y="6155577"/>
+                </a:lnTo>
+                <a:cubicBezTo>
+                  <a:pt x="8719014" y="6155577"/>
+                  <a:pt x="9033541" y="5841050"/>
+                  <a:pt x="9033541" y="5453061"/>
+                </a:cubicBezTo>
+                <a:lnTo>
+                  <a:pt x="9033541" y="2643080"/>
+                </a:lnTo>
+                <a:cubicBezTo>
+                  <a:pt x="9033541" y="2255091"/>
+                  <a:pt x="8719014" y="1940564"/>
+                  <a:pt x="8331025" y="1940564"/>
+                </a:cubicBezTo>
+                <a:close/>
+                <a:moveTo>
+                  <a:pt x="0" y="0"/>
+                </a:moveTo>
+                <a:lnTo>
+                  <a:pt x="12187990" y="0"/>
+                </a:lnTo>
+                <a:lnTo>
+                  <a:pt x="12187990" y="7491663"/>
+                </a:lnTo>
+                <a:lnTo>
+                  <a:pt x="0" y="7491663"/>
+                </a:lnTo>
+                <a:close/>
+              </a:path>
+            </a:pathLst>
+          </a:custGeom>
+        </p:spPr>
+      </p:pic>
+    </p:spTree>
+    <p:extLst>
+      <p:ext uri="{BB962C8B-B14F-4D97-AF65-F5344CB8AC3E}">
+        <p14:creationId xmlns:p14="http://schemas.microsoft.com/office/powerpoint/2010/main" val="2403553501"/>
+      </p:ext>
+    </p:extLst>
+  </p:cSld>
+  <p:clrMapOvr>
+    <a:masterClrMapping/>
+  </p:clrMapOvr>
+  <mc:AlternateContent xmlns:mc="http://schemas.openxmlformats.org/markup-compatibility/2006">
+    <mc:Choice xmlns:p159="http://schemas.microsoft.com/office/powerpoint/2015/09/main" Requires="p159">
+      <p:transition spd="slow">
         <p159:morph option="byObject"/>
       </p:transition>
     </mc:Choice>
@@ -4646,10 +5953,10 @@
       </p:grpSpPr>
       <p:sp>
         <p:nvSpPr>
-          <p:cNvPr id="4" name="Téglalap: lekerekített 3">
-            <a:extLst>
-              <a:ext uri="{FF2B5EF4-FFF2-40B4-BE49-F238E27FC236}">
-                <a16:creationId xmlns:a16="http://schemas.microsoft.com/office/drawing/2014/main" id="{A029C02E-AB20-4ADC-94B0-03933D266092}"/>
+          <p:cNvPr id="2" name="Téglalap: lekerekített 1">
+            <a:extLst>
+              <a:ext uri="{FF2B5EF4-FFF2-40B4-BE49-F238E27FC236}">
+                <a16:creationId xmlns:a16="http://schemas.microsoft.com/office/drawing/2014/main" id="{7A51B6C5-23F5-234E-3837-63D1E69B099B}"/>
               </a:ext>
             </a:extLst>
           </p:cNvPr>
@@ -4658,8 +5965,8 @@
         </p:nvSpPr>
         <p:spPr>
           <a:xfrm>
-            <a:off x="419100" y="241300"/>
-            <a:ext cx="11353799" cy="6375400"/>
+            <a:off x="12652430" y="3336626"/>
+            <a:ext cx="3438470" cy="1616374"/>
           </a:xfrm>
           <a:prstGeom prst="roundRect">
             <a:avLst/>
@@ -4696,28 +6003,292 @@
           </a:p>
         </p:txBody>
       </p:sp>
+      <p:sp>
+        <p:nvSpPr>
+          <p:cNvPr id="3" name="Téglalap: lekerekített 2">
+            <a:extLst>
+              <a:ext uri="{FF2B5EF4-FFF2-40B4-BE49-F238E27FC236}">
+                <a16:creationId xmlns:a16="http://schemas.microsoft.com/office/drawing/2014/main" id="{DDD0043A-256F-C8B5-F1BB-3B32DF4E0BDD}"/>
+              </a:ext>
+            </a:extLst>
+          </p:cNvPr>
+          <p:cNvSpPr/>
+          <p:nvPr/>
+        </p:nvSpPr>
+        <p:spPr>
+          <a:xfrm>
+            <a:off x="21078880" y="3336626"/>
+            <a:ext cx="3438470" cy="1616374"/>
+          </a:xfrm>
+          <a:prstGeom prst="roundRect">
+            <a:avLst/>
+          </a:prstGeom>
+          <a:solidFill>
+            <a:schemeClr val="accent1">
+              <a:lumMod val="60000"/>
+              <a:lumOff val="40000"/>
+            </a:schemeClr>
+          </a:solidFill>
+        </p:spPr>
+        <p:style>
+          <a:lnRef idx="2">
+            <a:schemeClr val="accent1">
+              <a:shade val="15000"/>
+            </a:schemeClr>
+          </a:lnRef>
+          <a:fillRef idx="1">
+            <a:schemeClr val="accent1"/>
+          </a:fillRef>
+          <a:effectRef idx="0">
+            <a:schemeClr val="accent1"/>
+          </a:effectRef>
+          <a:fontRef idx="minor">
+            <a:schemeClr val="lt1"/>
+          </a:fontRef>
+        </p:style>
+        <p:txBody>
+          <a:bodyPr rtlCol="0" anchor="ctr"/>
+          <a:lstStyle/>
+          <a:p>
+            <a:pPr algn="ctr"/>
+            <a:endParaRPr lang="hu-HU"/>
+          </a:p>
+        </p:txBody>
+      </p:sp>
+      <p:sp>
+        <p:nvSpPr>
+          <p:cNvPr id="4" name="Téglalap: lekerekített 3">
+            <a:extLst>
+              <a:ext uri="{FF2B5EF4-FFF2-40B4-BE49-F238E27FC236}">
+                <a16:creationId xmlns:a16="http://schemas.microsoft.com/office/drawing/2014/main" id="{7A429D45-3DFA-A9F6-FEA9-200E2B0D1AB3}"/>
+              </a:ext>
+            </a:extLst>
+          </p:cNvPr>
+          <p:cNvSpPr/>
+          <p:nvPr/>
+        </p:nvSpPr>
+        <p:spPr>
+          <a:xfrm>
+            <a:off x="29505330" y="3336626"/>
+            <a:ext cx="3438470" cy="1616374"/>
+          </a:xfrm>
+          <a:prstGeom prst="roundRect">
+            <a:avLst/>
+          </a:prstGeom>
+          <a:solidFill>
+            <a:schemeClr val="accent1">
+              <a:lumMod val="50000"/>
+            </a:schemeClr>
+          </a:solidFill>
+        </p:spPr>
+        <p:style>
+          <a:lnRef idx="2">
+            <a:schemeClr val="accent1">
+              <a:shade val="15000"/>
+            </a:schemeClr>
+          </a:lnRef>
+          <a:fillRef idx="1">
+            <a:schemeClr val="accent1"/>
+          </a:fillRef>
+          <a:effectRef idx="0">
+            <a:schemeClr val="accent1"/>
+          </a:effectRef>
+          <a:fontRef idx="minor">
+            <a:schemeClr val="lt1"/>
+          </a:fontRef>
+        </p:style>
+        <p:txBody>
+          <a:bodyPr rtlCol="0" anchor="ctr"/>
+          <a:lstStyle/>
+          <a:p>
+            <a:pPr algn="ctr"/>
+            <a:endParaRPr lang="hu-HU"/>
+          </a:p>
+        </p:txBody>
+      </p:sp>
+      <p:pic>
+        <p:nvPicPr>
+          <p:cNvPr id="5" name="Ábra 4" descr="Számítógép egyszínű kitöltéssel">
+            <a:extLst>
+              <a:ext uri="{FF2B5EF4-FFF2-40B4-BE49-F238E27FC236}">
+                <a16:creationId xmlns:a16="http://schemas.microsoft.com/office/drawing/2014/main" id="{3C9392A3-9E76-67CA-8C95-E0AD1C0A2209}"/>
+              </a:ext>
+            </a:extLst>
+          </p:cNvPr>
+          <p:cNvPicPr>
+            <a:picLocks noChangeAspect="1"/>
+          </p:cNvPicPr>
+          <p:nvPr/>
+        </p:nvPicPr>
+        <p:blipFill>
+          <a:blip r:embed="rId2">
+            <a:extLst>
+              <a:ext uri="{28A0092B-C50C-407E-A947-70E740481C1C}">
+                <a14:useLocalDpi xmlns:a14="http://schemas.microsoft.com/office/drawing/2010/main" val="0"/>
+              </a:ext>
+              <a:ext uri="{96DAC541-7B7A-43D3-8B79-37D633B846F1}">
+                <asvg:svgBlip xmlns:asvg="http://schemas.microsoft.com/office/drawing/2016/SVG/main" r:embed="rId3"/>
+              </a:ext>
+            </a:extLst>
+          </a:blip>
+          <a:stretch>
+            <a:fillRect/>
+          </a:stretch>
+        </p:blipFill>
+        <p:spPr>
+          <a:xfrm>
+            <a:off x="4527550" y="2576363"/>
+            <a:ext cx="3136900" cy="3136900"/>
+          </a:xfrm>
+          <a:prstGeom prst="rect">
+            <a:avLst/>
+          </a:prstGeom>
+        </p:spPr>
+      </p:pic>
+      <p:cxnSp>
+        <p:nvCxnSpPr>
+          <p:cNvPr id="6" name="Egyenes összekötő 5">
+            <a:extLst>
+              <a:ext uri="{FF2B5EF4-FFF2-40B4-BE49-F238E27FC236}">
+                <a16:creationId xmlns:a16="http://schemas.microsoft.com/office/drawing/2014/main" id="{A0EF3063-8FD3-7616-949C-85E4008989A7}"/>
+              </a:ext>
+            </a:extLst>
+          </p:cNvPr>
+          <p:cNvCxnSpPr>
+            <a:cxnSpLocks/>
+            <a:stCxn id="5" idx="3"/>
+            <a:endCxn id="2" idx="1"/>
+          </p:cNvCxnSpPr>
+          <p:nvPr/>
+        </p:nvCxnSpPr>
+        <p:spPr>
+          <a:xfrm>
+            <a:off x="7664450" y="4144813"/>
+            <a:ext cx="4987980" cy="0"/>
+          </a:xfrm>
+          <a:prstGeom prst="line">
+            <a:avLst/>
+          </a:prstGeom>
+          <a:ln w="25400" cap="flat" cmpd="sng" algn="ctr">
+            <a:solidFill>
+              <a:schemeClr val="dk1"/>
+            </a:solidFill>
+            <a:prstDash val="dash"/>
+            <a:round/>
+            <a:headEnd type="none" w="med" len="med"/>
+            <a:tailEnd type="none" w="med" len="med"/>
+          </a:ln>
+        </p:spPr>
+        <p:style>
+          <a:lnRef idx="0">
+            <a:scrgbClr r="0" g="0" b="0"/>
+          </a:lnRef>
+          <a:fillRef idx="0">
+            <a:scrgbClr r="0" g="0" b="0"/>
+          </a:fillRef>
+          <a:effectRef idx="0">
+            <a:scrgbClr r="0" g="0" b="0"/>
+          </a:effectRef>
+          <a:fontRef idx="minor">
+            <a:schemeClr val="tx1"/>
+          </a:fontRef>
+        </p:style>
+      </p:cxnSp>
+      <p:cxnSp>
+        <p:nvCxnSpPr>
+          <p:cNvPr id="7" name="Egyenes összekötő 6">
+            <a:extLst>
+              <a:ext uri="{FF2B5EF4-FFF2-40B4-BE49-F238E27FC236}">
+                <a16:creationId xmlns:a16="http://schemas.microsoft.com/office/drawing/2014/main" id="{A7D1F4B4-F312-EE02-3CD1-77A94E6D751C}"/>
+              </a:ext>
+            </a:extLst>
+          </p:cNvPr>
+          <p:cNvCxnSpPr>
+            <a:cxnSpLocks/>
+            <a:stCxn id="2" idx="3"/>
+            <a:endCxn id="3" idx="1"/>
+          </p:cNvCxnSpPr>
+          <p:nvPr/>
+        </p:nvCxnSpPr>
+        <p:spPr>
+          <a:xfrm>
+            <a:off x="16090900" y="4144813"/>
+            <a:ext cx="4987980" cy="0"/>
+          </a:xfrm>
+          <a:prstGeom prst="line">
+            <a:avLst/>
+          </a:prstGeom>
+          <a:ln w="25400" cap="flat" cmpd="sng" algn="ctr">
+            <a:solidFill>
+              <a:schemeClr val="dk1"/>
+            </a:solidFill>
+            <a:prstDash val="dash"/>
+            <a:round/>
+            <a:headEnd type="none" w="med" len="med"/>
+            <a:tailEnd type="none" w="med" len="med"/>
+          </a:ln>
+        </p:spPr>
+        <p:style>
+          <a:lnRef idx="0">
+            <a:scrgbClr r="0" g="0" b="0"/>
+          </a:lnRef>
+          <a:fillRef idx="0">
+            <a:scrgbClr r="0" g="0" b="0"/>
+          </a:fillRef>
+          <a:effectRef idx="0">
+            <a:scrgbClr r="0" g="0" b="0"/>
+          </a:effectRef>
+          <a:fontRef idx="minor">
+            <a:schemeClr val="tx1"/>
+          </a:fontRef>
+        </p:style>
+      </p:cxnSp>
+      <p:pic>
+        <p:nvPicPr>
+          <p:cNvPr id="10" name="Kép 9" descr="A képen szöveg, Grafika, Betűtípus, szimbólum látható&#10;&#10;Automatikusan generált leírás">
+            <a:extLst>
+              <a:ext uri="{FF2B5EF4-FFF2-40B4-BE49-F238E27FC236}">
+                <a16:creationId xmlns:a16="http://schemas.microsoft.com/office/drawing/2014/main" id="{EB75F6A8-045A-7F35-C49D-9148F9E860C2}"/>
+              </a:ext>
+            </a:extLst>
+          </p:cNvPr>
+          <p:cNvPicPr>
+            <a:picLocks noChangeAspect="1"/>
+          </p:cNvPicPr>
+          <p:nvPr/>
+        </p:nvPicPr>
+        <p:blipFill>
+          <a:blip r:embed="rId4">
+            <a:extLst>
+              <a:ext uri="{28A0092B-C50C-407E-A947-70E740481C1C}">
+                <a14:useLocalDpi xmlns:a14="http://schemas.microsoft.com/office/drawing/2010/main" val="0"/>
+              </a:ext>
+            </a:extLst>
+          </a:blip>
+          <a:stretch>
+            <a:fillRect/>
+          </a:stretch>
+        </p:blipFill>
+        <p:spPr>
+          <a:xfrm>
+            <a:off x="4593842" y="3429000"/>
+            <a:ext cx="1990687" cy="1119761"/>
+          </a:xfrm>
+          <a:prstGeom prst="rect">
+            <a:avLst/>
+          </a:prstGeom>
+        </p:spPr>
+      </p:pic>
     </p:spTree>
     <p:extLst>
       <p:ext uri="{BB962C8B-B14F-4D97-AF65-F5344CB8AC3E}">
-        <p14:creationId xmlns:p14="http://schemas.microsoft.com/office/powerpoint/2010/main" val="681354065"/>
+        <p14:creationId xmlns:p14="http://schemas.microsoft.com/office/powerpoint/2010/main" val="2826745602"/>
       </p:ext>
     </p:extLst>
   </p:cSld>
   <p:clrMapOvr>
     <a:masterClrMapping/>
   </p:clrMapOvr>
-  <mc:AlternateContent xmlns:mc="http://schemas.openxmlformats.org/markup-compatibility/2006">
-    <mc:Choice xmlns:p159="http://schemas.microsoft.com/office/powerpoint/2015/09/main" Requires="p159">
-      <p:transition spd="slow">
-        <p159:morph option="byObject"/>
-      </p:transition>
-    </mc:Choice>
-    <mc:Fallback>
-      <p:transition spd="slow">
-        <p:fade/>
-      </p:transition>
-    </mc:Fallback>
-  </mc:AlternateContent>
 </p:sld>
 </file>
 
@@ -4740,10 +6311,10 @@
       </p:grpSpPr>
       <p:sp>
         <p:nvSpPr>
-          <p:cNvPr id="26" name="Téglalap: lekerekített 25">
-            <a:extLst>
-              <a:ext uri="{FF2B5EF4-FFF2-40B4-BE49-F238E27FC236}">
-                <a16:creationId xmlns:a16="http://schemas.microsoft.com/office/drawing/2014/main" id="{CDC5B521-8D22-63F7-65A5-4A5AFDC31CA4}"/>
+          <p:cNvPr id="4" name="Téglalap: lekerekített 3">
+            <a:extLst>
+              <a:ext uri="{FF2B5EF4-FFF2-40B4-BE49-F238E27FC236}">
+                <a16:creationId xmlns:a16="http://schemas.microsoft.com/office/drawing/2014/main" id="{58C1CB8E-6771-E98F-5E07-282BE81E4151}"/>
               </a:ext>
             </a:extLst>
           </p:cNvPr>
@@ -4752,8 +6323,8 @@
         </p:nvSpPr>
         <p:spPr>
           <a:xfrm>
-            <a:off x="4376765" y="3336626"/>
-            <a:ext cx="3438470" cy="1616374"/>
+            <a:off x="13816358" y="1594296"/>
+            <a:ext cx="9187814" cy="3669408"/>
           </a:xfrm>
           <a:prstGeom prst="roundRect">
             <a:avLst/>
@@ -4790,126 +6361,147 @@
           </a:p>
         </p:txBody>
       </p:sp>
-      <p:sp>
-        <p:nvSpPr>
-          <p:cNvPr id="27" name="Téglalap: lekerekített 26">
-            <a:extLst>
-              <a:ext uri="{FF2B5EF4-FFF2-40B4-BE49-F238E27FC236}">
-                <a16:creationId xmlns:a16="http://schemas.microsoft.com/office/drawing/2014/main" id="{FF2724CB-5BF3-C8EC-6F75-9D9CB588C12C}"/>
-              </a:ext>
-            </a:extLst>
-          </p:cNvPr>
-          <p:cNvSpPr/>
+      <p:pic>
+        <p:nvPicPr>
+          <p:cNvPr id="5" name="Ábra 4" descr="Számítógép egyszínű kitöltéssel">
+            <a:extLst>
+              <a:ext uri="{FF2B5EF4-FFF2-40B4-BE49-F238E27FC236}">
+                <a16:creationId xmlns:a16="http://schemas.microsoft.com/office/drawing/2014/main" id="{34A02D9F-A4E8-D6EF-FAC9-13A16811E16E}"/>
+              </a:ext>
+            </a:extLst>
+          </p:cNvPr>
+          <p:cNvPicPr>
+            <a:picLocks noChangeAspect="1"/>
+          </p:cNvPicPr>
           <p:nvPr/>
-        </p:nvSpPr>
-        <p:spPr>
-          <a:xfrm>
-            <a:off x="12803215" y="3336626"/>
-            <a:ext cx="3438470" cy="1616374"/>
-          </a:xfrm>
-          <a:prstGeom prst="roundRect">
+        </p:nvPicPr>
+        <p:blipFill>
+          <a:blip r:embed="rId2">
+            <a:extLst>
+              <a:ext uri="{28A0092B-C50C-407E-A947-70E740481C1C}">
+                <a14:useLocalDpi xmlns:a14="http://schemas.microsoft.com/office/drawing/2010/main" val="0"/>
+              </a:ext>
+              <a:ext uri="{96DAC541-7B7A-43D3-8B79-37D633B846F1}">
+                <asvg:svgBlip xmlns:asvg="http://schemas.microsoft.com/office/drawing/2016/SVG/main" r:embed="rId3"/>
+              </a:ext>
+            </a:extLst>
+          </a:blip>
+          <a:stretch>
+            <a:fillRect/>
+          </a:stretch>
+        </p:blipFill>
+        <p:spPr>
+          <a:xfrm>
+            <a:off x="2057400" y="-762000"/>
+            <a:ext cx="8382000" cy="8382000"/>
+          </a:xfrm>
+          <a:prstGeom prst="rect">
             <a:avLst/>
           </a:prstGeom>
-          <a:solidFill>
-            <a:schemeClr val="accent1">
-              <a:lumMod val="60000"/>
-              <a:lumOff val="40000"/>
-            </a:schemeClr>
-          </a:solidFill>
+        </p:spPr>
+      </p:pic>
+      <p:cxnSp>
+        <p:nvCxnSpPr>
+          <p:cNvPr id="6" name="Egyenes összekötő 5">
+            <a:extLst>
+              <a:ext uri="{FF2B5EF4-FFF2-40B4-BE49-F238E27FC236}">
+                <a16:creationId xmlns:a16="http://schemas.microsoft.com/office/drawing/2014/main" id="{49837EE7-732B-DFAB-FD4D-50511E377156}"/>
+              </a:ext>
+            </a:extLst>
+          </p:cNvPr>
+          <p:cNvCxnSpPr>
+            <a:cxnSpLocks/>
+            <a:stCxn id="5" idx="3"/>
+            <a:endCxn id="4" idx="1"/>
+          </p:cNvCxnSpPr>
+          <p:nvPr/>
+        </p:nvCxnSpPr>
+        <p:spPr>
+          <a:xfrm>
+            <a:off x="10439400" y="3429000"/>
+            <a:ext cx="3376958" cy="0"/>
+          </a:xfrm>
+          <a:prstGeom prst="line">
+            <a:avLst/>
+          </a:prstGeom>
+          <a:ln w="25400" cap="flat" cmpd="sng" algn="ctr">
+            <a:solidFill>
+              <a:schemeClr val="dk1"/>
+            </a:solidFill>
+            <a:prstDash val="dash"/>
+            <a:round/>
+            <a:headEnd type="none" w="med" len="med"/>
+            <a:tailEnd type="none" w="med" len="med"/>
+          </a:ln>
         </p:spPr>
         <p:style>
-          <a:lnRef idx="2">
-            <a:schemeClr val="accent1">
-              <a:shade val="15000"/>
-            </a:schemeClr>
+          <a:lnRef idx="0">
+            <a:scrgbClr r="0" g="0" b="0"/>
           </a:lnRef>
-          <a:fillRef idx="1">
-            <a:schemeClr val="accent1"/>
+          <a:fillRef idx="0">
+            <a:scrgbClr r="0" g="0" b="0"/>
           </a:fillRef>
           <a:effectRef idx="0">
-            <a:schemeClr val="accent1"/>
+            <a:scrgbClr r="0" g="0" b="0"/>
           </a:effectRef>
           <a:fontRef idx="minor">
-            <a:schemeClr val="lt1"/>
+            <a:schemeClr val="tx1"/>
           </a:fontRef>
         </p:style>
-        <p:txBody>
-          <a:bodyPr rtlCol="0" anchor="ctr"/>
-          <a:lstStyle/>
-          <a:p>
-            <a:pPr algn="ctr"/>
-            <a:endParaRPr lang="hu-HU"/>
-          </a:p>
-        </p:txBody>
-      </p:sp>
-      <p:sp>
-        <p:nvSpPr>
-          <p:cNvPr id="28" name="Téglalap: lekerekített 27">
-            <a:extLst>
-              <a:ext uri="{FF2B5EF4-FFF2-40B4-BE49-F238E27FC236}">
-                <a16:creationId xmlns:a16="http://schemas.microsoft.com/office/drawing/2014/main" id="{01D43A0F-D0D7-EA22-7A6E-FB5C8FEE0DB6}"/>
-              </a:ext>
-            </a:extLst>
-          </p:cNvPr>
-          <p:cNvSpPr/>
+      </p:cxnSp>
+      <p:pic>
+        <p:nvPicPr>
+          <p:cNvPr id="9" name="Kép 8" descr="A képen szöveg, Grafika, Betűtípus, szimbólum látható&#10;&#10;Automatikusan generált leírás">
+            <a:extLst>
+              <a:ext uri="{FF2B5EF4-FFF2-40B4-BE49-F238E27FC236}">
+                <a16:creationId xmlns:a16="http://schemas.microsoft.com/office/drawing/2014/main" id="{63F9A9ED-BBDD-0179-6F41-AD2CD16C0A7F}"/>
+              </a:ext>
+            </a:extLst>
+          </p:cNvPr>
+          <p:cNvPicPr>
+            <a:picLocks noChangeAspect="1"/>
+          </p:cNvPicPr>
           <p:nvPr/>
-        </p:nvSpPr>
-        <p:spPr>
-          <a:xfrm>
-            <a:off x="21229665" y="3336626"/>
-            <a:ext cx="3438470" cy="1616374"/>
-          </a:xfrm>
-          <a:prstGeom prst="roundRect">
+        </p:nvPicPr>
+        <p:blipFill>
+          <a:blip r:embed="rId4">
+            <a:extLst>
+              <a:ext uri="{28A0092B-C50C-407E-A947-70E740481C1C}">
+                <a14:useLocalDpi xmlns:a14="http://schemas.microsoft.com/office/drawing/2010/main" val="0"/>
+              </a:ext>
+            </a:extLst>
+          </a:blip>
+          <a:stretch>
+            <a:fillRect/>
+          </a:stretch>
+        </p:blipFill>
+        <p:spPr>
+          <a:xfrm>
+            <a:off x="1955800" y="1363976"/>
+            <a:ext cx="5852172" cy="3291847"/>
+          </a:xfrm>
+          <a:prstGeom prst="rect">
             <a:avLst/>
           </a:prstGeom>
-          <a:solidFill>
-            <a:schemeClr val="accent1">
-              <a:lumMod val="50000"/>
-            </a:schemeClr>
-          </a:solidFill>
-        </p:spPr>
-        <p:style>
-          <a:lnRef idx="2">
-            <a:schemeClr val="accent1">
-              <a:shade val="15000"/>
-            </a:schemeClr>
-          </a:lnRef>
-          <a:fillRef idx="1">
-            <a:schemeClr val="accent1"/>
-          </a:fillRef>
-          <a:effectRef idx="0">
-            <a:schemeClr val="accent1"/>
-          </a:effectRef>
-          <a:fontRef idx="minor">
-            <a:schemeClr val="lt1"/>
-          </a:fontRef>
-        </p:style>
-        <p:txBody>
-          <a:bodyPr rtlCol="0" anchor="ctr"/>
-          <a:lstStyle/>
-          <a:p>
-            <a:pPr algn="ctr"/>
-            <a:endParaRPr lang="hu-HU"/>
-          </a:p>
-        </p:txBody>
-      </p:sp>
+        </p:spPr>
+      </p:pic>
     </p:spTree>
     <p:extLst>
       <p:ext uri="{BB962C8B-B14F-4D97-AF65-F5344CB8AC3E}">
-        <p14:creationId xmlns:p14="http://schemas.microsoft.com/office/powerpoint/2010/main" val="942875713"/>
+        <p14:creationId xmlns:p14="http://schemas.microsoft.com/office/powerpoint/2010/main" val="2655748658"/>
       </p:ext>
     </p:extLst>
   </p:cSld>
   <p:clrMapOvr>
     <a:masterClrMapping/>
   </p:clrMapOvr>
-  <mc:AlternateContent xmlns:mc="http://schemas.openxmlformats.org/markup-compatibility/2006">
-    <mc:Choice xmlns:p159="http://schemas.microsoft.com/office/powerpoint/2015/09/main" Requires="p159">
-      <p:transition spd="slow">
+  <mc:AlternateContent xmlns:mc="http://schemas.openxmlformats.org/markup-compatibility/2006" xmlns:p159="http://schemas.microsoft.com/office/powerpoint/2015/09/main">
+    <mc:Choice Requires="p159">
+      <p:transition xmlns:p14="http://schemas.microsoft.com/office/powerpoint/2010/main" spd="slow" p14:dur="2000">
         <p159:morph option="byObject"/>
       </p:transition>
     </mc:Choice>
-    <mc:Fallback>
+    <mc:Fallback xmlns="">
       <p:transition spd="slow">
         <p:fade/>
       </p:transition>
@@ -4937,10 +6529,10 @@
       </p:grpSpPr>
       <p:sp>
         <p:nvSpPr>
-          <p:cNvPr id="3" name="Téglalap: lekerekített 2">
-            <a:extLst>
-              <a:ext uri="{FF2B5EF4-FFF2-40B4-BE49-F238E27FC236}">
-                <a16:creationId xmlns:a16="http://schemas.microsoft.com/office/drawing/2014/main" id="{BECB4016-7356-57EE-BBB1-8EBB95F8E3A3}"/>
+          <p:cNvPr id="4" name="Téglalap: lekerekített 3">
+            <a:extLst>
+              <a:ext uri="{FF2B5EF4-FFF2-40B4-BE49-F238E27FC236}">
+                <a16:creationId xmlns:a16="http://schemas.microsoft.com/office/drawing/2014/main" id="{C6152D2F-52ED-30A8-B75A-FDCAD592B177}"/>
               </a:ext>
             </a:extLst>
           </p:cNvPr>
@@ -4949,7 +6541,7 @@
         </p:nvSpPr>
         <p:spPr>
           <a:xfrm>
-            <a:off x="-4049685" y="3336626"/>
+            <a:off x="12652430" y="3336626"/>
             <a:ext cx="3438470" cy="1616374"/>
           </a:xfrm>
           <a:prstGeom prst="roundRect">
@@ -4989,10 +6581,10 @@
       </p:sp>
       <p:sp>
         <p:nvSpPr>
-          <p:cNvPr id="4" name="Téglalap: lekerekített 3">
-            <a:extLst>
-              <a:ext uri="{FF2B5EF4-FFF2-40B4-BE49-F238E27FC236}">
-                <a16:creationId xmlns:a16="http://schemas.microsoft.com/office/drawing/2014/main" id="{7760F555-A71C-561A-DA1B-A8B921AB2502}"/>
+          <p:cNvPr id="5" name="Téglalap: lekerekített 4">
+            <a:extLst>
+              <a:ext uri="{FF2B5EF4-FFF2-40B4-BE49-F238E27FC236}">
+                <a16:creationId xmlns:a16="http://schemas.microsoft.com/office/drawing/2014/main" id="{19A6A60B-3008-71D0-FDD6-2A6EF29A9B8B}"/>
               </a:ext>
             </a:extLst>
           </p:cNvPr>
@@ -5001,7 +6593,7 @@
         </p:nvSpPr>
         <p:spPr>
           <a:xfrm>
-            <a:off x="4376765" y="3336626"/>
+            <a:off x="21078880" y="3336626"/>
             <a:ext cx="3438470" cy="1616374"/>
           </a:xfrm>
           <a:prstGeom prst="roundRect">
@@ -5041,10 +6633,10 @@
       </p:sp>
       <p:sp>
         <p:nvSpPr>
-          <p:cNvPr id="5" name="Téglalap: lekerekített 4">
-            <a:extLst>
-              <a:ext uri="{FF2B5EF4-FFF2-40B4-BE49-F238E27FC236}">
-                <a16:creationId xmlns:a16="http://schemas.microsoft.com/office/drawing/2014/main" id="{5BACFFC5-43BA-543F-F6B6-B66ACCA77483}"/>
+          <p:cNvPr id="6" name="Téglalap: lekerekített 5">
+            <a:extLst>
+              <a:ext uri="{FF2B5EF4-FFF2-40B4-BE49-F238E27FC236}">
+                <a16:creationId xmlns:a16="http://schemas.microsoft.com/office/drawing/2014/main" id="{D86BD0F8-2F5D-B8FC-4CF8-E312C7036DB0}"/>
               </a:ext>
             </a:extLst>
           </p:cNvPr>
@@ -5053,7 +6645,7 @@
         </p:nvSpPr>
         <p:spPr>
           <a:xfrm>
-            <a:off x="12803215" y="3336626"/>
+            <a:off x="29505330" y="3336626"/>
             <a:ext cx="3438470" cy="1616374"/>
           </a:xfrm>
           <a:prstGeom prst="roundRect">
@@ -5090,23 +6682,196 @@
           </a:p>
         </p:txBody>
       </p:sp>
+      <p:pic>
+        <p:nvPicPr>
+          <p:cNvPr id="7" name="Ábra 6" descr="Számítógép egyszínű kitöltéssel">
+            <a:extLst>
+              <a:ext uri="{FF2B5EF4-FFF2-40B4-BE49-F238E27FC236}">
+                <a16:creationId xmlns:a16="http://schemas.microsoft.com/office/drawing/2014/main" id="{88F1256D-5ADC-F904-5A6F-5D1C9AC366B1}"/>
+              </a:ext>
+            </a:extLst>
+          </p:cNvPr>
+          <p:cNvPicPr>
+            <a:picLocks noChangeAspect="1"/>
+          </p:cNvPicPr>
+          <p:nvPr/>
+        </p:nvPicPr>
+        <p:blipFill>
+          <a:blip r:embed="rId2">
+            <a:extLst>
+              <a:ext uri="{28A0092B-C50C-407E-A947-70E740481C1C}">
+                <a14:useLocalDpi xmlns:a14="http://schemas.microsoft.com/office/drawing/2010/main" val="0"/>
+              </a:ext>
+              <a:ext uri="{96DAC541-7B7A-43D3-8B79-37D633B846F1}">
+                <asvg:svgBlip xmlns:asvg="http://schemas.microsoft.com/office/drawing/2016/SVG/main" r:embed="rId3"/>
+              </a:ext>
+            </a:extLst>
+          </a:blip>
+          <a:stretch>
+            <a:fillRect/>
+          </a:stretch>
+        </p:blipFill>
+        <p:spPr>
+          <a:xfrm>
+            <a:off x="4527550" y="2576363"/>
+            <a:ext cx="3136900" cy="3136900"/>
+          </a:xfrm>
+          <a:prstGeom prst="rect">
+            <a:avLst/>
+          </a:prstGeom>
+        </p:spPr>
+      </p:pic>
+      <p:cxnSp>
+        <p:nvCxnSpPr>
+          <p:cNvPr id="8" name="Egyenes összekötő 7">
+            <a:extLst>
+              <a:ext uri="{FF2B5EF4-FFF2-40B4-BE49-F238E27FC236}">
+                <a16:creationId xmlns:a16="http://schemas.microsoft.com/office/drawing/2014/main" id="{C54B23C7-7C78-56E1-7ACD-3A73E90B28BD}"/>
+              </a:ext>
+            </a:extLst>
+          </p:cNvPr>
+          <p:cNvCxnSpPr>
+            <a:cxnSpLocks/>
+            <a:stCxn id="7" idx="3"/>
+            <a:endCxn id="4" idx="1"/>
+          </p:cNvCxnSpPr>
+          <p:nvPr/>
+        </p:nvCxnSpPr>
+        <p:spPr>
+          <a:xfrm>
+            <a:off x="7664450" y="4144813"/>
+            <a:ext cx="4987980" cy="0"/>
+          </a:xfrm>
+          <a:prstGeom prst="line">
+            <a:avLst/>
+          </a:prstGeom>
+          <a:ln w="25400" cap="flat" cmpd="sng" algn="ctr">
+            <a:solidFill>
+              <a:schemeClr val="dk1"/>
+            </a:solidFill>
+            <a:prstDash val="dash"/>
+            <a:round/>
+            <a:headEnd type="none" w="med" len="med"/>
+            <a:tailEnd type="none" w="med" len="med"/>
+          </a:ln>
+        </p:spPr>
+        <p:style>
+          <a:lnRef idx="0">
+            <a:scrgbClr r="0" g="0" b="0"/>
+          </a:lnRef>
+          <a:fillRef idx="0">
+            <a:scrgbClr r="0" g="0" b="0"/>
+          </a:fillRef>
+          <a:effectRef idx="0">
+            <a:scrgbClr r="0" g="0" b="0"/>
+          </a:effectRef>
+          <a:fontRef idx="minor">
+            <a:schemeClr val="tx1"/>
+          </a:fontRef>
+        </p:style>
+      </p:cxnSp>
+      <p:cxnSp>
+        <p:nvCxnSpPr>
+          <p:cNvPr id="9" name="Egyenes összekötő 8">
+            <a:extLst>
+              <a:ext uri="{FF2B5EF4-FFF2-40B4-BE49-F238E27FC236}">
+                <a16:creationId xmlns:a16="http://schemas.microsoft.com/office/drawing/2014/main" id="{7C9ACF3B-F617-C19C-466B-35AB4EE801F3}"/>
+              </a:ext>
+            </a:extLst>
+          </p:cNvPr>
+          <p:cNvCxnSpPr>
+            <a:cxnSpLocks/>
+            <a:stCxn id="4" idx="3"/>
+            <a:endCxn id="5" idx="1"/>
+          </p:cNvCxnSpPr>
+          <p:nvPr/>
+        </p:nvCxnSpPr>
+        <p:spPr>
+          <a:xfrm>
+            <a:off x="16090900" y="4144813"/>
+            <a:ext cx="4987980" cy="0"/>
+          </a:xfrm>
+          <a:prstGeom prst="line">
+            <a:avLst/>
+          </a:prstGeom>
+          <a:ln w="25400" cap="flat" cmpd="sng" algn="ctr">
+            <a:solidFill>
+              <a:schemeClr val="dk1"/>
+            </a:solidFill>
+            <a:prstDash val="dash"/>
+            <a:round/>
+            <a:headEnd type="none" w="med" len="med"/>
+            <a:tailEnd type="none" w="med" len="med"/>
+          </a:ln>
+        </p:spPr>
+        <p:style>
+          <a:lnRef idx="0">
+            <a:scrgbClr r="0" g="0" b="0"/>
+          </a:lnRef>
+          <a:fillRef idx="0">
+            <a:scrgbClr r="0" g="0" b="0"/>
+          </a:fillRef>
+          <a:effectRef idx="0">
+            <a:scrgbClr r="0" g="0" b="0"/>
+          </a:effectRef>
+          <a:fontRef idx="minor">
+            <a:schemeClr val="tx1"/>
+          </a:fontRef>
+        </p:style>
+      </p:cxnSp>
+      <p:pic>
+        <p:nvPicPr>
+          <p:cNvPr id="10" name="Kép 9" descr="A képen szöveg, Grafika, Betűtípus, szimbólum látható&#10;&#10;Automatikusan generált leírás">
+            <a:extLst>
+              <a:ext uri="{FF2B5EF4-FFF2-40B4-BE49-F238E27FC236}">
+                <a16:creationId xmlns:a16="http://schemas.microsoft.com/office/drawing/2014/main" id="{E267823B-D0D6-C724-ADD9-E9F3AB339812}"/>
+              </a:ext>
+            </a:extLst>
+          </p:cNvPr>
+          <p:cNvPicPr>
+            <a:picLocks noChangeAspect="1"/>
+          </p:cNvPicPr>
+          <p:nvPr/>
+        </p:nvPicPr>
+        <p:blipFill>
+          <a:blip r:embed="rId4">
+            <a:extLst>
+              <a:ext uri="{28A0092B-C50C-407E-A947-70E740481C1C}">
+                <a14:useLocalDpi xmlns:a14="http://schemas.microsoft.com/office/drawing/2010/main" val="0"/>
+              </a:ext>
+            </a:extLst>
+          </a:blip>
+          <a:stretch>
+            <a:fillRect/>
+          </a:stretch>
+        </p:blipFill>
+        <p:spPr>
+          <a:xfrm>
+            <a:off x="4593842" y="3429000"/>
+            <a:ext cx="1990687" cy="1119761"/>
+          </a:xfrm>
+          <a:prstGeom prst="rect">
+            <a:avLst/>
+          </a:prstGeom>
+        </p:spPr>
+      </p:pic>
     </p:spTree>
     <p:extLst>
       <p:ext uri="{BB962C8B-B14F-4D97-AF65-F5344CB8AC3E}">
-        <p14:creationId xmlns:p14="http://schemas.microsoft.com/office/powerpoint/2010/main" val="1105231747"/>
+        <p14:creationId xmlns:p14="http://schemas.microsoft.com/office/powerpoint/2010/main" val="3633257040"/>
       </p:ext>
     </p:extLst>
   </p:cSld>
   <p:clrMapOvr>
     <a:masterClrMapping/>
   </p:clrMapOvr>
-  <mc:AlternateContent xmlns:mc="http://schemas.openxmlformats.org/markup-compatibility/2006">
-    <mc:Choice xmlns:p159="http://schemas.microsoft.com/office/powerpoint/2015/09/main" Requires="p159">
-      <p:transition spd="slow">
+  <mc:AlternateContent xmlns:mc="http://schemas.openxmlformats.org/markup-compatibility/2006" xmlns:p159="http://schemas.microsoft.com/office/powerpoint/2015/09/main">
+    <mc:Choice Requires="p159">
+      <p:transition xmlns:p14="http://schemas.microsoft.com/office/powerpoint/2010/main" spd="slow" p14:dur="2000">
         <p159:morph option="byObject"/>
       </p:transition>
     </mc:Choice>
-    <mc:Fallback>
+    <mc:Fallback xmlns="">
       <p:transition spd="slow">
         <p:fade/>
       </p:transition>
@@ -5134,10 +6899,10 @@
       </p:grpSpPr>
       <p:sp>
         <p:nvSpPr>
-          <p:cNvPr id="3" name="Téglalap: lekerekített 2">
-            <a:extLst>
-              <a:ext uri="{FF2B5EF4-FFF2-40B4-BE49-F238E27FC236}">
-                <a16:creationId xmlns:a16="http://schemas.microsoft.com/office/drawing/2014/main" id="{BECB4016-7356-57EE-BBB1-8EBB95F8E3A3}"/>
+          <p:cNvPr id="26" name="Téglalap: lekerekített 25">
+            <a:extLst>
+              <a:ext uri="{FF2B5EF4-FFF2-40B4-BE49-F238E27FC236}">
+                <a16:creationId xmlns:a16="http://schemas.microsoft.com/office/drawing/2014/main" id="{CDC5B521-8D22-63F7-65A5-4A5AFDC31CA4}"/>
               </a:ext>
             </a:extLst>
           </p:cNvPr>
@@ -5146,7 +6911,7 @@
         </p:nvSpPr>
         <p:spPr>
           <a:xfrm>
-            <a:off x="-12476135" y="3336626"/>
+            <a:off x="4376765" y="3336626"/>
             <a:ext cx="3438470" cy="1616374"/>
           </a:xfrm>
           <a:prstGeom prst="roundRect">
@@ -5186,10 +6951,10 @@
       </p:sp>
       <p:sp>
         <p:nvSpPr>
-          <p:cNvPr id="4" name="Téglalap: lekerekített 3">
-            <a:extLst>
-              <a:ext uri="{FF2B5EF4-FFF2-40B4-BE49-F238E27FC236}">
-                <a16:creationId xmlns:a16="http://schemas.microsoft.com/office/drawing/2014/main" id="{7760F555-A71C-561A-DA1B-A8B921AB2502}"/>
+          <p:cNvPr id="27" name="Téglalap: lekerekített 26">
+            <a:extLst>
+              <a:ext uri="{FF2B5EF4-FFF2-40B4-BE49-F238E27FC236}">
+                <a16:creationId xmlns:a16="http://schemas.microsoft.com/office/drawing/2014/main" id="{FF2724CB-5BF3-C8EC-6F75-9D9CB588C12C}"/>
               </a:ext>
             </a:extLst>
           </p:cNvPr>
@@ -5198,7 +6963,7 @@
         </p:nvSpPr>
         <p:spPr>
           <a:xfrm>
-            <a:off x="-4049685" y="3336626"/>
+            <a:off x="12803215" y="3336626"/>
             <a:ext cx="3438470" cy="1616374"/>
           </a:xfrm>
           <a:prstGeom prst="roundRect">
@@ -5238,10 +7003,10 @@
       </p:sp>
       <p:sp>
         <p:nvSpPr>
-          <p:cNvPr id="5" name="Téglalap: lekerekített 4">
-            <a:extLst>
-              <a:ext uri="{FF2B5EF4-FFF2-40B4-BE49-F238E27FC236}">
-                <a16:creationId xmlns:a16="http://schemas.microsoft.com/office/drawing/2014/main" id="{5BACFFC5-43BA-543F-F6B6-B66ACCA77483}"/>
+          <p:cNvPr id="28" name="Téglalap: lekerekített 27">
+            <a:extLst>
+              <a:ext uri="{FF2B5EF4-FFF2-40B4-BE49-F238E27FC236}">
+                <a16:creationId xmlns:a16="http://schemas.microsoft.com/office/drawing/2014/main" id="{01D43A0F-D0D7-EA22-7A6E-FB5C8FEE0DB6}"/>
               </a:ext>
             </a:extLst>
           </p:cNvPr>
@@ -5250,7 +7015,7 @@
         </p:nvSpPr>
         <p:spPr>
           <a:xfrm>
-            <a:off x="4376765" y="3336626"/>
+            <a:off x="21229665" y="3336626"/>
             <a:ext cx="3438470" cy="1616374"/>
           </a:xfrm>
           <a:prstGeom prst="roundRect">
@@ -5287,23 +7052,290 @@
           </a:p>
         </p:txBody>
       </p:sp>
+      <p:pic>
+        <p:nvPicPr>
+          <p:cNvPr id="34" name="Ábra 33" descr="Számítógép egyszínű kitöltéssel">
+            <a:extLst>
+              <a:ext uri="{FF2B5EF4-FFF2-40B4-BE49-F238E27FC236}">
+                <a16:creationId xmlns:a16="http://schemas.microsoft.com/office/drawing/2014/main" id="{6E9C46C8-B2B4-42DB-884B-8D49AAED1F38}"/>
+              </a:ext>
+            </a:extLst>
+          </p:cNvPr>
+          <p:cNvPicPr>
+            <a:picLocks noChangeAspect="1"/>
+          </p:cNvPicPr>
+          <p:nvPr/>
+        </p:nvPicPr>
+        <p:blipFill>
+          <a:blip r:embed="rId2">
+            <a:extLst>
+              <a:ext uri="{28A0092B-C50C-407E-A947-70E740481C1C}">
+                <a14:useLocalDpi xmlns:a14="http://schemas.microsoft.com/office/drawing/2010/main" val="0"/>
+              </a:ext>
+              <a:ext uri="{96DAC541-7B7A-43D3-8B79-37D633B846F1}">
+                <asvg:svgBlip xmlns:asvg="http://schemas.microsoft.com/office/drawing/2016/SVG/main" r:embed="rId3"/>
+              </a:ext>
+            </a:extLst>
+          </a:blip>
+          <a:stretch>
+            <a:fillRect/>
+          </a:stretch>
+        </p:blipFill>
+        <p:spPr>
+          <a:xfrm>
+            <a:off x="-3748115" y="2576363"/>
+            <a:ext cx="3136900" cy="3136900"/>
+          </a:xfrm>
+          <a:prstGeom prst="rect">
+            <a:avLst/>
+          </a:prstGeom>
+        </p:spPr>
+      </p:pic>
+      <p:cxnSp>
+        <p:nvCxnSpPr>
+          <p:cNvPr id="36" name="Egyenes összekötő 35">
+            <a:extLst>
+              <a:ext uri="{FF2B5EF4-FFF2-40B4-BE49-F238E27FC236}">
+                <a16:creationId xmlns:a16="http://schemas.microsoft.com/office/drawing/2014/main" id="{2AE982B1-A19C-3AF7-F43A-75D5C4651373}"/>
+              </a:ext>
+            </a:extLst>
+          </p:cNvPr>
+          <p:cNvCxnSpPr>
+            <a:cxnSpLocks/>
+            <a:stCxn id="34" idx="3"/>
+            <a:endCxn id="26" idx="1"/>
+          </p:cNvCxnSpPr>
+          <p:nvPr/>
+        </p:nvCxnSpPr>
+        <p:spPr>
+          <a:xfrm>
+            <a:off x="-611215" y="4144813"/>
+            <a:ext cx="4987980" cy="0"/>
+          </a:xfrm>
+          <a:prstGeom prst="line">
+            <a:avLst/>
+          </a:prstGeom>
+          <a:ln w="25400" cap="flat" cmpd="sng" algn="ctr">
+            <a:solidFill>
+              <a:schemeClr val="dk1"/>
+            </a:solidFill>
+            <a:prstDash val="dash"/>
+            <a:round/>
+            <a:headEnd type="none" w="med" len="med"/>
+            <a:tailEnd type="none" w="med" len="med"/>
+          </a:ln>
+        </p:spPr>
+        <p:style>
+          <a:lnRef idx="0">
+            <a:scrgbClr r="0" g="0" b="0"/>
+          </a:lnRef>
+          <a:fillRef idx="0">
+            <a:scrgbClr r="0" g="0" b="0"/>
+          </a:fillRef>
+          <a:effectRef idx="0">
+            <a:scrgbClr r="0" g="0" b="0"/>
+          </a:effectRef>
+          <a:fontRef idx="minor">
+            <a:schemeClr val="tx1"/>
+          </a:fontRef>
+        </p:style>
+      </p:cxnSp>
+      <p:cxnSp>
+        <p:nvCxnSpPr>
+          <p:cNvPr id="39" name="Egyenes összekötő 38">
+            <a:extLst>
+              <a:ext uri="{FF2B5EF4-FFF2-40B4-BE49-F238E27FC236}">
+                <a16:creationId xmlns:a16="http://schemas.microsoft.com/office/drawing/2014/main" id="{B8241D44-443D-4533-9A49-2E5701E2E799}"/>
+              </a:ext>
+            </a:extLst>
+          </p:cNvPr>
+          <p:cNvCxnSpPr>
+            <a:cxnSpLocks/>
+            <a:stCxn id="26" idx="3"/>
+            <a:endCxn id="27" idx="1"/>
+          </p:cNvCxnSpPr>
+          <p:nvPr/>
+        </p:nvCxnSpPr>
+        <p:spPr>
+          <a:xfrm>
+            <a:off x="7815235" y="4144813"/>
+            <a:ext cx="4987980" cy="0"/>
+          </a:xfrm>
+          <a:prstGeom prst="line">
+            <a:avLst/>
+          </a:prstGeom>
+          <a:ln w="25400" cap="flat" cmpd="sng" algn="ctr">
+            <a:solidFill>
+              <a:schemeClr val="dk1"/>
+            </a:solidFill>
+            <a:prstDash val="dash"/>
+            <a:round/>
+            <a:headEnd type="none" w="med" len="med"/>
+            <a:tailEnd type="none" w="med" len="med"/>
+          </a:ln>
+        </p:spPr>
+        <p:style>
+          <a:lnRef idx="0">
+            <a:scrgbClr r="0" g="0" b="0"/>
+          </a:lnRef>
+          <a:fillRef idx="0">
+            <a:scrgbClr r="0" g="0" b="0"/>
+          </a:fillRef>
+          <a:effectRef idx="0">
+            <a:scrgbClr r="0" g="0" b="0"/>
+          </a:effectRef>
+          <a:fontRef idx="minor">
+            <a:schemeClr val="tx1"/>
+          </a:fontRef>
+        </p:style>
+      </p:cxnSp>
+      <p:pic>
+        <p:nvPicPr>
+          <p:cNvPr id="42" name="Kép 41" descr="A képen szöveg, Grafika, Betűtípus, szimbólum látható&#10;&#10;Automatikusan generált leírás">
+            <a:extLst>
+              <a:ext uri="{FF2B5EF4-FFF2-40B4-BE49-F238E27FC236}">
+                <a16:creationId xmlns:a16="http://schemas.microsoft.com/office/drawing/2014/main" id="{6AC49452-DD9A-C356-D426-DB79D7B1F72A}"/>
+              </a:ext>
+            </a:extLst>
+          </p:cNvPr>
+          <p:cNvPicPr>
+            <a:picLocks noChangeAspect="1"/>
+          </p:cNvPicPr>
+          <p:nvPr/>
+        </p:nvPicPr>
+        <p:blipFill>
+          <a:blip r:embed="rId4">
+            <a:extLst>
+              <a:ext uri="{28A0092B-C50C-407E-A947-70E740481C1C}">
+                <a14:useLocalDpi xmlns:a14="http://schemas.microsoft.com/office/drawing/2010/main" val="0"/>
+              </a:ext>
+            </a:extLst>
+          </a:blip>
+          <a:stretch>
+            <a:fillRect/>
+          </a:stretch>
+        </p:blipFill>
+        <p:spPr>
+          <a:xfrm>
+            <a:off x="-3635758" y="3429000"/>
+            <a:ext cx="1990687" cy="1119761"/>
+          </a:xfrm>
+          <a:prstGeom prst="rect">
+            <a:avLst/>
+          </a:prstGeom>
+        </p:spPr>
+      </p:pic>
     </p:spTree>
     <p:extLst>
       <p:ext uri="{BB962C8B-B14F-4D97-AF65-F5344CB8AC3E}">
-        <p14:creationId xmlns:p14="http://schemas.microsoft.com/office/powerpoint/2010/main" val="3438345790"/>
+        <p14:creationId xmlns:p14="http://schemas.microsoft.com/office/powerpoint/2010/main" val="1876388415"/>
       </p:ext>
     </p:extLst>
   </p:cSld>
   <p:clrMapOvr>
     <a:masterClrMapping/>
   </p:clrMapOvr>
-  <mc:AlternateContent xmlns:mc="http://schemas.openxmlformats.org/markup-compatibility/2006">
-    <mc:Choice xmlns:p159="http://schemas.microsoft.com/office/powerpoint/2015/09/main" Requires="p159">
+  <mc:AlternateContent xmlns:mc="http://schemas.openxmlformats.org/markup-compatibility/2006" xmlns:p159="http://schemas.microsoft.com/office/powerpoint/2015/09/main">
+    <mc:Choice Requires="p159">
+      <p:transition xmlns:p14="http://schemas.microsoft.com/office/powerpoint/2010/main" spd="slow" p14:dur="2000">
+        <p159:morph option="byObject"/>
+      </p:transition>
+    </mc:Choice>
+    <mc:Fallback xmlns="">
+      <p:transition spd="slow">
+        <p:fade/>
+      </p:transition>
+    </mc:Fallback>
+  </mc:AlternateContent>
+</p:sld>
+</file>
+
+<file path=ppt/slides/slide9.xml><?xml version="1.0" encoding="utf-8"?>
+<p:sld xmlns:a="http://schemas.openxmlformats.org/drawingml/2006/main" xmlns:r="http://schemas.openxmlformats.org/officeDocument/2006/relationships" xmlns:p="http://schemas.openxmlformats.org/presentationml/2006/main">
+  <p:cSld>
+    <p:spTree>
+      <p:nvGrpSpPr>
+        <p:cNvPr id="1" name=""/>
+        <p:cNvGrpSpPr/>
+        <p:nvPr/>
+      </p:nvGrpSpPr>
+      <p:grpSpPr>
+        <a:xfrm>
+          <a:off x="0" y="0"/>
+          <a:ext cx="0" cy="0"/>
+          <a:chOff x="0" y="0"/>
+          <a:chExt cx="0" cy="0"/>
+        </a:xfrm>
+      </p:grpSpPr>
+      <p:sp>
+        <p:nvSpPr>
+          <p:cNvPr id="4" name="Téglalap: lekerekített 3">
+            <a:extLst>
+              <a:ext uri="{FF2B5EF4-FFF2-40B4-BE49-F238E27FC236}">
+                <a16:creationId xmlns:a16="http://schemas.microsoft.com/office/drawing/2014/main" id="{A029C02E-AB20-4ADC-94B0-03933D266092}"/>
+              </a:ext>
+            </a:extLst>
+          </p:cNvPr>
+          <p:cNvSpPr/>
+          <p:nvPr/>
+        </p:nvSpPr>
+        <p:spPr>
+          <a:xfrm>
+            <a:off x="419100" y="241300"/>
+            <a:ext cx="11353799" cy="6375400"/>
+          </a:xfrm>
+          <a:prstGeom prst="roundRect">
+            <a:avLst/>
+          </a:prstGeom>
+          <a:solidFill>
+            <a:schemeClr val="accent1">
+              <a:lumMod val="20000"/>
+              <a:lumOff val="80000"/>
+            </a:schemeClr>
+          </a:solidFill>
+        </p:spPr>
+        <p:style>
+          <a:lnRef idx="2">
+            <a:schemeClr val="accent1">
+              <a:shade val="15000"/>
+            </a:schemeClr>
+          </a:lnRef>
+          <a:fillRef idx="1">
+            <a:schemeClr val="accent1"/>
+          </a:fillRef>
+          <a:effectRef idx="0">
+            <a:schemeClr val="accent1"/>
+          </a:effectRef>
+          <a:fontRef idx="minor">
+            <a:schemeClr val="lt1"/>
+          </a:fontRef>
+        </p:style>
+        <p:txBody>
+          <a:bodyPr rtlCol="0" anchor="ctr"/>
+          <a:lstStyle/>
+          <a:p>
+            <a:pPr algn="ctr"/>
+            <a:endParaRPr lang="hu-HU" dirty="0"/>
+          </a:p>
+        </p:txBody>
+      </p:sp>
+    </p:spTree>
+    <p:extLst>
+      <p:ext uri="{BB962C8B-B14F-4D97-AF65-F5344CB8AC3E}">
+        <p14:creationId xmlns:p14="http://schemas.microsoft.com/office/powerpoint/2010/main" val="681354065"/>
+      </p:ext>
+    </p:extLst>
+  </p:cSld>
+  <p:clrMapOvr>
+    <a:masterClrMapping/>
+  </p:clrMapOvr>
+  <mc:AlternateContent xmlns:mc="http://schemas.openxmlformats.org/markup-compatibility/2006" xmlns:p159="http://schemas.microsoft.com/office/powerpoint/2015/09/main">
+    <mc:Choice Requires="p159">
       <p:transition spd="slow">
         <p159:morph option="byObject"/>
       </p:transition>
     </mc:Choice>
-    <mc:Fallback>
+    <mc:Fallback xmlns="">
       <p:transition spd="slow">
         <p:fade/>
       </p:transition>

--- a/workshop III..pptx
+++ b/workshop III..pptx
@@ -8,15 +8,16 @@
     <p:sldId id="265" r:id="rId2"/>
     <p:sldId id="266" r:id="rId3"/>
     <p:sldId id="267" r:id="rId4"/>
-    <p:sldId id="264" r:id="rId5"/>
-    <p:sldId id="261" r:id="rId6"/>
-    <p:sldId id="262" r:id="rId7"/>
-    <p:sldId id="263" r:id="rId8"/>
-    <p:sldId id="256" r:id="rId9"/>
-    <p:sldId id="259" r:id="rId10"/>
-    <p:sldId id="260" r:id="rId11"/>
-    <p:sldId id="257" r:id="rId12"/>
-    <p:sldId id="258" r:id="rId13"/>
+    <p:sldId id="268" r:id="rId5"/>
+    <p:sldId id="264" r:id="rId6"/>
+    <p:sldId id="261" r:id="rId7"/>
+    <p:sldId id="262" r:id="rId8"/>
+    <p:sldId id="263" r:id="rId9"/>
+    <p:sldId id="256" r:id="rId10"/>
+    <p:sldId id="259" r:id="rId11"/>
+    <p:sldId id="260" r:id="rId12"/>
+    <p:sldId id="257" r:id="rId13"/>
+    <p:sldId id="258" r:id="rId14"/>
   </p:sldIdLst>
   <p:sldSz cx="12192000" cy="6858000"/>
   <p:notesSz cx="6858000" cy="9144000"/>
@@ -3528,6 +3529,7 @@
       <p:pic>
         <p:nvPicPr>
           <p:cNvPr id="20" name="Kép 19" descr="MacBook Pro">
+            <a:hlinkClick r:id="rId6"/>
             <a:extLst>
               <a:ext uri="{FF2B5EF4-FFF2-40B4-BE49-F238E27FC236}">
                 <a16:creationId xmlns:a16="http://schemas.microsoft.com/office/drawing/2014/main" id="{21F80F2A-19A2-BE61-98F7-92EB1D6C434B}"/>
@@ -3696,13 +3698,13 @@
   <p:clrMapOvr>
     <a:masterClrMapping/>
   </p:clrMapOvr>
-  <mc:AlternateContent xmlns:mc="http://schemas.openxmlformats.org/markup-compatibility/2006">
-    <mc:Choice xmlns:p159="http://schemas.microsoft.com/office/powerpoint/2015/09/main" Requires="p159">
+  <mc:AlternateContent xmlns:mc="http://schemas.openxmlformats.org/markup-compatibility/2006" xmlns:p159="http://schemas.microsoft.com/office/powerpoint/2015/09/main">
+    <mc:Choice Requires="p159">
       <p:transition xmlns:p14="http://schemas.microsoft.com/office/powerpoint/2010/main" spd="slow" p14:dur="2000">
         <p159:morph option="byObject"/>
       </p:transition>
     </mc:Choice>
-    <mc:Fallback>
+    <mc:Fallback xmlns="">
       <p:transition spd="slow">
         <p:fade/>
       </p:transition>
@@ -3730,10 +3732,10 @@
       </p:grpSpPr>
       <p:sp>
         <p:nvSpPr>
-          <p:cNvPr id="26" name="Téglalap: lekerekített 25">
-            <a:extLst>
-              <a:ext uri="{FF2B5EF4-FFF2-40B4-BE49-F238E27FC236}">
-                <a16:creationId xmlns:a16="http://schemas.microsoft.com/office/drawing/2014/main" id="{CDC5B521-8D22-63F7-65A5-4A5AFDC31CA4}"/>
+          <p:cNvPr id="4" name="Téglalap: lekerekített 3">
+            <a:extLst>
+              <a:ext uri="{FF2B5EF4-FFF2-40B4-BE49-F238E27FC236}">
+                <a16:creationId xmlns:a16="http://schemas.microsoft.com/office/drawing/2014/main" id="{A029C02E-AB20-4ADC-94B0-03933D266092}"/>
               </a:ext>
             </a:extLst>
           </p:cNvPr>
@@ -3742,8 +3744,8 @@
         </p:nvSpPr>
         <p:spPr>
           <a:xfrm>
-            <a:off x="4376765" y="3336626"/>
-            <a:ext cx="3438470" cy="1616374"/>
+            <a:off x="419100" y="241300"/>
+            <a:ext cx="11353799" cy="6375400"/>
           </a:xfrm>
           <a:prstGeom prst="roundRect">
             <a:avLst/>
@@ -3780,113 +3782,10 @@
           </a:p>
         </p:txBody>
       </p:sp>
-      <p:sp>
-        <p:nvSpPr>
-          <p:cNvPr id="27" name="Téglalap: lekerekített 26">
-            <a:extLst>
-              <a:ext uri="{FF2B5EF4-FFF2-40B4-BE49-F238E27FC236}">
-                <a16:creationId xmlns:a16="http://schemas.microsoft.com/office/drawing/2014/main" id="{FF2724CB-5BF3-C8EC-6F75-9D9CB588C12C}"/>
-              </a:ext>
-            </a:extLst>
-          </p:cNvPr>
-          <p:cNvSpPr/>
-          <p:nvPr/>
-        </p:nvSpPr>
-        <p:spPr>
-          <a:xfrm>
-            <a:off x="12803215" y="3336626"/>
-            <a:ext cx="3438470" cy="1616374"/>
-          </a:xfrm>
-          <a:prstGeom prst="roundRect">
-            <a:avLst/>
-          </a:prstGeom>
-          <a:solidFill>
-            <a:schemeClr val="accent1">
-              <a:lumMod val="60000"/>
-              <a:lumOff val="40000"/>
-            </a:schemeClr>
-          </a:solidFill>
-        </p:spPr>
-        <p:style>
-          <a:lnRef idx="2">
-            <a:schemeClr val="accent1">
-              <a:shade val="15000"/>
-            </a:schemeClr>
-          </a:lnRef>
-          <a:fillRef idx="1">
-            <a:schemeClr val="accent1"/>
-          </a:fillRef>
-          <a:effectRef idx="0">
-            <a:schemeClr val="accent1"/>
-          </a:effectRef>
-          <a:fontRef idx="minor">
-            <a:schemeClr val="lt1"/>
-          </a:fontRef>
-        </p:style>
-        <p:txBody>
-          <a:bodyPr rtlCol="0" anchor="ctr"/>
-          <a:lstStyle/>
-          <a:p>
-            <a:pPr algn="ctr"/>
-            <a:endParaRPr lang="hu-HU"/>
-          </a:p>
-        </p:txBody>
-      </p:sp>
-      <p:sp>
-        <p:nvSpPr>
-          <p:cNvPr id="28" name="Téglalap: lekerekített 27">
-            <a:extLst>
-              <a:ext uri="{FF2B5EF4-FFF2-40B4-BE49-F238E27FC236}">
-                <a16:creationId xmlns:a16="http://schemas.microsoft.com/office/drawing/2014/main" id="{01D43A0F-D0D7-EA22-7A6E-FB5C8FEE0DB6}"/>
-              </a:ext>
-            </a:extLst>
-          </p:cNvPr>
-          <p:cNvSpPr/>
-          <p:nvPr/>
-        </p:nvSpPr>
-        <p:spPr>
-          <a:xfrm>
-            <a:off x="21229665" y="3336626"/>
-            <a:ext cx="3438470" cy="1616374"/>
-          </a:xfrm>
-          <a:prstGeom prst="roundRect">
-            <a:avLst/>
-          </a:prstGeom>
-          <a:solidFill>
-            <a:schemeClr val="accent1">
-              <a:lumMod val="50000"/>
-            </a:schemeClr>
-          </a:solidFill>
-        </p:spPr>
-        <p:style>
-          <a:lnRef idx="2">
-            <a:schemeClr val="accent1">
-              <a:shade val="15000"/>
-            </a:schemeClr>
-          </a:lnRef>
-          <a:fillRef idx="1">
-            <a:schemeClr val="accent1"/>
-          </a:fillRef>
-          <a:effectRef idx="0">
-            <a:schemeClr val="accent1"/>
-          </a:effectRef>
-          <a:fontRef idx="minor">
-            <a:schemeClr val="lt1"/>
-          </a:fontRef>
-        </p:style>
-        <p:txBody>
-          <a:bodyPr rtlCol="0" anchor="ctr"/>
-          <a:lstStyle/>
-          <a:p>
-            <a:pPr algn="ctr"/>
-            <a:endParaRPr lang="hu-HU"/>
-          </a:p>
-        </p:txBody>
-      </p:sp>
     </p:spTree>
     <p:extLst>
       <p:ext uri="{BB962C8B-B14F-4D97-AF65-F5344CB8AC3E}">
-        <p14:creationId xmlns:p14="http://schemas.microsoft.com/office/powerpoint/2010/main" val="942875713"/>
+        <p14:creationId xmlns:p14="http://schemas.microsoft.com/office/powerpoint/2010/main" val="681354065"/>
       </p:ext>
     </p:extLst>
   </p:cSld>
@@ -3927,6 +3826,203 @@
       </p:grpSpPr>
       <p:sp>
         <p:nvSpPr>
+          <p:cNvPr id="26" name="Téglalap: lekerekített 25">
+            <a:extLst>
+              <a:ext uri="{FF2B5EF4-FFF2-40B4-BE49-F238E27FC236}">
+                <a16:creationId xmlns:a16="http://schemas.microsoft.com/office/drawing/2014/main" id="{CDC5B521-8D22-63F7-65A5-4A5AFDC31CA4}"/>
+              </a:ext>
+            </a:extLst>
+          </p:cNvPr>
+          <p:cNvSpPr/>
+          <p:nvPr/>
+        </p:nvSpPr>
+        <p:spPr>
+          <a:xfrm>
+            <a:off x="4376765" y="3336626"/>
+            <a:ext cx="3438470" cy="1616374"/>
+          </a:xfrm>
+          <a:prstGeom prst="roundRect">
+            <a:avLst/>
+          </a:prstGeom>
+          <a:solidFill>
+            <a:schemeClr val="accent1">
+              <a:lumMod val="20000"/>
+              <a:lumOff val="80000"/>
+            </a:schemeClr>
+          </a:solidFill>
+        </p:spPr>
+        <p:style>
+          <a:lnRef idx="2">
+            <a:schemeClr val="accent1">
+              <a:shade val="15000"/>
+            </a:schemeClr>
+          </a:lnRef>
+          <a:fillRef idx="1">
+            <a:schemeClr val="accent1"/>
+          </a:fillRef>
+          <a:effectRef idx="0">
+            <a:schemeClr val="accent1"/>
+          </a:effectRef>
+          <a:fontRef idx="minor">
+            <a:schemeClr val="lt1"/>
+          </a:fontRef>
+        </p:style>
+        <p:txBody>
+          <a:bodyPr rtlCol="0" anchor="ctr"/>
+          <a:lstStyle/>
+          <a:p>
+            <a:pPr algn="ctr"/>
+            <a:endParaRPr lang="hu-HU" dirty="0"/>
+          </a:p>
+        </p:txBody>
+      </p:sp>
+      <p:sp>
+        <p:nvSpPr>
+          <p:cNvPr id="27" name="Téglalap: lekerekített 26">
+            <a:extLst>
+              <a:ext uri="{FF2B5EF4-FFF2-40B4-BE49-F238E27FC236}">
+                <a16:creationId xmlns:a16="http://schemas.microsoft.com/office/drawing/2014/main" id="{FF2724CB-5BF3-C8EC-6F75-9D9CB588C12C}"/>
+              </a:ext>
+            </a:extLst>
+          </p:cNvPr>
+          <p:cNvSpPr/>
+          <p:nvPr/>
+        </p:nvSpPr>
+        <p:spPr>
+          <a:xfrm>
+            <a:off x="12803215" y="3336626"/>
+            <a:ext cx="3438470" cy="1616374"/>
+          </a:xfrm>
+          <a:prstGeom prst="roundRect">
+            <a:avLst/>
+          </a:prstGeom>
+          <a:solidFill>
+            <a:schemeClr val="accent1">
+              <a:lumMod val="60000"/>
+              <a:lumOff val="40000"/>
+            </a:schemeClr>
+          </a:solidFill>
+        </p:spPr>
+        <p:style>
+          <a:lnRef idx="2">
+            <a:schemeClr val="accent1">
+              <a:shade val="15000"/>
+            </a:schemeClr>
+          </a:lnRef>
+          <a:fillRef idx="1">
+            <a:schemeClr val="accent1"/>
+          </a:fillRef>
+          <a:effectRef idx="0">
+            <a:schemeClr val="accent1"/>
+          </a:effectRef>
+          <a:fontRef idx="minor">
+            <a:schemeClr val="lt1"/>
+          </a:fontRef>
+        </p:style>
+        <p:txBody>
+          <a:bodyPr rtlCol="0" anchor="ctr"/>
+          <a:lstStyle/>
+          <a:p>
+            <a:pPr algn="ctr"/>
+            <a:endParaRPr lang="hu-HU"/>
+          </a:p>
+        </p:txBody>
+      </p:sp>
+      <p:sp>
+        <p:nvSpPr>
+          <p:cNvPr id="28" name="Téglalap: lekerekített 27">
+            <a:extLst>
+              <a:ext uri="{FF2B5EF4-FFF2-40B4-BE49-F238E27FC236}">
+                <a16:creationId xmlns:a16="http://schemas.microsoft.com/office/drawing/2014/main" id="{01D43A0F-D0D7-EA22-7A6E-FB5C8FEE0DB6}"/>
+              </a:ext>
+            </a:extLst>
+          </p:cNvPr>
+          <p:cNvSpPr/>
+          <p:nvPr/>
+        </p:nvSpPr>
+        <p:spPr>
+          <a:xfrm>
+            <a:off x="21229665" y="3336626"/>
+            <a:ext cx="3438470" cy="1616374"/>
+          </a:xfrm>
+          <a:prstGeom prst="roundRect">
+            <a:avLst/>
+          </a:prstGeom>
+          <a:solidFill>
+            <a:schemeClr val="accent1">
+              <a:lumMod val="50000"/>
+            </a:schemeClr>
+          </a:solidFill>
+        </p:spPr>
+        <p:style>
+          <a:lnRef idx="2">
+            <a:schemeClr val="accent1">
+              <a:shade val="15000"/>
+            </a:schemeClr>
+          </a:lnRef>
+          <a:fillRef idx="1">
+            <a:schemeClr val="accent1"/>
+          </a:fillRef>
+          <a:effectRef idx="0">
+            <a:schemeClr val="accent1"/>
+          </a:effectRef>
+          <a:fontRef idx="minor">
+            <a:schemeClr val="lt1"/>
+          </a:fontRef>
+        </p:style>
+        <p:txBody>
+          <a:bodyPr rtlCol="0" anchor="ctr"/>
+          <a:lstStyle/>
+          <a:p>
+            <a:pPr algn="ctr"/>
+            <a:endParaRPr lang="hu-HU"/>
+          </a:p>
+        </p:txBody>
+      </p:sp>
+    </p:spTree>
+    <p:extLst>
+      <p:ext uri="{BB962C8B-B14F-4D97-AF65-F5344CB8AC3E}">
+        <p14:creationId xmlns:p14="http://schemas.microsoft.com/office/powerpoint/2010/main" val="942875713"/>
+      </p:ext>
+    </p:extLst>
+  </p:cSld>
+  <p:clrMapOvr>
+    <a:masterClrMapping/>
+  </p:clrMapOvr>
+  <mc:AlternateContent xmlns:mc="http://schemas.openxmlformats.org/markup-compatibility/2006" xmlns:p159="http://schemas.microsoft.com/office/powerpoint/2015/09/main">
+    <mc:Choice Requires="p159">
+      <p:transition spd="slow">
+        <p159:morph option="byObject"/>
+      </p:transition>
+    </mc:Choice>
+    <mc:Fallback xmlns="">
+      <p:transition spd="slow">
+        <p:fade/>
+      </p:transition>
+    </mc:Fallback>
+  </mc:AlternateContent>
+</p:sld>
+</file>
+
+<file path=ppt/slides/slide12.xml><?xml version="1.0" encoding="utf-8"?>
+<p:sld xmlns:a="http://schemas.openxmlformats.org/drawingml/2006/main" xmlns:r="http://schemas.openxmlformats.org/officeDocument/2006/relationships" xmlns:p="http://schemas.openxmlformats.org/presentationml/2006/main">
+  <p:cSld>
+    <p:spTree>
+      <p:nvGrpSpPr>
+        <p:cNvPr id="1" name=""/>
+        <p:cNvGrpSpPr/>
+        <p:nvPr/>
+      </p:nvGrpSpPr>
+      <p:grpSpPr>
+        <a:xfrm>
+          <a:off x="0" y="0"/>
+          <a:ext cx="0" cy="0"/>
+          <a:chOff x="0" y="0"/>
+          <a:chExt cx="0" cy="0"/>
+        </a:xfrm>
+      </p:grpSpPr>
+      <p:sp>
+        <p:nvSpPr>
           <p:cNvPr id="3" name="Téglalap: lekerekített 2">
             <a:extLst>
               <a:ext uri="{FF2B5EF4-FFF2-40B4-BE49-F238E27FC236}">
@@ -4105,7 +4201,7 @@
 </p:sld>
 </file>
 
-<file path=ppt/slides/slide12.xml><?xml version="1.0" encoding="utf-8"?>
+<file path=ppt/slides/slide13.xml><?xml version="1.0" encoding="utf-8"?>
 <p:sld xmlns:a="http://schemas.openxmlformats.org/drawingml/2006/main" xmlns:r="http://schemas.openxmlformats.org/officeDocument/2006/relationships" xmlns:p="http://schemas.openxmlformats.org/presentationml/2006/main">
   <p:cSld>
     <p:spTree>
@@ -4910,13 +5006,13 @@
   <p:clrMapOvr>
     <a:masterClrMapping/>
   </p:clrMapOvr>
-  <mc:AlternateContent xmlns:mc="http://schemas.openxmlformats.org/markup-compatibility/2006">
-    <mc:Choice xmlns:p159="http://schemas.microsoft.com/office/powerpoint/2015/09/main" Requires="p159">
+  <mc:AlternateContent xmlns:mc="http://schemas.openxmlformats.org/markup-compatibility/2006" xmlns:p159="http://schemas.microsoft.com/office/powerpoint/2015/09/main">
+    <mc:Choice Requires="p159">
       <p:transition xmlns:p14="http://schemas.microsoft.com/office/powerpoint/2010/main" spd="slow" p14:dur="1500">
         <p159:morph option="byObject"/>
       </p:transition>
     </mc:Choice>
-    <mc:Fallback>
+    <mc:Fallback xmlns="">
       <p:transition spd="slow">
         <p:fade/>
       </p:transition>
@@ -5190,10 +5286,10 @@
       </p:pic>
       <p:sp useBgFill="1">
         <p:nvSpPr>
-          <p:cNvPr id="3" name="Téglalap: lekerekített 2">
-            <a:extLst>
-              <a:ext uri="{FF2B5EF4-FFF2-40B4-BE49-F238E27FC236}">
-                <a16:creationId xmlns:a16="http://schemas.microsoft.com/office/drawing/2014/main" id="{CB3D9B9F-8278-E0D5-8B89-6CC0CD38F1A8}"/>
+          <p:cNvPr id="4" name="Téglalap: lekerekített 3">
+            <a:extLst>
+              <a:ext uri="{FF2B5EF4-FFF2-40B4-BE49-F238E27FC236}">
+                <a16:creationId xmlns:a16="http://schemas.microsoft.com/office/drawing/2014/main" id="{D623A749-9D0D-906D-843C-1148DD6267BD}"/>
               </a:ext>
             </a:extLst>
           </p:cNvPr>
@@ -5202,7 +5298,7 @@
         </p:nvSpPr>
         <p:spPr>
           <a:xfrm>
-            <a:off x="503703" y="3929974"/>
+            <a:off x="4516917" y="3929974"/>
             <a:ext cx="3134442" cy="2557444"/>
           </a:xfrm>
           <a:prstGeom prst="roundRect">
@@ -5248,10 +5344,10 @@
       </p:sp>
       <p:sp useBgFill="1">
         <p:nvSpPr>
-          <p:cNvPr id="4" name="Téglalap: lekerekített 3">
-            <a:extLst>
-              <a:ext uri="{FF2B5EF4-FFF2-40B4-BE49-F238E27FC236}">
-                <a16:creationId xmlns:a16="http://schemas.microsoft.com/office/drawing/2014/main" id="{D623A749-9D0D-906D-843C-1148DD6267BD}"/>
+          <p:cNvPr id="5" name="Téglalap: lekerekített 4">
+            <a:extLst>
+              <a:ext uri="{FF2B5EF4-FFF2-40B4-BE49-F238E27FC236}">
+                <a16:creationId xmlns:a16="http://schemas.microsoft.com/office/drawing/2014/main" id="{3499E01B-F177-C636-109D-6D15D06FD3E1}"/>
               </a:ext>
             </a:extLst>
           </p:cNvPr>
@@ -5260,7 +5356,7 @@
         </p:nvSpPr>
         <p:spPr>
           <a:xfrm>
-            <a:off x="4516917" y="3929974"/>
+            <a:off x="8530131" y="3929974"/>
             <a:ext cx="3134442" cy="2557444"/>
           </a:xfrm>
           <a:prstGeom prst="roundRect">
@@ -5304,12 +5400,289 @@
           </a:p>
         </p:txBody>
       </p:sp>
+      <p:grpSp>
+        <p:nvGrpSpPr>
+          <p:cNvPr id="9" name="Csoportba foglalás 8">
+            <a:extLst>
+              <a:ext uri="{FF2B5EF4-FFF2-40B4-BE49-F238E27FC236}">
+                <a16:creationId xmlns:a16="http://schemas.microsoft.com/office/drawing/2014/main" id="{BD15567B-A4EB-C7C1-F4B0-8CFCAE7AD61B}"/>
+              </a:ext>
+            </a:extLst>
+          </p:cNvPr>
+          <p:cNvGrpSpPr/>
+          <p:nvPr/>
+        </p:nvGrpSpPr>
+        <p:grpSpPr>
+          <a:xfrm>
+            <a:off x="503703" y="3929974"/>
+            <a:ext cx="3134442" cy="2557444"/>
+            <a:chOff x="503703" y="3929974"/>
+            <a:chExt cx="3134442" cy="2557444"/>
+          </a:xfrm>
+        </p:grpSpPr>
+        <p:sp useBgFill="1">
+          <p:nvSpPr>
+            <p:cNvPr id="3" name="Téglalap: lekerekített 2">
+              <a:extLst>
+                <a:ext uri="{FF2B5EF4-FFF2-40B4-BE49-F238E27FC236}">
+                  <a16:creationId xmlns:a16="http://schemas.microsoft.com/office/drawing/2014/main" id="{CB3D9B9F-8278-E0D5-8B89-6CC0CD38F1A8}"/>
+                </a:ext>
+              </a:extLst>
+            </p:cNvPr>
+            <p:cNvSpPr/>
+            <p:nvPr/>
+          </p:nvSpPr>
+          <p:spPr>
+            <a:xfrm>
+              <a:off x="503703" y="3929974"/>
+              <a:ext cx="3134442" cy="2557444"/>
+            </a:xfrm>
+            <a:prstGeom prst="roundRect">
+              <a:avLst/>
+            </a:prstGeom>
+            <a:ln>
+              <a:solidFill>
+                <a:schemeClr val="accent1">
+                  <a:shade val="15000"/>
+                </a:schemeClr>
+              </a:solidFill>
+            </a:ln>
+            <a:effectLst>
+              <a:innerShdw blurRad="254000">
+                <a:schemeClr val="bg1"/>
+              </a:innerShdw>
+            </a:effectLst>
+          </p:spPr>
+          <p:style>
+            <a:lnRef idx="2">
+              <a:schemeClr val="accent1">
+                <a:shade val="15000"/>
+              </a:schemeClr>
+            </a:lnRef>
+            <a:fillRef idx="1">
+              <a:schemeClr val="accent1"/>
+            </a:fillRef>
+            <a:effectRef idx="0">
+              <a:schemeClr val="accent1"/>
+            </a:effectRef>
+            <a:fontRef idx="minor">
+              <a:schemeClr val="lt1"/>
+            </a:fontRef>
+          </p:style>
+          <p:txBody>
+            <a:bodyPr rtlCol="0" anchor="ctr"/>
+            <a:lstStyle/>
+            <a:p>
+              <a:pPr algn="ctr"/>
+              <a:endParaRPr lang="hu-HU" dirty="0"/>
+            </a:p>
+          </p:txBody>
+        </p:sp>
+        <mc:AlternateContent xmlns:mc="http://schemas.openxmlformats.org/markup-compatibility/2006">
+          <mc:Choice xmlns:pslz="http://schemas.microsoft.com/office/powerpoint/2016/slidezoom" Requires="pslz">
+            <p:graphicFrame>
+              <p:nvGraphicFramePr>
+                <p:cNvPr id="8" name="Dia nagyítása 7">
+                  <a:extLst>
+                    <a:ext uri="{FF2B5EF4-FFF2-40B4-BE49-F238E27FC236}">
+                      <a16:creationId xmlns:a16="http://schemas.microsoft.com/office/drawing/2014/main" id="{DCDDA27F-12E3-6AA3-64B4-3CBA582A685E}"/>
+                    </a:ext>
+                  </a:extLst>
+                </p:cNvPr>
+                <p:cNvGraphicFramePr>
+                  <a:graphicFrameLocks noChangeAspect="1"/>
+                </p:cNvGraphicFramePr>
+                <p:nvPr>
+                  <p:extLst>
+                    <p:ext uri="{D42A27DB-BD31-4B8C-83A1-F6EECF244321}">
+                      <p14:modId xmlns:p14="http://schemas.microsoft.com/office/powerpoint/2010/main" val="94959112"/>
+                    </p:ext>
+                  </p:extLst>
+                </p:nvPr>
+              </p:nvGraphicFramePr>
+              <p:xfrm>
+                <a:off x="917764" y="4629867"/>
+                <a:ext cx="2306320" cy="1297305"/>
+              </p:xfrm>
+              <a:graphic>
+                <a:graphicData uri="http://schemas.microsoft.com/office/powerpoint/2016/slidezoom">
+                  <pslz:sldZm>
+                    <pslz:sldZmObj sldId="268" cId="2327745269">
+                      <pslz:zmPr id="{C60B5517-277B-437A-BA4A-8C910730E572}" returnToParent="0" transitionDur="1000">
+                        <p166:blipFill xmlns:p166="http://schemas.microsoft.com/office/powerpoint/2016/6/main">
+                          <a:blip r:embed="rId6"/>
+                          <a:stretch>
+                            <a:fillRect/>
+                          </a:stretch>
+                        </p166:blipFill>
+                        <p166:spPr xmlns:p166="http://schemas.microsoft.com/office/powerpoint/2016/6/main">
+                          <a:xfrm>
+                            <a:off x="0" y="0"/>
+                            <a:ext cx="2306320" cy="1297305"/>
+                          </a:xfrm>
+                          <a:prstGeom prst="rect">
+                            <a:avLst/>
+                          </a:prstGeom>
+                          <a:ln w="3175">
+                            <a:solidFill>
+                              <a:prstClr val="ltGray"/>
+                            </a:solidFill>
+                          </a:ln>
+                        </p166:spPr>
+                      </pslz:zmPr>
+                    </pslz:sldZmObj>
+                  </pslz:sldZm>
+                </a:graphicData>
+              </a:graphic>
+            </p:graphicFrame>
+          </mc:Choice>
+          <mc:Fallback>
+            <p:pic>
+              <p:nvPicPr>
+                <p:cNvPr id="8" name="Dia nagyítása 7">
+                  <a:hlinkClick r:id="rId7" action="ppaction://hlinksldjump"/>
+                  <a:extLst>
+                    <a:ext uri="{FF2B5EF4-FFF2-40B4-BE49-F238E27FC236}">
+                      <a16:creationId xmlns:a16="http://schemas.microsoft.com/office/drawing/2014/main" id="{DCDDA27F-12E3-6AA3-64B4-3CBA582A685E}"/>
+                    </a:ext>
+                  </a:extLst>
+                </p:cNvPr>
+                <p:cNvPicPr>
+                  <a:picLocks noGrp="1" noRot="1" noChangeAspect="1" noMove="1" noResize="1" noEditPoints="1" noAdjustHandles="1" noChangeArrowheads="1" noChangeShapeType="1"/>
+                </p:cNvPicPr>
+                <p:nvPr/>
+              </p:nvPicPr>
+              <p:blipFill>
+                <a:blip r:embed="rId6"/>
+                <a:stretch>
+                  <a:fillRect/>
+                </a:stretch>
+              </p:blipFill>
+              <p:spPr>
+                <a:xfrm>
+                  <a:off x="917764" y="4629867"/>
+                  <a:ext cx="2306320" cy="1297305"/>
+                </a:xfrm>
+                <a:prstGeom prst="rect">
+                  <a:avLst/>
+                </a:prstGeom>
+                <a:ln w="3175">
+                  <a:solidFill>
+                    <a:prstClr val="ltGray"/>
+                  </a:solidFill>
+                </a:ln>
+              </p:spPr>
+            </p:pic>
+          </mc:Fallback>
+        </mc:AlternateContent>
+      </p:grpSp>
+    </p:spTree>
+    <p:extLst>
+      <p:ext uri="{BB962C8B-B14F-4D97-AF65-F5344CB8AC3E}">
+        <p14:creationId xmlns:p14="http://schemas.microsoft.com/office/powerpoint/2010/main" val="727022877"/>
+      </p:ext>
+    </p:extLst>
+  </p:cSld>
+  <p:clrMapOvr>
+    <a:masterClrMapping/>
+  </p:clrMapOvr>
+  <mc:AlternateContent xmlns:mc="http://schemas.openxmlformats.org/markup-compatibility/2006" xmlns:p159="http://schemas.microsoft.com/office/powerpoint/2015/09/main">
+    <mc:Choice Requires="p159">
+      <p:transition xmlns:p14="http://schemas.microsoft.com/office/powerpoint/2010/main" spd="slow" p14:dur="1500">
+        <p159:morph option="byObject"/>
+      </p:transition>
+    </mc:Choice>
+    <mc:Fallback xmlns="">
+      <p:transition spd="slow">
+        <p:fade/>
+      </p:transition>
+    </mc:Fallback>
+  </mc:AlternateContent>
+</p:sld>
+</file>
+
+<file path=ppt/slides/slide4.xml><?xml version="1.0" encoding="utf-8"?>
+<p:sld xmlns:a="http://schemas.openxmlformats.org/drawingml/2006/main" xmlns:r="http://schemas.openxmlformats.org/officeDocument/2006/relationships" xmlns:p="http://schemas.openxmlformats.org/presentationml/2006/main">
+  <p:cSld>
+    <p:bg>
+      <p:bgPr>
+        <a:blipFill dpi="0" rotWithShape="1">
+          <a:blip r:embed="rId2">
+            <a:lum/>
+          </a:blip>
+          <a:srcRect/>
+          <a:stretch>
+            <a:fillRect/>
+          </a:stretch>
+        </a:blipFill>
+        <a:effectLst/>
+      </p:bgPr>
+    </p:bg>
+    <p:spTree>
+      <p:nvGrpSpPr>
+        <p:cNvPr id="1" name=""/>
+        <p:cNvGrpSpPr/>
+        <p:nvPr/>
+      </p:nvGrpSpPr>
+      <p:grpSpPr>
+        <a:xfrm>
+          <a:off x="0" y="0"/>
+          <a:ext cx="0" cy="0"/>
+          <a:chOff x="0" y="0"/>
+          <a:chExt cx="0" cy="0"/>
+        </a:xfrm>
+      </p:grpSpPr>
+      <p:pic>
+        <p:nvPicPr>
+          <p:cNvPr id="1032" name="Picture 8" descr="MacBook Pro">
+            <a:extLst>
+              <a:ext uri="{FF2B5EF4-FFF2-40B4-BE49-F238E27FC236}">
+                <a16:creationId xmlns:a16="http://schemas.microsoft.com/office/drawing/2014/main" id="{277736F9-C298-C84C-0CE9-A68A6DD17D11}"/>
+              </a:ext>
+            </a:extLst>
+          </p:cNvPr>
+          <p:cNvPicPr>
+            <a:picLocks noChangeAspect="1" noChangeArrowheads="1"/>
+          </p:cNvPicPr>
+          <p:nvPr/>
+        </p:nvPicPr>
+        <p:blipFill rotWithShape="1">
+          <a:blip r:embed="rId3">
+            <a:extLst>
+              <a:ext uri="{28A0092B-C50C-407E-A947-70E740481C1C}">
+                <a14:useLocalDpi xmlns:a14="http://schemas.microsoft.com/office/drawing/2010/main" val="0"/>
+              </a:ext>
+            </a:extLst>
+          </a:blip>
+          <a:srcRect t="11728" b="17823"/>
+          <a:stretch/>
+        </p:blipFill>
+        <p:spPr bwMode="auto">
+          <a:xfrm>
+            <a:off x="0" y="0"/>
+            <a:ext cx="12168277" cy="6858001"/>
+          </a:xfrm>
+          <a:prstGeom prst="rect">
+            <a:avLst/>
+          </a:prstGeom>
+          <a:noFill/>
+          <a:extLst>
+            <a:ext uri="{909E8E84-426E-40DD-AFC4-6F175D3DCCD1}">
+              <a14:hiddenFill xmlns:a14="http://schemas.microsoft.com/office/drawing/2010/main">
+                <a:solidFill>
+                  <a:srgbClr val="FFFFFF"/>
+                </a:solidFill>
+              </a14:hiddenFill>
+            </a:ext>
+          </a:extLst>
+        </p:spPr>
+      </p:pic>
       <p:sp useBgFill="1">
         <p:nvSpPr>
-          <p:cNvPr id="5" name="Téglalap: lekerekített 4">
-            <a:extLst>
-              <a:ext uri="{FF2B5EF4-FFF2-40B4-BE49-F238E27FC236}">
-                <a16:creationId xmlns:a16="http://schemas.microsoft.com/office/drawing/2014/main" id="{3499E01B-F177-C636-109D-6D15D06FD3E1}"/>
+          <p:cNvPr id="6" name="Téglalap: lekerekített 5">
+            <a:extLst>
+              <a:ext uri="{FF2B5EF4-FFF2-40B4-BE49-F238E27FC236}">
+                <a16:creationId xmlns:a16="http://schemas.microsoft.com/office/drawing/2014/main" id="{661E97ED-ABBB-9CAD-411A-908DC18A4776}"/>
               </a:ext>
             </a:extLst>
           </p:cNvPr>
@@ -5318,8 +5691,8 @@
         </p:nvSpPr>
         <p:spPr>
           <a:xfrm>
-            <a:off x="8530131" y="3929974"/>
-            <a:ext cx="3134442" cy="2557444"/>
+            <a:off x="6303313" y="-3179278"/>
+            <a:ext cx="3613997" cy="1864316"/>
           </a:xfrm>
           <a:prstGeom prst="roundRect">
             <a:avLst/>
@@ -5362,10 +5735,313 @@
           </a:p>
         </p:txBody>
       </p:sp>
+      <p:pic>
+        <p:nvPicPr>
+          <p:cNvPr id="16" name="Kép 15" descr="A képen Betűtípus, Grafika, embléma, Grafikus tervezés látható&#10;&#10;Automatikusan generált leírás">
+            <a:extLst>
+              <a:ext uri="{FF2B5EF4-FFF2-40B4-BE49-F238E27FC236}">
+                <a16:creationId xmlns:a16="http://schemas.microsoft.com/office/drawing/2014/main" id="{9883CE8C-9286-4615-EA0A-CBB377DC328A}"/>
+              </a:ext>
+            </a:extLst>
+          </p:cNvPr>
+          <p:cNvPicPr>
+            <a:picLocks noChangeAspect="1"/>
+          </p:cNvPicPr>
+          <p:nvPr/>
+        </p:nvPicPr>
+        <p:blipFill>
+          <a:blip r:embed="rId4">
+            <a:extLst>
+              <a:ext uri="{28A0092B-C50C-407E-A947-70E740481C1C}">
+                <a14:useLocalDpi xmlns:a14="http://schemas.microsoft.com/office/drawing/2010/main" val="0"/>
+              </a:ext>
+            </a:extLst>
+          </a:blip>
+          <a:stretch>
+            <a:fillRect/>
+          </a:stretch>
+        </p:blipFill>
+        <p:spPr>
+          <a:xfrm>
+            <a:off x="6685139" y="-3156117"/>
+            <a:ext cx="2903361" cy="1841155"/>
+          </a:xfrm>
+          <a:prstGeom prst="rect">
+            <a:avLst/>
+          </a:prstGeom>
+        </p:spPr>
+      </p:pic>
+      <p:sp useBgFill="1">
+        <p:nvSpPr>
+          <p:cNvPr id="2" name="Téglalap: lekerekített 1">
+            <a:extLst>
+              <a:ext uri="{FF2B5EF4-FFF2-40B4-BE49-F238E27FC236}">
+                <a16:creationId xmlns:a16="http://schemas.microsoft.com/office/drawing/2014/main" id="{9FB5A313-C0E0-2925-9C25-E22555E7A341}"/>
+              </a:ext>
+            </a:extLst>
+          </p:cNvPr>
+          <p:cNvSpPr/>
+          <p:nvPr/>
+        </p:nvSpPr>
+        <p:spPr>
+          <a:xfrm>
+            <a:off x="1813914" y="-3687278"/>
+            <a:ext cx="3613997" cy="1864316"/>
+          </a:xfrm>
+          <a:prstGeom prst="roundRect">
+            <a:avLst/>
+          </a:prstGeom>
+          <a:ln>
+            <a:solidFill>
+              <a:schemeClr val="accent1">
+                <a:shade val="15000"/>
+              </a:schemeClr>
+            </a:solidFill>
+          </a:ln>
+          <a:effectLst>
+            <a:innerShdw blurRad="254000">
+              <a:schemeClr val="bg1"/>
+            </a:innerShdw>
+          </a:effectLst>
+        </p:spPr>
+        <p:style>
+          <a:lnRef idx="2">
+            <a:schemeClr val="accent1">
+              <a:shade val="15000"/>
+            </a:schemeClr>
+          </a:lnRef>
+          <a:fillRef idx="1">
+            <a:schemeClr val="accent1"/>
+          </a:fillRef>
+          <a:effectRef idx="0">
+            <a:schemeClr val="accent1"/>
+          </a:effectRef>
+          <a:fontRef idx="minor">
+            <a:schemeClr val="lt1"/>
+          </a:fontRef>
+        </p:style>
+        <p:txBody>
+          <a:bodyPr rtlCol="0" anchor="ctr"/>
+          <a:lstStyle/>
+          <a:p>
+            <a:pPr algn="ctr"/>
+            <a:endParaRPr lang="hu-HU" dirty="0"/>
+          </a:p>
+        </p:txBody>
+      </p:sp>
+      <p:pic>
+        <p:nvPicPr>
+          <p:cNvPr id="15" name="Kép 14" descr="A képen szöveg, Grafika, Betűtípus, szimbólum látható&#10;&#10;Automatikusan generált leírás">
+            <a:extLst>
+              <a:ext uri="{FF2B5EF4-FFF2-40B4-BE49-F238E27FC236}">
+                <a16:creationId xmlns:a16="http://schemas.microsoft.com/office/drawing/2014/main" id="{5921782C-15EC-6A91-BE26-BAB571D2E13B}"/>
+              </a:ext>
+            </a:extLst>
+          </p:cNvPr>
+          <p:cNvPicPr>
+            <a:picLocks noChangeAspect="1"/>
+          </p:cNvPicPr>
+          <p:nvPr/>
+        </p:nvPicPr>
+        <p:blipFill rotWithShape="1">
+          <a:blip r:embed="rId5">
+            <a:extLst>
+              <a:ext uri="{28A0092B-C50C-407E-A947-70E740481C1C}">
+                <a14:useLocalDpi xmlns:a14="http://schemas.microsoft.com/office/drawing/2010/main" val="0"/>
+              </a:ext>
+            </a:extLst>
+          </a:blip>
+          <a:srcRect l="21440" t="20172" r="20828" b="25427"/>
+          <a:stretch/>
+        </p:blipFill>
+        <p:spPr>
+          <a:xfrm>
+            <a:off x="2310702" y="-3449578"/>
+            <a:ext cx="2620420" cy="1388915"/>
+          </a:xfrm>
+          <a:prstGeom prst="rect">
+            <a:avLst/>
+          </a:prstGeom>
+        </p:spPr>
+      </p:pic>
+      <p:sp useBgFill="1">
+        <p:nvSpPr>
+          <p:cNvPr id="3" name="Téglalap: lekerekített 2">
+            <a:extLst>
+              <a:ext uri="{FF2B5EF4-FFF2-40B4-BE49-F238E27FC236}">
+                <a16:creationId xmlns:a16="http://schemas.microsoft.com/office/drawing/2014/main" id="{CB3D9B9F-8278-E0D5-8B89-6CC0CD38F1A8}"/>
+              </a:ext>
+            </a:extLst>
+          </p:cNvPr>
+          <p:cNvSpPr/>
+          <p:nvPr/>
+        </p:nvSpPr>
+        <p:spPr>
+          <a:xfrm>
+            <a:off x="3002056" y="1040676"/>
+            <a:ext cx="6366613" cy="4776647"/>
+          </a:xfrm>
+          <a:prstGeom prst="roundRect">
+            <a:avLst/>
+          </a:prstGeom>
+          <a:ln>
+            <a:solidFill>
+              <a:schemeClr val="accent1">
+                <a:shade val="15000"/>
+              </a:schemeClr>
+            </a:solidFill>
+          </a:ln>
+          <a:effectLst>
+            <a:innerShdw blurRad="254000">
+              <a:schemeClr val="bg1"/>
+            </a:innerShdw>
+          </a:effectLst>
+        </p:spPr>
+        <p:style>
+          <a:lnRef idx="2">
+            <a:schemeClr val="accent1">
+              <a:shade val="15000"/>
+            </a:schemeClr>
+          </a:lnRef>
+          <a:fillRef idx="1">
+            <a:schemeClr val="accent1"/>
+          </a:fillRef>
+          <a:effectRef idx="0">
+            <a:schemeClr val="accent1"/>
+          </a:effectRef>
+          <a:fontRef idx="minor">
+            <a:schemeClr val="lt1"/>
+          </a:fontRef>
+        </p:style>
+        <p:txBody>
+          <a:bodyPr rtlCol="0" anchor="ctr"/>
+          <a:lstStyle/>
+          <a:p>
+            <a:pPr algn="ctr"/>
+            <a:endParaRPr lang="hu-HU" dirty="0"/>
+          </a:p>
+        </p:txBody>
+      </p:sp>
+      <p:sp useBgFill="1">
+        <p:nvSpPr>
+          <p:cNvPr id="4" name="Téglalap: lekerekített 3">
+            <a:extLst>
+              <a:ext uri="{FF2B5EF4-FFF2-40B4-BE49-F238E27FC236}">
+                <a16:creationId xmlns:a16="http://schemas.microsoft.com/office/drawing/2014/main" id="{D623A749-9D0D-906D-843C-1148DD6267BD}"/>
+              </a:ext>
+            </a:extLst>
+          </p:cNvPr>
+          <p:cNvSpPr/>
+          <p:nvPr/>
+        </p:nvSpPr>
+        <p:spPr>
+          <a:xfrm>
+            <a:off x="4516917" y="9274134"/>
+            <a:ext cx="3134442" cy="2557444"/>
+          </a:xfrm>
+          <a:prstGeom prst="roundRect">
+            <a:avLst/>
+          </a:prstGeom>
+          <a:ln>
+            <a:solidFill>
+              <a:schemeClr val="accent1">
+                <a:shade val="15000"/>
+              </a:schemeClr>
+            </a:solidFill>
+          </a:ln>
+          <a:effectLst>
+            <a:innerShdw blurRad="254000">
+              <a:schemeClr val="bg1"/>
+            </a:innerShdw>
+          </a:effectLst>
+        </p:spPr>
+        <p:style>
+          <a:lnRef idx="2">
+            <a:schemeClr val="accent1">
+              <a:shade val="15000"/>
+            </a:schemeClr>
+          </a:lnRef>
+          <a:fillRef idx="1">
+            <a:schemeClr val="accent1"/>
+          </a:fillRef>
+          <a:effectRef idx="0">
+            <a:schemeClr val="accent1"/>
+          </a:effectRef>
+          <a:fontRef idx="minor">
+            <a:schemeClr val="lt1"/>
+          </a:fontRef>
+        </p:style>
+        <p:txBody>
+          <a:bodyPr rtlCol="0" anchor="ctr"/>
+          <a:lstStyle/>
+          <a:p>
+            <a:pPr algn="ctr"/>
+            <a:endParaRPr lang="hu-HU" dirty="0"/>
+          </a:p>
+        </p:txBody>
+      </p:sp>
+      <p:sp useBgFill="1">
+        <p:nvSpPr>
+          <p:cNvPr id="5" name="Téglalap: lekerekített 4">
+            <a:extLst>
+              <a:ext uri="{FF2B5EF4-FFF2-40B4-BE49-F238E27FC236}">
+                <a16:creationId xmlns:a16="http://schemas.microsoft.com/office/drawing/2014/main" id="{3499E01B-F177-C636-109D-6D15D06FD3E1}"/>
+              </a:ext>
+            </a:extLst>
+          </p:cNvPr>
+          <p:cNvSpPr/>
+          <p:nvPr/>
+        </p:nvSpPr>
+        <p:spPr>
+          <a:xfrm>
+            <a:off x="8530131" y="9782134"/>
+            <a:ext cx="3134442" cy="2557444"/>
+          </a:xfrm>
+          <a:prstGeom prst="roundRect">
+            <a:avLst/>
+          </a:prstGeom>
+          <a:ln>
+            <a:solidFill>
+              <a:schemeClr val="accent1">
+                <a:shade val="15000"/>
+              </a:schemeClr>
+            </a:solidFill>
+          </a:ln>
+          <a:effectLst>
+            <a:innerShdw blurRad="254000">
+              <a:schemeClr val="bg1"/>
+            </a:innerShdw>
+          </a:effectLst>
+        </p:spPr>
+        <p:style>
+          <a:lnRef idx="2">
+            <a:schemeClr val="accent1">
+              <a:shade val="15000"/>
+            </a:schemeClr>
+          </a:lnRef>
+          <a:fillRef idx="1">
+            <a:schemeClr val="accent1"/>
+          </a:fillRef>
+          <a:effectRef idx="0">
+            <a:schemeClr val="accent1"/>
+          </a:effectRef>
+          <a:fontRef idx="minor">
+            <a:schemeClr val="lt1"/>
+          </a:fontRef>
+        </p:style>
+        <p:txBody>
+          <a:bodyPr rtlCol="0" anchor="ctr"/>
+          <a:lstStyle/>
+          <a:p>
+            <a:pPr algn="ctr"/>
+            <a:endParaRPr lang="hu-HU" dirty="0"/>
+          </a:p>
+        </p:txBody>
+      </p:sp>
     </p:spTree>
     <p:extLst>
       <p:ext uri="{BB962C8B-B14F-4D97-AF65-F5344CB8AC3E}">
-        <p14:creationId xmlns:p14="http://schemas.microsoft.com/office/powerpoint/2010/main" val="727022877"/>
+        <p14:creationId xmlns:p14="http://schemas.microsoft.com/office/powerpoint/2010/main" val="2327745269"/>
       </p:ext>
     </p:extLst>
   </p:cSld>
@@ -5374,12 +6050,12 @@
   </p:clrMapOvr>
   <mc:AlternateContent xmlns:mc="http://schemas.openxmlformats.org/markup-compatibility/2006">
     <mc:Choice xmlns:p159="http://schemas.microsoft.com/office/powerpoint/2015/09/main" Requires="p159">
-      <p:transition xmlns:p14="http://schemas.microsoft.com/office/powerpoint/2010/main" spd="slow" p14:dur="1500">
+      <p:transition advClick="0" advTm="0">
         <p159:morph option="byObject"/>
       </p:transition>
     </mc:Choice>
     <mc:Fallback>
-      <p:transition spd="slow">
+      <p:transition advClick="0" advTm="0">
         <p:fade/>
       </p:transition>
     </mc:Fallback>
@@ -5387,7 +6063,7 @@
 </p:sld>
 </file>
 
-<file path=ppt/slides/slide4.xml><?xml version="1.0" encoding="utf-8"?>
+<file path=ppt/slides/slide5.xml><?xml version="1.0" encoding="utf-8"?>
 <p:sld xmlns:a="http://schemas.openxmlformats.org/drawingml/2006/main" xmlns:r="http://schemas.openxmlformats.org/officeDocument/2006/relationships" xmlns:p="http://schemas.openxmlformats.org/presentationml/2006/main">
   <p:cSld>
     <p:bg>
@@ -5919,376 +6595,18 @@
   <p:clrMapOvr>
     <a:masterClrMapping/>
   </p:clrMapOvr>
-  <mc:AlternateContent xmlns:mc="http://schemas.openxmlformats.org/markup-compatibility/2006">
-    <mc:Choice xmlns:p159="http://schemas.microsoft.com/office/powerpoint/2015/09/main" Requires="p159">
+  <mc:AlternateContent xmlns:mc="http://schemas.openxmlformats.org/markup-compatibility/2006" xmlns:p159="http://schemas.microsoft.com/office/powerpoint/2015/09/main">
+    <mc:Choice Requires="p159">
       <p:transition spd="slow">
         <p159:morph option="byObject"/>
       </p:transition>
     </mc:Choice>
-    <mc:Fallback>
+    <mc:Fallback xmlns="">
       <p:transition spd="slow">
         <p:fade/>
       </p:transition>
     </mc:Fallback>
   </mc:AlternateContent>
-</p:sld>
-</file>
-
-<file path=ppt/slides/slide5.xml><?xml version="1.0" encoding="utf-8"?>
-<p:sld xmlns:a="http://schemas.openxmlformats.org/drawingml/2006/main" xmlns:r="http://schemas.openxmlformats.org/officeDocument/2006/relationships" xmlns:p="http://schemas.openxmlformats.org/presentationml/2006/main">
-  <p:cSld>
-    <p:spTree>
-      <p:nvGrpSpPr>
-        <p:cNvPr id="1" name=""/>
-        <p:cNvGrpSpPr/>
-        <p:nvPr/>
-      </p:nvGrpSpPr>
-      <p:grpSpPr>
-        <a:xfrm>
-          <a:off x="0" y="0"/>
-          <a:ext cx="0" cy="0"/>
-          <a:chOff x="0" y="0"/>
-          <a:chExt cx="0" cy="0"/>
-        </a:xfrm>
-      </p:grpSpPr>
-      <p:sp>
-        <p:nvSpPr>
-          <p:cNvPr id="2" name="Téglalap: lekerekített 1">
-            <a:extLst>
-              <a:ext uri="{FF2B5EF4-FFF2-40B4-BE49-F238E27FC236}">
-                <a16:creationId xmlns:a16="http://schemas.microsoft.com/office/drawing/2014/main" id="{7A51B6C5-23F5-234E-3837-63D1E69B099B}"/>
-              </a:ext>
-            </a:extLst>
-          </p:cNvPr>
-          <p:cNvSpPr/>
-          <p:nvPr/>
-        </p:nvSpPr>
-        <p:spPr>
-          <a:xfrm>
-            <a:off x="12652430" y="3336626"/>
-            <a:ext cx="3438470" cy="1616374"/>
-          </a:xfrm>
-          <a:prstGeom prst="roundRect">
-            <a:avLst/>
-          </a:prstGeom>
-          <a:solidFill>
-            <a:schemeClr val="accent1">
-              <a:lumMod val="20000"/>
-              <a:lumOff val="80000"/>
-            </a:schemeClr>
-          </a:solidFill>
-        </p:spPr>
-        <p:style>
-          <a:lnRef idx="2">
-            <a:schemeClr val="accent1">
-              <a:shade val="15000"/>
-            </a:schemeClr>
-          </a:lnRef>
-          <a:fillRef idx="1">
-            <a:schemeClr val="accent1"/>
-          </a:fillRef>
-          <a:effectRef idx="0">
-            <a:schemeClr val="accent1"/>
-          </a:effectRef>
-          <a:fontRef idx="minor">
-            <a:schemeClr val="lt1"/>
-          </a:fontRef>
-        </p:style>
-        <p:txBody>
-          <a:bodyPr rtlCol="0" anchor="ctr"/>
-          <a:lstStyle/>
-          <a:p>
-            <a:pPr algn="ctr"/>
-            <a:endParaRPr lang="hu-HU" dirty="0"/>
-          </a:p>
-        </p:txBody>
-      </p:sp>
-      <p:sp>
-        <p:nvSpPr>
-          <p:cNvPr id="3" name="Téglalap: lekerekített 2">
-            <a:extLst>
-              <a:ext uri="{FF2B5EF4-FFF2-40B4-BE49-F238E27FC236}">
-                <a16:creationId xmlns:a16="http://schemas.microsoft.com/office/drawing/2014/main" id="{DDD0043A-256F-C8B5-F1BB-3B32DF4E0BDD}"/>
-              </a:ext>
-            </a:extLst>
-          </p:cNvPr>
-          <p:cNvSpPr/>
-          <p:nvPr/>
-        </p:nvSpPr>
-        <p:spPr>
-          <a:xfrm>
-            <a:off x="21078880" y="3336626"/>
-            <a:ext cx="3438470" cy="1616374"/>
-          </a:xfrm>
-          <a:prstGeom prst="roundRect">
-            <a:avLst/>
-          </a:prstGeom>
-          <a:solidFill>
-            <a:schemeClr val="accent1">
-              <a:lumMod val="60000"/>
-              <a:lumOff val="40000"/>
-            </a:schemeClr>
-          </a:solidFill>
-        </p:spPr>
-        <p:style>
-          <a:lnRef idx="2">
-            <a:schemeClr val="accent1">
-              <a:shade val="15000"/>
-            </a:schemeClr>
-          </a:lnRef>
-          <a:fillRef idx="1">
-            <a:schemeClr val="accent1"/>
-          </a:fillRef>
-          <a:effectRef idx="0">
-            <a:schemeClr val="accent1"/>
-          </a:effectRef>
-          <a:fontRef idx="minor">
-            <a:schemeClr val="lt1"/>
-          </a:fontRef>
-        </p:style>
-        <p:txBody>
-          <a:bodyPr rtlCol="0" anchor="ctr"/>
-          <a:lstStyle/>
-          <a:p>
-            <a:pPr algn="ctr"/>
-            <a:endParaRPr lang="hu-HU"/>
-          </a:p>
-        </p:txBody>
-      </p:sp>
-      <p:sp>
-        <p:nvSpPr>
-          <p:cNvPr id="4" name="Téglalap: lekerekített 3">
-            <a:extLst>
-              <a:ext uri="{FF2B5EF4-FFF2-40B4-BE49-F238E27FC236}">
-                <a16:creationId xmlns:a16="http://schemas.microsoft.com/office/drawing/2014/main" id="{7A429D45-3DFA-A9F6-FEA9-200E2B0D1AB3}"/>
-              </a:ext>
-            </a:extLst>
-          </p:cNvPr>
-          <p:cNvSpPr/>
-          <p:nvPr/>
-        </p:nvSpPr>
-        <p:spPr>
-          <a:xfrm>
-            <a:off x="29505330" y="3336626"/>
-            <a:ext cx="3438470" cy="1616374"/>
-          </a:xfrm>
-          <a:prstGeom prst="roundRect">
-            <a:avLst/>
-          </a:prstGeom>
-          <a:solidFill>
-            <a:schemeClr val="accent1">
-              <a:lumMod val="50000"/>
-            </a:schemeClr>
-          </a:solidFill>
-        </p:spPr>
-        <p:style>
-          <a:lnRef idx="2">
-            <a:schemeClr val="accent1">
-              <a:shade val="15000"/>
-            </a:schemeClr>
-          </a:lnRef>
-          <a:fillRef idx="1">
-            <a:schemeClr val="accent1"/>
-          </a:fillRef>
-          <a:effectRef idx="0">
-            <a:schemeClr val="accent1"/>
-          </a:effectRef>
-          <a:fontRef idx="minor">
-            <a:schemeClr val="lt1"/>
-          </a:fontRef>
-        </p:style>
-        <p:txBody>
-          <a:bodyPr rtlCol="0" anchor="ctr"/>
-          <a:lstStyle/>
-          <a:p>
-            <a:pPr algn="ctr"/>
-            <a:endParaRPr lang="hu-HU"/>
-          </a:p>
-        </p:txBody>
-      </p:sp>
-      <p:pic>
-        <p:nvPicPr>
-          <p:cNvPr id="5" name="Ábra 4" descr="Számítógép egyszínű kitöltéssel">
-            <a:extLst>
-              <a:ext uri="{FF2B5EF4-FFF2-40B4-BE49-F238E27FC236}">
-                <a16:creationId xmlns:a16="http://schemas.microsoft.com/office/drawing/2014/main" id="{3C9392A3-9E76-67CA-8C95-E0AD1C0A2209}"/>
-              </a:ext>
-            </a:extLst>
-          </p:cNvPr>
-          <p:cNvPicPr>
-            <a:picLocks noChangeAspect="1"/>
-          </p:cNvPicPr>
-          <p:nvPr/>
-        </p:nvPicPr>
-        <p:blipFill>
-          <a:blip r:embed="rId2">
-            <a:extLst>
-              <a:ext uri="{28A0092B-C50C-407E-A947-70E740481C1C}">
-                <a14:useLocalDpi xmlns:a14="http://schemas.microsoft.com/office/drawing/2010/main" val="0"/>
-              </a:ext>
-              <a:ext uri="{96DAC541-7B7A-43D3-8B79-37D633B846F1}">
-                <asvg:svgBlip xmlns:asvg="http://schemas.microsoft.com/office/drawing/2016/SVG/main" r:embed="rId3"/>
-              </a:ext>
-            </a:extLst>
-          </a:blip>
-          <a:stretch>
-            <a:fillRect/>
-          </a:stretch>
-        </p:blipFill>
-        <p:spPr>
-          <a:xfrm>
-            <a:off x="4527550" y="2576363"/>
-            <a:ext cx="3136900" cy="3136900"/>
-          </a:xfrm>
-          <a:prstGeom prst="rect">
-            <a:avLst/>
-          </a:prstGeom>
-        </p:spPr>
-      </p:pic>
-      <p:cxnSp>
-        <p:nvCxnSpPr>
-          <p:cNvPr id="6" name="Egyenes összekötő 5">
-            <a:extLst>
-              <a:ext uri="{FF2B5EF4-FFF2-40B4-BE49-F238E27FC236}">
-                <a16:creationId xmlns:a16="http://schemas.microsoft.com/office/drawing/2014/main" id="{A0EF3063-8FD3-7616-949C-85E4008989A7}"/>
-              </a:ext>
-            </a:extLst>
-          </p:cNvPr>
-          <p:cNvCxnSpPr>
-            <a:cxnSpLocks/>
-            <a:stCxn id="5" idx="3"/>
-            <a:endCxn id="2" idx="1"/>
-          </p:cNvCxnSpPr>
-          <p:nvPr/>
-        </p:nvCxnSpPr>
-        <p:spPr>
-          <a:xfrm>
-            <a:off x="7664450" y="4144813"/>
-            <a:ext cx="4987980" cy="0"/>
-          </a:xfrm>
-          <a:prstGeom prst="line">
-            <a:avLst/>
-          </a:prstGeom>
-          <a:ln w="25400" cap="flat" cmpd="sng" algn="ctr">
-            <a:solidFill>
-              <a:schemeClr val="dk1"/>
-            </a:solidFill>
-            <a:prstDash val="dash"/>
-            <a:round/>
-            <a:headEnd type="none" w="med" len="med"/>
-            <a:tailEnd type="none" w="med" len="med"/>
-          </a:ln>
-        </p:spPr>
-        <p:style>
-          <a:lnRef idx="0">
-            <a:scrgbClr r="0" g="0" b="0"/>
-          </a:lnRef>
-          <a:fillRef idx="0">
-            <a:scrgbClr r="0" g="0" b="0"/>
-          </a:fillRef>
-          <a:effectRef idx="0">
-            <a:scrgbClr r="0" g="0" b="0"/>
-          </a:effectRef>
-          <a:fontRef idx="minor">
-            <a:schemeClr val="tx1"/>
-          </a:fontRef>
-        </p:style>
-      </p:cxnSp>
-      <p:cxnSp>
-        <p:nvCxnSpPr>
-          <p:cNvPr id="7" name="Egyenes összekötő 6">
-            <a:extLst>
-              <a:ext uri="{FF2B5EF4-FFF2-40B4-BE49-F238E27FC236}">
-                <a16:creationId xmlns:a16="http://schemas.microsoft.com/office/drawing/2014/main" id="{A7D1F4B4-F312-EE02-3CD1-77A94E6D751C}"/>
-              </a:ext>
-            </a:extLst>
-          </p:cNvPr>
-          <p:cNvCxnSpPr>
-            <a:cxnSpLocks/>
-            <a:stCxn id="2" idx="3"/>
-            <a:endCxn id="3" idx="1"/>
-          </p:cNvCxnSpPr>
-          <p:nvPr/>
-        </p:nvCxnSpPr>
-        <p:spPr>
-          <a:xfrm>
-            <a:off x="16090900" y="4144813"/>
-            <a:ext cx="4987980" cy="0"/>
-          </a:xfrm>
-          <a:prstGeom prst="line">
-            <a:avLst/>
-          </a:prstGeom>
-          <a:ln w="25400" cap="flat" cmpd="sng" algn="ctr">
-            <a:solidFill>
-              <a:schemeClr val="dk1"/>
-            </a:solidFill>
-            <a:prstDash val="dash"/>
-            <a:round/>
-            <a:headEnd type="none" w="med" len="med"/>
-            <a:tailEnd type="none" w="med" len="med"/>
-          </a:ln>
-        </p:spPr>
-        <p:style>
-          <a:lnRef idx="0">
-            <a:scrgbClr r="0" g="0" b="0"/>
-          </a:lnRef>
-          <a:fillRef idx="0">
-            <a:scrgbClr r="0" g="0" b="0"/>
-          </a:fillRef>
-          <a:effectRef idx="0">
-            <a:scrgbClr r="0" g="0" b="0"/>
-          </a:effectRef>
-          <a:fontRef idx="minor">
-            <a:schemeClr val="tx1"/>
-          </a:fontRef>
-        </p:style>
-      </p:cxnSp>
-      <p:pic>
-        <p:nvPicPr>
-          <p:cNvPr id="10" name="Kép 9" descr="A képen szöveg, Grafika, Betűtípus, szimbólum látható&#10;&#10;Automatikusan generált leírás">
-            <a:extLst>
-              <a:ext uri="{FF2B5EF4-FFF2-40B4-BE49-F238E27FC236}">
-                <a16:creationId xmlns:a16="http://schemas.microsoft.com/office/drawing/2014/main" id="{EB75F6A8-045A-7F35-C49D-9148F9E860C2}"/>
-              </a:ext>
-            </a:extLst>
-          </p:cNvPr>
-          <p:cNvPicPr>
-            <a:picLocks noChangeAspect="1"/>
-          </p:cNvPicPr>
-          <p:nvPr/>
-        </p:nvPicPr>
-        <p:blipFill>
-          <a:blip r:embed="rId4">
-            <a:extLst>
-              <a:ext uri="{28A0092B-C50C-407E-A947-70E740481C1C}">
-                <a14:useLocalDpi xmlns:a14="http://schemas.microsoft.com/office/drawing/2010/main" val="0"/>
-              </a:ext>
-            </a:extLst>
-          </a:blip>
-          <a:stretch>
-            <a:fillRect/>
-          </a:stretch>
-        </p:blipFill>
-        <p:spPr>
-          <a:xfrm>
-            <a:off x="4593842" y="3429000"/>
-            <a:ext cx="1990687" cy="1119761"/>
-          </a:xfrm>
-          <a:prstGeom prst="rect">
-            <a:avLst/>
-          </a:prstGeom>
-        </p:spPr>
-      </p:pic>
-    </p:spTree>
-    <p:extLst>
-      <p:ext uri="{BB962C8B-B14F-4D97-AF65-F5344CB8AC3E}">
-        <p14:creationId xmlns:p14="http://schemas.microsoft.com/office/powerpoint/2010/main" val="2826745602"/>
-      </p:ext>
-    </p:extLst>
-  </p:cSld>
-  <p:clrMapOvr>
-    <a:masterClrMapping/>
-  </p:clrMapOvr>
 </p:sld>
 </file>
 
@@ -6311,10 +6629,10 @@
       </p:grpSpPr>
       <p:sp>
         <p:nvSpPr>
-          <p:cNvPr id="4" name="Téglalap: lekerekített 3">
-            <a:extLst>
-              <a:ext uri="{FF2B5EF4-FFF2-40B4-BE49-F238E27FC236}">
-                <a16:creationId xmlns:a16="http://schemas.microsoft.com/office/drawing/2014/main" id="{58C1CB8E-6771-E98F-5E07-282BE81E4151}"/>
+          <p:cNvPr id="2" name="Téglalap: lekerekített 1">
+            <a:extLst>
+              <a:ext uri="{FF2B5EF4-FFF2-40B4-BE49-F238E27FC236}">
+                <a16:creationId xmlns:a16="http://schemas.microsoft.com/office/drawing/2014/main" id="{7A51B6C5-23F5-234E-3837-63D1E69B099B}"/>
               </a:ext>
             </a:extLst>
           </p:cNvPr>
@@ -6323,8 +6641,8 @@
         </p:nvSpPr>
         <p:spPr>
           <a:xfrm>
-            <a:off x="13816358" y="1594296"/>
-            <a:ext cx="9187814" cy="3669408"/>
+            <a:off x="12652430" y="3336626"/>
+            <a:ext cx="3438470" cy="1616374"/>
           </a:xfrm>
           <a:prstGeom prst="roundRect">
             <a:avLst/>
@@ -6361,12 +6679,115 @@
           </a:p>
         </p:txBody>
       </p:sp>
+      <p:sp>
+        <p:nvSpPr>
+          <p:cNvPr id="3" name="Téglalap: lekerekített 2">
+            <a:extLst>
+              <a:ext uri="{FF2B5EF4-FFF2-40B4-BE49-F238E27FC236}">
+                <a16:creationId xmlns:a16="http://schemas.microsoft.com/office/drawing/2014/main" id="{DDD0043A-256F-C8B5-F1BB-3B32DF4E0BDD}"/>
+              </a:ext>
+            </a:extLst>
+          </p:cNvPr>
+          <p:cNvSpPr/>
+          <p:nvPr/>
+        </p:nvSpPr>
+        <p:spPr>
+          <a:xfrm>
+            <a:off x="21078880" y="3336626"/>
+            <a:ext cx="3438470" cy="1616374"/>
+          </a:xfrm>
+          <a:prstGeom prst="roundRect">
+            <a:avLst/>
+          </a:prstGeom>
+          <a:solidFill>
+            <a:schemeClr val="accent1">
+              <a:lumMod val="60000"/>
+              <a:lumOff val="40000"/>
+            </a:schemeClr>
+          </a:solidFill>
+        </p:spPr>
+        <p:style>
+          <a:lnRef idx="2">
+            <a:schemeClr val="accent1">
+              <a:shade val="15000"/>
+            </a:schemeClr>
+          </a:lnRef>
+          <a:fillRef idx="1">
+            <a:schemeClr val="accent1"/>
+          </a:fillRef>
+          <a:effectRef idx="0">
+            <a:schemeClr val="accent1"/>
+          </a:effectRef>
+          <a:fontRef idx="minor">
+            <a:schemeClr val="lt1"/>
+          </a:fontRef>
+        </p:style>
+        <p:txBody>
+          <a:bodyPr rtlCol="0" anchor="ctr"/>
+          <a:lstStyle/>
+          <a:p>
+            <a:pPr algn="ctr"/>
+            <a:endParaRPr lang="hu-HU"/>
+          </a:p>
+        </p:txBody>
+      </p:sp>
+      <p:sp>
+        <p:nvSpPr>
+          <p:cNvPr id="4" name="Téglalap: lekerekített 3">
+            <a:extLst>
+              <a:ext uri="{FF2B5EF4-FFF2-40B4-BE49-F238E27FC236}">
+                <a16:creationId xmlns:a16="http://schemas.microsoft.com/office/drawing/2014/main" id="{7A429D45-3DFA-A9F6-FEA9-200E2B0D1AB3}"/>
+              </a:ext>
+            </a:extLst>
+          </p:cNvPr>
+          <p:cNvSpPr/>
+          <p:nvPr/>
+        </p:nvSpPr>
+        <p:spPr>
+          <a:xfrm>
+            <a:off x="29505330" y="3336626"/>
+            <a:ext cx="3438470" cy="1616374"/>
+          </a:xfrm>
+          <a:prstGeom prst="roundRect">
+            <a:avLst/>
+          </a:prstGeom>
+          <a:solidFill>
+            <a:schemeClr val="accent1">
+              <a:lumMod val="50000"/>
+            </a:schemeClr>
+          </a:solidFill>
+        </p:spPr>
+        <p:style>
+          <a:lnRef idx="2">
+            <a:schemeClr val="accent1">
+              <a:shade val="15000"/>
+            </a:schemeClr>
+          </a:lnRef>
+          <a:fillRef idx="1">
+            <a:schemeClr val="accent1"/>
+          </a:fillRef>
+          <a:effectRef idx="0">
+            <a:schemeClr val="accent1"/>
+          </a:effectRef>
+          <a:fontRef idx="minor">
+            <a:schemeClr val="lt1"/>
+          </a:fontRef>
+        </p:style>
+        <p:txBody>
+          <a:bodyPr rtlCol="0" anchor="ctr"/>
+          <a:lstStyle/>
+          <a:p>
+            <a:pPr algn="ctr"/>
+            <a:endParaRPr lang="hu-HU"/>
+          </a:p>
+        </p:txBody>
+      </p:sp>
       <p:pic>
         <p:nvPicPr>
           <p:cNvPr id="5" name="Ábra 4" descr="Számítógép egyszínű kitöltéssel">
             <a:extLst>
               <a:ext uri="{FF2B5EF4-FFF2-40B4-BE49-F238E27FC236}">
-                <a16:creationId xmlns:a16="http://schemas.microsoft.com/office/drawing/2014/main" id="{34A02D9F-A4E8-D6EF-FAC9-13A16811E16E}"/>
+                <a16:creationId xmlns:a16="http://schemas.microsoft.com/office/drawing/2014/main" id="{3C9392A3-9E76-67CA-8C95-E0AD1C0A2209}"/>
               </a:ext>
             </a:extLst>
           </p:cNvPr>
@@ -6392,8 +6813,8 @@
         </p:blipFill>
         <p:spPr>
           <a:xfrm>
-            <a:off x="2057400" y="-762000"/>
-            <a:ext cx="8382000" cy="8382000"/>
+            <a:off x="4527550" y="2576363"/>
+            <a:ext cx="3136900" cy="3136900"/>
           </a:xfrm>
           <a:prstGeom prst="rect">
             <a:avLst/>
@@ -6405,21 +6826,70 @@
           <p:cNvPr id="6" name="Egyenes összekötő 5">
             <a:extLst>
               <a:ext uri="{FF2B5EF4-FFF2-40B4-BE49-F238E27FC236}">
-                <a16:creationId xmlns:a16="http://schemas.microsoft.com/office/drawing/2014/main" id="{49837EE7-732B-DFAB-FD4D-50511E377156}"/>
+                <a16:creationId xmlns:a16="http://schemas.microsoft.com/office/drawing/2014/main" id="{A0EF3063-8FD3-7616-949C-85E4008989A7}"/>
               </a:ext>
             </a:extLst>
           </p:cNvPr>
           <p:cNvCxnSpPr>
             <a:cxnSpLocks/>
             <a:stCxn id="5" idx="3"/>
-            <a:endCxn id="4" idx="1"/>
+            <a:endCxn id="2" idx="1"/>
           </p:cNvCxnSpPr>
           <p:nvPr/>
         </p:nvCxnSpPr>
         <p:spPr>
           <a:xfrm>
-            <a:off x="10439400" y="3429000"/>
-            <a:ext cx="3376958" cy="0"/>
+            <a:off x="7664450" y="4144813"/>
+            <a:ext cx="4987980" cy="0"/>
+          </a:xfrm>
+          <a:prstGeom prst="line">
+            <a:avLst/>
+          </a:prstGeom>
+          <a:ln w="25400" cap="flat" cmpd="sng" algn="ctr">
+            <a:solidFill>
+              <a:schemeClr val="dk1"/>
+            </a:solidFill>
+            <a:prstDash val="dash"/>
+            <a:round/>
+            <a:headEnd type="none" w="med" len="med"/>
+            <a:tailEnd type="none" w="med" len="med"/>
+          </a:ln>
+        </p:spPr>
+        <p:style>
+          <a:lnRef idx="0">
+            <a:scrgbClr r="0" g="0" b="0"/>
+          </a:lnRef>
+          <a:fillRef idx="0">
+            <a:scrgbClr r="0" g="0" b="0"/>
+          </a:fillRef>
+          <a:effectRef idx="0">
+            <a:scrgbClr r="0" g="0" b="0"/>
+          </a:effectRef>
+          <a:fontRef idx="minor">
+            <a:schemeClr val="tx1"/>
+          </a:fontRef>
+        </p:style>
+      </p:cxnSp>
+      <p:cxnSp>
+        <p:nvCxnSpPr>
+          <p:cNvPr id="7" name="Egyenes összekötő 6">
+            <a:extLst>
+              <a:ext uri="{FF2B5EF4-FFF2-40B4-BE49-F238E27FC236}">
+                <a16:creationId xmlns:a16="http://schemas.microsoft.com/office/drawing/2014/main" id="{A7D1F4B4-F312-EE02-3CD1-77A94E6D751C}"/>
+              </a:ext>
+            </a:extLst>
+          </p:cNvPr>
+          <p:cNvCxnSpPr>
+            <a:cxnSpLocks/>
+            <a:stCxn id="2" idx="3"/>
+            <a:endCxn id="3" idx="1"/>
+          </p:cNvCxnSpPr>
+          <p:nvPr/>
+        </p:nvCxnSpPr>
+        <p:spPr>
+          <a:xfrm>
+            <a:off x="16090900" y="4144813"/>
+            <a:ext cx="4987980" cy="0"/>
           </a:xfrm>
           <a:prstGeom prst="line">
             <a:avLst/>
@@ -6451,10 +6921,10 @@
       </p:cxnSp>
       <p:pic>
         <p:nvPicPr>
-          <p:cNvPr id="9" name="Kép 8" descr="A képen szöveg, Grafika, Betűtípus, szimbólum látható&#10;&#10;Automatikusan generált leírás">
-            <a:extLst>
-              <a:ext uri="{FF2B5EF4-FFF2-40B4-BE49-F238E27FC236}">
-                <a16:creationId xmlns:a16="http://schemas.microsoft.com/office/drawing/2014/main" id="{63F9A9ED-BBDD-0179-6F41-AD2CD16C0A7F}"/>
+          <p:cNvPr id="10" name="Kép 9" descr="A képen szöveg, Grafika, Betűtípus, szimbólum látható&#10;&#10;Automatikusan generált leírás">
+            <a:extLst>
+              <a:ext uri="{FF2B5EF4-FFF2-40B4-BE49-F238E27FC236}">
+                <a16:creationId xmlns:a16="http://schemas.microsoft.com/office/drawing/2014/main" id="{EB75F6A8-045A-7F35-C49D-9148F9E860C2}"/>
               </a:ext>
             </a:extLst>
           </p:cNvPr>
@@ -6477,8 +6947,8 @@
         </p:blipFill>
         <p:spPr>
           <a:xfrm>
-            <a:off x="1955800" y="1363976"/>
-            <a:ext cx="5852172" cy="3291847"/>
+            <a:off x="4593842" y="3429000"/>
+            <a:ext cx="1990687" cy="1119761"/>
           </a:xfrm>
           <a:prstGeom prst="rect">
             <a:avLst/>
@@ -6488,25 +6958,13 @@
     </p:spTree>
     <p:extLst>
       <p:ext uri="{BB962C8B-B14F-4D97-AF65-F5344CB8AC3E}">
-        <p14:creationId xmlns:p14="http://schemas.microsoft.com/office/powerpoint/2010/main" val="2655748658"/>
+        <p14:creationId xmlns:p14="http://schemas.microsoft.com/office/powerpoint/2010/main" val="2826745602"/>
       </p:ext>
     </p:extLst>
   </p:cSld>
   <p:clrMapOvr>
     <a:masterClrMapping/>
   </p:clrMapOvr>
-  <mc:AlternateContent xmlns:mc="http://schemas.openxmlformats.org/markup-compatibility/2006" xmlns:p159="http://schemas.microsoft.com/office/powerpoint/2015/09/main">
-    <mc:Choice Requires="p159">
-      <p:transition xmlns:p14="http://schemas.microsoft.com/office/powerpoint/2010/main" spd="slow" p14:dur="2000">
-        <p159:morph option="byObject"/>
-      </p:transition>
-    </mc:Choice>
-    <mc:Fallback xmlns="">
-      <p:transition spd="slow">
-        <p:fade/>
-      </p:transition>
-    </mc:Fallback>
-  </mc:AlternateContent>
 </p:sld>
 </file>
 
@@ -6532,7 +6990,7 @@
           <p:cNvPr id="4" name="Téglalap: lekerekített 3">
             <a:extLst>
               <a:ext uri="{FF2B5EF4-FFF2-40B4-BE49-F238E27FC236}">
-                <a16:creationId xmlns:a16="http://schemas.microsoft.com/office/drawing/2014/main" id="{C6152D2F-52ED-30A8-B75A-FDCAD592B177}"/>
+                <a16:creationId xmlns:a16="http://schemas.microsoft.com/office/drawing/2014/main" id="{58C1CB8E-6771-E98F-5E07-282BE81E4151}"/>
               </a:ext>
             </a:extLst>
           </p:cNvPr>
@@ -6541,8 +6999,8 @@
         </p:nvSpPr>
         <p:spPr>
           <a:xfrm>
-            <a:off x="12652430" y="3336626"/>
-            <a:ext cx="3438470" cy="1616374"/>
+            <a:off x="13816358" y="1594296"/>
+            <a:ext cx="9187814" cy="3669408"/>
           </a:xfrm>
           <a:prstGeom prst="roundRect">
             <a:avLst/>
@@ -6579,115 +7037,12 @@
           </a:p>
         </p:txBody>
       </p:sp>
-      <p:sp>
-        <p:nvSpPr>
-          <p:cNvPr id="5" name="Téglalap: lekerekített 4">
-            <a:extLst>
-              <a:ext uri="{FF2B5EF4-FFF2-40B4-BE49-F238E27FC236}">
-                <a16:creationId xmlns:a16="http://schemas.microsoft.com/office/drawing/2014/main" id="{19A6A60B-3008-71D0-FDD6-2A6EF29A9B8B}"/>
-              </a:ext>
-            </a:extLst>
-          </p:cNvPr>
-          <p:cNvSpPr/>
-          <p:nvPr/>
-        </p:nvSpPr>
-        <p:spPr>
-          <a:xfrm>
-            <a:off x="21078880" y="3336626"/>
-            <a:ext cx="3438470" cy="1616374"/>
-          </a:xfrm>
-          <a:prstGeom prst="roundRect">
-            <a:avLst/>
-          </a:prstGeom>
-          <a:solidFill>
-            <a:schemeClr val="accent1">
-              <a:lumMod val="60000"/>
-              <a:lumOff val="40000"/>
-            </a:schemeClr>
-          </a:solidFill>
-        </p:spPr>
-        <p:style>
-          <a:lnRef idx="2">
-            <a:schemeClr val="accent1">
-              <a:shade val="15000"/>
-            </a:schemeClr>
-          </a:lnRef>
-          <a:fillRef idx="1">
-            <a:schemeClr val="accent1"/>
-          </a:fillRef>
-          <a:effectRef idx="0">
-            <a:schemeClr val="accent1"/>
-          </a:effectRef>
-          <a:fontRef idx="minor">
-            <a:schemeClr val="lt1"/>
-          </a:fontRef>
-        </p:style>
-        <p:txBody>
-          <a:bodyPr rtlCol="0" anchor="ctr"/>
-          <a:lstStyle/>
-          <a:p>
-            <a:pPr algn="ctr"/>
-            <a:endParaRPr lang="hu-HU"/>
-          </a:p>
-        </p:txBody>
-      </p:sp>
-      <p:sp>
-        <p:nvSpPr>
-          <p:cNvPr id="6" name="Téglalap: lekerekített 5">
-            <a:extLst>
-              <a:ext uri="{FF2B5EF4-FFF2-40B4-BE49-F238E27FC236}">
-                <a16:creationId xmlns:a16="http://schemas.microsoft.com/office/drawing/2014/main" id="{D86BD0F8-2F5D-B8FC-4CF8-E312C7036DB0}"/>
-              </a:ext>
-            </a:extLst>
-          </p:cNvPr>
-          <p:cNvSpPr/>
-          <p:nvPr/>
-        </p:nvSpPr>
-        <p:spPr>
-          <a:xfrm>
-            <a:off x="29505330" y="3336626"/>
-            <a:ext cx="3438470" cy="1616374"/>
-          </a:xfrm>
-          <a:prstGeom prst="roundRect">
-            <a:avLst/>
-          </a:prstGeom>
-          <a:solidFill>
-            <a:schemeClr val="accent1">
-              <a:lumMod val="50000"/>
-            </a:schemeClr>
-          </a:solidFill>
-        </p:spPr>
-        <p:style>
-          <a:lnRef idx="2">
-            <a:schemeClr val="accent1">
-              <a:shade val="15000"/>
-            </a:schemeClr>
-          </a:lnRef>
-          <a:fillRef idx="1">
-            <a:schemeClr val="accent1"/>
-          </a:fillRef>
-          <a:effectRef idx="0">
-            <a:schemeClr val="accent1"/>
-          </a:effectRef>
-          <a:fontRef idx="minor">
-            <a:schemeClr val="lt1"/>
-          </a:fontRef>
-        </p:style>
-        <p:txBody>
-          <a:bodyPr rtlCol="0" anchor="ctr"/>
-          <a:lstStyle/>
-          <a:p>
-            <a:pPr algn="ctr"/>
-            <a:endParaRPr lang="hu-HU"/>
-          </a:p>
-        </p:txBody>
-      </p:sp>
       <p:pic>
         <p:nvPicPr>
-          <p:cNvPr id="7" name="Ábra 6" descr="Számítógép egyszínű kitöltéssel">
-            <a:extLst>
-              <a:ext uri="{FF2B5EF4-FFF2-40B4-BE49-F238E27FC236}">
-                <a16:creationId xmlns:a16="http://schemas.microsoft.com/office/drawing/2014/main" id="{88F1256D-5ADC-F904-5A6F-5D1C9AC366B1}"/>
+          <p:cNvPr id="5" name="Ábra 4" descr="Számítógép egyszínű kitöltéssel">
+            <a:extLst>
+              <a:ext uri="{FF2B5EF4-FFF2-40B4-BE49-F238E27FC236}">
+                <a16:creationId xmlns:a16="http://schemas.microsoft.com/office/drawing/2014/main" id="{34A02D9F-A4E8-D6EF-FAC9-13A16811E16E}"/>
               </a:ext>
             </a:extLst>
           </p:cNvPr>
@@ -6713,8 +7068,8 @@
         </p:blipFill>
         <p:spPr>
           <a:xfrm>
-            <a:off x="4527550" y="2576363"/>
-            <a:ext cx="3136900" cy="3136900"/>
+            <a:off x="2057400" y="-762000"/>
+            <a:ext cx="8382000" cy="8382000"/>
           </a:xfrm>
           <a:prstGeom prst="rect">
             <a:avLst/>
@@ -6723,73 +7078,24 @@
       </p:pic>
       <p:cxnSp>
         <p:nvCxnSpPr>
-          <p:cNvPr id="8" name="Egyenes összekötő 7">
-            <a:extLst>
-              <a:ext uri="{FF2B5EF4-FFF2-40B4-BE49-F238E27FC236}">
-                <a16:creationId xmlns:a16="http://schemas.microsoft.com/office/drawing/2014/main" id="{C54B23C7-7C78-56E1-7ACD-3A73E90B28BD}"/>
+          <p:cNvPr id="6" name="Egyenes összekötő 5">
+            <a:extLst>
+              <a:ext uri="{FF2B5EF4-FFF2-40B4-BE49-F238E27FC236}">
+                <a16:creationId xmlns:a16="http://schemas.microsoft.com/office/drawing/2014/main" id="{49837EE7-732B-DFAB-FD4D-50511E377156}"/>
               </a:ext>
             </a:extLst>
           </p:cNvPr>
           <p:cNvCxnSpPr>
             <a:cxnSpLocks/>
-            <a:stCxn id="7" idx="3"/>
+            <a:stCxn id="5" idx="3"/>
             <a:endCxn id="4" idx="1"/>
           </p:cNvCxnSpPr>
           <p:nvPr/>
         </p:nvCxnSpPr>
         <p:spPr>
           <a:xfrm>
-            <a:off x="7664450" y="4144813"/>
-            <a:ext cx="4987980" cy="0"/>
-          </a:xfrm>
-          <a:prstGeom prst="line">
-            <a:avLst/>
-          </a:prstGeom>
-          <a:ln w="25400" cap="flat" cmpd="sng" algn="ctr">
-            <a:solidFill>
-              <a:schemeClr val="dk1"/>
-            </a:solidFill>
-            <a:prstDash val="dash"/>
-            <a:round/>
-            <a:headEnd type="none" w="med" len="med"/>
-            <a:tailEnd type="none" w="med" len="med"/>
-          </a:ln>
-        </p:spPr>
-        <p:style>
-          <a:lnRef idx="0">
-            <a:scrgbClr r="0" g="0" b="0"/>
-          </a:lnRef>
-          <a:fillRef idx="0">
-            <a:scrgbClr r="0" g="0" b="0"/>
-          </a:fillRef>
-          <a:effectRef idx="0">
-            <a:scrgbClr r="0" g="0" b="0"/>
-          </a:effectRef>
-          <a:fontRef idx="minor">
-            <a:schemeClr val="tx1"/>
-          </a:fontRef>
-        </p:style>
-      </p:cxnSp>
-      <p:cxnSp>
-        <p:nvCxnSpPr>
-          <p:cNvPr id="9" name="Egyenes összekötő 8">
-            <a:extLst>
-              <a:ext uri="{FF2B5EF4-FFF2-40B4-BE49-F238E27FC236}">
-                <a16:creationId xmlns:a16="http://schemas.microsoft.com/office/drawing/2014/main" id="{7C9ACF3B-F617-C19C-466B-35AB4EE801F3}"/>
-              </a:ext>
-            </a:extLst>
-          </p:cNvPr>
-          <p:cNvCxnSpPr>
-            <a:cxnSpLocks/>
-            <a:stCxn id="4" idx="3"/>
-            <a:endCxn id="5" idx="1"/>
-          </p:cNvCxnSpPr>
-          <p:nvPr/>
-        </p:nvCxnSpPr>
-        <p:spPr>
-          <a:xfrm>
-            <a:off x="16090900" y="4144813"/>
-            <a:ext cx="4987980" cy="0"/>
+            <a:off x="10439400" y="3429000"/>
+            <a:ext cx="3376958" cy="0"/>
           </a:xfrm>
           <a:prstGeom prst="line">
             <a:avLst/>
@@ -6821,10 +7127,10 @@
       </p:cxnSp>
       <p:pic>
         <p:nvPicPr>
-          <p:cNvPr id="10" name="Kép 9" descr="A képen szöveg, Grafika, Betűtípus, szimbólum látható&#10;&#10;Automatikusan generált leírás">
-            <a:extLst>
-              <a:ext uri="{FF2B5EF4-FFF2-40B4-BE49-F238E27FC236}">
-                <a16:creationId xmlns:a16="http://schemas.microsoft.com/office/drawing/2014/main" id="{E267823B-D0D6-C724-ADD9-E9F3AB339812}"/>
+          <p:cNvPr id="9" name="Kép 8" descr="A képen szöveg, Grafika, Betűtípus, szimbólum látható&#10;&#10;Automatikusan generált leírás">
+            <a:extLst>
+              <a:ext uri="{FF2B5EF4-FFF2-40B4-BE49-F238E27FC236}">
+                <a16:creationId xmlns:a16="http://schemas.microsoft.com/office/drawing/2014/main" id="{63F9A9ED-BBDD-0179-6F41-AD2CD16C0A7F}"/>
               </a:ext>
             </a:extLst>
           </p:cNvPr>
@@ -6847,8 +7153,8 @@
         </p:blipFill>
         <p:spPr>
           <a:xfrm>
-            <a:off x="4593842" y="3429000"/>
-            <a:ext cx="1990687" cy="1119761"/>
+            <a:off x="1955800" y="1363976"/>
+            <a:ext cx="5852172" cy="3291847"/>
           </a:xfrm>
           <a:prstGeom prst="rect">
             <a:avLst/>
@@ -6858,7 +7164,7 @@
     </p:spTree>
     <p:extLst>
       <p:ext uri="{BB962C8B-B14F-4D97-AF65-F5344CB8AC3E}">
-        <p14:creationId xmlns:p14="http://schemas.microsoft.com/office/powerpoint/2010/main" val="3633257040"/>
+        <p14:creationId xmlns:p14="http://schemas.microsoft.com/office/powerpoint/2010/main" val="2655748658"/>
       </p:ext>
     </p:extLst>
   </p:cSld>
@@ -6899,10 +7205,10 @@
       </p:grpSpPr>
       <p:sp>
         <p:nvSpPr>
-          <p:cNvPr id="26" name="Téglalap: lekerekített 25">
-            <a:extLst>
-              <a:ext uri="{FF2B5EF4-FFF2-40B4-BE49-F238E27FC236}">
-                <a16:creationId xmlns:a16="http://schemas.microsoft.com/office/drawing/2014/main" id="{CDC5B521-8D22-63F7-65A5-4A5AFDC31CA4}"/>
+          <p:cNvPr id="4" name="Téglalap: lekerekített 3">
+            <a:extLst>
+              <a:ext uri="{FF2B5EF4-FFF2-40B4-BE49-F238E27FC236}">
+                <a16:creationId xmlns:a16="http://schemas.microsoft.com/office/drawing/2014/main" id="{C6152D2F-52ED-30A8-B75A-FDCAD592B177}"/>
               </a:ext>
             </a:extLst>
           </p:cNvPr>
@@ -6911,7 +7217,7 @@
         </p:nvSpPr>
         <p:spPr>
           <a:xfrm>
-            <a:off x="4376765" y="3336626"/>
+            <a:off x="12652430" y="3336626"/>
             <a:ext cx="3438470" cy="1616374"/>
           </a:xfrm>
           <a:prstGeom prst="roundRect">
@@ -6951,10 +7257,10 @@
       </p:sp>
       <p:sp>
         <p:nvSpPr>
-          <p:cNvPr id="27" name="Téglalap: lekerekített 26">
-            <a:extLst>
-              <a:ext uri="{FF2B5EF4-FFF2-40B4-BE49-F238E27FC236}">
-                <a16:creationId xmlns:a16="http://schemas.microsoft.com/office/drawing/2014/main" id="{FF2724CB-5BF3-C8EC-6F75-9D9CB588C12C}"/>
+          <p:cNvPr id="5" name="Téglalap: lekerekített 4">
+            <a:extLst>
+              <a:ext uri="{FF2B5EF4-FFF2-40B4-BE49-F238E27FC236}">
+                <a16:creationId xmlns:a16="http://schemas.microsoft.com/office/drawing/2014/main" id="{19A6A60B-3008-71D0-FDD6-2A6EF29A9B8B}"/>
               </a:ext>
             </a:extLst>
           </p:cNvPr>
@@ -6963,7 +7269,7 @@
         </p:nvSpPr>
         <p:spPr>
           <a:xfrm>
-            <a:off x="12803215" y="3336626"/>
+            <a:off x="21078880" y="3336626"/>
             <a:ext cx="3438470" cy="1616374"/>
           </a:xfrm>
           <a:prstGeom prst="roundRect">
@@ -7003,10 +7309,10 @@
       </p:sp>
       <p:sp>
         <p:nvSpPr>
-          <p:cNvPr id="28" name="Téglalap: lekerekített 27">
-            <a:extLst>
-              <a:ext uri="{FF2B5EF4-FFF2-40B4-BE49-F238E27FC236}">
-                <a16:creationId xmlns:a16="http://schemas.microsoft.com/office/drawing/2014/main" id="{01D43A0F-D0D7-EA22-7A6E-FB5C8FEE0DB6}"/>
+          <p:cNvPr id="6" name="Téglalap: lekerekített 5">
+            <a:extLst>
+              <a:ext uri="{FF2B5EF4-FFF2-40B4-BE49-F238E27FC236}">
+                <a16:creationId xmlns:a16="http://schemas.microsoft.com/office/drawing/2014/main" id="{D86BD0F8-2F5D-B8FC-4CF8-E312C7036DB0}"/>
               </a:ext>
             </a:extLst>
           </p:cNvPr>
@@ -7015,7 +7321,7 @@
         </p:nvSpPr>
         <p:spPr>
           <a:xfrm>
-            <a:off x="21229665" y="3336626"/>
+            <a:off x="29505330" y="3336626"/>
             <a:ext cx="3438470" cy="1616374"/>
           </a:xfrm>
           <a:prstGeom prst="roundRect">
@@ -7054,10 +7360,10 @@
       </p:sp>
       <p:pic>
         <p:nvPicPr>
-          <p:cNvPr id="34" name="Ábra 33" descr="Számítógép egyszínű kitöltéssel">
-            <a:extLst>
-              <a:ext uri="{FF2B5EF4-FFF2-40B4-BE49-F238E27FC236}">
-                <a16:creationId xmlns:a16="http://schemas.microsoft.com/office/drawing/2014/main" id="{6E9C46C8-B2B4-42DB-884B-8D49AAED1F38}"/>
+          <p:cNvPr id="7" name="Ábra 6" descr="Számítógép egyszínű kitöltéssel">
+            <a:extLst>
+              <a:ext uri="{FF2B5EF4-FFF2-40B4-BE49-F238E27FC236}">
+                <a16:creationId xmlns:a16="http://schemas.microsoft.com/office/drawing/2014/main" id="{88F1256D-5ADC-F904-5A6F-5D1C9AC366B1}"/>
               </a:ext>
             </a:extLst>
           </p:cNvPr>
@@ -7083,7 +7389,7 @@
         </p:blipFill>
         <p:spPr>
           <a:xfrm>
-            <a:off x="-3748115" y="2576363"/>
+            <a:off x="4527550" y="2576363"/>
             <a:ext cx="3136900" cy="3136900"/>
           </a:xfrm>
           <a:prstGeom prst="rect">
@@ -7093,23 +7399,23 @@
       </p:pic>
       <p:cxnSp>
         <p:nvCxnSpPr>
-          <p:cNvPr id="36" name="Egyenes összekötő 35">
-            <a:extLst>
-              <a:ext uri="{FF2B5EF4-FFF2-40B4-BE49-F238E27FC236}">
-                <a16:creationId xmlns:a16="http://schemas.microsoft.com/office/drawing/2014/main" id="{2AE982B1-A19C-3AF7-F43A-75D5C4651373}"/>
+          <p:cNvPr id="8" name="Egyenes összekötő 7">
+            <a:extLst>
+              <a:ext uri="{FF2B5EF4-FFF2-40B4-BE49-F238E27FC236}">
+                <a16:creationId xmlns:a16="http://schemas.microsoft.com/office/drawing/2014/main" id="{C54B23C7-7C78-56E1-7ACD-3A73E90B28BD}"/>
               </a:ext>
             </a:extLst>
           </p:cNvPr>
           <p:cNvCxnSpPr>
             <a:cxnSpLocks/>
-            <a:stCxn id="34" idx="3"/>
-            <a:endCxn id="26" idx="1"/>
+            <a:stCxn id="7" idx="3"/>
+            <a:endCxn id="4" idx="1"/>
           </p:cNvCxnSpPr>
           <p:nvPr/>
         </p:nvCxnSpPr>
         <p:spPr>
           <a:xfrm>
-            <a:off x="-611215" y="4144813"/>
+            <a:off x="7664450" y="4144813"/>
             <a:ext cx="4987980" cy="0"/>
           </a:xfrm>
           <a:prstGeom prst="line">
@@ -7142,23 +7448,23 @@
       </p:cxnSp>
       <p:cxnSp>
         <p:nvCxnSpPr>
-          <p:cNvPr id="39" name="Egyenes összekötő 38">
-            <a:extLst>
-              <a:ext uri="{FF2B5EF4-FFF2-40B4-BE49-F238E27FC236}">
-                <a16:creationId xmlns:a16="http://schemas.microsoft.com/office/drawing/2014/main" id="{B8241D44-443D-4533-9A49-2E5701E2E799}"/>
+          <p:cNvPr id="9" name="Egyenes összekötő 8">
+            <a:extLst>
+              <a:ext uri="{FF2B5EF4-FFF2-40B4-BE49-F238E27FC236}">
+                <a16:creationId xmlns:a16="http://schemas.microsoft.com/office/drawing/2014/main" id="{7C9ACF3B-F617-C19C-466B-35AB4EE801F3}"/>
               </a:ext>
             </a:extLst>
           </p:cNvPr>
           <p:cNvCxnSpPr>
             <a:cxnSpLocks/>
-            <a:stCxn id="26" idx="3"/>
-            <a:endCxn id="27" idx="1"/>
+            <a:stCxn id="4" idx="3"/>
+            <a:endCxn id="5" idx="1"/>
           </p:cNvCxnSpPr>
           <p:nvPr/>
         </p:nvCxnSpPr>
         <p:spPr>
           <a:xfrm>
-            <a:off x="7815235" y="4144813"/>
+            <a:off x="16090900" y="4144813"/>
             <a:ext cx="4987980" cy="0"/>
           </a:xfrm>
           <a:prstGeom prst="line">
@@ -7191,10 +7497,10 @@
       </p:cxnSp>
       <p:pic>
         <p:nvPicPr>
-          <p:cNvPr id="42" name="Kép 41" descr="A képen szöveg, Grafika, Betűtípus, szimbólum látható&#10;&#10;Automatikusan generált leírás">
-            <a:extLst>
-              <a:ext uri="{FF2B5EF4-FFF2-40B4-BE49-F238E27FC236}">
-                <a16:creationId xmlns:a16="http://schemas.microsoft.com/office/drawing/2014/main" id="{6AC49452-DD9A-C356-D426-DB79D7B1F72A}"/>
+          <p:cNvPr id="10" name="Kép 9" descr="A képen szöveg, Grafika, Betűtípus, szimbólum látható&#10;&#10;Automatikusan generált leírás">
+            <a:extLst>
+              <a:ext uri="{FF2B5EF4-FFF2-40B4-BE49-F238E27FC236}">
+                <a16:creationId xmlns:a16="http://schemas.microsoft.com/office/drawing/2014/main" id="{E267823B-D0D6-C724-ADD9-E9F3AB339812}"/>
               </a:ext>
             </a:extLst>
           </p:cNvPr>
@@ -7217,7 +7523,7 @@
         </p:blipFill>
         <p:spPr>
           <a:xfrm>
-            <a:off x="-3635758" y="3429000"/>
+            <a:off x="4593842" y="3429000"/>
             <a:ext cx="1990687" cy="1119761"/>
           </a:xfrm>
           <a:prstGeom prst="rect">
@@ -7228,7 +7534,7 @@
     </p:spTree>
     <p:extLst>
       <p:ext uri="{BB962C8B-B14F-4D97-AF65-F5344CB8AC3E}">
-        <p14:creationId xmlns:p14="http://schemas.microsoft.com/office/powerpoint/2010/main" val="1876388415"/>
+        <p14:creationId xmlns:p14="http://schemas.microsoft.com/office/powerpoint/2010/main" val="3633257040"/>
       </p:ext>
     </p:extLst>
   </p:cSld>
@@ -7269,10 +7575,10 @@
       </p:grpSpPr>
       <p:sp>
         <p:nvSpPr>
-          <p:cNvPr id="4" name="Téglalap: lekerekített 3">
-            <a:extLst>
-              <a:ext uri="{FF2B5EF4-FFF2-40B4-BE49-F238E27FC236}">
-                <a16:creationId xmlns:a16="http://schemas.microsoft.com/office/drawing/2014/main" id="{A029C02E-AB20-4ADC-94B0-03933D266092}"/>
+          <p:cNvPr id="26" name="Téglalap: lekerekített 25">
+            <a:extLst>
+              <a:ext uri="{FF2B5EF4-FFF2-40B4-BE49-F238E27FC236}">
+                <a16:creationId xmlns:a16="http://schemas.microsoft.com/office/drawing/2014/main" id="{CDC5B521-8D22-63F7-65A5-4A5AFDC31CA4}"/>
               </a:ext>
             </a:extLst>
           </p:cNvPr>
@@ -7281,8 +7587,8 @@
         </p:nvSpPr>
         <p:spPr>
           <a:xfrm>
-            <a:off x="419100" y="241300"/>
-            <a:ext cx="11353799" cy="6375400"/>
+            <a:off x="4376765" y="3336626"/>
+            <a:ext cx="3438470" cy="1616374"/>
           </a:xfrm>
           <a:prstGeom prst="roundRect">
             <a:avLst/>
@@ -7319,10 +7625,286 @@
           </a:p>
         </p:txBody>
       </p:sp>
+      <p:sp>
+        <p:nvSpPr>
+          <p:cNvPr id="27" name="Téglalap: lekerekített 26">
+            <a:extLst>
+              <a:ext uri="{FF2B5EF4-FFF2-40B4-BE49-F238E27FC236}">
+                <a16:creationId xmlns:a16="http://schemas.microsoft.com/office/drawing/2014/main" id="{FF2724CB-5BF3-C8EC-6F75-9D9CB588C12C}"/>
+              </a:ext>
+            </a:extLst>
+          </p:cNvPr>
+          <p:cNvSpPr/>
+          <p:nvPr/>
+        </p:nvSpPr>
+        <p:spPr>
+          <a:xfrm>
+            <a:off x="12803215" y="3336626"/>
+            <a:ext cx="3438470" cy="1616374"/>
+          </a:xfrm>
+          <a:prstGeom prst="roundRect">
+            <a:avLst/>
+          </a:prstGeom>
+          <a:solidFill>
+            <a:schemeClr val="accent1">
+              <a:lumMod val="60000"/>
+              <a:lumOff val="40000"/>
+            </a:schemeClr>
+          </a:solidFill>
+        </p:spPr>
+        <p:style>
+          <a:lnRef idx="2">
+            <a:schemeClr val="accent1">
+              <a:shade val="15000"/>
+            </a:schemeClr>
+          </a:lnRef>
+          <a:fillRef idx="1">
+            <a:schemeClr val="accent1"/>
+          </a:fillRef>
+          <a:effectRef idx="0">
+            <a:schemeClr val="accent1"/>
+          </a:effectRef>
+          <a:fontRef idx="minor">
+            <a:schemeClr val="lt1"/>
+          </a:fontRef>
+        </p:style>
+        <p:txBody>
+          <a:bodyPr rtlCol="0" anchor="ctr"/>
+          <a:lstStyle/>
+          <a:p>
+            <a:pPr algn="ctr"/>
+            <a:endParaRPr lang="hu-HU"/>
+          </a:p>
+        </p:txBody>
+      </p:sp>
+      <p:sp>
+        <p:nvSpPr>
+          <p:cNvPr id="28" name="Téglalap: lekerekített 27">
+            <a:extLst>
+              <a:ext uri="{FF2B5EF4-FFF2-40B4-BE49-F238E27FC236}">
+                <a16:creationId xmlns:a16="http://schemas.microsoft.com/office/drawing/2014/main" id="{01D43A0F-D0D7-EA22-7A6E-FB5C8FEE0DB6}"/>
+              </a:ext>
+            </a:extLst>
+          </p:cNvPr>
+          <p:cNvSpPr/>
+          <p:nvPr/>
+        </p:nvSpPr>
+        <p:spPr>
+          <a:xfrm>
+            <a:off x="21229665" y="3336626"/>
+            <a:ext cx="3438470" cy="1616374"/>
+          </a:xfrm>
+          <a:prstGeom prst="roundRect">
+            <a:avLst/>
+          </a:prstGeom>
+          <a:solidFill>
+            <a:schemeClr val="accent1">
+              <a:lumMod val="50000"/>
+            </a:schemeClr>
+          </a:solidFill>
+        </p:spPr>
+        <p:style>
+          <a:lnRef idx="2">
+            <a:schemeClr val="accent1">
+              <a:shade val="15000"/>
+            </a:schemeClr>
+          </a:lnRef>
+          <a:fillRef idx="1">
+            <a:schemeClr val="accent1"/>
+          </a:fillRef>
+          <a:effectRef idx="0">
+            <a:schemeClr val="accent1"/>
+          </a:effectRef>
+          <a:fontRef idx="minor">
+            <a:schemeClr val="lt1"/>
+          </a:fontRef>
+        </p:style>
+        <p:txBody>
+          <a:bodyPr rtlCol="0" anchor="ctr"/>
+          <a:lstStyle/>
+          <a:p>
+            <a:pPr algn="ctr"/>
+            <a:endParaRPr lang="hu-HU"/>
+          </a:p>
+        </p:txBody>
+      </p:sp>
+      <p:pic>
+        <p:nvPicPr>
+          <p:cNvPr id="34" name="Ábra 33" descr="Számítógép egyszínű kitöltéssel">
+            <a:extLst>
+              <a:ext uri="{FF2B5EF4-FFF2-40B4-BE49-F238E27FC236}">
+                <a16:creationId xmlns:a16="http://schemas.microsoft.com/office/drawing/2014/main" id="{6E9C46C8-B2B4-42DB-884B-8D49AAED1F38}"/>
+              </a:ext>
+            </a:extLst>
+          </p:cNvPr>
+          <p:cNvPicPr>
+            <a:picLocks noChangeAspect="1"/>
+          </p:cNvPicPr>
+          <p:nvPr/>
+        </p:nvPicPr>
+        <p:blipFill>
+          <a:blip r:embed="rId2">
+            <a:extLst>
+              <a:ext uri="{28A0092B-C50C-407E-A947-70E740481C1C}">
+                <a14:useLocalDpi xmlns:a14="http://schemas.microsoft.com/office/drawing/2010/main" val="0"/>
+              </a:ext>
+              <a:ext uri="{96DAC541-7B7A-43D3-8B79-37D633B846F1}">
+                <asvg:svgBlip xmlns:asvg="http://schemas.microsoft.com/office/drawing/2016/SVG/main" r:embed="rId3"/>
+              </a:ext>
+            </a:extLst>
+          </a:blip>
+          <a:stretch>
+            <a:fillRect/>
+          </a:stretch>
+        </p:blipFill>
+        <p:spPr>
+          <a:xfrm>
+            <a:off x="-3748115" y="2576363"/>
+            <a:ext cx="3136900" cy="3136900"/>
+          </a:xfrm>
+          <a:prstGeom prst="rect">
+            <a:avLst/>
+          </a:prstGeom>
+        </p:spPr>
+      </p:pic>
+      <p:cxnSp>
+        <p:nvCxnSpPr>
+          <p:cNvPr id="36" name="Egyenes összekötő 35">
+            <a:extLst>
+              <a:ext uri="{FF2B5EF4-FFF2-40B4-BE49-F238E27FC236}">
+                <a16:creationId xmlns:a16="http://schemas.microsoft.com/office/drawing/2014/main" id="{2AE982B1-A19C-3AF7-F43A-75D5C4651373}"/>
+              </a:ext>
+            </a:extLst>
+          </p:cNvPr>
+          <p:cNvCxnSpPr>
+            <a:cxnSpLocks/>
+            <a:stCxn id="34" idx="3"/>
+            <a:endCxn id="26" idx="1"/>
+          </p:cNvCxnSpPr>
+          <p:nvPr/>
+        </p:nvCxnSpPr>
+        <p:spPr>
+          <a:xfrm>
+            <a:off x="-611215" y="4144813"/>
+            <a:ext cx="4987980" cy="0"/>
+          </a:xfrm>
+          <a:prstGeom prst="line">
+            <a:avLst/>
+          </a:prstGeom>
+          <a:ln w="25400" cap="flat" cmpd="sng" algn="ctr">
+            <a:solidFill>
+              <a:schemeClr val="dk1"/>
+            </a:solidFill>
+            <a:prstDash val="dash"/>
+            <a:round/>
+            <a:headEnd type="none" w="med" len="med"/>
+            <a:tailEnd type="none" w="med" len="med"/>
+          </a:ln>
+        </p:spPr>
+        <p:style>
+          <a:lnRef idx="0">
+            <a:scrgbClr r="0" g="0" b="0"/>
+          </a:lnRef>
+          <a:fillRef idx="0">
+            <a:scrgbClr r="0" g="0" b="0"/>
+          </a:fillRef>
+          <a:effectRef idx="0">
+            <a:scrgbClr r="0" g="0" b="0"/>
+          </a:effectRef>
+          <a:fontRef idx="minor">
+            <a:schemeClr val="tx1"/>
+          </a:fontRef>
+        </p:style>
+      </p:cxnSp>
+      <p:cxnSp>
+        <p:nvCxnSpPr>
+          <p:cNvPr id="39" name="Egyenes összekötő 38">
+            <a:extLst>
+              <a:ext uri="{FF2B5EF4-FFF2-40B4-BE49-F238E27FC236}">
+                <a16:creationId xmlns:a16="http://schemas.microsoft.com/office/drawing/2014/main" id="{B8241D44-443D-4533-9A49-2E5701E2E799}"/>
+              </a:ext>
+            </a:extLst>
+          </p:cNvPr>
+          <p:cNvCxnSpPr>
+            <a:cxnSpLocks/>
+            <a:stCxn id="26" idx="3"/>
+            <a:endCxn id="27" idx="1"/>
+          </p:cNvCxnSpPr>
+          <p:nvPr/>
+        </p:nvCxnSpPr>
+        <p:spPr>
+          <a:xfrm>
+            <a:off x="7815235" y="4144813"/>
+            <a:ext cx="4987980" cy="0"/>
+          </a:xfrm>
+          <a:prstGeom prst="line">
+            <a:avLst/>
+          </a:prstGeom>
+          <a:ln w="25400" cap="flat" cmpd="sng" algn="ctr">
+            <a:solidFill>
+              <a:schemeClr val="dk1"/>
+            </a:solidFill>
+            <a:prstDash val="dash"/>
+            <a:round/>
+            <a:headEnd type="none" w="med" len="med"/>
+            <a:tailEnd type="none" w="med" len="med"/>
+          </a:ln>
+        </p:spPr>
+        <p:style>
+          <a:lnRef idx="0">
+            <a:scrgbClr r="0" g="0" b="0"/>
+          </a:lnRef>
+          <a:fillRef idx="0">
+            <a:scrgbClr r="0" g="0" b="0"/>
+          </a:fillRef>
+          <a:effectRef idx="0">
+            <a:scrgbClr r="0" g="0" b="0"/>
+          </a:effectRef>
+          <a:fontRef idx="minor">
+            <a:schemeClr val="tx1"/>
+          </a:fontRef>
+        </p:style>
+      </p:cxnSp>
+      <p:pic>
+        <p:nvPicPr>
+          <p:cNvPr id="42" name="Kép 41" descr="A képen szöveg, Grafika, Betűtípus, szimbólum látható&#10;&#10;Automatikusan generált leírás">
+            <a:extLst>
+              <a:ext uri="{FF2B5EF4-FFF2-40B4-BE49-F238E27FC236}">
+                <a16:creationId xmlns:a16="http://schemas.microsoft.com/office/drawing/2014/main" id="{6AC49452-DD9A-C356-D426-DB79D7B1F72A}"/>
+              </a:ext>
+            </a:extLst>
+          </p:cNvPr>
+          <p:cNvPicPr>
+            <a:picLocks noChangeAspect="1"/>
+          </p:cNvPicPr>
+          <p:nvPr/>
+        </p:nvPicPr>
+        <p:blipFill>
+          <a:blip r:embed="rId4">
+            <a:extLst>
+              <a:ext uri="{28A0092B-C50C-407E-A947-70E740481C1C}">
+                <a14:useLocalDpi xmlns:a14="http://schemas.microsoft.com/office/drawing/2010/main" val="0"/>
+              </a:ext>
+            </a:extLst>
+          </a:blip>
+          <a:stretch>
+            <a:fillRect/>
+          </a:stretch>
+        </p:blipFill>
+        <p:spPr>
+          <a:xfrm>
+            <a:off x="-3635758" y="3429000"/>
+            <a:ext cx="1990687" cy="1119761"/>
+          </a:xfrm>
+          <a:prstGeom prst="rect">
+            <a:avLst/>
+          </a:prstGeom>
+        </p:spPr>
+      </p:pic>
     </p:spTree>
     <p:extLst>
       <p:ext uri="{BB962C8B-B14F-4D97-AF65-F5344CB8AC3E}">
-        <p14:creationId xmlns:p14="http://schemas.microsoft.com/office/powerpoint/2010/main" val="681354065"/>
+        <p14:creationId xmlns:p14="http://schemas.microsoft.com/office/powerpoint/2010/main" val="1876388415"/>
       </p:ext>
     </p:extLst>
   </p:cSld>
@@ -7331,7 +7913,7 @@
   </p:clrMapOvr>
   <mc:AlternateContent xmlns:mc="http://schemas.openxmlformats.org/markup-compatibility/2006" xmlns:p159="http://schemas.microsoft.com/office/powerpoint/2015/09/main">
     <mc:Choice Requires="p159">
-      <p:transition spd="slow">
+      <p:transition xmlns:p14="http://schemas.microsoft.com/office/powerpoint/2010/main" spd="slow" p14:dur="2000">
         <p159:morph option="byObject"/>
       </p:transition>
     </mc:Choice>

--- a/workshop III..pptx
+++ b/workshop III..pptx
@@ -9,15 +9,8 @@
     <p:sldId id="266" r:id="rId3"/>
     <p:sldId id="267" r:id="rId4"/>
     <p:sldId id="268" r:id="rId5"/>
-    <p:sldId id="264" r:id="rId6"/>
-    <p:sldId id="261" r:id="rId7"/>
-    <p:sldId id="262" r:id="rId8"/>
-    <p:sldId id="263" r:id="rId9"/>
-    <p:sldId id="256" r:id="rId10"/>
-    <p:sldId id="259" r:id="rId11"/>
-    <p:sldId id="260" r:id="rId12"/>
-    <p:sldId id="257" r:id="rId13"/>
-    <p:sldId id="258" r:id="rId14"/>
+    <p:sldId id="269" r:id="rId6"/>
+    <p:sldId id="270" r:id="rId7"/>
   </p:sldIdLst>
   <p:sldSz cx="12192000" cy="6858000"/>
   <p:notesSz cx="6858000" cy="9144000"/>
@@ -271,7 +264,7 @@
           <a:p>
             <a:fld id="{6129DD96-5E77-4586-A2B9-E5BB275D3AE2}" type="datetimeFigureOut">
               <a:rPr lang="hu-HU" smtClean="0"/>
-              <a:t>2023. 12. 14.</a:t>
+              <a:t>2023. 12. 18.</a:t>
             </a:fld>
             <a:endParaRPr lang="hu-HU"/>
           </a:p>
@@ -469,7 +462,7 @@
           <a:p>
             <a:fld id="{6129DD96-5E77-4586-A2B9-E5BB275D3AE2}" type="datetimeFigureOut">
               <a:rPr lang="hu-HU" smtClean="0"/>
-              <a:t>2023. 12. 14.</a:t>
+              <a:t>2023. 12. 18.</a:t>
             </a:fld>
             <a:endParaRPr lang="hu-HU"/>
           </a:p>
@@ -677,7 +670,7 @@
           <a:p>
             <a:fld id="{6129DD96-5E77-4586-A2B9-E5BB275D3AE2}" type="datetimeFigureOut">
               <a:rPr lang="hu-HU" smtClean="0"/>
-              <a:t>2023. 12. 14.</a:t>
+              <a:t>2023. 12. 18.</a:t>
             </a:fld>
             <a:endParaRPr lang="hu-HU"/>
           </a:p>
@@ -875,7 +868,7 @@
           <a:p>
             <a:fld id="{6129DD96-5E77-4586-A2B9-E5BB275D3AE2}" type="datetimeFigureOut">
               <a:rPr lang="hu-HU" smtClean="0"/>
-              <a:t>2023. 12. 14.</a:t>
+              <a:t>2023. 12. 18.</a:t>
             </a:fld>
             <a:endParaRPr lang="hu-HU"/>
           </a:p>
@@ -1150,7 +1143,7 @@
           <a:p>
             <a:fld id="{6129DD96-5E77-4586-A2B9-E5BB275D3AE2}" type="datetimeFigureOut">
               <a:rPr lang="hu-HU" smtClean="0"/>
-              <a:t>2023. 12. 14.</a:t>
+              <a:t>2023. 12. 18.</a:t>
             </a:fld>
             <a:endParaRPr lang="hu-HU"/>
           </a:p>
@@ -1415,7 +1408,7 @@
           <a:p>
             <a:fld id="{6129DD96-5E77-4586-A2B9-E5BB275D3AE2}" type="datetimeFigureOut">
               <a:rPr lang="hu-HU" smtClean="0"/>
-              <a:t>2023. 12. 14.</a:t>
+              <a:t>2023. 12. 18.</a:t>
             </a:fld>
             <a:endParaRPr lang="hu-HU"/>
           </a:p>
@@ -1827,7 +1820,7 @@
           <a:p>
             <a:fld id="{6129DD96-5E77-4586-A2B9-E5BB275D3AE2}" type="datetimeFigureOut">
               <a:rPr lang="hu-HU" smtClean="0"/>
-              <a:t>2023. 12. 14.</a:t>
+              <a:t>2023. 12. 18.</a:t>
             </a:fld>
             <a:endParaRPr lang="hu-HU"/>
           </a:p>
@@ -1968,7 +1961,7 @@
           <a:p>
             <a:fld id="{6129DD96-5E77-4586-A2B9-E5BB275D3AE2}" type="datetimeFigureOut">
               <a:rPr lang="hu-HU" smtClean="0"/>
-              <a:t>2023. 12. 14.</a:t>
+              <a:t>2023. 12. 18.</a:t>
             </a:fld>
             <a:endParaRPr lang="hu-HU"/>
           </a:p>
@@ -2081,7 +2074,7 @@
           <a:p>
             <a:fld id="{6129DD96-5E77-4586-A2B9-E5BB275D3AE2}" type="datetimeFigureOut">
               <a:rPr lang="hu-HU" smtClean="0"/>
-              <a:t>2023. 12. 14.</a:t>
+              <a:t>2023. 12. 18.</a:t>
             </a:fld>
             <a:endParaRPr lang="hu-HU"/>
           </a:p>
@@ -2392,7 +2385,7 @@
           <a:p>
             <a:fld id="{6129DD96-5E77-4586-A2B9-E5BB275D3AE2}" type="datetimeFigureOut">
               <a:rPr lang="hu-HU" smtClean="0"/>
-              <a:t>2023. 12. 14.</a:t>
+              <a:t>2023. 12. 18.</a:t>
             </a:fld>
             <a:endParaRPr lang="hu-HU"/>
           </a:p>
@@ -2680,7 +2673,7 @@
           <a:p>
             <a:fld id="{6129DD96-5E77-4586-A2B9-E5BB275D3AE2}" type="datetimeFigureOut">
               <a:rPr lang="hu-HU" smtClean="0"/>
-              <a:t>2023. 12. 14.</a:t>
+              <a:t>2023. 12. 18.</a:t>
             </a:fld>
             <a:endParaRPr lang="hu-HU"/>
           </a:p>
@@ -2921,7 +2914,7 @@
           <a:p>
             <a:fld id="{6129DD96-5E77-4586-A2B9-E5BB275D3AE2}" type="datetimeFigureOut">
               <a:rPr lang="hu-HU" smtClean="0"/>
-              <a:t>2023. 12. 14.</a:t>
+              <a:t>2023. 12. 18.</a:t>
             </a:fld>
             <a:endParaRPr lang="hu-HU"/>
           </a:p>
@@ -3713,691 +3706,6 @@
 </p:sld>
 </file>
 
-<file path=ppt/slides/slide10.xml><?xml version="1.0" encoding="utf-8"?>
-<p:sld xmlns:a="http://schemas.openxmlformats.org/drawingml/2006/main" xmlns:r="http://schemas.openxmlformats.org/officeDocument/2006/relationships" xmlns:p="http://schemas.openxmlformats.org/presentationml/2006/main">
-  <p:cSld>
-    <p:spTree>
-      <p:nvGrpSpPr>
-        <p:cNvPr id="1" name=""/>
-        <p:cNvGrpSpPr/>
-        <p:nvPr/>
-      </p:nvGrpSpPr>
-      <p:grpSpPr>
-        <a:xfrm>
-          <a:off x="0" y="0"/>
-          <a:ext cx="0" cy="0"/>
-          <a:chOff x="0" y="0"/>
-          <a:chExt cx="0" cy="0"/>
-        </a:xfrm>
-      </p:grpSpPr>
-      <p:sp>
-        <p:nvSpPr>
-          <p:cNvPr id="4" name="Téglalap: lekerekített 3">
-            <a:extLst>
-              <a:ext uri="{FF2B5EF4-FFF2-40B4-BE49-F238E27FC236}">
-                <a16:creationId xmlns:a16="http://schemas.microsoft.com/office/drawing/2014/main" id="{A029C02E-AB20-4ADC-94B0-03933D266092}"/>
-              </a:ext>
-            </a:extLst>
-          </p:cNvPr>
-          <p:cNvSpPr/>
-          <p:nvPr/>
-        </p:nvSpPr>
-        <p:spPr>
-          <a:xfrm>
-            <a:off x="419100" y="241300"/>
-            <a:ext cx="11353799" cy="6375400"/>
-          </a:xfrm>
-          <a:prstGeom prst="roundRect">
-            <a:avLst/>
-          </a:prstGeom>
-          <a:solidFill>
-            <a:schemeClr val="accent1">
-              <a:lumMod val="20000"/>
-              <a:lumOff val="80000"/>
-            </a:schemeClr>
-          </a:solidFill>
-        </p:spPr>
-        <p:style>
-          <a:lnRef idx="2">
-            <a:schemeClr val="accent1">
-              <a:shade val="15000"/>
-            </a:schemeClr>
-          </a:lnRef>
-          <a:fillRef idx="1">
-            <a:schemeClr val="accent1"/>
-          </a:fillRef>
-          <a:effectRef idx="0">
-            <a:schemeClr val="accent1"/>
-          </a:effectRef>
-          <a:fontRef idx="minor">
-            <a:schemeClr val="lt1"/>
-          </a:fontRef>
-        </p:style>
-        <p:txBody>
-          <a:bodyPr rtlCol="0" anchor="ctr"/>
-          <a:lstStyle/>
-          <a:p>
-            <a:pPr algn="ctr"/>
-            <a:endParaRPr lang="hu-HU" dirty="0"/>
-          </a:p>
-        </p:txBody>
-      </p:sp>
-    </p:spTree>
-    <p:extLst>
-      <p:ext uri="{BB962C8B-B14F-4D97-AF65-F5344CB8AC3E}">
-        <p14:creationId xmlns:p14="http://schemas.microsoft.com/office/powerpoint/2010/main" val="681354065"/>
-      </p:ext>
-    </p:extLst>
-  </p:cSld>
-  <p:clrMapOvr>
-    <a:masterClrMapping/>
-  </p:clrMapOvr>
-  <mc:AlternateContent xmlns:mc="http://schemas.openxmlformats.org/markup-compatibility/2006" xmlns:p159="http://schemas.microsoft.com/office/powerpoint/2015/09/main">
-    <mc:Choice Requires="p159">
-      <p:transition spd="slow">
-        <p159:morph option="byObject"/>
-      </p:transition>
-    </mc:Choice>
-    <mc:Fallback xmlns="">
-      <p:transition spd="slow">
-        <p:fade/>
-      </p:transition>
-    </mc:Fallback>
-  </mc:AlternateContent>
-</p:sld>
-</file>
-
-<file path=ppt/slides/slide11.xml><?xml version="1.0" encoding="utf-8"?>
-<p:sld xmlns:a="http://schemas.openxmlformats.org/drawingml/2006/main" xmlns:r="http://schemas.openxmlformats.org/officeDocument/2006/relationships" xmlns:p="http://schemas.openxmlformats.org/presentationml/2006/main">
-  <p:cSld>
-    <p:spTree>
-      <p:nvGrpSpPr>
-        <p:cNvPr id="1" name=""/>
-        <p:cNvGrpSpPr/>
-        <p:nvPr/>
-      </p:nvGrpSpPr>
-      <p:grpSpPr>
-        <a:xfrm>
-          <a:off x="0" y="0"/>
-          <a:ext cx="0" cy="0"/>
-          <a:chOff x="0" y="0"/>
-          <a:chExt cx="0" cy="0"/>
-        </a:xfrm>
-      </p:grpSpPr>
-      <p:sp>
-        <p:nvSpPr>
-          <p:cNvPr id="26" name="Téglalap: lekerekített 25">
-            <a:extLst>
-              <a:ext uri="{FF2B5EF4-FFF2-40B4-BE49-F238E27FC236}">
-                <a16:creationId xmlns:a16="http://schemas.microsoft.com/office/drawing/2014/main" id="{CDC5B521-8D22-63F7-65A5-4A5AFDC31CA4}"/>
-              </a:ext>
-            </a:extLst>
-          </p:cNvPr>
-          <p:cNvSpPr/>
-          <p:nvPr/>
-        </p:nvSpPr>
-        <p:spPr>
-          <a:xfrm>
-            <a:off x="4376765" y="3336626"/>
-            <a:ext cx="3438470" cy="1616374"/>
-          </a:xfrm>
-          <a:prstGeom prst="roundRect">
-            <a:avLst/>
-          </a:prstGeom>
-          <a:solidFill>
-            <a:schemeClr val="accent1">
-              <a:lumMod val="20000"/>
-              <a:lumOff val="80000"/>
-            </a:schemeClr>
-          </a:solidFill>
-        </p:spPr>
-        <p:style>
-          <a:lnRef idx="2">
-            <a:schemeClr val="accent1">
-              <a:shade val="15000"/>
-            </a:schemeClr>
-          </a:lnRef>
-          <a:fillRef idx="1">
-            <a:schemeClr val="accent1"/>
-          </a:fillRef>
-          <a:effectRef idx="0">
-            <a:schemeClr val="accent1"/>
-          </a:effectRef>
-          <a:fontRef idx="minor">
-            <a:schemeClr val="lt1"/>
-          </a:fontRef>
-        </p:style>
-        <p:txBody>
-          <a:bodyPr rtlCol="0" anchor="ctr"/>
-          <a:lstStyle/>
-          <a:p>
-            <a:pPr algn="ctr"/>
-            <a:endParaRPr lang="hu-HU" dirty="0"/>
-          </a:p>
-        </p:txBody>
-      </p:sp>
-      <p:sp>
-        <p:nvSpPr>
-          <p:cNvPr id="27" name="Téglalap: lekerekített 26">
-            <a:extLst>
-              <a:ext uri="{FF2B5EF4-FFF2-40B4-BE49-F238E27FC236}">
-                <a16:creationId xmlns:a16="http://schemas.microsoft.com/office/drawing/2014/main" id="{FF2724CB-5BF3-C8EC-6F75-9D9CB588C12C}"/>
-              </a:ext>
-            </a:extLst>
-          </p:cNvPr>
-          <p:cNvSpPr/>
-          <p:nvPr/>
-        </p:nvSpPr>
-        <p:spPr>
-          <a:xfrm>
-            <a:off x="12803215" y="3336626"/>
-            <a:ext cx="3438470" cy="1616374"/>
-          </a:xfrm>
-          <a:prstGeom prst="roundRect">
-            <a:avLst/>
-          </a:prstGeom>
-          <a:solidFill>
-            <a:schemeClr val="accent1">
-              <a:lumMod val="60000"/>
-              <a:lumOff val="40000"/>
-            </a:schemeClr>
-          </a:solidFill>
-        </p:spPr>
-        <p:style>
-          <a:lnRef idx="2">
-            <a:schemeClr val="accent1">
-              <a:shade val="15000"/>
-            </a:schemeClr>
-          </a:lnRef>
-          <a:fillRef idx="1">
-            <a:schemeClr val="accent1"/>
-          </a:fillRef>
-          <a:effectRef idx="0">
-            <a:schemeClr val="accent1"/>
-          </a:effectRef>
-          <a:fontRef idx="minor">
-            <a:schemeClr val="lt1"/>
-          </a:fontRef>
-        </p:style>
-        <p:txBody>
-          <a:bodyPr rtlCol="0" anchor="ctr"/>
-          <a:lstStyle/>
-          <a:p>
-            <a:pPr algn="ctr"/>
-            <a:endParaRPr lang="hu-HU"/>
-          </a:p>
-        </p:txBody>
-      </p:sp>
-      <p:sp>
-        <p:nvSpPr>
-          <p:cNvPr id="28" name="Téglalap: lekerekített 27">
-            <a:extLst>
-              <a:ext uri="{FF2B5EF4-FFF2-40B4-BE49-F238E27FC236}">
-                <a16:creationId xmlns:a16="http://schemas.microsoft.com/office/drawing/2014/main" id="{01D43A0F-D0D7-EA22-7A6E-FB5C8FEE0DB6}"/>
-              </a:ext>
-            </a:extLst>
-          </p:cNvPr>
-          <p:cNvSpPr/>
-          <p:nvPr/>
-        </p:nvSpPr>
-        <p:spPr>
-          <a:xfrm>
-            <a:off x="21229665" y="3336626"/>
-            <a:ext cx="3438470" cy="1616374"/>
-          </a:xfrm>
-          <a:prstGeom prst="roundRect">
-            <a:avLst/>
-          </a:prstGeom>
-          <a:solidFill>
-            <a:schemeClr val="accent1">
-              <a:lumMod val="50000"/>
-            </a:schemeClr>
-          </a:solidFill>
-        </p:spPr>
-        <p:style>
-          <a:lnRef idx="2">
-            <a:schemeClr val="accent1">
-              <a:shade val="15000"/>
-            </a:schemeClr>
-          </a:lnRef>
-          <a:fillRef idx="1">
-            <a:schemeClr val="accent1"/>
-          </a:fillRef>
-          <a:effectRef idx="0">
-            <a:schemeClr val="accent1"/>
-          </a:effectRef>
-          <a:fontRef idx="minor">
-            <a:schemeClr val="lt1"/>
-          </a:fontRef>
-        </p:style>
-        <p:txBody>
-          <a:bodyPr rtlCol="0" anchor="ctr"/>
-          <a:lstStyle/>
-          <a:p>
-            <a:pPr algn="ctr"/>
-            <a:endParaRPr lang="hu-HU"/>
-          </a:p>
-        </p:txBody>
-      </p:sp>
-    </p:spTree>
-    <p:extLst>
-      <p:ext uri="{BB962C8B-B14F-4D97-AF65-F5344CB8AC3E}">
-        <p14:creationId xmlns:p14="http://schemas.microsoft.com/office/powerpoint/2010/main" val="942875713"/>
-      </p:ext>
-    </p:extLst>
-  </p:cSld>
-  <p:clrMapOvr>
-    <a:masterClrMapping/>
-  </p:clrMapOvr>
-  <mc:AlternateContent xmlns:mc="http://schemas.openxmlformats.org/markup-compatibility/2006" xmlns:p159="http://schemas.microsoft.com/office/powerpoint/2015/09/main">
-    <mc:Choice Requires="p159">
-      <p:transition spd="slow">
-        <p159:morph option="byObject"/>
-      </p:transition>
-    </mc:Choice>
-    <mc:Fallback xmlns="">
-      <p:transition spd="slow">
-        <p:fade/>
-      </p:transition>
-    </mc:Fallback>
-  </mc:AlternateContent>
-</p:sld>
-</file>
-
-<file path=ppt/slides/slide12.xml><?xml version="1.0" encoding="utf-8"?>
-<p:sld xmlns:a="http://schemas.openxmlformats.org/drawingml/2006/main" xmlns:r="http://schemas.openxmlformats.org/officeDocument/2006/relationships" xmlns:p="http://schemas.openxmlformats.org/presentationml/2006/main">
-  <p:cSld>
-    <p:spTree>
-      <p:nvGrpSpPr>
-        <p:cNvPr id="1" name=""/>
-        <p:cNvGrpSpPr/>
-        <p:nvPr/>
-      </p:nvGrpSpPr>
-      <p:grpSpPr>
-        <a:xfrm>
-          <a:off x="0" y="0"/>
-          <a:ext cx="0" cy="0"/>
-          <a:chOff x="0" y="0"/>
-          <a:chExt cx="0" cy="0"/>
-        </a:xfrm>
-      </p:grpSpPr>
-      <p:sp>
-        <p:nvSpPr>
-          <p:cNvPr id="3" name="Téglalap: lekerekített 2">
-            <a:extLst>
-              <a:ext uri="{FF2B5EF4-FFF2-40B4-BE49-F238E27FC236}">
-                <a16:creationId xmlns:a16="http://schemas.microsoft.com/office/drawing/2014/main" id="{BECB4016-7356-57EE-BBB1-8EBB95F8E3A3}"/>
-              </a:ext>
-            </a:extLst>
-          </p:cNvPr>
-          <p:cNvSpPr/>
-          <p:nvPr/>
-        </p:nvSpPr>
-        <p:spPr>
-          <a:xfrm>
-            <a:off x="-4049685" y="3336626"/>
-            <a:ext cx="3438470" cy="1616374"/>
-          </a:xfrm>
-          <a:prstGeom prst="roundRect">
-            <a:avLst/>
-          </a:prstGeom>
-          <a:solidFill>
-            <a:schemeClr val="accent1">
-              <a:lumMod val="20000"/>
-              <a:lumOff val="80000"/>
-            </a:schemeClr>
-          </a:solidFill>
-        </p:spPr>
-        <p:style>
-          <a:lnRef idx="2">
-            <a:schemeClr val="accent1">
-              <a:shade val="15000"/>
-            </a:schemeClr>
-          </a:lnRef>
-          <a:fillRef idx="1">
-            <a:schemeClr val="accent1"/>
-          </a:fillRef>
-          <a:effectRef idx="0">
-            <a:schemeClr val="accent1"/>
-          </a:effectRef>
-          <a:fontRef idx="minor">
-            <a:schemeClr val="lt1"/>
-          </a:fontRef>
-        </p:style>
-        <p:txBody>
-          <a:bodyPr rtlCol="0" anchor="ctr"/>
-          <a:lstStyle/>
-          <a:p>
-            <a:pPr algn="ctr"/>
-            <a:endParaRPr lang="hu-HU" dirty="0"/>
-          </a:p>
-        </p:txBody>
-      </p:sp>
-      <p:sp>
-        <p:nvSpPr>
-          <p:cNvPr id="4" name="Téglalap: lekerekített 3">
-            <a:extLst>
-              <a:ext uri="{FF2B5EF4-FFF2-40B4-BE49-F238E27FC236}">
-                <a16:creationId xmlns:a16="http://schemas.microsoft.com/office/drawing/2014/main" id="{7760F555-A71C-561A-DA1B-A8B921AB2502}"/>
-              </a:ext>
-            </a:extLst>
-          </p:cNvPr>
-          <p:cNvSpPr/>
-          <p:nvPr/>
-        </p:nvSpPr>
-        <p:spPr>
-          <a:xfrm>
-            <a:off x="4376765" y="3336626"/>
-            <a:ext cx="3438470" cy="1616374"/>
-          </a:xfrm>
-          <a:prstGeom prst="roundRect">
-            <a:avLst/>
-          </a:prstGeom>
-          <a:solidFill>
-            <a:schemeClr val="accent1">
-              <a:lumMod val="60000"/>
-              <a:lumOff val="40000"/>
-            </a:schemeClr>
-          </a:solidFill>
-        </p:spPr>
-        <p:style>
-          <a:lnRef idx="2">
-            <a:schemeClr val="accent1">
-              <a:shade val="15000"/>
-            </a:schemeClr>
-          </a:lnRef>
-          <a:fillRef idx="1">
-            <a:schemeClr val="accent1"/>
-          </a:fillRef>
-          <a:effectRef idx="0">
-            <a:schemeClr val="accent1"/>
-          </a:effectRef>
-          <a:fontRef idx="minor">
-            <a:schemeClr val="lt1"/>
-          </a:fontRef>
-        </p:style>
-        <p:txBody>
-          <a:bodyPr rtlCol="0" anchor="ctr"/>
-          <a:lstStyle/>
-          <a:p>
-            <a:pPr algn="ctr"/>
-            <a:endParaRPr lang="hu-HU"/>
-          </a:p>
-        </p:txBody>
-      </p:sp>
-      <p:sp>
-        <p:nvSpPr>
-          <p:cNvPr id="5" name="Téglalap: lekerekített 4">
-            <a:extLst>
-              <a:ext uri="{FF2B5EF4-FFF2-40B4-BE49-F238E27FC236}">
-                <a16:creationId xmlns:a16="http://schemas.microsoft.com/office/drawing/2014/main" id="{5BACFFC5-43BA-543F-F6B6-B66ACCA77483}"/>
-              </a:ext>
-            </a:extLst>
-          </p:cNvPr>
-          <p:cNvSpPr/>
-          <p:nvPr/>
-        </p:nvSpPr>
-        <p:spPr>
-          <a:xfrm>
-            <a:off x="12803215" y="3336626"/>
-            <a:ext cx="3438470" cy="1616374"/>
-          </a:xfrm>
-          <a:prstGeom prst="roundRect">
-            <a:avLst/>
-          </a:prstGeom>
-          <a:solidFill>
-            <a:schemeClr val="accent1">
-              <a:lumMod val="50000"/>
-            </a:schemeClr>
-          </a:solidFill>
-        </p:spPr>
-        <p:style>
-          <a:lnRef idx="2">
-            <a:schemeClr val="accent1">
-              <a:shade val="15000"/>
-            </a:schemeClr>
-          </a:lnRef>
-          <a:fillRef idx="1">
-            <a:schemeClr val="accent1"/>
-          </a:fillRef>
-          <a:effectRef idx="0">
-            <a:schemeClr val="accent1"/>
-          </a:effectRef>
-          <a:fontRef idx="minor">
-            <a:schemeClr val="lt1"/>
-          </a:fontRef>
-        </p:style>
-        <p:txBody>
-          <a:bodyPr rtlCol="0" anchor="ctr"/>
-          <a:lstStyle/>
-          <a:p>
-            <a:pPr algn="ctr"/>
-            <a:endParaRPr lang="hu-HU"/>
-          </a:p>
-        </p:txBody>
-      </p:sp>
-    </p:spTree>
-    <p:extLst>
-      <p:ext uri="{BB962C8B-B14F-4D97-AF65-F5344CB8AC3E}">
-        <p14:creationId xmlns:p14="http://schemas.microsoft.com/office/powerpoint/2010/main" val="1105231747"/>
-      </p:ext>
-    </p:extLst>
-  </p:cSld>
-  <p:clrMapOvr>
-    <a:masterClrMapping/>
-  </p:clrMapOvr>
-  <mc:AlternateContent xmlns:mc="http://schemas.openxmlformats.org/markup-compatibility/2006" xmlns:p159="http://schemas.microsoft.com/office/powerpoint/2015/09/main">
-    <mc:Choice Requires="p159">
-      <p:transition spd="slow">
-        <p159:morph option="byObject"/>
-      </p:transition>
-    </mc:Choice>
-    <mc:Fallback xmlns="">
-      <p:transition spd="slow">
-        <p:fade/>
-      </p:transition>
-    </mc:Fallback>
-  </mc:AlternateContent>
-</p:sld>
-</file>
-
-<file path=ppt/slides/slide13.xml><?xml version="1.0" encoding="utf-8"?>
-<p:sld xmlns:a="http://schemas.openxmlformats.org/drawingml/2006/main" xmlns:r="http://schemas.openxmlformats.org/officeDocument/2006/relationships" xmlns:p="http://schemas.openxmlformats.org/presentationml/2006/main">
-  <p:cSld>
-    <p:spTree>
-      <p:nvGrpSpPr>
-        <p:cNvPr id="1" name=""/>
-        <p:cNvGrpSpPr/>
-        <p:nvPr/>
-      </p:nvGrpSpPr>
-      <p:grpSpPr>
-        <a:xfrm>
-          <a:off x="0" y="0"/>
-          <a:ext cx="0" cy="0"/>
-          <a:chOff x="0" y="0"/>
-          <a:chExt cx="0" cy="0"/>
-        </a:xfrm>
-      </p:grpSpPr>
-      <p:sp>
-        <p:nvSpPr>
-          <p:cNvPr id="3" name="Téglalap: lekerekített 2">
-            <a:extLst>
-              <a:ext uri="{FF2B5EF4-FFF2-40B4-BE49-F238E27FC236}">
-                <a16:creationId xmlns:a16="http://schemas.microsoft.com/office/drawing/2014/main" id="{BECB4016-7356-57EE-BBB1-8EBB95F8E3A3}"/>
-              </a:ext>
-            </a:extLst>
-          </p:cNvPr>
-          <p:cNvSpPr/>
-          <p:nvPr/>
-        </p:nvSpPr>
-        <p:spPr>
-          <a:xfrm>
-            <a:off x="-12476135" y="3336626"/>
-            <a:ext cx="3438470" cy="1616374"/>
-          </a:xfrm>
-          <a:prstGeom prst="roundRect">
-            <a:avLst/>
-          </a:prstGeom>
-          <a:solidFill>
-            <a:schemeClr val="accent1">
-              <a:lumMod val="20000"/>
-              <a:lumOff val="80000"/>
-            </a:schemeClr>
-          </a:solidFill>
-        </p:spPr>
-        <p:style>
-          <a:lnRef idx="2">
-            <a:schemeClr val="accent1">
-              <a:shade val="15000"/>
-            </a:schemeClr>
-          </a:lnRef>
-          <a:fillRef idx="1">
-            <a:schemeClr val="accent1"/>
-          </a:fillRef>
-          <a:effectRef idx="0">
-            <a:schemeClr val="accent1"/>
-          </a:effectRef>
-          <a:fontRef idx="minor">
-            <a:schemeClr val="lt1"/>
-          </a:fontRef>
-        </p:style>
-        <p:txBody>
-          <a:bodyPr rtlCol="0" anchor="ctr"/>
-          <a:lstStyle/>
-          <a:p>
-            <a:pPr algn="ctr"/>
-            <a:endParaRPr lang="hu-HU" dirty="0"/>
-          </a:p>
-        </p:txBody>
-      </p:sp>
-      <p:sp>
-        <p:nvSpPr>
-          <p:cNvPr id="4" name="Téglalap: lekerekített 3">
-            <a:extLst>
-              <a:ext uri="{FF2B5EF4-FFF2-40B4-BE49-F238E27FC236}">
-                <a16:creationId xmlns:a16="http://schemas.microsoft.com/office/drawing/2014/main" id="{7760F555-A71C-561A-DA1B-A8B921AB2502}"/>
-              </a:ext>
-            </a:extLst>
-          </p:cNvPr>
-          <p:cNvSpPr/>
-          <p:nvPr/>
-        </p:nvSpPr>
-        <p:spPr>
-          <a:xfrm>
-            <a:off x="-4049685" y="3336626"/>
-            <a:ext cx="3438470" cy="1616374"/>
-          </a:xfrm>
-          <a:prstGeom prst="roundRect">
-            <a:avLst/>
-          </a:prstGeom>
-          <a:solidFill>
-            <a:schemeClr val="accent1">
-              <a:lumMod val="60000"/>
-              <a:lumOff val="40000"/>
-            </a:schemeClr>
-          </a:solidFill>
-        </p:spPr>
-        <p:style>
-          <a:lnRef idx="2">
-            <a:schemeClr val="accent1">
-              <a:shade val="15000"/>
-            </a:schemeClr>
-          </a:lnRef>
-          <a:fillRef idx="1">
-            <a:schemeClr val="accent1"/>
-          </a:fillRef>
-          <a:effectRef idx="0">
-            <a:schemeClr val="accent1"/>
-          </a:effectRef>
-          <a:fontRef idx="minor">
-            <a:schemeClr val="lt1"/>
-          </a:fontRef>
-        </p:style>
-        <p:txBody>
-          <a:bodyPr rtlCol="0" anchor="ctr"/>
-          <a:lstStyle/>
-          <a:p>
-            <a:pPr algn="ctr"/>
-            <a:endParaRPr lang="hu-HU"/>
-          </a:p>
-        </p:txBody>
-      </p:sp>
-      <p:sp>
-        <p:nvSpPr>
-          <p:cNvPr id="5" name="Téglalap: lekerekített 4">
-            <a:extLst>
-              <a:ext uri="{FF2B5EF4-FFF2-40B4-BE49-F238E27FC236}">
-                <a16:creationId xmlns:a16="http://schemas.microsoft.com/office/drawing/2014/main" id="{5BACFFC5-43BA-543F-F6B6-B66ACCA77483}"/>
-              </a:ext>
-            </a:extLst>
-          </p:cNvPr>
-          <p:cNvSpPr/>
-          <p:nvPr/>
-        </p:nvSpPr>
-        <p:spPr>
-          <a:xfrm>
-            <a:off x="4376765" y="3336626"/>
-            <a:ext cx="3438470" cy="1616374"/>
-          </a:xfrm>
-          <a:prstGeom prst="roundRect">
-            <a:avLst/>
-          </a:prstGeom>
-          <a:solidFill>
-            <a:schemeClr val="accent1">
-              <a:lumMod val="50000"/>
-            </a:schemeClr>
-          </a:solidFill>
-        </p:spPr>
-        <p:style>
-          <a:lnRef idx="2">
-            <a:schemeClr val="accent1">
-              <a:shade val="15000"/>
-            </a:schemeClr>
-          </a:lnRef>
-          <a:fillRef idx="1">
-            <a:schemeClr val="accent1"/>
-          </a:fillRef>
-          <a:effectRef idx="0">
-            <a:schemeClr val="accent1"/>
-          </a:effectRef>
-          <a:fontRef idx="minor">
-            <a:schemeClr val="lt1"/>
-          </a:fontRef>
-        </p:style>
-        <p:txBody>
-          <a:bodyPr rtlCol="0" anchor="ctr"/>
-          <a:lstStyle/>
-          <a:p>
-            <a:pPr algn="ctr"/>
-            <a:endParaRPr lang="hu-HU"/>
-          </a:p>
-        </p:txBody>
-      </p:sp>
-    </p:spTree>
-    <p:extLst>
-      <p:ext uri="{BB962C8B-B14F-4D97-AF65-F5344CB8AC3E}">
-        <p14:creationId xmlns:p14="http://schemas.microsoft.com/office/powerpoint/2010/main" val="3438345790"/>
-      </p:ext>
-    </p:extLst>
-  </p:cSld>
-  <p:clrMapOvr>
-    <a:masterClrMapping/>
-  </p:clrMapOvr>
-  <mc:AlternateContent xmlns:mc="http://schemas.openxmlformats.org/markup-compatibility/2006" xmlns:p159="http://schemas.microsoft.com/office/powerpoint/2015/09/main">
-    <mc:Choice Requires="p159">
-      <p:transition spd="slow">
-        <p159:morph option="byObject"/>
-      </p:transition>
-    </mc:Choice>
-    <mc:Fallback xmlns="">
-      <p:transition spd="slow">
-        <p:fade/>
-      </p:transition>
-    </mc:Fallback>
-  </mc:AlternateContent>
-</p:sld>
-</file>
-
 <file path=ppt/slides/slide2.xml><?xml version="1.0" encoding="utf-8"?>
 <p:sld xmlns:a="http://schemas.openxmlformats.org/drawingml/2006/main" xmlns:r="http://schemas.openxmlformats.org/officeDocument/2006/relationships" xmlns:p="http://schemas.openxmlformats.org/presentationml/2006/main">
   <p:cSld>
@@ -5495,20 +4803,20 @@
                 <p:nvPr>
                   <p:extLst>
                     <p:ext uri="{D42A27DB-BD31-4B8C-83A1-F6EECF244321}">
-                      <p14:modId xmlns:p14="http://schemas.microsoft.com/office/powerpoint/2010/main" val="94959112"/>
+                      <p14:modId xmlns:p14="http://schemas.microsoft.com/office/powerpoint/2010/main" val="2495035077"/>
                     </p:ext>
                   </p:extLst>
                 </p:nvPr>
               </p:nvGraphicFramePr>
               <p:xfrm>
-                <a:off x="917764" y="4629867"/>
-                <a:ext cx="2306320" cy="1297305"/>
+                <a:off x="1273364" y="5095945"/>
+                <a:ext cx="1622236" cy="912508"/>
               </p:xfrm>
               <a:graphic>
                 <a:graphicData uri="http://schemas.microsoft.com/office/powerpoint/2016/slidezoom">
                   <pslz:sldZm>
                     <pslz:sldZmObj sldId="268" cId="2327745269">
-                      <pslz:zmPr id="{C60B5517-277B-437A-BA4A-8C910730E572}" returnToParent="0" transitionDur="1000">
+                      <pslz:zmPr id="{C60B5517-277B-437A-BA4A-8C910730E572}" transitionDur="1000">
                         <p166:blipFill xmlns:p166="http://schemas.microsoft.com/office/powerpoint/2016/6/main">
                           <a:blip r:embed="rId6"/>
                           <a:stretch>
@@ -5518,16 +4826,24 @@
                         <p166:spPr xmlns:p166="http://schemas.microsoft.com/office/powerpoint/2016/6/main">
                           <a:xfrm>
                             <a:off x="0" y="0"/>
-                            <a:ext cx="2306320" cy="1297305"/>
+                            <a:ext cx="1622236" cy="912508"/>
                           </a:xfrm>
-                          <a:prstGeom prst="rect">
-                            <a:avLst/>
+                          <a:prstGeom prst="roundRect">
+                            <a:avLst>
+                              <a:gd name="adj" fmla="val 8594"/>
+                            </a:avLst>
                           </a:prstGeom>
-                          <a:ln w="3175">
-                            <a:solidFill>
-                              <a:prstClr val="ltGray"/>
-                            </a:solidFill>
+                          <a:solidFill>
+                            <a:srgbClr val="FFFFFF">
+                              <a:shade val="85000"/>
+                            </a:srgbClr>
+                          </a:solidFill>
+                          <a:ln>
+                            <a:noFill/>
                           </a:ln>
+                          <a:effectLst>
+                            <a:reflection blurRad="12700" stA="38000" endPos="28000" dist="5000" dir="5400000" sy="-100000" algn="bl" rotWithShape="0"/>
+                          </a:effectLst>
                         </p166:spPr>
                       </pslz:zmPr>
                     </pslz:sldZmObj>
@@ -5560,22 +4876,217 @@
               </p:blipFill>
               <p:spPr>
                 <a:xfrm>
-                  <a:off x="917764" y="4629867"/>
-                  <a:ext cx="2306320" cy="1297305"/>
+                  <a:off x="1273364" y="5095945"/>
+                  <a:ext cx="1622236" cy="912508"/>
                 </a:xfrm>
-                <a:prstGeom prst="rect">
-                  <a:avLst/>
+                <a:prstGeom prst="roundRect">
+                  <a:avLst>
+                    <a:gd name="adj" fmla="val 8594"/>
+                  </a:avLst>
                 </a:prstGeom>
-                <a:ln w="3175">
-                  <a:solidFill>
-                    <a:prstClr val="ltGray"/>
-                  </a:solidFill>
+                <a:solidFill>
+                  <a:srgbClr val="FFFFFF">
+                    <a:shade val="85000"/>
+                  </a:srgbClr>
+                </a:solidFill>
+                <a:ln>
+                  <a:noFill/>
                 </a:ln>
+                <a:effectLst>
+                  <a:reflection blurRad="12700" stA="38000" endPos="28000" dist="5000" dir="5400000" sy="-100000" algn="bl" rotWithShape="0"/>
+                </a:effectLst>
               </p:spPr>
             </p:pic>
           </mc:Fallback>
         </mc:AlternateContent>
       </p:grpSp>
+      <p:sp>
+        <p:nvSpPr>
+          <p:cNvPr id="7" name="Szövegdoboz 6">
+            <a:extLst>
+              <a:ext uri="{FF2B5EF4-FFF2-40B4-BE49-F238E27FC236}">
+                <a16:creationId xmlns:a16="http://schemas.microsoft.com/office/drawing/2014/main" id="{BF868122-A533-8395-A8AD-E7484EEA47A2}"/>
+              </a:ext>
+            </a:extLst>
+          </p:cNvPr>
+          <p:cNvSpPr txBox="1"/>
+          <p:nvPr/>
+        </p:nvSpPr>
+        <p:spPr>
+          <a:xfrm>
+            <a:off x="763682" y="4189794"/>
+            <a:ext cx="2641600" cy="646331"/>
+          </a:xfrm>
+          <a:prstGeom prst="rect">
+            <a:avLst/>
+          </a:prstGeom>
+          <a:noFill/>
+        </p:spPr>
+        <p:txBody>
+          <a:bodyPr wrap="square" rtlCol="0">
+            <a:spAutoFit/>
+          </a:bodyPr>
+          <a:lstStyle/>
+          <a:p>
+            <a:r>
+              <a:rPr lang="hu-HU" sz="3600" cap="small" dirty="0">
+                <a:solidFill>
+                  <a:schemeClr val="bg1"/>
+                </a:solidFill>
+                <a:latin typeface="Aharoni" panose="02010803020104030203" pitchFamily="2" charset="-79"/>
+                <a:cs typeface="Aharoni" panose="02010803020104030203" pitchFamily="2" charset="-79"/>
+              </a:rPr>
+              <a:t>Eddigiekben</a:t>
+            </a:r>
+          </a:p>
+        </p:txBody>
+      </p:sp>
+      <p:sp>
+        <p:nvSpPr>
+          <p:cNvPr id="10" name="Szövegdoboz 9">
+            <a:extLst>
+              <a:ext uri="{FF2B5EF4-FFF2-40B4-BE49-F238E27FC236}">
+                <a16:creationId xmlns:a16="http://schemas.microsoft.com/office/drawing/2014/main" id="{A2A5ED28-8D2F-20BD-CE39-CE409BD21BE1}"/>
+              </a:ext>
+            </a:extLst>
+          </p:cNvPr>
+          <p:cNvSpPr txBox="1"/>
+          <p:nvPr/>
+        </p:nvSpPr>
+        <p:spPr>
+          <a:xfrm>
+            <a:off x="4775200" y="4836125"/>
+            <a:ext cx="2641600" cy="646331"/>
+          </a:xfrm>
+          <a:prstGeom prst="rect">
+            <a:avLst/>
+          </a:prstGeom>
+          <a:noFill/>
+        </p:spPr>
+        <p:txBody>
+          <a:bodyPr wrap="square" rtlCol="0">
+            <a:spAutoFit/>
+          </a:bodyPr>
+          <a:lstStyle/>
+          <a:p>
+            <a:r>
+              <a:rPr lang="hu-HU" sz="3600" cap="small" dirty="0">
+                <a:solidFill>
+                  <a:schemeClr val="bg1"/>
+                </a:solidFill>
+                <a:latin typeface="Aharoni" panose="02010803020104030203" pitchFamily="2" charset="-79"/>
+                <a:cs typeface="Aharoni" panose="02010803020104030203" pitchFamily="2" charset="-79"/>
+              </a:rPr>
+              <a:t>Eddigiekben</a:t>
+            </a:r>
+          </a:p>
+        </p:txBody>
+      </p:sp>
+      <mc:AlternateContent xmlns:mc="http://schemas.openxmlformats.org/markup-compatibility/2006">
+        <mc:Choice xmlns:pslz="http://schemas.microsoft.com/office/powerpoint/2016/slidezoom" Requires="pslz">
+          <p:graphicFrame>
+            <p:nvGraphicFramePr>
+              <p:cNvPr id="17" name="Dia nagyítása 16">
+                <a:extLst>
+                  <a:ext uri="{FF2B5EF4-FFF2-40B4-BE49-F238E27FC236}">
+                    <a16:creationId xmlns:a16="http://schemas.microsoft.com/office/drawing/2014/main" id="{427AFAFE-8344-C053-C52E-AAD1F72485B1}"/>
+                  </a:ext>
+                </a:extLst>
+              </p:cNvPr>
+              <p:cNvGraphicFramePr>
+                <a:graphicFrameLocks noChangeAspect="1"/>
+              </p:cNvGraphicFramePr>
+              <p:nvPr>
+                <p:extLst>
+                  <p:ext uri="{D42A27DB-BD31-4B8C-83A1-F6EECF244321}">
+                    <p14:modId xmlns:p14="http://schemas.microsoft.com/office/powerpoint/2010/main" val="59715984"/>
+                  </p:ext>
+                </p:extLst>
+              </p:nvPr>
+            </p:nvGraphicFramePr>
+            <p:xfrm>
+              <a:off x="4675254" y="4428676"/>
+              <a:ext cx="2879411" cy="1436852"/>
+            </p:xfrm>
+            <a:graphic>
+              <a:graphicData uri="http://schemas.microsoft.com/office/powerpoint/2016/slidezoom">
+                <pslz:sldZm>
+                  <pslz:sldZmObj sldId="269" cId="4035598141">
+                    <pslz:zmPr id="{414F6D8F-5412-493B-997D-D4BFFA1E6AC3}" imageType="cover" transitionDur="1000">
+                      <p166:blipFill xmlns:p166="http://schemas.microsoft.com/office/powerpoint/2016/6/main">
+                        <a:blip r:embed="rId8">
+                          <a:extLst>
+                            <a:ext uri="{28A0092B-C50C-407E-A947-70E740481C1C}">
+                              <a14:useLocalDpi xmlns:a14="http://schemas.microsoft.com/office/drawing/2010/main" val="0"/>
+                            </a:ext>
+                          </a:extLst>
+                        </a:blip>
+                        <a:stretch>
+                          <a:fillRect/>
+                        </a:stretch>
+                      </p166:blipFill>
+                      <p166:spPr xmlns:p166="http://schemas.microsoft.com/office/powerpoint/2016/6/main">
+                        <a:xfrm>
+                          <a:off x="0" y="0"/>
+                          <a:ext cx="2879411" cy="1436852"/>
+                        </a:xfrm>
+                        <a:prstGeom prst="rect">
+                          <a:avLst/>
+                        </a:prstGeom>
+                        <a:ln w="3175">
+                          <a:noFill/>
+                        </a:ln>
+                      </p166:spPr>
+                    </pslz:zmPr>
+                  </pslz:sldZmObj>
+                </pslz:sldZm>
+              </a:graphicData>
+            </a:graphic>
+          </p:graphicFrame>
+        </mc:Choice>
+        <mc:Fallback>
+          <p:pic>
+            <p:nvPicPr>
+              <p:cNvPr id="17" name="Dia nagyítása 16">
+                <a:hlinkClick r:id="rId9" action="ppaction://hlinksldjump"/>
+                <a:extLst>
+                  <a:ext uri="{FF2B5EF4-FFF2-40B4-BE49-F238E27FC236}">
+                    <a16:creationId xmlns:a16="http://schemas.microsoft.com/office/drawing/2014/main" id="{427AFAFE-8344-C053-C52E-AAD1F72485B1}"/>
+                  </a:ext>
+                </a:extLst>
+              </p:cNvPr>
+              <p:cNvPicPr>
+                <a:picLocks noGrp="1" noRot="1" noChangeAspect="1" noMove="1" noResize="1" noEditPoints="1" noAdjustHandles="1" noChangeArrowheads="1" noChangeShapeType="1"/>
+              </p:cNvPicPr>
+              <p:nvPr/>
+            </p:nvPicPr>
+            <p:blipFill>
+              <a:blip r:embed="rId8">
+                <a:extLst>
+                  <a:ext uri="{28A0092B-C50C-407E-A947-70E740481C1C}">
+                    <a14:useLocalDpi xmlns:a14="http://schemas.microsoft.com/office/drawing/2010/main" val="0"/>
+                  </a:ext>
+                </a:extLst>
+              </a:blip>
+              <a:stretch>
+                <a:fillRect/>
+              </a:stretch>
+            </p:blipFill>
+            <p:spPr>
+              <a:xfrm>
+                <a:off x="4675254" y="4428676"/>
+                <a:ext cx="2879411" cy="1436852"/>
+              </a:xfrm>
+              <a:prstGeom prst="rect">
+                <a:avLst/>
+              </a:prstGeom>
+              <a:ln w="3175">
+                <a:noFill/>
+              </a:ln>
+            </p:spPr>
+          </p:pic>
+        </mc:Fallback>
+      </mc:AlternateContent>
     </p:spTree>
     <p:extLst>
       <p:ext uri="{BB962C8B-B14F-4D97-AF65-F5344CB8AC3E}">
@@ -5878,8 +5389,8 @@
         </p:nvSpPr>
         <p:spPr>
           <a:xfrm>
-            <a:off x="3002056" y="1040676"/>
-            <a:ext cx="6366613" cy="4776647"/>
+            <a:off x="526171" y="436815"/>
+            <a:ext cx="11115933" cy="5984370"/>
           </a:xfrm>
           <a:prstGeom prst="roundRect">
             <a:avLst/>
@@ -6038,6 +5549,45 @@
           </a:p>
         </p:txBody>
       </p:sp>
+      <p:sp>
+        <p:nvSpPr>
+          <p:cNvPr id="7" name="Szövegdoboz 6">
+            <a:extLst>
+              <a:ext uri="{FF2B5EF4-FFF2-40B4-BE49-F238E27FC236}">
+                <a16:creationId xmlns:a16="http://schemas.microsoft.com/office/drawing/2014/main" id="{7FC638A6-9CEA-AA91-51A7-E32F83105017}"/>
+              </a:ext>
+            </a:extLst>
+          </p:cNvPr>
+          <p:cNvSpPr txBox="1"/>
+          <p:nvPr/>
+        </p:nvSpPr>
+        <p:spPr>
+          <a:xfrm>
+            <a:off x="5342563" y="2644170"/>
+            <a:ext cx="5147352" cy="1569660"/>
+          </a:xfrm>
+          <a:prstGeom prst="rect">
+            <a:avLst/>
+          </a:prstGeom>
+          <a:noFill/>
+        </p:spPr>
+        <p:txBody>
+          <a:bodyPr wrap="square" rtlCol="0">
+            <a:spAutoFit/>
+          </a:bodyPr>
+          <a:lstStyle/>
+          <a:p>
+            <a:r>
+              <a:rPr lang="hu-HU" sz="9600" dirty="0">
+                <a:solidFill>
+                  <a:schemeClr val="bg1"/>
+                </a:solidFill>
+              </a:rPr>
+              <a:t>1</a:t>
+            </a:r>
+          </a:p>
+        </p:txBody>
+      </p:sp>
     </p:spTree>
     <p:extLst>
       <p:ext uri="{BB962C8B-B14F-4D97-AF65-F5344CB8AC3E}">
@@ -6050,12 +5600,12 @@
   </p:clrMapOvr>
   <mc:AlternateContent xmlns:mc="http://schemas.openxmlformats.org/markup-compatibility/2006">
     <mc:Choice xmlns:p159="http://schemas.microsoft.com/office/powerpoint/2015/09/main" Requires="p159">
-      <p:transition advClick="0" advTm="0">
+      <p:transition>
         <p159:morph option="byObject"/>
       </p:transition>
     </mc:Choice>
     <mc:Fallback>
-      <p:transition advClick="0" advTm="0">
+      <p:transition>
         <p:fade/>
       </p:transition>
     </mc:Fallback>
@@ -6074,7 +5624,7 @@
           </a:blip>
           <a:srcRect/>
           <a:stretch>
-            <a:fillRect t="-9000" b="-9000"/>
+            <a:fillRect/>
           </a:stretch>
         </a:blipFill>
         <a:effectLst/>
@@ -6094,12 +5644,57 @@
           <a:chExt cx="0" cy="0"/>
         </a:xfrm>
       </p:grpSpPr>
+      <p:pic>
+        <p:nvPicPr>
+          <p:cNvPr id="1032" name="Picture 8" descr="MacBook Pro">
+            <a:extLst>
+              <a:ext uri="{FF2B5EF4-FFF2-40B4-BE49-F238E27FC236}">
+                <a16:creationId xmlns:a16="http://schemas.microsoft.com/office/drawing/2014/main" id="{277736F9-C298-C84C-0CE9-A68A6DD17D11}"/>
+              </a:ext>
+            </a:extLst>
+          </p:cNvPr>
+          <p:cNvPicPr>
+            <a:picLocks noChangeAspect="1" noChangeArrowheads="1"/>
+          </p:cNvPicPr>
+          <p:nvPr/>
+        </p:nvPicPr>
+        <p:blipFill rotWithShape="1">
+          <a:blip r:embed="rId3">
+            <a:extLst>
+              <a:ext uri="{28A0092B-C50C-407E-A947-70E740481C1C}">
+                <a14:useLocalDpi xmlns:a14="http://schemas.microsoft.com/office/drawing/2010/main" val="0"/>
+              </a:ext>
+            </a:extLst>
+          </a:blip>
+          <a:srcRect t="11728" b="17823"/>
+          <a:stretch/>
+        </p:blipFill>
+        <p:spPr bwMode="auto">
+          <a:xfrm>
+            <a:off x="0" y="0"/>
+            <a:ext cx="12168277" cy="6858001"/>
+          </a:xfrm>
+          <a:prstGeom prst="rect">
+            <a:avLst/>
+          </a:prstGeom>
+          <a:noFill/>
+          <a:extLst>
+            <a:ext uri="{909E8E84-426E-40DD-AFC4-6F175D3DCCD1}">
+              <a14:hiddenFill xmlns:a14="http://schemas.microsoft.com/office/drawing/2010/main">
+                <a:solidFill>
+                  <a:srgbClr val="FFFFFF"/>
+                </a:solidFill>
+              </a14:hiddenFill>
+            </a:ext>
+          </a:extLst>
+        </p:spPr>
+      </p:pic>
       <p:sp useBgFill="1">
         <p:nvSpPr>
-          <p:cNvPr id="18" name="Téglalap: lekerekített 17">
-            <a:extLst>
-              <a:ext uri="{FF2B5EF4-FFF2-40B4-BE49-F238E27FC236}">
-                <a16:creationId xmlns:a16="http://schemas.microsoft.com/office/drawing/2014/main" id="{88F1FA27-1357-BBF0-56DD-3A32A354F334}"/>
+          <p:cNvPr id="6" name="Téglalap: lekerekített 5">
+            <a:extLst>
+              <a:ext uri="{FF2B5EF4-FFF2-40B4-BE49-F238E27FC236}">
+                <a16:creationId xmlns:a16="http://schemas.microsoft.com/office/drawing/2014/main" id="{661E97ED-ABBB-9CAD-411A-908DC18A4776}"/>
               </a:ext>
             </a:extLst>
           </p:cNvPr>
@@ -6108,8 +5703,8 @@
         </p:nvSpPr>
         <p:spPr>
           <a:xfrm>
-            <a:off x="-5207499" y="1360771"/>
-            <a:ext cx="5879092" cy="4215013"/>
+            <a:off x="6303313" y="-3179278"/>
+            <a:ext cx="3613997" cy="1864316"/>
           </a:xfrm>
           <a:prstGeom prst="roundRect">
             <a:avLst/>
@@ -6152,12 +5747,48 @@
           </a:p>
         </p:txBody>
       </p:sp>
+      <p:pic>
+        <p:nvPicPr>
+          <p:cNvPr id="16" name="Kép 15" descr="A képen Betűtípus, Grafika, embléma, Grafikus tervezés látható&#10;&#10;Automatikusan generált leírás">
+            <a:extLst>
+              <a:ext uri="{FF2B5EF4-FFF2-40B4-BE49-F238E27FC236}">
+                <a16:creationId xmlns:a16="http://schemas.microsoft.com/office/drawing/2014/main" id="{9883CE8C-9286-4615-EA0A-CBB377DC328A}"/>
+              </a:ext>
+            </a:extLst>
+          </p:cNvPr>
+          <p:cNvPicPr>
+            <a:picLocks noChangeAspect="1"/>
+          </p:cNvPicPr>
+          <p:nvPr/>
+        </p:nvPicPr>
+        <p:blipFill>
+          <a:blip r:embed="rId4">
+            <a:extLst>
+              <a:ext uri="{28A0092B-C50C-407E-A947-70E740481C1C}">
+                <a14:useLocalDpi xmlns:a14="http://schemas.microsoft.com/office/drawing/2010/main" val="0"/>
+              </a:ext>
+            </a:extLst>
+          </a:blip>
+          <a:stretch>
+            <a:fillRect/>
+          </a:stretch>
+        </p:blipFill>
+        <p:spPr>
+          <a:xfrm>
+            <a:off x="6685139" y="-3156117"/>
+            <a:ext cx="2903361" cy="1841155"/>
+          </a:xfrm>
+          <a:prstGeom prst="rect">
+            <a:avLst/>
+          </a:prstGeom>
+        </p:spPr>
+      </p:pic>
       <p:sp useBgFill="1">
         <p:nvSpPr>
-          <p:cNvPr id="16" name="Téglalap: lekerekített 15">
-            <a:extLst>
-              <a:ext uri="{FF2B5EF4-FFF2-40B4-BE49-F238E27FC236}">
-                <a16:creationId xmlns:a16="http://schemas.microsoft.com/office/drawing/2014/main" id="{A6B09DBB-2C06-7717-3F19-3DA6B7D1C86C}"/>
+          <p:cNvPr id="2" name="Téglalap: lekerekített 1">
+            <a:extLst>
+              <a:ext uri="{FF2B5EF4-FFF2-40B4-BE49-F238E27FC236}">
+                <a16:creationId xmlns:a16="http://schemas.microsoft.com/office/drawing/2014/main" id="{9FB5A313-C0E0-2925-9C25-E22555E7A341}"/>
               </a:ext>
             </a:extLst>
           </p:cNvPr>
@@ -6166,8 +5797,8 @@
         </p:nvSpPr>
         <p:spPr>
           <a:xfrm>
-            <a:off x="3148434" y="1306899"/>
-            <a:ext cx="5879092" cy="4215013"/>
+            <a:off x="1813914" y="-3687278"/>
+            <a:ext cx="3613997" cy="1864316"/>
           </a:xfrm>
           <a:prstGeom prst="roundRect">
             <a:avLst/>
@@ -6210,12 +5841,47 @@
           </a:p>
         </p:txBody>
       </p:sp>
+      <p:pic>
+        <p:nvPicPr>
+          <p:cNvPr id="15" name="Kép 14" descr="A képen szöveg, Grafika, Betűtípus, szimbólum látható&#10;&#10;Automatikusan generált leírás">
+            <a:extLst>
+              <a:ext uri="{FF2B5EF4-FFF2-40B4-BE49-F238E27FC236}">
+                <a16:creationId xmlns:a16="http://schemas.microsoft.com/office/drawing/2014/main" id="{5921782C-15EC-6A91-BE26-BAB571D2E13B}"/>
+              </a:ext>
+            </a:extLst>
+          </p:cNvPr>
+          <p:cNvPicPr>
+            <a:picLocks noChangeAspect="1"/>
+          </p:cNvPicPr>
+          <p:nvPr/>
+        </p:nvPicPr>
+        <p:blipFill rotWithShape="1">
+          <a:blip r:embed="rId5">
+            <a:extLst>
+              <a:ext uri="{28A0092B-C50C-407E-A947-70E740481C1C}">
+                <a14:useLocalDpi xmlns:a14="http://schemas.microsoft.com/office/drawing/2010/main" val="0"/>
+              </a:ext>
+            </a:extLst>
+          </a:blip>
+          <a:srcRect l="21440" t="20172" r="20828" b="25427"/>
+          <a:stretch/>
+        </p:blipFill>
+        <p:spPr>
+          <a:xfrm>
+            <a:off x="2310702" y="-3449578"/>
+            <a:ext cx="2620420" cy="1388915"/>
+          </a:xfrm>
+          <a:prstGeom prst="rect">
+            <a:avLst/>
+          </a:prstGeom>
+        </p:spPr>
+      </p:pic>
       <p:sp useBgFill="1">
         <p:nvSpPr>
-          <p:cNvPr id="17" name="Téglalap: lekerekített 16">
-            <a:extLst>
-              <a:ext uri="{FF2B5EF4-FFF2-40B4-BE49-F238E27FC236}">
-                <a16:creationId xmlns:a16="http://schemas.microsoft.com/office/drawing/2014/main" id="{72CBD840-999F-EBA6-6C9E-9166D507E0C1}"/>
+          <p:cNvPr id="3" name="Téglalap: lekerekített 2">
+            <a:extLst>
+              <a:ext uri="{FF2B5EF4-FFF2-40B4-BE49-F238E27FC236}">
+                <a16:creationId xmlns:a16="http://schemas.microsoft.com/office/drawing/2014/main" id="{CB3D9B9F-8278-E0D5-8B89-6CC0CD38F1A8}"/>
               </a:ext>
             </a:extLst>
           </p:cNvPr>
@@ -6224,8 +5890,8 @@
         </p:nvSpPr>
         <p:spPr>
           <a:xfrm>
-            <a:off x="3152444" y="1306900"/>
-            <a:ext cx="5879092" cy="4215013"/>
+            <a:off x="526171" y="436815"/>
+            <a:ext cx="11115933" cy="5984370"/>
           </a:xfrm>
           <a:prstGeom prst="roundRect">
             <a:avLst/>
@@ -6268,48 +5934,12 @@
           </a:p>
         </p:txBody>
       </p:sp>
-      <p:pic>
-        <p:nvPicPr>
-          <p:cNvPr id="10" name="Kép 9" descr="A képen köd, erdő, Őserdő, erdőség látható&#10;&#10;Automatikusan generált leírás">
-            <a:hlinkClick r:id="rId3"/>
-            <a:extLst>
-              <a:ext uri="{FF2B5EF4-FFF2-40B4-BE49-F238E27FC236}">
-                <a16:creationId xmlns:a16="http://schemas.microsoft.com/office/drawing/2014/main" id="{2B1E4F53-9D3B-07BE-FCB5-F8503F9FF9C0}"/>
-              </a:ext>
-            </a:extLst>
-          </p:cNvPr>
-          <p:cNvPicPr>
-            <a:picLocks noChangeAspect="1"/>
-          </p:cNvPicPr>
-          <p:nvPr/>
-        </p:nvPicPr>
-        <p:blipFill rotWithShape="1">
-          <a:blip r:embed="rId4">
-            <a:extLst>
-              <a:ext uri="{28A0092B-C50C-407E-A947-70E740481C1C}">
-                <a14:useLocalDpi xmlns:a14="http://schemas.microsoft.com/office/drawing/2010/main" val="0"/>
-              </a:ext>
-            </a:extLst>
-          </a:blip>
-          <a:srcRect t="-8458" b="8458"/>
-          <a:stretch/>
-        </p:blipFill>
-        <p:spPr>
-          <a:xfrm>
-            <a:off x="0" y="-633663"/>
-            <a:ext cx="12187990" cy="7491663"/>
-          </a:xfrm>
-          <a:prstGeom prst="rect">
-            <a:avLst/>
-          </a:prstGeom>
-        </p:spPr>
-      </p:pic>
       <p:sp useBgFill="1">
         <p:nvSpPr>
-          <p:cNvPr id="11" name="Téglalap: lekerekített 10">
-            <a:extLst>
-              <a:ext uri="{FF2B5EF4-FFF2-40B4-BE49-F238E27FC236}">
-                <a16:creationId xmlns:a16="http://schemas.microsoft.com/office/drawing/2014/main" id="{22E07C27-35FE-5C78-3E4B-124E6593966E}"/>
+          <p:cNvPr id="4" name="Téglalap: lekerekített 3">
+            <a:extLst>
+              <a:ext uri="{FF2B5EF4-FFF2-40B4-BE49-F238E27FC236}">
+                <a16:creationId xmlns:a16="http://schemas.microsoft.com/office/drawing/2014/main" id="{D623A749-9D0D-906D-843C-1148DD6267BD}"/>
               </a:ext>
             </a:extLst>
           </p:cNvPr>
@@ -6318,8 +5948,8 @@
         </p:nvSpPr>
         <p:spPr>
           <a:xfrm>
-            <a:off x="3156454" y="1306901"/>
-            <a:ext cx="5879092" cy="4215013"/>
+            <a:off x="4516917" y="9274134"/>
+            <a:ext cx="3134442" cy="2557444"/>
           </a:xfrm>
           <a:prstGeom prst="roundRect">
             <a:avLst/>
@@ -6362,277 +5992,12 @@
           </a:p>
         </p:txBody>
       </p:sp>
-      <p:pic>
-        <p:nvPicPr>
-          <p:cNvPr id="15" name="Kép 14" descr="A képen Betűtípus, Grafika, embléma, Grafikus tervezés látható&#10;&#10;Automatikusan generált leírás">
-            <a:extLst>
-              <a:ext uri="{FF2B5EF4-FFF2-40B4-BE49-F238E27FC236}">
-                <a16:creationId xmlns:a16="http://schemas.microsoft.com/office/drawing/2014/main" id="{BAA4544D-178F-7EE8-CF2A-6E28854B11E4}"/>
-              </a:ext>
-            </a:extLst>
-          </p:cNvPr>
-          <p:cNvPicPr>
-            <a:picLocks noChangeAspect="1"/>
-          </p:cNvPicPr>
-          <p:nvPr/>
-        </p:nvPicPr>
-        <p:blipFill>
-          <a:blip r:embed="rId5">
-            <a:extLst>
-              <a:ext uri="{28A0092B-C50C-407E-A947-70E740481C1C}">
-                <a14:useLocalDpi xmlns:a14="http://schemas.microsoft.com/office/drawing/2010/main" val="0"/>
-              </a:ext>
-            </a:extLst>
-          </a:blip>
-          <a:stretch>
-            <a:fillRect/>
-          </a:stretch>
-        </p:blipFill>
-        <p:spPr>
-          <a:xfrm>
-            <a:off x="4141367" y="2186563"/>
-            <a:ext cx="3918454" cy="2484873"/>
-          </a:xfrm>
-          <a:prstGeom prst="rect">
-            <a:avLst/>
-          </a:prstGeom>
-        </p:spPr>
-      </p:pic>
-      <p:pic>
-        <p:nvPicPr>
-          <p:cNvPr id="12" name="Kép 11" descr="A képen szöveg, Grafika, Betűtípus, szimbólum látható&#10;&#10;Automatikusan generált leírás">
-            <a:extLst>
-              <a:ext uri="{FF2B5EF4-FFF2-40B4-BE49-F238E27FC236}">
-                <a16:creationId xmlns:a16="http://schemas.microsoft.com/office/drawing/2014/main" id="{CCB46D70-9DB1-B70C-0BA2-B28FEC0E3511}"/>
-              </a:ext>
-            </a:extLst>
-          </p:cNvPr>
-          <p:cNvPicPr>
-            <a:picLocks noChangeAspect="1"/>
-          </p:cNvPicPr>
-          <p:nvPr/>
-        </p:nvPicPr>
-        <p:blipFill rotWithShape="1">
-          <a:blip r:embed="rId6">
-            <a:extLst>
-              <a:ext uri="{28A0092B-C50C-407E-A947-70E740481C1C}">
-                <a14:useLocalDpi xmlns:a14="http://schemas.microsoft.com/office/drawing/2010/main" val="0"/>
-              </a:ext>
-            </a:extLst>
-          </a:blip>
-          <a:srcRect l="21440" t="20172" r="20828" b="25427"/>
-          <a:stretch/>
-        </p:blipFill>
-        <p:spPr>
-          <a:xfrm>
-            <a:off x="-4535906" y="2265121"/>
-            <a:ext cx="4539916" cy="2406315"/>
-          </a:xfrm>
-          <a:prstGeom prst="rect">
-            <a:avLst/>
-          </a:prstGeom>
-        </p:spPr>
-      </p:pic>
-      <p:pic>
-        <p:nvPicPr>
-          <p:cNvPr id="13" name="Kép 12" descr="A képen köd, erdő, Őserdő, erdőség látható&#10;&#10;Automatikusan generált leírás">
-            <a:hlinkClick r:id="rId3"/>
-            <a:extLst>
-              <a:ext uri="{FF2B5EF4-FFF2-40B4-BE49-F238E27FC236}">
-                <a16:creationId xmlns:a16="http://schemas.microsoft.com/office/drawing/2014/main" id="{8BBC1C85-2187-4281-DA36-6B3D6DCA918A}"/>
-              </a:ext>
-            </a:extLst>
-          </p:cNvPr>
-          <p:cNvPicPr>
-            <a:picLocks noChangeAspect="1"/>
-          </p:cNvPicPr>
-          <p:nvPr/>
-        </p:nvPicPr>
-        <p:blipFill rotWithShape="1">
-          <a:blip r:embed="rId4">
-            <a:extLst>
-              <a:ext uri="{28A0092B-C50C-407E-A947-70E740481C1C}">
-                <a14:useLocalDpi xmlns:a14="http://schemas.microsoft.com/office/drawing/2010/main" val="0"/>
-              </a:ext>
-            </a:extLst>
-          </a:blip>
-          <a:srcRect t="-8458" b="8458"/>
-          <a:stretch/>
-        </p:blipFill>
-        <p:spPr>
-          <a:xfrm>
-            <a:off x="0" y="-636128"/>
-            <a:ext cx="12192000" cy="7494128"/>
-          </a:xfrm>
-          <a:custGeom>
-            <a:avLst/>
-            <a:gdLst>
-              <a:gd name="connsiteX0" fmla="*/ 3856965 w 12187990"/>
-              <a:gd name="connsiteY0" fmla="*/ 1940564 h 7491663"/>
-              <a:gd name="connsiteX1" fmla="*/ 3154449 w 12187990"/>
-              <a:gd name="connsiteY1" fmla="*/ 2643080 h 7491663"/>
-              <a:gd name="connsiteX2" fmla="*/ 3154449 w 12187990"/>
-              <a:gd name="connsiteY2" fmla="*/ 5453061 h 7491663"/>
-              <a:gd name="connsiteX3" fmla="*/ 3856965 w 12187990"/>
-              <a:gd name="connsiteY3" fmla="*/ 6155577 h 7491663"/>
-              <a:gd name="connsiteX4" fmla="*/ 8331025 w 12187990"/>
-              <a:gd name="connsiteY4" fmla="*/ 6155577 h 7491663"/>
-              <a:gd name="connsiteX5" fmla="*/ 9033541 w 12187990"/>
-              <a:gd name="connsiteY5" fmla="*/ 5453061 h 7491663"/>
-              <a:gd name="connsiteX6" fmla="*/ 9033541 w 12187990"/>
-              <a:gd name="connsiteY6" fmla="*/ 2643080 h 7491663"/>
-              <a:gd name="connsiteX7" fmla="*/ 8331025 w 12187990"/>
-              <a:gd name="connsiteY7" fmla="*/ 1940564 h 7491663"/>
-              <a:gd name="connsiteX8" fmla="*/ 0 w 12187990"/>
-              <a:gd name="connsiteY8" fmla="*/ 0 h 7491663"/>
-              <a:gd name="connsiteX9" fmla="*/ 12187990 w 12187990"/>
-              <a:gd name="connsiteY9" fmla="*/ 0 h 7491663"/>
-              <a:gd name="connsiteX10" fmla="*/ 12187990 w 12187990"/>
-              <a:gd name="connsiteY10" fmla="*/ 7491663 h 7491663"/>
-              <a:gd name="connsiteX11" fmla="*/ 0 w 12187990"/>
-              <a:gd name="connsiteY11" fmla="*/ 7491663 h 7491663"/>
-            </a:gdLst>
-            <a:ahLst/>
-            <a:cxnLst>
-              <a:cxn ang="0">
-                <a:pos x="connsiteX0" y="connsiteY0"/>
-              </a:cxn>
-              <a:cxn ang="0">
-                <a:pos x="connsiteX1" y="connsiteY1"/>
-              </a:cxn>
-              <a:cxn ang="0">
-                <a:pos x="connsiteX2" y="connsiteY2"/>
-              </a:cxn>
-              <a:cxn ang="0">
-                <a:pos x="connsiteX3" y="connsiteY3"/>
-              </a:cxn>
-              <a:cxn ang="0">
-                <a:pos x="connsiteX4" y="connsiteY4"/>
-              </a:cxn>
-              <a:cxn ang="0">
-                <a:pos x="connsiteX5" y="connsiteY5"/>
-              </a:cxn>
-              <a:cxn ang="0">
-                <a:pos x="connsiteX6" y="connsiteY6"/>
-              </a:cxn>
-              <a:cxn ang="0">
-                <a:pos x="connsiteX7" y="connsiteY7"/>
-              </a:cxn>
-              <a:cxn ang="0">
-                <a:pos x="connsiteX8" y="connsiteY8"/>
-              </a:cxn>
-              <a:cxn ang="0">
-                <a:pos x="connsiteX9" y="connsiteY9"/>
-              </a:cxn>
-              <a:cxn ang="0">
-                <a:pos x="connsiteX10" y="connsiteY10"/>
-              </a:cxn>
-              <a:cxn ang="0">
-                <a:pos x="connsiteX11" y="connsiteY11"/>
-              </a:cxn>
-            </a:cxnLst>
-            <a:rect l="l" t="t" r="r" b="b"/>
-            <a:pathLst>
-              <a:path w="12187990" h="7491663">
-                <a:moveTo>
-                  <a:pt x="3856965" y="1940564"/>
-                </a:moveTo>
-                <a:cubicBezTo>
-                  <a:pt x="3468976" y="1940564"/>
-                  <a:pt x="3154449" y="2255091"/>
-                  <a:pt x="3154449" y="2643080"/>
-                </a:cubicBezTo>
-                <a:lnTo>
-                  <a:pt x="3154449" y="5453061"/>
-                </a:lnTo>
-                <a:cubicBezTo>
-                  <a:pt x="3154449" y="5841050"/>
-                  <a:pt x="3468976" y="6155577"/>
-                  <a:pt x="3856965" y="6155577"/>
-                </a:cubicBezTo>
-                <a:lnTo>
-                  <a:pt x="8331025" y="6155577"/>
-                </a:lnTo>
-                <a:cubicBezTo>
-                  <a:pt x="8719014" y="6155577"/>
-                  <a:pt x="9033541" y="5841050"/>
-                  <a:pt x="9033541" y="5453061"/>
-                </a:cubicBezTo>
-                <a:lnTo>
-                  <a:pt x="9033541" y="2643080"/>
-                </a:lnTo>
-                <a:cubicBezTo>
-                  <a:pt x="9033541" y="2255091"/>
-                  <a:pt x="8719014" y="1940564"/>
-                  <a:pt x="8331025" y="1940564"/>
-                </a:cubicBezTo>
-                <a:close/>
-                <a:moveTo>
-                  <a:pt x="0" y="0"/>
-                </a:moveTo>
-                <a:lnTo>
-                  <a:pt x="12187990" y="0"/>
-                </a:lnTo>
-                <a:lnTo>
-                  <a:pt x="12187990" y="7491663"/>
-                </a:lnTo>
-                <a:lnTo>
-                  <a:pt x="0" y="7491663"/>
-                </a:lnTo>
-                <a:close/>
-              </a:path>
-            </a:pathLst>
-          </a:custGeom>
-        </p:spPr>
-      </p:pic>
-    </p:spTree>
-    <p:extLst>
-      <p:ext uri="{BB962C8B-B14F-4D97-AF65-F5344CB8AC3E}">
-        <p14:creationId xmlns:p14="http://schemas.microsoft.com/office/powerpoint/2010/main" val="2403553501"/>
-      </p:ext>
-    </p:extLst>
-  </p:cSld>
-  <p:clrMapOvr>
-    <a:masterClrMapping/>
-  </p:clrMapOvr>
-  <mc:AlternateContent xmlns:mc="http://schemas.openxmlformats.org/markup-compatibility/2006" xmlns:p159="http://schemas.microsoft.com/office/powerpoint/2015/09/main">
-    <mc:Choice Requires="p159">
-      <p:transition spd="slow">
-        <p159:morph option="byObject"/>
-      </p:transition>
-    </mc:Choice>
-    <mc:Fallback xmlns="">
-      <p:transition spd="slow">
-        <p:fade/>
-      </p:transition>
-    </mc:Fallback>
-  </mc:AlternateContent>
-</p:sld>
-</file>
-
-<file path=ppt/slides/slide6.xml><?xml version="1.0" encoding="utf-8"?>
-<p:sld xmlns:a="http://schemas.openxmlformats.org/drawingml/2006/main" xmlns:r="http://schemas.openxmlformats.org/officeDocument/2006/relationships" xmlns:p="http://schemas.openxmlformats.org/presentationml/2006/main">
-  <p:cSld>
-    <p:spTree>
-      <p:nvGrpSpPr>
-        <p:cNvPr id="1" name=""/>
-        <p:cNvGrpSpPr/>
-        <p:nvPr/>
-      </p:nvGrpSpPr>
-      <p:grpSpPr>
-        <a:xfrm>
-          <a:off x="0" y="0"/>
-          <a:ext cx="0" cy="0"/>
-          <a:chOff x="0" y="0"/>
-          <a:chExt cx="0" cy="0"/>
-        </a:xfrm>
-      </p:grpSpPr>
-      <p:sp>
-        <p:nvSpPr>
-          <p:cNvPr id="2" name="Téglalap: lekerekített 1">
-            <a:extLst>
-              <a:ext uri="{FF2B5EF4-FFF2-40B4-BE49-F238E27FC236}">
-                <a16:creationId xmlns:a16="http://schemas.microsoft.com/office/drawing/2014/main" id="{7A51B6C5-23F5-234E-3837-63D1E69B099B}"/>
+      <p:sp useBgFill="1">
+        <p:nvSpPr>
+          <p:cNvPr id="5" name="Téglalap: lekerekített 4">
+            <a:extLst>
+              <a:ext uri="{FF2B5EF4-FFF2-40B4-BE49-F238E27FC236}">
+                <a16:creationId xmlns:a16="http://schemas.microsoft.com/office/drawing/2014/main" id="{3499E01B-F177-C636-109D-6D15D06FD3E1}"/>
               </a:ext>
             </a:extLst>
           </p:cNvPr>
@@ -6641,18 +6006,24 @@
         </p:nvSpPr>
         <p:spPr>
           <a:xfrm>
-            <a:off x="12652430" y="3336626"/>
-            <a:ext cx="3438470" cy="1616374"/>
+            <a:off x="8530131" y="9782134"/>
+            <a:ext cx="3134442" cy="2557444"/>
           </a:xfrm>
           <a:prstGeom prst="roundRect">
             <a:avLst/>
           </a:prstGeom>
-          <a:solidFill>
-            <a:schemeClr val="accent1">
-              <a:lumMod val="20000"/>
-              <a:lumOff val="80000"/>
-            </a:schemeClr>
-          </a:solidFill>
+          <a:ln>
+            <a:solidFill>
+              <a:schemeClr val="accent1">
+                <a:shade val="15000"/>
+              </a:schemeClr>
+            </a:solidFill>
+          </a:ln>
+          <a:effectLst>
+            <a:innerShdw blurRad="254000">
+              <a:schemeClr val="bg1"/>
+            </a:innerShdw>
+          </a:effectLst>
         </p:spPr>
         <p:style>
           <a:lnRef idx="2">
@@ -6681,10 +6052,150 @@
       </p:sp>
       <p:sp>
         <p:nvSpPr>
-          <p:cNvPr id="3" name="Téglalap: lekerekített 2">
-            <a:extLst>
-              <a:ext uri="{FF2B5EF4-FFF2-40B4-BE49-F238E27FC236}">
-                <a16:creationId xmlns:a16="http://schemas.microsoft.com/office/drawing/2014/main" id="{DDD0043A-256F-C8B5-F1BB-3B32DF4E0BDD}"/>
+          <p:cNvPr id="7" name="Szövegdoboz 6">
+            <a:extLst>
+              <a:ext uri="{FF2B5EF4-FFF2-40B4-BE49-F238E27FC236}">
+                <a16:creationId xmlns:a16="http://schemas.microsoft.com/office/drawing/2014/main" id="{7FC638A6-9CEA-AA91-51A7-E32F83105017}"/>
+              </a:ext>
+            </a:extLst>
+          </p:cNvPr>
+          <p:cNvSpPr txBox="1"/>
+          <p:nvPr/>
+        </p:nvSpPr>
+        <p:spPr>
+          <a:xfrm>
+            <a:off x="5342563" y="2644170"/>
+            <a:ext cx="5147352" cy="1569660"/>
+          </a:xfrm>
+          <a:prstGeom prst="rect">
+            <a:avLst/>
+          </a:prstGeom>
+          <a:noFill/>
+        </p:spPr>
+        <p:txBody>
+          <a:bodyPr wrap="square" rtlCol="0">
+            <a:spAutoFit/>
+          </a:bodyPr>
+          <a:lstStyle/>
+          <a:p>
+            <a:r>
+              <a:rPr lang="hu-HU" sz="9600" dirty="0">
+                <a:solidFill>
+                  <a:schemeClr val="bg1"/>
+                </a:solidFill>
+              </a:rPr>
+              <a:t>2</a:t>
+            </a:r>
+          </a:p>
+        </p:txBody>
+      </p:sp>
+    </p:spTree>
+    <p:extLst>
+      <p:ext uri="{BB962C8B-B14F-4D97-AF65-F5344CB8AC3E}">
+        <p14:creationId xmlns:p14="http://schemas.microsoft.com/office/powerpoint/2010/main" val="4035598141"/>
+      </p:ext>
+    </p:extLst>
+  </p:cSld>
+  <p:clrMapOvr>
+    <a:masterClrMapping/>
+  </p:clrMapOvr>
+  <mc:AlternateContent xmlns:mc="http://schemas.openxmlformats.org/markup-compatibility/2006">
+    <mc:Choice xmlns:p159="http://schemas.microsoft.com/office/powerpoint/2015/09/main" Requires="p159">
+      <p:transition>
+        <p159:morph option="byObject"/>
+      </p:transition>
+    </mc:Choice>
+    <mc:Fallback>
+      <p:transition>
+        <p:fade/>
+      </p:transition>
+    </mc:Fallback>
+  </mc:AlternateContent>
+</p:sld>
+</file>
+
+<file path=ppt/slides/slide6.xml><?xml version="1.0" encoding="utf-8"?>
+<p:sld xmlns:a="http://schemas.openxmlformats.org/drawingml/2006/main" xmlns:r="http://schemas.openxmlformats.org/officeDocument/2006/relationships" xmlns:p="http://schemas.openxmlformats.org/presentationml/2006/main">
+  <p:cSld>
+    <p:bg>
+      <p:bgPr>
+        <a:blipFill dpi="0" rotWithShape="1">
+          <a:blip r:embed="rId2">
+            <a:lum/>
+          </a:blip>
+          <a:srcRect/>
+          <a:stretch>
+            <a:fillRect/>
+          </a:stretch>
+        </a:blipFill>
+        <a:effectLst/>
+      </p:bgPr>
+    </p:bg>
+    <p:spTree>
+      <p:nvGrpSpPr>
+        <p:cNvPr id="1" name=""/>
+        <p:cNvGrpSpPr/>
+        <p:nvPr/>
+      </p:nvGrpSpPr>
+      <p:grpSpPr>
+        <a:xfrm>
+          <a:off x="0" y="0"/>
+          <a:ext cx="0" cy="0"/>
+          <a:chOff x="0" y="0"/>
+          <a:chExt cx="0" cy="0"/>
+        </a:xfrm>
+      </p:grpSpPr>
+      <p:pic>
+        <p:nvPicPr>
+          <p:cNvPr id="1032" name="Picture 8" descr="MacBook Pro">
+            <a:extLst>
+              <a:ext uri="{FF2B5EF4-FFF2-40B4-BE49-F238E27FC236}">
+                <a16:creationId xmlns:a16="http://schemas.microsoft.com/office/drawing/2014/main" id="{277736F9-C298-C84C-0CE9-A68A6DD17D11}"/>
+              </a:ext>
+            </a:extLst>
+          </p:cNvPr>
+          <p:cNvPicPr>
+            <a:picLocks noChangeAspect="1" noChangeArrowheads="1"/>
+          </p:cNvPicPr>
+          <p:nvPr/>
+        </p:nvPicPr>
+        <p:blipFill rotWithShape="1">
+          <a:blip r:embed="rId3">
+            <a:extLst>
+              <a:ext uri="{28A0092B-C50C-407E-A947-70E740481C1C}">
+                <a14:useLocalDpi xmlns:a14="http://schemas.microsoft.com/office/drawing/2010/main" val="0"/>
+              </a:ext>
+            </a:extLst>
+          </a:blip>
+          <a:srcRect t="11728" b="17823"/>
+          <a:stretch/>
+        </p:blipFill>
+        <p:spPr bwMode="auto">
+          <a:xfrm>
+            <a:off x="0" y="0"/>
+            <a:ext cx="12168277" cy="6858001"/>
+          </a:xfrm>
+          <a:prstGeom prst="rect">
+            <a:avLst/>
+          </a:prstGeom>
+          <a:noFill/>
+          <a:extLst>
+            <a:ext uri="{909E8E84-426E-40DD-AFC4-6F175D3DCCD1}">
+              <a14:hiddenFill xmlns:a14="http://schemas.microsoft.com/office/drawing/2010/main">
+                <a:solidFill>
+                  <a:srgbClr val="FFFFFF"/>
+                </a:solidFill>
+              </a14:hiddenFill>
+            </a:ext>
+          </a:extLst>
+        </p:spPr>
+      </p:pic>
+      <p:sp useBgFill="1">
+        <p:nvSpPr>
+          <p:cNvPr id="6" name="Téglalap: lekerekített 5">
+            <a:extLst>
+              <a:ext uri="{FF2B5EF4-FFF2-40B4-BE49-F238E27FC236}">
+                <a16:creationId xmlns:a16="http://schemas.microsoft.com/office/drawing/2014/main" id="{661E97ED-ABBB-9CAD-411A-908DC18A4776}"/>
               </a:ext>
             </a:extLst>
           </p:cNvPr>
@@ -6693,18 +6204,24 @@
         </p:nvSpPr>
         <p:spPr>
           <a:xfrm>
-            <a:off x="21078880" y="3336626"/>
-            <a:ext cx="3438470" cy="1616374"/>
+            <a:off x="743788" y="695090"/>
+            <a:ext cx="10680700" cy="5467818"/>
           </a:xfrm>
           <a:prstGeom prst="roundRect">
             <a:avLst/>
           </a:prstGeom>
-          <a:solidFill>
-            <a:schemeClr val="accent1">
-              <a:lumMod val="60000"/>
-              <a:lumOff val="40000"/>
-            </a:schemeClr>
-          </a:solidFill>
+          <a:ln>
+            <a:solidFill>
+              <a:schemeClr val="accent1">
+                <a:shade val="15000"/>
+              </a:schemeClr>
+            </a:solidFill>
+          </a:ln>
+          <a:effectLst>
+            <a:innerShdw blurRad="254000">
+              <a:schemeClr val="bg1"/>
+            </a:innerShdw>
+          </a:effectLst>
         </p:spPr>
         <p:style>
           <a:lnRef idx="2">
@@ -6727,16 +6244,52 @@
           <a:lstStyle/>
           <a:p>
             <a:pPr algn="ctr"/>
-            <a:endParaRPr lang="hu-HU"/>
-          </a:p>
-        </p:txBody>
-      </p:sp>
-      <p:sp>
+            <a:endParaRPr lang="hu-HU" dirty="0"/>
+          </a:p>
+        </p:txBody>
+      </p:sp>
+      <p:pic>
+        <p:nvPicPr>
+          <p:cNvPr id="16" name="Kép 15" descr="A képen Betűtípus, Grafika, embléma, Grafikus tervezés látható&#10;&#10;Automatikusan generált leírás">
+            <a:extLst>
+              <a:ext uri="{FF2B5EF4-FFF2-40B4-BE49-F238E27FC236}">
+                <a16:creationId xmlns:a16="http://schemas.microsoft.com/office/drawing/2014/main" id="{9883CE8C-9286-4615-EA0A-CBB377DC328A}"/>
+              </a:ext>
+            </a:extLst>
+          </p:cNvPr>
+          <p:cNvPicPr>
+            <a:picLocks noChangeAspect="1"/>
+          </p:cNvPicPr>
+          <p:nvPr/>
+        </p:nvPicPr>
+        <p:blipFill>
+          <a:blip r:embed="rId4">
+            <a:extLst>
+              <a:ext uri="{28A0092B-C50C-407E-A947-70E740481C1C}">
+                <a14:useLocalDpi xmlns:a14="http://schemas.microsoft.com/office/drawing/2010/main" val="0"/>
+              </a:ext>
+            </a:extLst>
+          </a:blip>
+          <a:stretch>
+            <a:fillRect/>
+          </a:stretch>
+        </p:blipFill>
+        <p:spPr>
+          <a:xfrm>
+            <a:off x="2865825" y="1388118"/>
+            <a:ext cx="6436625" cy="4081761"/>
+          </a:xfrm>
+          <a:prstGeom prst="rect">
+            <a:avLst/>
+          </a:prstGeom>
+        </p:spPr>
+      </p:pic>
+      <p:sp useBgFill="1">
         <p:nvSpPr>
           <p:cNvPr id="4" name="Téglalap: lekerekített 3">
             <a:extLst>
               <a:ext uri="{FF2B5EF4-FFF2-40B4-BE49-F238E27FC236}">
-                <a16:creationId xmlns:a16="http://schemas.microsoft.com/office/drawing/2014/main" id="{7A429D45-3DFA-A9F6-FEA9-200E2B0D1AB3}"/>
+                <a16:creationId xmlns:a16="http://schemas.microsoft.com/office/drawing/2014/main" id="{D623A749-9D0D-906D-843C-1148DD6267BD}"/>
               </a:ext>
             </a:extLst>
           </p:cNvPr>
@@ -6745,17 +6298,24 @@
         </p:nvSpPr>
         <p:spPr>
           <a:xfrm>
-            <a:off x="29505330" y="3336626"/>
-            <a:ext cx="3438470" cy="1616374"/>
+            <a:off x="4516917" y="13912174"/>
+            <a:ext cx="3134442" cy="2557444"/>
           </a:xfrm>
           <a:prstGeom prst="roundRect">
             <a:avLst/>
           </a:prstGeom>
-          <a:solidFill>
-            <a:schemeClr val="accent1">
-              <a:lumMod val="50000"/>
-            </a:schemeClr>
-          </a:solidFill>
+          <a:ln>
+            <a:solidFill>
+              <a:schemeClr val="accent1">
+                <a:shade val="15000"/>
+              </a:schemeClr>
+            </a:solidFill>
+          </a:ln>
+          <a:effectLst>
+            <a:innerShdw blurRad="254000">
+              <a:schemeClr val="bg1"/>
+            </a:innerShdw>
+          </a:effectLst>
         </p:spPr>
         <p:style>
           <a:lnRef idx="2">
@@ -6778,16 +6338,16 @@
           <a:lstStyle/>
           <a:p>
             <a:pPr algn="ctr"/>
-            <a:endParaRPr lang="hu-HU"/>
+            <a:endParaRPr lang="hu-HU" dirty="0"/>
           </a:p>
         </p:txBody>
       </p:sp>
       <p:pic>
         <p:nvPicPr>
-          <p:cNvPr id="5" name="Ábra 4" descr="Számítógép egyszínű kitöltéssel">
-            <a:extLst>
-              <a:ext uri="{FF2B5EF4-FFF2-40B4-BE49-F238E27FC236}">
-                <a16:creationId xmlns:a16="http://schemas.microsoft.com/office/drawing/2014/main" id="{3C9392A3-9E76-67CA-8C95-E0AD1C0A2209}"/>
+          <p:cNvPr id="15" name="Kép 14" descr="A képen szöveg, Grafika, Betűtípus, szimbólum látható&#10;&#10;Automatikusan generált leírás">
+            <a:extLst>
+              <a:ext uri="{FF2B5EF4-FFF2-40B4-BE49-F238E27FC236}">
+                <a16:creationId xmlns:a16="http://schemas.microsoft.com/office/drawing/2014/main" id="{5921782C-15EC-6A91-BE26-BAB571D2E13B}"/>
               </a:ext>
             </a:extLst>
           </p:cNvPr>
@@ -6796,201 +6356,33 @@
           </p:cNvPicPr>
           <p:nvPr/>
         </p:nvPicPr>
-        <p:blipFill>
-          <a:blip r:embed="rId2">
+        <p:blipFill rotWithShape="1">
+          <a:blip r:embed="rId5">
             <a:extLst>
               <a:ext uri="{28A0092B-C50C-407E-A947-70E740481C1C}">
                 <a14:useLocalDpi xmlns:a14="http://schemas.microsoft.com/office/drawing/2010/main" val="0"/>
               </a:ext>
-              <a:ext uri="{96DAC541-7B7A-43D3-8B79-37D633B846F1}">
-                <asvg:svgBlip xmlns:asvg="http://schemas.microsoft.com/office/drawing/2016/SVG/main" r:embed="rId3"/>
-              </a:ext>
             </a:extLst>
           </a:blip>
-          <a:stretch>
-            <a:fillRect/>
-          </a:stretch>
+          <a:srcRect l="21440" t="20172" r="20828" b="25427"/>
+          <a:stretch/>
         </p:blipFill>
         <p:spPr>
           <a:xfrm>
-            <a:off x="4527550" y="2576363"/>
-            <a:ext cx="3136900" cy="3136900"/>
+            <a:off x="23723" y="163032"/>
+            <a:ext cx="1267383" cy="671758"/>
           </a:xfrm>
           <a:prstGeom prst="rect">
             <a:avLst/>
           </a:prstGeom>
         </p:spPr>
       </p:pic>
-      <p:cxnSp>
-        <p:nvCxnSpPr>
-          <p:cNvPr id="6" name="Egyenes összekötő 5">
-            <a:extLst>
-              <a:ext uri="{FF2B5EF4-FFF2-40B4-BE49-F238E27FC236}">
-                <a16:creationId xmlns:a16="http://schemas.microsoft.com/office/drawing/2014/main" id="{A0EF3063-8FD3-7616-949C-85E4008989A7}"/>
-              </a:ext>
-            </a:extLst>
-          </p:cNvPr>
-          <p:cNvCxnSpPr>
-            <a:cxnSpLocks/>
-            <a:stCxn id="5" idx="3"/>
-            <a:endCxn id="2" idx="1"/>
-          </p:cNvCxnSpPr>
-          <p:nvPr/>
-        </p:nvCxnSpPr>
-        <p:spPr>
-          <a:xfrm>
-            <a:off x="7664450" y="4144813"/>
-            <a:ext cx="4987980" cy="0"/>
-          </a:xfrm>
-          <a:prstGeom prst="line">
-            <a:avLst/>
-          </a:prstGeom>
-          <a:ln w="25400" cap="flat" cmpd="sng" algn="ctr">
-            <a:solidFill>
-              <a:schemeClr val="dk1"/>
-            </a:solidFill>
-            <a:prstDash val="dash"/>
-            <a:round/>
-            <a:headEnd type="none" w="med" len="med"/>
-            <a:tailEnd type="none" w="med" len="med"/>
-          </a:ln>
-        </p:spPr>
-        <p:style>
-          <a:lnRef idx="0">
-            <a:scrgbClr r="0" g="0" b="0"/>
-          </a:lnRef>
-          <a:fillRef idx="0">
-            <a:scrgbClr r="0" g="0" b="0"/>
-          </a:fillRef>
-          <a:effectRef idx="0">
-            <a:scrgbClr r="0" g="0" b="0"/>
-          </a:effectRef>
-          <a:fontRef idx="minor">
-            <a:schemeClr val="tx1"/>
-          </a:fontRef>
-        </p:style>
-      </p:cxnSp>
-      <p:cxnSp>
-        <p:nvCxnSpPr>
-          <p:cNvPr id="7" name="Egyenes összekötő 6">
-            <a:extLst>
-              <a:ext uri="{FF2B5EF4-FFF2-40B4-BE49-F238E27FC236}">
-                <a16:creationId xmlns:a16="http://schemas.microsoft.com/office/drawing/2014/main" id="{A7D1F4B4-F312-EE02-3CD1-77A94E6D751C}"/>
-              </a:ext>
-            </a:extLst>
-          </p:cNvPr>
-          <p:cNvCxnSpPr>
-            <a:cxnSpLocks/>
-            <a:stCxn id="2" idx="3"/>
-            <a:endCxn id="3" idx="1"/>
-          </p:cNvCxnSpPr>
-          <p:nvPr/>
-        </p:nvCxnSpPr>
-        <p:spPr>
-          <a:xfrm>
-            <a:off x="16090900" y="4144813"/>
-            <a:ext cx="4987980" cy="0"/>
-          </a:xfrm>
-          <a:prstGeom prst="line">
-            <a:avLst/>
-          </a:prstGeom>
-          <a:ln w="25400" cap="flat" cmpd="sng" algn="ctr">
-            <a:solidFill>
-              <a:schemeClr val="dk1"/>
-            </a:solidFill>
-            <a:prstDash val="dash"/>
-            <a:round/>
-            <a:headEnd type="none" w="med" len="med"/>
-            <a:tailEnd type="none" w="med" len="med"/>
-          </a:ln>
-        </p:spPr>
-        <p:style>
-          <a:lnRef idx="0">
-            <a:scrgbClr r="0" g="0" b="0"/>
-          </a:lnRef>
-          <a:fillRef idx="0">
-            <a:scrgbClr r="0" g="0" b="0"/>
-          </a:fillRef>
-          <a:effectRef idx="0">
-            <a:scrgbClr r="0" g="0" b="0"/>
-          </a:effectRef>
-          <a:fontRef idx="minor">
-            <a:schemeClr val="tx1"/>
-          </a:fontRef>
-        </p:style>
-      </p:cxnSp>
-      <p:pic>
-        <p:nvPicPr>
-          <p:cNvPr id="10" name="Kép 9" descr="A képen szöveg, Grafika, Betűtípus, szimbólum látható&#10;&#10;Automatikusan generált leírás">
-            <a:extLst>
-              <a:ext uri="{FF2B5EF4-FFF2-40B4-BE49-F238E27FC236}">
-                <a16:creationId xmlns:a16="http://schemas.microsoft.com/office/drawing/2014/main" id="{EB75F6A8-045A-7F35-C49D-9148F9E860C2}"/>
-              </a:ext>
-            </a:extLst>
-          </p:cNvPr>
-          <p:cNvPicPr>
-            <a:picLocks noChangeAspect="1"/>
-          </p:cNvPicPr>
-          <p:nvPr/>
-        </p:nvPicPr>
-        <p:blipFill>
-          <a:blip r:embed="rId4">
-            <a:extLst>
-              <a:ext uri="{28A0092B-C50C-407E-A947-70E740481C1C}">
-                <a14:useLocalDpi xmlns:a14="http://schemas.microsoft.com/office/drawing/2010/main" val="0"/>
-              </a:ext>
-            </a:extLst>
-          </a:blip>
-          <a:stretch>
-            <a:fillRect/>
-          </a:stretch>
-        </p:blipFill>
-        <p:spPr>
-          <a:xfrm>
-            <a:off x="4593842" y="3429000"/>
-            <a:ext cx="1990687" cy="1119761"/>
-          </a:xfrm>
-          <a:prstGeom prst="rect">
-            <a:avLst/>
-          </a:prstGeom>
-        </p:spPr>
-      </p:pic>
-    </p:spTree>
-    <p:extLst>
-      <p:ext uri="{BB962C8B-B14F-4D97-AF65-F5344CB8AC3E}">
-        <p14:creationId xmlns:p14="http://schemas.microsoft.com/office/powerpoint/2010/main" val="2826745602"/>
-      </p:ext>
-    </p:extLst>
-  </p:cSld>
-  <p:clrMapOvr>
-    <a:masterClrMapping/>
-  </p:clrMapOvr>
-</p:sld>
-</file>
-
-<file path=ppt/slides/slide7.xml><?xml version="1.0" encoding="utf-8"?>
-<p:sld xmlns:a="http://schemas.openxmlformats.org/drawingml/2006/main" xmlns:r="http://schemas.openxmlformats.org/officeDocument/2006/relationships" xmlns:p="http://schemas.openxmlformats.org/presentationml/2006/main">
-  <p:cSld>
-    <p:spTree>
-      <p:nvGrpSpPr>
-        <p:cNvPr id="1" name=""/>
-        <p:cNvGrpSpPr/>
-        <p:nvPr/>
-      </p:nvGrpSpPr>
-      <p:grpSpPr>
-        <a:xfrm>
-          <a:off x="0" y="0"/>
-          <a:ext cx="0" cy="0"/>
-          <a:chOff x="0" y="0"/>
-          <a:chExt cx="0" cy="0"/>
-        </a:xfrm>
-      </p:grpSpPr>
-      <p:sp>
-        <p:nvSpPr>
-          <p:cNvPr id="4" name="Téglalap: lekerekített 3">
-            <a:extLst>
-              <a:ext uri="{FF2B5EF4-FFF2-40B4-BE49-F238E27FC236}">
-                <a16:creationId xmlns:a16="http://schemas.microsoft.com/office/drawing/2014/main" id="{58C1CB8E-6771-E98F-5E07-282BE81E4151}"/>
+      <p:sp useBgFill="1">
+        <p:nvSpPr>
+          <p:cNvPr id="5" name="Téglalap: lekerekített 4">
+            <a:extLst>
+              <a:ext uri="{FF2B5EF4-FFF2-40B4-BE49-F238E27FC236}">
+                <a16:creationId xmlns:a16="http://schemas.microsoft.com/office/drawing/2014/main" id="{3499E01B-F177-C636-109D-6D15D06FD3E1}"/>
               </a:ext>
             </a:extLst>
           </p:cNvPr>
@@ -6999,18 +6391,24 @@
         </p:nvSpPr>
         <p:spPr>
           <a:xfrm>
-            <a:off x="13816358" y="1594296"/>
-            <a:ext cx="9187814" cy="3669408"/>
+            <a:off x="16366031" y="3929974"/>
+            <a:ext cx="3134442" cy="2557444"/>
           </a:xfrm>
           <a:prstGeom prst="roundRect">
             <a:avLst/>
           </a:prstGeom>
-          <a:solidFill>
-            <a:schemeClr val="accent1">
-              <a:lumMod val="20000"/>
-              <a:lumOff val="80000"/>
-            </a:schemeClr>
-          </a:solidFill>
+          <a:ln>
+            <a:solidFill>
+              <a:schemeClr val="accent1">
+                <a:shade val="15000"/>
+              </a:schemeClr>
+            </a:solidFill>
+          </a:ln>
+          <a:effectLst>
+            <a:innerShdw blurRad="254000">
+              <a:schemeClr val="bg1"/>
+            </a:innerShdw>
+          </a:effectLst>
         </p:spPr>
         <p:style>
           <a:lnRef idx="2">
@@ -7037,887 +6435,402 @@
           </a:p>
         </p:txBody>
       </p:sp>
-      <p:pic>
-        <p:nvPicPr>
-          <p:cNvPr id="5" name="Ábra 4" descr="Számítógép egyszínű kitöltéssel">
-            <a:extLst>
-              <a:ext uri="{FF2B5EF4-FFF2-40B4-BE49-F238E27FC236}">
-                <a16:creationId xmlns:a16="http://schemas.microsoft.com/office/drawing/2014/main" id="{34A02D9F-A4E8-D6EF-FAC9-13A16811E16E}"/>
-              </a:ext>
-            </a:extLst>
-          </p:cNvPr>
-          <p:cNvPicPr>
-            <a:picLocks noChangeAspect="1"/>
-          </p:cNvPicPr>
+      <p:grpSp>
+        <p:nvGrpSpPr>
+          <p:cNvPr id="9" name="Csoportba foglalás 8">
+            <a:extLst>
+              <a:ext uri="{FF2B5EF4-FFF2-40B4-BE49-F238E27FC236}">
+                <a16:creationId xmlns:a16="http://schemas.microsoft.com/office/drawing/2014/main" id="{BD15567B-A4EB-C7C1-F4B0-8CFCAE7AD61B}"/>
+              </a:ext>
+            </a:extLst>
+          </p:cNvPr>
+          <p:cNvGrpSpPr/>
           <p:nvPr/>
-        </p:nvPicPr>
-        <p:blipFill>
-          <a:blip r:embed="rId2">
-            <a:extLst>
-              <a:ext uri="{28A0092B-C50C-407E-A947-70E740481C1C}">
-                <a14:useLocalDpi xmlns:a14="http://schemas.microsoft.com/office/drawing/2010/main" val="0"/>
-              </a:ext>
-              <a:ext uri="{96DAC541-7B7A-43D3-8B79-37D633B846F1}">
-                <asvg:svgBlip xmlns:asvg="http://schemas.microsoft.com/office/drawing/2016/SVG/main" r:embed="rId3"/>
-              </a:ext>
-            </a:extLst>
-          </a:blip>
-          <a:stretch>
-            <a:fillRect/>
-          </a:stretch>
-        </p:blipFill>
+        </p:nvGrpSpPr>
+        <p:grpSpPr>
+          <a:xfrm>
+            <a:off x="-12297897" y="3929974"/>
+            <a:ext cx="3134442" cy="2557444"/>
+            <a:chOff x="503703" y="3929974"/>
+            <a:chExt cx="3134442" cy="2557444"/>
+          </a:xfrm>
+        </p:grpSpPr>
+        <p:sp useBgFill="1">
+          <p:nvSpPr>
+            <p:cNvPr id="3" name="Téglalap: lekerekített 2">
+              <a:extLst>
+                <a:ext uri="{FF2B5EF4-FFF2-40B4-BE49-F238E27FC236}">
+                  <a16:creationId xmlns:a16="http://schemas.microsoft.com/office/drawing/2014/main" id="{CB3D9B9F-8278-E0D5-8B89-6CC0CD38F1A8}"/>
+                </a:ext>
+              </a:extLst>
+            </p:cNvPr>
+            <p:cNvSpPr/>
+            <p:nvPr/>
+          </p:nvSpPr>
+          <p:spPr>
+            <a:xfrm>
+              <a:off x="503703" y="3929974"/>
+              <a:ext cx="3134442" cy="2557444"/>
+            </a:xfrm>
+            <a:prstGeom prst="roundRect">
+              <a:avLst/>
+            </a:prstGeom>
+            <a:ln>
+              <a:solidFill>
+                <a:schemeClr val="accent1">
+                  <a:shade val="15000"/>
+                </a:schemeClr>
+              </a:solidFill>
+            </a:ln>
+            <a:effectLst>
+              <a:innerShdw blurRad="254000">
+                <a:schemeClr val="bg1"/>
+              </a:innerShdw>
+            </a:effectLst>
+          </p:spPr>
+          <p:style>
+            <a:lnRef idx="2">
+              <a:schemeClr val="accent1">
+                <a:shade val="15000"/>
+              </a:schemeClr>
+            </a:lnRef>
+            <a:fillRef idx="1">
+              <a:schemeClr val="accent1"/>
+            </a:fillRef>
+            <a:effectRef idx="0">
+              <a:schemeClr val="accent1"/>
+            </a:effectRef>
+            <a:fontRef idx="minor">
+              <a:schemeClr val="lt1"/>
+            </a:fontRef>
+          </p:style>
+          <p:txBody>
+            <a:bodyPr rtlCol="0" anchor="ctr"/>
+            <a:lstStyle/>
+            <a:p>
+              <a:pPr algn="ctr"/>
+              <a:endParaRPr lang="hu-HU" dirty="0"/>
+            </a:p>
+          </p:txBody>
+        </p:sp>
+        <mc:AlternateContent xmlns:mc="http://schemas.openxmlformats.org/markup-compatibility/2006">
+          <mc:Choice xmlns:pslz="http://schemas.microsoft.com/office/powerpoint/2016/slidezoom" Requires="pslz">
+            <p:graphicFrame>
+              <p:nvGraphicFramePr>
+                <p:cNvPr id="8" name="Dia nagyítása 7">
+                  <a:extLst>
+                    <a:ext uri="{FF2B5EF4-FFF2-40B4-BE49-F238E27FC236}">
+                      <a16:creationId xmlns:a16="http://schemas.microsoft.com/office/drawing/2014/main" id="{DCDDA27F-12E3-6AA3-64B4-3CBA582A685E}"/>
+                    </a:ext>
+                  </a:extLst>
+                </p:cNvPr>
+                <p:cNvGraphicFramePr>
+                  <a:graphicFrameLocks noChangeAspect="1"/>
+                </p:cNvGraphicFramePr>
+                <p:nvPr>
+                  <p:extLst>
+                    <p:ext uri="{D42A27DB-BD31-4B8C-83A1-F6EECF244321}">
+                      <p14:modId xmlns:p14="http://schemas.microsoft.com/office/powerpoint/2010/main" val="1004736218"/>
+                    </p:ext>
+                  </p:extLst>
+                </p:nvPr>
+              </p:nvGraphicFramePr>
+              <p:xfrm>
+                <a:off x="1273364" y="5095945"/>
+                <a:ext cx="1622236" cy="912508"/>
+              </p:xfrm>
+              <a:graphic>
+                <a:graphicData uri="http://schemas.microsoft.com/office/powerpoint/2016/slidezoom">
+                  <pslz:sldZm>
+                    <pslz:sldZmObj sldId="268" cId="2327745269">
+                      <pslz:zmPr id="{C60B5517-277B-437A-BA4A-8C910730E572}" transitionDur="1000">
+                        <p166:blipFill xmlns:p166="http://schemas.microsoft.com/office/powerpoint/2016/6/main">
+                          <a:blip r:embed="rId6"/>
+                          <a:stretch>
+                            <a:fillRect/>
+                          </a:stretch>
+                        </p166:blipFill>
+                        <p166:spPr xmlns:p166="http://schemas.microsoft.com/office/powerpoint/2016/6/main">
+                          <a:xfrm>
+                            <a:off x="0" y="0"/>
+                            <a:ext cx="1622236" cy="912508"/>
+                          </a:xfrm>
+                          <a:prstGeom prst="roundRect">
+                            <a:avLst>
+                              <a:gd name="adj" fmla="val 8594"/>
+                            </a:avLst>
+                          </a:prstGeom>
+                          <a:solidFill>
+                            <a:srgbClr val="FFFFFF">
+                              <a:shade val="85000"/>
+                            </a:srgbClr>
+                          </a:solidFill>
+                          <a:ln>
+                            <a:noFill/>
+                          </a:ln>
+                          <a:effectLst>
+                            <a:reflection blurRad="12700" stA="38000" endPos="28000" dist="5000" dir="5400000" sy="-100000" algn="bl" rotWithShape="0"/>
+                          </a:effectLst>
+                        </p166:spPr>
+                      </pslz:zmPr>
+                    </pslz:sldZmObj>
+                  </pslz:sldZm>
+                </a:graphicData>
+              </a:graphic>
+            </p:graphicFrame>
+          </mc:Choice>
+          <mc:Fallback>
+            <p:pic>
+              <p:nvPicPr>
+                <p:cNvPr id="8" name="Dia nagyítása 7">
+                  <a:hlinkClick r:id="rId7" action="ppaction://hlinksldjump"/>
+                  <a:extLst>
+                    <a:ext uri="{FF2B5EF4-FFF2-40B4-BE49-F238E27FC236}">
+                      <a16:creationId xmlns:a16="http://schemas.microsoft.com/office/drawing/2014/main" id="{DCDDA27F-12E3-6AA3-64B4-3CBA582A685E}"/>
+                    </a:ext>
+                  </a:extLst>
+                </p:cNvPr>
+                <p:cNvPicPr>
+                  <a:picLocks noGrp="1" noRot="1" noChangeAspect="1" noMove="1" noResize="1" noEditPoints="1" noAdjustHandles="1" noChangeArrowheads="1" noChangeShapeType="1"/>
+                </p:cNvPicPr>
+                <p:nvPr/>
+              </p:nvPicPr>
+              <p:blipFill>
+                <a:blip r:embed="rId6"/>
+                <a:stretch>
+                  <a:fillRect/>
+                </a:stretch>
+              </p:blipFill>
+              <p:spPr>
+                <a:xfrm>
+                  <a:off x="-11528236" y="5095945"/>
+                  <a:ext cx="1622236" cy="912508"/>
+                </a:xfrm>
+                <a:prstGeom prst="roundRect">
+                  <a:avLst>
+                    <a:gd name="adj" fmla="val 8594"/>
+                  </a:avLst>
+                </a:prstGeom>
+                <a:solidFill>
+                  <a:srgbClr val="FFFFFF">
+                    <a:shade val="85000"/>
+                  </a:srgbClr>
+                </a:solidFill>
+                <a:ln>
+                  <a:noFill/>
+                </a:ln>
+                <a:effectLst>
+                  <a:reflection blurRad="12700" stA="38000" endPos="28000" dist="5000" dir="5400000" sy="-100000" algn="bl" rotWithShape="0"/>
+                </a:effectLst>
+              </p:spPr>
+            </p:pic>
+          </mc:Fallback>
+        </mc:AlternateContent>
+      </p:grpSp>
+      <p:sp>
+        <p:nvSpPr>
+          <p:cNvPr id="7" name="Szövegdoboz 6">
+            <a:extLst>
+              <a:ext uri="{FF2B5EF4-FFF2-40B4-BE49-F238E27FC236}">
+                <a16:creationId xmlns:a16="http://schemas.microsoft.com/office/drawing/2014/main" id="{BF868122-A533-8395-A8AD-E7484EEA47A2}"/>
+              </a:ext>
+            </a:extLst>
+          </p:cNvPr>
+          <p:cNvSpPr txBox="1"/>
+          <p:nvPr/>
+        </p:nvSpPr>
         <p:spPr>
           <a:xfrm>
-            <a:off x="2057400" y="-762000"/>
-            <a:ext cx="8382000" cy="8382000"/>
+            <a:off x="-12037918" y="4189794"/>
+            <a:ext cx="2641600" cy="646331"/>
           </a:xfrm>
           <a:prstGeom prst="rect">
             <a:avLst/>
           </a:prstGeom>
-        </p:spPr>
-      </p:pic>
-      <p:cxnSp>
-        <p:nvCxnSpPr>
-          <p:cNvPr id="6" name="Egyenes összekötő 5">
-            <a:extLst>
-              <a:ext uri="{FF2B5EF4-FFF2-40B4-BE49-F238E27FC236}">
-                <a16:creationId xmlns:a16="http://schemas.microsoft.com/office/drawing/2014/main" id="{49837EE7-732B-DFAB-FD4D-50511E377156}"/>
-              </a:ext>
-            </a:extLst>
-          </p:cNvPr>
-          <p:cNvCxnSpPr>
-            <a:cxnSpLocks/>
-            <a:stCxn id="5" idx="3"/>
-            <a:endCxn id="4" idx="1"/>
-          </p:cNvCxnSpPr>
+          <a:noFill/>
+        </p:spPr>
+        <p:txBody>
+          <a:bodyPr wrap="square" rtlCol="0">
+            <a:spAutoFit/>
+          </a:bodyPr>
+          <a:lstStyle/>
+          <a:p>
+            <a:r>
+              <a:rPr lang="hu-HU" sz="3600" cap="small" dirty="0">
+                <a:solidFill>
+                  <a:schemeClr val="bg1"/>
+                </a:solidFill>
+                <a:latin typeface="Aharoni" panose="02010803020104030203" pitchFamily="2" charset="-79"/>
+                <a:cs typeface="Aharoni" panose="02010803020104030203" pitchFamily="2" charset="-79"/>
+              </a:rPr>
+              <a:t>Eddigiekben</a:t>
+            </a:r>
+          </a:p>
+        </p:txBody>
+      </p:sp>
+      <mc:AlternateContent xmlns:mc="http://schemas.openxmlformats.org/markup-compatibility/2006">
+        <mc:Choice xmlns:pslz="http://schemas.microsoft.com/office/powerpoint/2016/slidezoom" Requires="pslz">
+          <p:graphicFrame>
+            <p:nvGraphicFramePr>
+              <p:cNvPr id="17" name="Dia nagyítása 16">
+                <a:extLst>
+                  <a:ext uri="{FF2B5EF4-FFF2-40B4-BE49-F238E27FC236}">
+                    <a16:creationId xmlns:a16="http://schemas.microsoft.com/office/drawing/2014/main" id="{427AFAFE-8344-C053-C52E-AAD1F72485B1}"/>
+                  </a:ext>
+                </a:extLst>
+              </p:cNvPr>
+              <p:cNvGraphicFramePr>
+                <a:graphicFrameLocks noChangeAspect="1"/>
+              </p:cNvGraphicFramePr>
+              <p:nvPr>
+                <p:extLst>
+                  <p:ext uri="{D42A27DB-BD31-4B8C-83A1-F6EECF244321}">
+                    <p14:modId xmlns:p14="http://schemas.microsoft.com/office/powerpoint/2010/main" val="3677739201"/>
+                  </p:ext>
+                </p:extLst>
+              </p:nvPr>
+            </p:nvGraphicFramePr>
+            <p:xfrm>
+              <a:off x="4675254" y="14410876"/>
+              <a:ext cx="2879411" cy="1436852"/>
+            </p:xfrm>
+            <a:graphic>
+              <a:graphicData uri="http://schemas.microsoft.com/office/powerpoint/2016/slidezoom">
+                <pslz:sldZm>
+                  <pslz:sldZmObj sldId="269" cId="4035598141">
+                    <pslz:zmPr id="{414F6D8F-5412-493B-997D-D4BFFA1E6AC3}" imageType="cover" transitionDur="1000">
+                      <p166:blipFill xmlns:p166="http://schemas.microsoft.com/office/powerpoint/2016/6/main">
+                        <a:blip r:embed="rId8">
+                          <a:extLst>
+                            <a:ext uri="{28A0092B-C50C-407E-A947-70E740481C1C}">
+                              <a14:useLocalDpi xmlns:a14="http://schemas.microsoft.com/office/drawing/2010/main" val="0"/>
+                            </a:ext>
+                          </a:extLst>
+                        </a:blip>
+                        <a:stretch>
+                          <a:fillRect/>
+                        </a:stretch>
+                      </p166:blipFill>
+                      <p166:spPr xmlns:p166="http://schemas.microsoft.com/office/powerpoint/2016/6/main">
+                        <a:xfrm>
+                          <a:off x="0" y="0"/>
+                          <a:ext cx="2879411" cy="1436852"/>
+                        </a:xfrm>
+                        <a:prstGeom prst="rect">
+                          <a:avLst/>
+                        </a:prstGeom>
+                        <a:ln w="3175">
+                          <a:noFill/>
+                        </a:ln>
+                      </p166:spPr>
+                    </pslz:zmPr>
+                  </pslz:sldZmObj>
+                </pslz:sldZm>
+              </a:graphicData>
+            </a:graphic>
+          </p:graphicFrame>
+        </mc:Choice>
+        <mc:Fallback>
+          <p:pic>
+            <p:nvPicPr>
+              <p:cNvPr id="17" name="Dia nagyítása 16">
+                <a:hlinkClick r:id="rId9" action="ppaction://hlinksldjump"/>
+                <a:extLst>
+                  <a:ext uri="{FF2B5EF4-FFF2-40B4-BE49-F238E27FC236}">
+                    <a16:creationId xmlns:a16="http://schemas.microsoft.com/office/drawing/2014/main" id="{427AFAFE-8344-C053-C52E-AAD1F72485B1}"/>
+                  </a:ext>
+                </a:extLst>
+              </p:cNvPr>
+              <p:cNvPicPr>
+                <a:picLocks noGrp="1" noRot="1" noChangeAspect="1" noMove="1" noResize="1" noEditPoints="1" noAdjustHandles="1" noChangeArrowheads="1" noChangeShapeType="1"/>
+              </p:cNvPicPr>
+              <p:nvPr/>
+            </p:nvPicPr>
+            <p:blipFill>
+              <a:blip r:embed="rId8">
+                <a:extLst>
+                  <a:ext uri="{28A0092B-C50C-407E-A947-70E740481C1C}">
+                    <a14:useLocalDpi xmlns:a14="http://schemas.microsoft.com/office/drawing/2010/main" val="0"/>
+                  </a:ext>
+                </a:extLst>
+              </a:blip>
+              <a:stretch>
+                <a:fillRect/>
+              </a:stretch>
+            </p:blipFill>
+            <p:spPr>
+              <a:xfrm>
+                <a:off x="4675254" y="14410876"/>
+                <a:ext cx="2879411" cy="1436852"/>
+              </a:xfrm>
+              <a:prstGeom prst="rect">
+                <a:avLst/>
+              </a:prstGeom>
+              <a:ln w="3175">
+                <a:noFill/>
+              </a:ln>
+            </p:spPr>
+          </p:pic>
+        </mc:Fallback>
+      </mc:AlternateContent>
+      <p:sp>
+        <p:nvSpPr>
+          <p:cNvPr id="10" name="Szövegdoboz 9">
+            <a:extLst>
+              <a:ext uri="{FF2B5EF4-FFF2-40B4-BE49-F238E27FC236}">
+                <a16:creationId xmlns:a16="http://schemas.microsoft.com/office/drawing/2014/main" id="{A2A5ED28-8D2F-20BD-CE39-CE409BD21BE1}"/>
+              </a:ext>
+            </a:extLst>
+          </p:cNvPr>
+          <p:cNvSpPr txBox="1"/>
           <p:nvPr/>
-        </p:nvCxnSpPr>
+        </p:nvSpPr>
         <p:spPr>
           <a:xfrm>
-            <a:off x="10439400" y="3429000"/>
-            <a:ext cx="3376958" cy="0"/>
-          </a:xfrm>
-          <a:prstGeom prst="line">
-            <a:avLst/>
-          </a:prstGeom>
-          <a:ln w="25400" cap="flat" cmpd="sng" algn="ctr">
-            <a:solidFill>
-              <a:schemeClr val="dk1"/>
-            </a:solidFill>
-            <a:prstDash val="dash"/>
-            <a:round/>
-            <a:headEnd type="none" w="med" len="med"/>
-            <a:tailEnd type="none" w="med" len="med"/>
-          </a:ln>
-        </p:spPr>
-        <p:style>
-          <a:lnRef idx="0">
-            <a:scrgbClr r="0" g="0" b="0"/>
-          </a:lnRef>
-          <a:fillRef idx="0">
-            <a:scrgbClr r="0" g="0" b="0"/>
-          </a:fillRef>
-          <a:effectRef idx="0">
-            <a:scrgbClr r="0" g="0" b="0"/>
-          </a:effectRef>
-          <a:fontRef idx="minor">
-            <a:schemeClr val="tx1"/>
-          </a:fontRef>
-        </p:style>
-      </p:cxnSp>
-      <p:pic>
-        <p:nvPicPr>
-          <p:cNvPr id="9" name="Kép 8" descr="A képen szöveg, Grafika, Betűtípus, szimbólum látható&#10;&#10;Automatikusan generált leírás">
-            <a:extLst>
-              <a:ext uri="{FF2B5EF4-FFF2-40B4-BE49-F238E27FC236}">
-                <a16:creationId xmlns:a16="http://schemas.microsoft.com/office/drawing/2014/main" id="{63F9A9ED-BBDD-0179-6F41-AD2CD16C0A7F}"/>
-              </a:ext>
-            </a:extLst>
-          </p:cNvPr>
-          <p:cNvPicPr>
-            <a:picLocks noChangeAspect="1"/>
-          </p:cNvPicPr>
-          <p:nvPr/>
-        </p:nvPicPr>
-        <p:blipFill>
-          <a:blip r:embed="rId4">
-            <a:extLst>
-              <a:ext uri="{28A0092B-C50C-407E-A947-70E740481C1C}">
-                <a14:useLocalDpi xmlns:a14="http://schemas.microsoft.com/office/drawing/2010/main" val="0"/>
-              </a:ext>
-            </a:extLst>
-          </a:blip>
-          <a:stretch>
-            <a:fillRect/>
-          </a:stretch>
-        </p:blipFill>
-        <p:spPr>
-          <a:xfrm>
-            <a:off x="1955800" y="1363976"/>
-            <a:ext cx="5852172" cy="3291847"/>
+            <a:off x="4775200" y="14818325"/>
+            <a:ext cx="2641600" cy="646331"/>
           </a:xfrm>
           <a:prstGeom prst="rect">
             <a:avLst/>
           </a:prstGeom>
-        </p:spPr>
-      </p:pic>
+          <a:noFill/>
+        </p:spPr>
+        <p:txBody>
+          <a:bodyPr wrap="square" rtlCol="0">
+            <a:spAutoFit/>
+          </a:bodyPr>
+          <a:lstStyle/>
+          <a:p>
+            <a:r>
+              <a:rPr lang="hu-HU" sz="3600" cap="small" dirty="0">
+                <a:solidFill>
+                  <a:schemeClr val="bg1"/>
+                </a:solidFill>
+                <a:latin typeface="Aharoni" panose="02010803020104030203" pitchFamily="2" charset="-79"/>
+                <a:cs typeface="Aharoni" panose="02010803020104030203" pitchFamily="2" charset="-79"/>
+              </a:rPr>
+              <a:t>Eddigiekben</a:t>
+            </a:r>
+          </a:p>
+        </p:txBody>
+      </p:sp>
     </p:spTree>
     <p:extLst>
       <p:ext uri="{BB962C8B-B14F-4D97-AF65-F5344CB8AC3E}">
-        <p14:creationId xmlns:p14="http://schemas.microsoft.com/office/powerpoint/2010/main" val="2655748658"/>
+        <p14:creationId xmlns:p14="http://schemas.microsoft.com/office/powerpoint/2010/main" val="2191643148"/>
       </p:ext>
     </p:extLst>
   </p:cSld>
   <p:clrMapOvr>
     <a:masterClrMapping/>
   </p:clrMapOvr>
-  <mc:AlternateContent xmlns:mc="http://schemas.openxmlformats.org/markup-compatibility/2006" xmlns:p159="http://schemas.microsoft.com/office/powerpoint/2015/09/main">
-    <mc:Choice Requires="p159">
-      <p:transition xmlns:p14="http://schemas.microsoft.com/office/powerpoint/2010/main" spd="slow" p14:dur="2000">
+  <mc:AlternateContent xmlns:mc="http://schemas.openxmlformats.org/markup-compatibility/2006">
+    <mc:Choice xmlns:p159="http://schemas.microsoft.com/office/powerpoint/2015/09/main" Requires="p159">
+      <p:transition xmlns:p14="http://schemas.microsoft.com/office/powerpoint/2010/main" spd="slow" p14:dur="1500">
         <p159:morph option="byObject"/>
       </p:transition>
     </mc:Choice>
-    <mc:Fallback xmlns="">
-      <p:transition spd="slow">
-        <p:fade/>
-      </p:transition>
-    </mc:Fallback>
-  </mc:AlternateContent>
-</p:sld>
-</file>
-
-<file path=ppt/slides/slide8.xml><?xml version="1.0" encoding="utf-8"?>
-<p:sld xmlns:a="http://schemas.openxmlformats.org/drawingml/2006/main" xmlns:r="http://schemas.openxmlformats.org/officeDocument/2006/relationships" xmlns:p="http://schemas.openxmlformats.org/presentationml/2006/main">
-  <p:cSld>
-    <p:spTree>
-      <p:nvGrpSpPr>
-        <p:cNvPr id="1" name=""/>
-        <p:cNvGrpSpPr/>
-        <p:nvPr/>
-      </p:nvGrpSpPr>
-      <p:grpSpPr>
-        <a:xfrm>
-          <a:off x="0" y="0"/>
-          <a:ext cx="0" cy="0"/>
-          <a:chOff x="0" y="0"/>
-          <a:chExt cx="0" cy="0"/>
-        </a:xfrm>
-      </p:grpSpPr>
-      <p:sp>
-        <p:nvSpPr>
-          <p:cNvPr id="4" name="Téglalap: lekerekített 3">
-            <a:extLst>
-              <a:ext uri="{FF2B5EF4-FFF2-40B4-BE49-F238E27FC236}">
-                <a16:creationId xmlns:a16="http://schemas.microsoft.com/office/drawing/2014/main" id="{C6152D2F-52ED-30A8-B75A-FDCAD592B177}"/>
-              </a:ext>
-            </a:extLst>
-          </p:cNvPr>
-          <p:cNvSpPr/>
-          <p:nvPr/>
-        </p:nvSpPr>
-        <p:spPr>
-          <a:xfrm>
-            <a:off x="12652430" y="3336626"/>
-            <a:ext cx="3438470" cy="1616374"/>
-          </a:xfrm>
-          <a:prstGeom prst="roundRect">
-            <a:avLst/>
-          </a:prstGeom>
-          <a:solidFill>
-            <a:schemeClr val="accent1">
-              <a:lumMod val="20000"/>
-              <a:lumOff val="80000"/>
-            </a:schemeClr>
-          </a:solidFill>
-        </p:spPr>
-        <p:style>
-          <a:lnRef idx="2">
-            <a:schemeClr val="accent1">
-              <a:shade val="15000"/>
-            </a:schemeClr>
-          </a:lnRef>
-          <a:fillRef idx="1">
-            <a:schemeClr val="accent1"/>
-          </a:fillRef>
-          <a:effectRef idx="0">
-            <a:schemeClr val="accent1"/>
-          </a:effectRef>
-          <a:fontRef idx="minor">
-            <a:schemeClr val="lt1"/>
-          </a:fontRef>
-        </p:style>
-        <p:txBody>
-          <a:bodyPr rtlCol="0" anchor="ctr"/>
-          <a:lstStyle/>
-          <a:p>
-            <a:pPr algn="ctr"/>
-            <a:endParaRPr lang="hu-HU" dirty="0"/>
-          </a:p>
-        </p:txBody>
-      </p:sp>
-      <p:sp>
-        <p:nvSpPr>
-          <p:cNvPr id="5" name="Téglalap: lekerekített 4">
-            <a:extLst>
-              <a:ext uri="{FF2B5EF4-FFF2-40B4-BE49-F238E27FC236}">
-                <a16:creationId xmlns:a16="http://schemas.microsoft.com/office/drawing/2014/main" id="{19A6A60B-3008-71D0-FDD6-2A6EF29A9B8B}"/>
-              </a:ext>
-            </a:extLst>
-          </p:cNvPr>
-          <p:cNvSpPr/>
-          <p:nvPr/>
-        </p:nvSpPr>
-        <p:spPr>
-          <a:xfrm>
-            <a:off x="21078880" y="3336626"/>
-            <a:ext cx="3438470" cy="1616374"/>
-          </a:xfrm>
-          <a:prstGeom prst="roundRect">
-            <a:avLst/>
-          </a:prstGeom>
-          <a:solidFill>
-            <a:schemeClr val="accent1">
-              <a:lumMod val="60000"/>
-              <a:lumOff val="40000"/>
-            </a:schemeClr>
-          </a:solidFill>
-        </p:spPr>
-        <p:style>
-          <a:lnRef idx="2">
-            <a:schemeClr val="accent1">
-              <a:shade val="15000"/>
-            </a:schemeClr>
-          </a:lnRef>
-          <a:fillRef idx="1">
-            <a:schemeClr val="accent1"/>
-          </a:fillRef>
-          <a:effectRef idx="0">
-            <a:schemeClr val="accent1"/>
-          </a:effectRef>
-          <a:fontRef idx="minor">
-            <a:schemeClr val="lt1"/>
-          </a:fontRef>
-        </p:style>
-        <p:txBody>
-          <a:bodyPr rtlCol="0" anchor="ctr"/>
-          <a:lstStyle/>
-          <a:p>
-            <a:pPr algn="ctr"/>
-            <a:endParaRPr lang="hu-HU"/>
-          </a:p>
-        </p:txBody>
-      </p:sp>
-      <p:sp>
-        <p:nvSpPr>
-          <p:cNvPr id="6" name="Téglalap: lekerekített 5">
-            <a:extLst>
-              <a:ext uri="{FF2B5EF4-FFF2-40B4-BE49-F238E27FC236}">
-                <a16:creationId xmlns:a16="http://schemas.microsoft.com/office/drawing/2014/main" id="{D86BD0F8-2F5D-B8FC-4CF8-E312C7036DB0}"/>
-              </a:ext>
-            </a:extLst>
-          </p:cNvPr>
-          <p:cNvSpPr/>
-          <p:nvPr/>
-        </p:nvSpPr>
-        <p:spPr>
-          <a:xfrm>
-            <a:off x="29505330" y="3336626"/>
-            <a:ext cx="3438470" cy="1616374"/>
-          </a:xfrm>
-          <a:prstGeom prst="roundRect">
-            <a:avLst/>
-          </a:prstGeom>
-          <a:solidFill>
-            <a:schemeClr val="accent1">
-              <a:lumMod val="50000"/>
-            </a:schemeClr>
-          </a:solidFill>
-        </p:spPr>
-        <p:style>
-          <a:lnRef idx="2">
-            <a:schemeClr val="accent1">
-              <a:shade val="15000"/>
-            </a:schemeClr>
-          </a:lnRef>
-          <a:fillRef idx="1">
-            <a:schemeClr val="accent1"/>
-          </a:fillRef>
-          <a:effectRef idx="0">
-            <a:schemeClr val="accent1"/>
-          </a:effectRef>
-          <a:fontRef idx="minor">
-            <a:schemeClr val="lt1"/>
-          </a:fontRef>
-        </p:style>
-        <p:txBody>
-          <a:bodyPr rtlCol="0" anchor="ctr"/>
-          <a:lstStyle/>
-          <a:p>
-            <a:pPr algn="ctr"/>
-            <a:endParaRPr lang="hu-HU"/>
-          </a:p>
-        </p:txBody>
-      </p:sp>
-      <p:pic>
-        <p:nvPicPr>
-          <p:cNvPr id="7" name="Ábra 6" descr="Számítógép egyszínű kitöltéssel">
-            <a:extLst>
-              <a:ext uri="{FF2B5EF4-FFF2-40B4-BE49-F238E27FC236}">
-                <a16:creationId xmlns:a16="http://schemas.microsoft.com/office/drawing/2014/main" id="{88F1256D-5ADC-F904-5A6F-5D1C9AC366B1}"/>
-              </a:ext>
-            </a:extLst>
-          </p:cNvPr>
-          <p:cNvPicPr>
-            <a:picLocks noChangeAspect="1"/>
-          </p:cNvPicPr>
-          <p:nvPr/>
-        </p:nvPicPr>
-        <p:blipFill>
-          <a:blip r:embed="rId2">
-            <a:extLst>
-              <a:ext uri="{28A0092B-C50C-407E-A947-70E740481C1C}">
-                <a14:useLocalDpi xmlns:a14="http://schemas.microsoft.com/office/drawing/2010/main" val="0"/>
-              </a:ext>
-              <a:ext uri="{96DAC541-7B7A-43D3-8B79-37D633B846F1}">
-                <asvg:svgBlip xmlns:asvg="http://schemas.microsoft.com/office/drawing/2016/SVG/main" r:embed="rId3"/>
-              </a:ext>
-            </a:extLst>
-          </a:blip>
-          <a:stretch>
-            <a:fillRect/>
-          </a:stretch>
-        </p:blipFill>
-        <p:spPr>
-          <a:xfrm>
-            <a:off x="4527550" y="2576363"/>
-            <a:ext cx="3136900" cy="3136900"/>
-          </a:xfrm>
-          <a:prstGeom prst="rect">
-            <a:avLst/>
-          </a:prstGeom>
-        </p:spPr>
-      </p:pic>
-      <p:cxnSp>
-        <p:nvCxnSpPr>
-          <p:cNvPr id="8" name="Egyenes összekötő 7">
-            <a:extLst>
-              <a:ext uri="{FF2B5EF4-FFF2-40B4-BE49-F238E27FC236}">
-                <a16:creationId xmlns:a16="http://schemas.microsoft.com/office/drawing/2014/main" id="{C54B23C7-7C78-56E1-7ACD-3A73E90B28BD}"/>
-              </a:ext>
-            </a:extLst>
-          </p:cNvPr>
-          <p:cNvCxnSpPr>
-            <a:cxnSpLocks/>
-            <a:stCxn id="7" idx="3"/>
-            <a:endCxn id="4" idx="1"/>
-          </p:cNvCxnSpPr>
-          <p:nvPr/>
-        </p:nvCxnSpPr>
-        <p:spPr>
-          <a:xfrm>
-            <a:off x="7664450" y="4144813"/>
-            <a:ext cx="4987980" cy="0"/>
-          </a:xfrm>
-          <a:prstGeom prst="line">
-            <a:avLst/>
-          </a:prstGeom>
-          <a:ln w="25400" cap="flat" cmpd="sng" algn="ctr">
-            <a:solidFill>
-              <a:schemeClr val="dk1"/>
-            </a:solidFill>
-            <a:prstDash val="dash"/>
-            <a:round/>
-            <a:headEnd type="none" w="med" len="med"/>
-            <a:tailEnd type="none" w="med" len="med"/>
-          </a:ln>
-        </p:spPr>
-        <p:style>
-          <a:lnRef idx="0">
-            <a:scrgbClr r="0" g="0" b="0"/>
-          </a:lnRef>
-          <a:fillRef idx="0">
-            <a:scrgbClr r="0" g="0" b="0"/>
-          </a:fillRef>
-          <a:effectRef idx="0">
-            <a:scrgbClr r="0" g="0" b="0"/>
-          </a:effectRef>
-          <a:fontRef idx="minor">
-            <a:schemeClr val="tx1"/>
-          </a:fontRef>
-        </p:style>
-      </p:cxnSp>
-      <p:cxnSp>
-        <p:nvCxnSpPr>
-          <p:cNvPr id="9" name="Egyenes összekötő 8">
-            <a:extLst>
-              <a:ext uri="{FF2B5EF4-FFF2-40B4-BE49-F238E27FC236}">
-                <a16:creationId xmlns:a16="http://schemas.microsoft.com/office/drawing/2014/main" id="{7C9ACF3B-F617-C19C-466B-35AB4EE801F3}"/>
-              </a:ext>
-            </a:extLst>
-          </p:cNvPr>
-          <p:cNvCxnSpPr>
-            <a:cxnSpLocks/>
-            <a:stCxn id="4" idx="3"/>
-            <a:endCxn id="5" idx="1"/>
-          </p:cNvCxnSpPr>
-          <p:nvPr/>
-        </p:nvCxnSpPr>
-        <p:spPr>
-          <a:xfrm>
-            <a:off x="16090900" y="4144813"/>
-            <a:ext cx="4987980" cy="0"/>
-          </a:xfrm>
-          <a:prstGeom prst="line">
-            <a:avLst/>
-          </a:prstGeom>
-          <a:ln w="25400" cap="flat" cmpd="sng" algn="ctr">
-            <a:solidFill>
-              <a:schemeClr val="dk1"/>
-            </a:solidFill>
-            <a:prstDash val="dash"/>
-            <a:round/>
-            <a:headEnd type="none" w="med" len="med"/>
-            <a:tailEnd type="none" w="med" len="med"/>
-          </a:ln>
-        </p:spPr>
-        <p:style>
-          <a:lnRef idx="0">
-            <a:scrgbClr r="0" g="0" b="0"/>
-          </a:lnRef>
-          <a:fillRef idx="0">
-            <a:scrgbClr r="0" g="0" b="0"/>
-          </a:fillRef>
-          <a:effectRef idx="0">
-            <a:scrgbClr r="0" g="0" b="0"/>
-          </a:effectRef>
-          <a:fontRef idx="minor">
-            <a:schemeClr val="tx1"/>
-          </a:fontRef>
-        </p:style>
-      </p:cxnSp>
-      <p:pic>
-        <p:nvPicPr>
-          <p:cNvPr id="10" name="Kép 9" descr="A képen szöveg, Grafika, Betűtípus, szimbólum látható&#10;&#10;Automatikusan generált leírás">
-            <a:extLst>
-              <a:ext uri="{FF2B5EF4-FFF2-40B4-BE49-F238E27FC236}">
-                <a16:creationId xmlns:a16="http://schemas.microsoft.com/office/drawing/2014/main" id="{E267823B-D0D6-C724-ADD9-E9F3AB339812}"/>
-              </a:ext>
-            </a:extLst>
-          </p:cNvPr>
-          <p:cNvPicPr>
-            <a:picLocks noChangeAspect="1"/>
-          </p:cNvPicPr>
-          <p:nvPr/>
-        </p:nvPicPr>
-        <p:blipFill>
-          <a:blip r:embed="rId4">
-            <a:extLst>
-              <a:ext uri="{28A0092B-C50C-407E-A947-70E740481C1C}">
-                <a14:useLocalDpi xmlns:a14="http://schemas.microsoft.com/office/drawing/2010/main" val="0"/>
-              </a:ext>
-            </a:extLst>
-          </a:blip>
-          <a:stretch>
-            <a:fillRect/>
-          </a:stretch>
-        </p:blipFill>
-        <p:spPr>
-          <a:xfrm>
-            <a:off x="4593842" y="3429000"/>
-            <a:ext cx="1990687" cy="1119761"/>
-          </a:xfrm>
-          <a:prstGeom prst="rect">
-            <a:avLst/>
-          </a:prstGeom>
-        </p:spPr>
-      </p:pic>
-    </p:spTree>
-    <p:extLst>
-      <p:ext uri="{BB962C8B-B14F-4D97-AF65-F5344CB8AC3E}">
-        <p14:creationId xmlns:p14="http://schemas.microsoft.com/office/powerpoint/2010/main" val="3633257040"/>
-      </p:ext>
-    </p:extLst>
-  </p:cSld>
-  <p:clrMapOvr>
-    <a:masterClrMapping/>
-  </p:clrMapOvr>
-  <mc:AlternateContent xmlns:mc="http://schemas.openxmlformats.org/markup-compatibility/2006" xmlns:p159="http://schemas.microsoft.com/office/powerpoint/2015/09/main">
-    <mc:Choice Requires="p159">
-      <p:transition xmlns:p14="http://schemas.microsoft.com/office/powerpoint/2010/main" spd="slow" p14:dur="2000">
-        <p159:morph option="byObject"/>
-      </p:transition>
-    </mc:Choice>
-    <mc:Fallback xmlns="">
-      <p:transition spd="slow">
-        <p:fade/>
-      </p:transition>
-    </mc:Fallback>
-  </mc:AlternateContent>
-</p:sld>
-</file>
-
-<file path=ppt/slides/slide9.xml><?xml version="1.0" encoding="utf-8"?>
-<p:sld xmlns:a="http://schemas.openxmlformats.org/drawingml/2006/main" xmlns:r="http://schemas.openxmlformats.org/officeDocument/2006/relationships" xmlns:p="http://schemas.openxmlformats.org/presentationml/2006/main">
-  <p:cSld>
-    <p:spTree>
-      <p:nvGrpSpPr>
-        <p:cNvPr id="1" name=""/>
-        <p:cNvGrpSpPr/>
-        <p:nvPr/>
-      </p:nvGrpSpPr>
-      <p:grpSpPr>
-        <a:xfrm>
-          <a:off x="0" y="0"/>
-          <a:ext cx="0" cy="0"/>
-          <a:chOff x="0" y="0"/>
-          <a:chExt cx="0" cy="0"/>
-        </a:xfrm>
-      </p:grpSpPr>
-      <p:sp>
-        <p:nvSpPr>
-          <p:cNvPr id="26" name="Téglalap: lekerekített 25">
-            <a:extLst>
-              <a:ext uri="{FF2B5EF4-FFF2-40B4-BE49-F238E27FC236}">
-                <a16:creationId xmlns:a16="http://schemas.microsoft.com/office/drawing/2014/main" id="{CDC5B521-8D22-63F7-65A5-4A5AFDC31CA4}"/>
-              </a:ext>
-            </a:extLst>
-          </p:cNvPr>
-          <p:cNvSpPr/>
-          <p:nvPr/>
-        </p:nvSpPr>
-        <p:spPr>
-          <a:xfrm>
-            <a:off x="4376765" y="3336626"/>
-            <a:ext cx="3438470" cy="1616374"/>
-          </a:xfrm>
-          <a:prstGeom prst="roundRect">
-            <a:avLst/>
-          </a:prstGeom>
-          <a:solidFill>
-            <a:schemeClr val="accent1">
-              <a:lumMod val="20000"/>
-              <a:lumOff val="80000"/>
-            </a:schemeClr>
-          </a:solidFill>
-        </p:spPr>
-        <p:style>
-          <a:lnRef idx="2">
-            <a:schemeClr val="accent1">
-              <a:shade val="15000"/>
-            </a:schemeClr>
-          </a:lnRef>
-          <a:fillRef idx="1">
-            <a:schemeClr val="accent1"/>
-          </a:fillRef>
-          <a:effectRef idx="0">
-            <a:schemeClr val="accent1"/>
-          </a:effectRef>
-          <a:fontRef idx="minor">
-            <a:schemeClr val="lt1"/>
-          </a:fontRef>
-        </p:style>
-        <p:txBody>
-          <a:bodyPr rtlCol="0" anchor="ctr"/>
-          <a:lstStyle/>
-          <a:p>
-            <a:pPr algn="ctr"/>
-            <a:endParaRPr lang="hu-HU" dirty="0"/>
-          </a:p>
-        </p:txBody>
-      </p:sp>
-      <p:sp>
-        <p:nvSpPr>
-          <p:cNvPr id="27" name="Téglalap: lekerekített 26">
-            <a:extLst>
-              <a:ext uri="{FF2B5EF4-FFF2-40B4-BE49-F238E27FC236}">
-                <a16:creationId xmlns:a16="http://schemas.microsoft.com/office/drawing/2014/main" id="{FF2724CB-5BF3-C8EC-6F75-9D9CB588C12C}"/>
-              </a:ext>
-            </a:extLst>
-          </p:cNvPr>
-          <p:cNvSpPr/>
-          <p:nvPr/>
-        </p:nvSpPr>
-        <p:spPr>
-          <a:xfrm>
-            <a:off x="12803215" y="3336626"/>
-            <a:ext cx="3438470" cy="1616374"/>
-          </a:xfrm>
-          <a:prstGeom prst="roundRect">
-            <a:avLst/>
-          </a:prstGeom>
-          <a:solidFill>
-            <a:schemeClr val="accent1">
-              <a:lumMod val="60000"/>
-              <a:lumOff val="40000"/>
-            </a:schemeClr>
-          </a:solidFill>
-        </p:spPr>
-        <p:style>
-          <a:lnRef idx="2">
-            <a:schemeClr val="accent1">
-              <a:shade val="15000"/>
-            </a:schemeClr>
-          </a:lnRef>
-          <a:fillRef idx="1">
-            <a:schemeClr val="accent1"/>
-          </a:fillRef>
-          <a:effectRef idx="0">
-            <a:schemeClr val="accent1"/>
-          </a:effectRef>
-          <a:fontRef idx="minor">
-            <a:schemeClr val="lt1"/>
-          </a:fontRef>
-        </p:style>
-        <p:txBody>
-          <a:bodyPr rtlCol="0" anchor="ctr"/>
-          <a:lstStyle/>
-          <a:p>
-            <a:pPr algn="ctr"/>
-            <a:endParaRPr lang="hu-HU"/>
-          </a:p>
-        </p:txBody>
-      </p:sp>
-      <p:sp>
-        <p:nvSpPr>
-          <p:cNvPr id="28" name="Téglalap: lekerekített 27">
-            <a:extLst>
-              <a:ext uri="{FF2B5EF4-FFF2-40B4-BE49-F238E27FC236}">
-                <a16:creationId xmlns:a16="http://schemas.microsoft.com/office/drawing/2014/main" id="{01D43A0F-D0D7-EA22-7A6E-FB5C8FEE0DB6}"/>
-              </a:ext>
-            </a:extLst>
-          </p:cNvPr>
-          <p:cNvSpPr/>
-          <p:nvPr/>
-        </p:nvSpPr>
-        <p:spPr>
-          <a:xfrm>
-            <a:off x="21229665" y="3336626"/>
-            <a:ext cx="3438470" cy="1616374"/>
-          </a:xfrm>
-          <a:prstGeom prst="roundRect">
-            <a:avLst/>
-          </a:prstGeom>
-          <a:solidFill>
-            <a:schemeClr val="accent1">
-              <a:lumMod val="50000"/>
-            </a:schemeClr>
-          </a:solidFill>
-        </p:spPr>
-        <p:style>
-          <a:lnRef idx="2">
-            <a:schemeClr val="accent1">
-              <a:shade val="15000"/>
-            </a:schemeClr>
-          </a:lnRef>
-          <a:fillRef idx="1">
-            <a:schemeClr val="accent1"/>
-          </a:fillRef>
-          <a:effectRef idx="0">
-            <a:schemeClr val="accent1"/>
-          </a:effectRef>
-          <a:fontRef idx="minor">
-            <a:schemeClr val="lt1"/>
-          </a:fontRef>
-        </p:style>
-        <p:txBody>
-          <a:bodyPr rtlCol="0" anchor="ctr"/>
-          <a:lstStyle/>
-          <a:p>
-            <a:pPr algn="ctr"/>
-            <a:endParaRPr lang="hu-HU"/>
-          </a:p>
-        </p:txBody>
-      </p:sp>
-      <p:pic>
-        <p:nvPicPr>
-          <p:cNvPr id="34" name="Ábra 33" descr="Számítógép egyszínű kitöltéssel">
-            <a:extLst>
-              <a:ext uri="{FF2B5EF4-FFF2-40B4-BE49-F238E27FC236}">
-                <a16:creationId xmlns:a16="http://schemas.microsoft.com/office/drawing/2014/main" id="{6E9C46C8-B2B4-42DB-884B-8D49AAED1F38}"/>
-              </a:ext>
-            </a:extLst>
-          </p:cNvPr>
-          <p:cNvPicPr>
-            <a:picLocks noChangeAspect="1"/>
-          </p:cNvPicPr>
-          <p:nvPr/>
-        </p:nvPicPr>
-        <p:blipFill>
-          <a:blip r:embed="rId2">
-            <a:extLst>
-              <a:ext uri="{28A0092B-C50C-407E-A947-70E740481C1C}">
-                <a14:useLocalDpi xmlns:a14="http://schemas.microsoft.com/office/drawing/2010/main" val="0"/>
-              </a:ext>
-              <a:ext uri="{96DAC541-7B7A-43D3-8B79-37D633B846F1}">
-                <asvg:svgBlip xmlns:asvg="http://schemas.microsoft.com/office/drawing/2016/SVG/main" r:embed="rId3"/>
-              </a:ext>
-            </a:extLst>
-          </a:blip>
-          <a:stretch>
-            <a:fillRect/>
-          </a:stretch>
-        </p:blipFill>
-        <p:spPr>
-          <a:xfrm>
-            <a:off x="-3748115" y="2576363"/>
-            <a:ext cx="3136900" cy="3136900"/>
-          </a:xfrm>
-          <a:prstGeom prst="rect">
-            <a:avLst/>
-          </a:prstGeom>
-        </p:spPr>
-      </p:pic>
-      <p:cxnSp>
-        <p:nvCxnSpPr>
-          <p:cNvPr id="36" name="Egyenes összekötő 35">
-            <a:extLst>
-              <a:ext uri="{FF2B5EF4-FFF2-40B4-BE49-F238E27FC236}">
-                <a16:creationId xmlns:a16="http://schemas.microsoft.com/office/drawing/2014/main" id="{2AE982B1-A19C-3AF7-F43A-75D5C4651373}"/>
-              </a:ext>
-            </a:extLst>
-          </p:cNvPr>
-          <p:cNvCxnSpPr>
-            <a:cxnSpLocks/>
-            <a:stCxn id="34" idx="3"/>
-            <a:endCxn id="26" idx="1"/>
-          </p:cNvCxnSpPr>
-          <p:nvPr/>
-        </p:nvCxnSpPr>
-        <p:spPr>
-          <a:xfrm>
-            <a:off x="-611215" y="4144813"/>
-            <a:ext cx="4987980" cy="0"/>
-          </a:xfrm>
-          <a:prstGeom prst="line">
-            <a:avLst/>
-          </a:prstGeom>
-          <a:ln w="25400" cap="flat" cmpd="sng" algn="ctr">
-            <a:solidFill>
-              <a:schemeClr val="dk1"/>
-            </a:solidFill>
-            <a:prstDash val="dash"/>
-            <a:round/>
-            <a:headEnd type="none" w="med" len="med"/>
-            <a:tailEnd type="none" w="med" len="med"/>
-          </a:ln>
-        </p:spPr>
-        <p:style>
-          <a:lnRef idx="0">
-            <a:scrgbClr r="0" g="0" b="0"/>
-          </a:lnRef>
-          <a:fillRef idx="0">
-            <a:scrgbClr r="0" g="0" b="0"/>
-          </a:fillRef>
-          <a:effectRef idx="0">
-            <a:scrgbClr r="0" g="0" b="0"/>
-          </a:effectRef>
-          <a:fontRef idx="minor">
-            <a:schemeClr val="tx1"/>
-          </a:fontRef>
-        </p:style>
-      </p:cxnSp>
-      <p:cxnSp>
-        <p:nvCxnSpPr>
-          <p:cNvPr id="39" name="Egyenes összekötő 38">
-            <a:extLst>
-              <a:ext uri="{FF2B5EF4-FFF2-40B4-BE49-F238E27FC236}">
-                <a16:creationId xmlns:a16="http://schemas.microsoft.com/office/drawing/2014/main" id="{B8241D44-443D-4533-9A49-2E5701E2E799}"/>
-              </a:ext>
-            </a:extLst>
-          </p:cNvPr>
-          <p:cNvCxnSpPr>
-            <a:cxnSpLocks/>
-            <a:stCxn id="26" idx="3"/>
-            <a:endCxn id="27" idx="1"/>
-          </p:cNvCxnSpPr>
-          <p:nvPr/>
-        </p:nvCxnSpPr>
-        <p:spPr>
-          <a:xfrm>
-            <a:off x="7815235" y="4144813"/>
-            <a:ext cx="4987980" cy="0"/>
-          </a:xfrm>
-          <a:prstGeom prst="line">
-            <a:avLst/>
-          </a:prstGeom>
-          <a:ln w="25400" cap="flat" cmpd="sng" algn="ctr">
-            <a:solidFill>
-              <a:schemeClr val="dk1"/>
-            </a:solidFill>
-            <a:prstDash val="dash"/>
-            <a:round/>
-            <a:headEnd type="none" w="med" len="med"/>
-            <a:tailEnd type="none" w="med" len="med"/>
-          </a:ln>
-        </p:spPr>
-        <p:style>
-          <a:lnRef idx="0">
-            <a:scrgbClr r="0" g="0" b="0"/>
-          </a:lnRef>
-          <a:fillRef idx="0">
-            <a:scrgbClr r="0" g="0" b="0"/>
-          </a:fillRef>
-          <a:effectRef idx="0">
-            <a:scrgbClr r="0" g="0" b="0"/>
-          </a:effectRef>
-          <a:fontRef idx="minor">
-            <a:schemeClr val="tx1"/>
-          </a:fontRef>
-        </p:style>
-      </p:cxnSp>
-      <p:pic>
-        <p:nvPicPr>
-          <p:cNvPr id="42" name="Kép 41" descr="A képen szöveg, Grafika, Betűtípus, szimbólum látható&#10;&#10;Automatikusan generált leírás">
-            <a:extLst>
-              <a:ext uri="{FF2B5EF4-FFF2-40B4-BE49-F238E27FC236}">
-                <a16:creationId xmlns:a16="http://schemas.microsoft.com/office/drawing/2014/main" id="{6AC49452-DD9A-C356-D426-DB79D7B1F72A}"/>
-              </a:ext>
-            </a:extLst>
-          </p:cNvPr>
-          <p:cNvPicPr>
-            <a:picLocks noChangeAspect="1"/>
-          </p:cNvPicPr>
-          <p:nvPr/>
-        </p:nvPicPr>
-        <p:blipFill>
-          <a:blip r:embed="rId4">
-            <a:extLst>
-              <a:ext uri="{28A0092B-C50C-407E-A947-70E740481C1C}">
-                <a14:useLocalDpi xmlns:a14="http://schemas.microsoft.com/office/drawing/2010/main" val="0"/>
-              </a:ext>
-            </a:extLst>
-          </a:blip>
-          <a:stretch>
-            <a:fillRect/>
-          </a:stretch>
-        </p:blipFill>
-        <p:spPr>
-          <a:xfrm>
-            <a:off x="-3635758" y="3429000"/>
-            <a:ext cx="1990687" cy="1119761"/>
-          </a:xfrm>
-          <a:prstGeom prst="rect">
-            <a:avLst/>
-          </a:prstGeom>
-        </p:spPr>
-      </p:pic>
-    </p:spTree>
-    <p:extLst>
-      <p:ext uri="{BB962C8B-B14F-4D97-AF65-F5344CB8AC3E}">
-        <p14:creationId xmlns:p14="http://schemas.microsoft.com/office/powerpoint/2010/main" val="1876388415"/>
-      </p:ext>
-    </p:extLst>
-  </p:cSld>
-  <p:clrMapOvr>
-    <a:masterClrMapping/>
-  </p:clrMapOvr>
-  <mc:AlternateContent xmlns:mc="http://schemas.openxmlformats.org/markup-compatibility/2006" xmlns:p159="http://schemas.microsoft.com/office/powerpoint/2015/09/main">
-    <mc:Choice Requires="p159">
-      <p:transition xmlns:p14="http://schemas.microsoft.com/office/powerpoint/2010/main" spd="slow" p14:dur="2000">
-        <p159:morph option="byObject"/>
-      </p:transition>
-    </mc:Choice>
-    <mc:Fallback xmlns="">
+    <mc:Fallback>
       <p:transition spd="slow">
         <p:fade/>
       </p:transition>

--- a/workshop III..pptx
+++ b/workshop III..pptx
@@ -10,7 +10,8 @@
     <p:sldId id="267" r:id="rId4"/>
     <p:sldId id="268" r:id="rId5"/>
     <p:sldId id="269" r:id="rId6"/>
-    <p:sldId id="270" r:id="rId7"/>
+    <p:sldId id="271" r:id="rId7"/>
+    <p:sldId id="270" r:id="rId8"/>
   </p:sldIdLst>
   <p:sldSz cx="12192000" cy="6858000"/>
   <p:notesSz cx="6858000" cy="9144000"/>
@@ -264,7 +265,7 @@
           <a:p>
             <a:fld id="{6129DD96-5E77-4586-A2B9-E5BB275D3AE2}" type="datetimeFigureOut">
               <a:rPr lang="hu-HU" smtClean="0"/>
-              <a:t>2023. 12. 18.</a:t>
+              <a:t>2024. 01. 08.</a:t>
             </a:fld>
             <a:endParaRPr lang="hu-HU"/>
           </a:p>
@@ -462,7 +463,7 @@
           <a:p>
             <a:fld id="{6129DD96-5E77-4586-A2B9-E5BB275D3AE2}" type="datetimeFigureOut">
               <a:rPr lang="hu-HU" smtClean="0"/>
-              <a:t>2023. 12. 18.</a:t>
+              <a:t>2024. 01. 08.</a:t>
             </a:fld>
             <a:endParaRPr lang="hu-HU"/>
           </a:p>
@@ -670,7 +671,7 @@
           <a:p>
             <a:fld id="{6129DD96-5E77-4586-A2B9-E5BB275D3AE2}" type="datetimeFigureOut">
               <a:rPr lang="hu-HU" smtClean="0"/>
-              <a:t>2023. 12. 18.</a:t>
+              <a:t>2024. 01. 08.</a:t>
             </a:fld>
             <a:endParaRPr lang="hu-HU"/>
           </a:p>
@@ -868,7 +869,7 @@
           <a:p>
             <a:fld id="{6129DD96-5E77-4586-A2B9-E5BB275D3AE2}" type="datetimeFigureOut">
               <a:rPr lang="hu-HU" smtClean="0"/>
-              <a:t>2023. 12. 18.</a:t>
+              <a:t>2024. 01. 08.</a:t>
             </a:fld>
             <a:endParaRPr lang="hu-HU"/>
           </a:p>
@@ -1143,7 +1144,7 @@
           <a:p>
             <a:fld id="{6129DD96-5E77-4586-A2B9-E5BB275D3AE2}" type="datetimeFigureOut">
               <a:rPr lang="hu-HU" smtClean="0"/>
-              <a:t>2023. 12. 18.</a:t>
+              <a:t>2024. 01. 08.</a:t>
             </a:fld>
             <a:endParaRPr lang="hu-HU"/>
           </a:p>
@@ -1408,7 +1409,7 @@
           <a:p>
             <a:fld id="{6129DD96-5E77-4586-A2B9-E5BB275D3AE2}" type="datetimeFigureOut">
               <a:rPr lang="hu-HU" smtClean="0"/>
-              <a:t>2023. 12. 18.</a:t>
+              <a:t>2024. 01. 08.</a:t>
             </a:fld>
             <a:endParaRPr lang="hu-HU"/>
           </a:p>
@@ -1820,7 +1821,7 @@
           <a:p>
             <a:fld id="{6129DD96-5E77-4586-A2B9-E5BB275D3AE2}" type="datetimeFigureOut">
               <a:rPr lang="hu-HU" smtClean="0"/>
-              <a:t>2023. 12. 18.</a:t>
+              <a:t>2024. 01. 08.</a:t>
             </a:fld>
             <a:endParaRPr lang="hu-HU"/>
           </a:p>
@@ -1961,7 +1962,7 @@
           <a:p>
             <a:fld id="{6129DD96-5E77-4586-A2B9-E5BB275D3AE2}" type="datetimeFigureOut">
               <a:rPr lang="hu-HU" smtClean="0"/>
-              <a:t>2023. 12. 18.</a:t>
+              <a:t>2024. 01. 08.</a:t>
             </a:fld>
             <a:endParaRPr lang="hu-HU"/>
           </a:p>
@@ -2074,7 +2075,7 @@
           <a:p>
             <a:fld id="{6129DD96-5E77-4586-A2B9-E5BB275D3AE2}" type="datetimeFigureOut">
               <a:rPr lang="hu-HU" smtClean="0"/>
-              <a:t>2023. 12. 18.</a:t>
+              <a:t>2024. 01. 08.</a:t>
             </a:fld>
             <a:endParaRPr lang="hu-HU"/>
           </a:p>
@@ -2385,7 +2386,7 @@
           <a:p>
             <a:fld id="{6129DD96-5E77-4586-A2B9-E5BB275D3AE2}" type="datetimeFigureOut">
               <a:rPr lang="hu-HU" smtClean="0"/>
-              <a:t>2023. 12. 18.</a:t>
+              <a:t>2024. 01. 08.</a:t>
             </a:fld>
             <a:endParaRPr lang="hu-HU"/>
           </a:p>
@@ -2673,7 +2674,7 @@
           <a:p>
             <a:fld id="{6129DD96-5E77-4586-A2B9-E5BB275D3AE2}" type="datetimeFigureOut">
               <a:rPr lang="hu-HU" smtClean="0"/>
-              <a:t>2023. 12. 18.</a:t>
+              <a:t>2024. 01. 08.</a:t>
             </a:fld>
             <a:endParaRPr lang="hu-HU"/>
           </a:p>
@@ -2914,7 +2915,7 @@
           <a:p>
             <a:fld id="{6129DD96-5E77-4586-A2B9-E5BB275D3AE2}" type="datetimeFigureOut">
               <a:rPr lang="hu-HU" smtClean="0"/>
-              <a:t>2023. 12. 18.</a:t>
+              <a:t>2024. 01. 08.</a:t>
             </a:fld>
             <a:endParaRPr lang="hu-HU"/>
           </a:p>
@@ -4130,12 +4131,252 @@
           </a:p>
         </p:txBody>
       </p:sp>
+      <p:grpSp>
+        <p:nvGrpSpPr>
+          <p:cNvPr id="10" name="Csoportba foglalás 9">
+            <a:extLst>
+              <a:ext uri="{FF2B5EF4-FFF2-40B4-BE49-F238E27FC236}">
+                <a16:creationId xmlns:a16="http://schemas.microsoft.com/office/drawing/2014/main" id="{5D2CC1CF-D5AC-8748-DC7B-482DEE34464F}"/>
+              </a:ext>
+            </a:extLst>
+          </p:cNvPr>
+          <p:cNvGrpSpPr/>
+          <p:nvPr/>
+        </p:nvGrpSpPr>
+        <p:grpSpPr>
+          <a:xfrm>
+            <a:off x="-1001067" y="8044480"/>
+            <a:ext cx="3134442" cy="2557444"/>
+            <a:chOff x="503703" y="3929974"/>
+            <a:chExt cx="3134442" cy="2557444"/>
+          </a:xfrm>
+        </p:grpSpPr>
+        <p:sp useBgFill="1">
+          <p:nvSpPr>
+            <p:cNvPr id="11" name="Téglalap: lekerekített 10">
+              <a:extLst>
+                <a:ext uri="{FF2B5EF4-FFF2-40B4-BE49-F238E27FC236}">
+                  <a16:creationId xmlns:a16="http://schemas.microsoft.com/office/drawing/2014/main" id="{E47F0BE7-7AC7-B03C-27FC-EF7C9ECE23A9}"/>
+                </a:ext>
+              </a:extLst>
+            </p:cNvPr>
+            <p:cNvSpPr/>
+            <p:nvPr/>
+          </p:nvSpPr>
+          <p:spPr>
+            <a:xfrm>
+              <a:off x="503703" y="3929974"/>
+              <a:ext cx="3134442" cy="2557444"/>
+            </a:xfrm>
+            <a:prstGeom prst="roundRect">
+              <a:avLst/>
+            </a:prstGeom>
+            <a:ln>
+              <a:solidFill>
+                <a:schemeClr val="accent1">
+                  <a:shade val="15000"/>
+                </a:schemeClr>
+              </a:solidFill>
+            </a:ln>
+            <a:effectLst>
+              <a:innerShdw blurRad="254000">
+                <a:schemeClr val="bg1"/>
+              </a:innerShdw>
+            </a:effectLst>
+          </p:spPr>
+          <p:style>
+            <a:lnRef idx="2">
+              <a:schemeClr val="accent1">
+                <a:shade val="15000"/>
+              </a:schemeClr>
+            </a:lnRef>
+            <a:fillRef idx="1">
+              <a:schemeClr val="accent1"/>
+            </a:fillRef>
+            <a:effectRef idx="0">
+              <a:schemeClr val="accent1"/>
+            </a:effectRef>
+            <a:fontRef idx="minor">
+              <a:schemeClr val="lt1"/>
+            </a:fontRef>
+          </p:style>
+          <p:txBody>
+            <a:bodyPr rtlCol="0" anchor="ctr"/>
+            <a:lstStyle/>
+            <a:p>
+              <a:pPr algn="ctr"/>
+              <a:endParaRPr lang="hu-HU" dirty="0"/>
+            </a:p>
+          </p:txBody>
+        </p:sp>
+        <mc:AlternateContent xmlns:mc="http://schemas.openxmlformats.org/markup-compatibility/2006" xmlns:pslz="http://schemas.microsoft.com/office/powerpoint/2016/slidezoom">
+          <mc:Choice Requires="pslz">
+            <p:graphicFrame>
+              <p:nvGraphicFramePr>
+                <p:cNvPr id="12" name="Dia nagyítása 11">
+                  <a:extLst>
+                    <a:ext uri="{FF2B5EF4-FFF2-40B4-BE49-F238E27FC236}">
+                      <a16:creationId xmlns:a16="http://schemas.microsoft.com/office/drawing/2014/main" id="{6B74FDB6-A663-17AC-6031-72D3D507DBFA}"/>
+                    </a:ext>
+                  </a:extLst>
+                </p:cNvPr>
+                <p:cNvGraphicFramePr>
+                  <a:graphicFrameLocks noChangeAspect="1"/>
+                </p:cNvGraphicFramePr>
+                <p:nvPr>
+                  <p:extLst>
+                    <p:ext uri="{D42A27DB-BD31-4B8C-83A1-F6EECF244321}">
+                      <p14:modId xmlns:p14="http://schemas.microsoft.com/office/powerpoint/2010/main" val="2737699520"/>
+                    </p:ext>
+                  </p:extLst>
+                </p:nvPr>
+              </p:nvGraphicFramePr>
+              <p:xfrm>
+                <a:off x="1273364" y="5095945"/>
+                <a:ext cx="1622236" cy="912508"/>
+              </p:xfrm>
+              <a:graphic>
+                <a:graphicData uri="http://schemas.microsoft.com/office/powerpoint/2016/slidezoom">
+                  <pslz:sldZm>
+                    <pslz:sldZmObj sldId="268" cId="2327745269">
+                      <pslz:zmPr id="{C60B5517-277B-437A-BA4A-8C910730E572}" transitionDur="1000">
+                        <p166:blipFill xmlns:p166="http://schemas.microsoft.com/office/powerpoint/2016/6/main">
+                          <a:blip r:embed="rId6"/>
+                          <a:stretch>
+                            <a:fillRect/>
+                          </a:stretch>
+                        </p166:blipFill>
+                        <p166:spPr xmlns:p166="http://schemas.microsoft.com/office/powerpoint/2016/6/main">
+                          <a:xfrm>
+                            <a:off x="0" y="0"/>
+                            <a:ext cx="1622236" cy="912508"/>
+                          </a:xfrm>
+                          <a:prstGeom prst="roundRect">
+                            <a:avLst>
+                              <a:gd name="adj" fmla="val 8594"/>
+                            </a:avLst>
+                          </a:prstGeom>
+                          <a:solidFill>
+                            <a:srgbClr val="FFFFFF">
+                              <a:shade val="85000"/>
+                            </a:srgbClr>
+                          </a:solidFill>
+                          <a:ln>
+                            <a:noFill/>
+                          </a:ln>
+                          <a:effectLst>
+                            <a:reflection blurRad="12700" stA="38000" endPos="28000" dist="5000" dir="5400000" sy="-100000" algn="bl" rotWithShape="0"/>
+                          </a:effectLst>
+                        </p166:spPr>
+                      </pslz:zmPr>
+                    </pslz:sldZmObj>
+                  </pslz:sldZm>
+                </a:graphicData>
+              </a:graphic>
+            </p:graphicFrame>
+          </mc:Choice>
+          <mc:Fallback xmlns="">
+            <p:pic>
+              <p:nvPicPr>
+                <p:cNvPr id="8" name="Dia nagyítása 7">
+                  <a:hlinkClick r:id="rId7" action="ppaction://hlinksldjump"/>
+                  <a:extLst>
+                    <a:ext uri="{FF2B5EF4-FFF2-40B4-BE49-F238E27FC236}">
+                      <a16:creationId xmlns:a16="http://schemas.microsoft.com/office/drawing/2014/main" id="{DCDDA27F-12E3-6AA3-64B4-3CBA582A685E}"/>
+                    </a:ext>
+                  </a:extLst>
+                </p:cNvPr>
+                <p:cNvPicPr>
+                  <a:picLocks noGrp="1" noRot="1" noChangeAspect="1" noMove="1" noResize="1" noEditPoints="1" noAdjustHandles="1" noChangeArrowheads="1" noChangeShapeType="1"/>
+                </p:cNvPicPr>
+                <p:nvPr/>
+              </p:nvPicPr>
+              <p:blipFill>
+                <a:blip r:embed="rId8"/>
+                <a:stretch>
+                  <a:fillRect/>
+                </a:stretch>
+              </p:blipFill>
+              <p:spPr>
+                <a:xfrm>
+                  <a:off x="1273364" y="5095945"/>
+                  <a:ext cx="1622236" cy="912508"/>
+                </a:xfrm>
+                <a:prstGeom prst="roundRect">
+                  <a:avLst>
+                    <a:gd name="adj" fmla="val 8594"/>
+                  </a:avLst>
+                </a:prstGeom>
+                <a:solidFill>
+                  <a:srgbClr val="FFFFFF">
+                    <a:shade val="85000"/>
+                  </a:srgbClr>
+                </a:solidFill>
+                <a:ln>
+                  <a:noFill/>
+                </a:ln>
+                <a:effectLst>
+                  <a:reflection blurRad="12700" stA="38000" endPos="28000" dist="5000" dir="5400000" sy="-100000" algn="bl" rotWithShape="0"/>
+                </a:effectLst>
+              </p:spPr>
+            </p:pic>
+          </mc:Fallback>
+        </mc:AlternateContent>
+      </p:grpSp>
+      <p:sp>
+        <p:nvSpPr>
+          <p:cNvPr id="13" name="Szövegdoboz 12">
+            <a:extLst>
+              <a:ext uri="{FF2B5EF4-FFF2-40B4-BE49-F238E27FC236}">
+                <a16:creationId xmlns:a16="http://schemas.microsoft.com/office/drawing/2014/main" id="{3C6EDD2C-7924-1178-4E45-D5FA2D965289}"/>
+              </a:ext>
+            </a:extLst>
+          </p:cNvPr>
+          <p:cNvSpPr txBox="1"/>
+          <p:nvPr/>
+        </p:nvSpPr>
+        <p:spPr>
+          <a:xfrm>
+            <a:off x="-664299" y="8426230"/>
+            <a:ext cx="2641600" cy="646331"/>
+          </a:xfrm>
+          <a:prstGeom prst="rect">
+            <a:avLst/>
+          </a:prstGeom>
+          <a:noFill/>
+        </p:spPr>
+        <p:txBody>
+          <a:bodyPr wrap="square" rtlCol="0">
+            <a:spAutoFit/>
+          </a:bodyPr>
+          <a:lstStyle/>
+          <a:p>
+            <a:r>
+              <a:rPr lang="hu-HU" sz="3600" cap="small" dirty="0">
+                <a:solidFill>
+                  <a:schemeClr val="bg1"/>
+                </a:solidFill>
+                <a:effectLst>
+                  <a:outerShdw blurRad="63500" sx="102000" sy="102000" algn="ctr" rotWithShape="0">
+                    <a:prstClr val="black">
+                      <a:alpha val="40000"/>
+                    </a:prstClr>
+                  </a:outerShdw>
+                </a:effectLst>
+                <a:latin typeface="Aharoni" panose="02010803020104030203" pitchFamily="2" charset="-79"/>
+                <a:cs typeface="Aharoni" panose="02010803020104030203" pitchFamily="2" charset="-79"/>
+              </a:rPr>
+              <a:t>Eddigiekben</a:t>
+            </a:r>
+          </a:p>
+        </p:txBody>
+      </p:sp>
       <p:sp useBgFill="1">
         <p:nvSpPr>
-          <p:cNvPr id="3" name="Téglalap: lekerekített 2">
-            <a:extLst>
-              <a:ext uri="{FF2B5EF4-FFF2-40B4-BE49-F238E27FC236}">
-                <a16:creationId xmlns:a16="http://schemas.microsoft.com/office/drawing/2014/main" id="{11012CC1-FC52-B39C-968C-03D9389AE662}"/>
+          <p:cNvPr id="14" name="Téglalap: lekerekített 13">
+            <a:extLst>
+              <a:ext uri="{FF2B5EF4-FFF2-40B4-BE49-F238E27FC236}">
+                <a16:creationId xmlns:a16="http://schemas.microsoft.com/office/drawing/2014/main" id="{6581F6E1-6856-F71E-E620-49B6C68435EB}"/>
               </a:ext>
             </a:extLst>
           </p:cNvPr>
@@ -4144,7 +4385,7 @@
         </p:nvSpPr>
         <p:spPr>
           <a:xfrm>
-            <a:off x="503703" y="7743217"/>
+            <a:off x="4322494" y="9085881"/>
             <a:ext cx="3134442" cy="2557444"/>
           </a:xfrm>
           <a:prstGeom prst="roundRect">
@@ -4188,12 +4429,60 @@
           </a:p>
         </p:txBody>
       </p:sp>
+      <p:sp>
+        <p:nvSpPr>
+          <p:cNvPr id="17" name="Szövegdoboz 16">
+            <a:extLst>
+              <a:ext uri="{FF2B5EF4-FFF2-40B4-BE49-F238E27FC236}">
+                <a16:creationId xmlns:a16="http://schemas.microsoft.com/office/drawing/2014/main" id="{6C08E9F9-4A3E-54A9-D6FC-2FB096C418E8}"/>
+              </a:ext>
+            </a:extLst>
+          </p:cNvPr>
+          <p:cNvSpPr txBox="1"/>
+          <p:nvPr/>
+        </p:nvSpPr>
+        <p:spPr>
+          <a:xfrm>
+            <a:off x="4943463" y="10041437"/>
+            <a:ext cx="1892504" cy="646331"/>
+          </a:xfrm>
+          <a:prstGeom prst="rect">
+            <a:avLst/>
+          </a:prstGeom>
+          <a:noFill/>
+        </p:spPr>
+        <p:txBody>
+          <a:bodyPr wrap="square" rtlCol="0">
+            <a:spAutoFit/>
+          </a:bodyPr>
+          <a:lstStyle/>
+          <a:p>
+            <a:r>
+              <a:rPr lang="hu-HU" sz="3600" cap="small" dirty="0">
+                <a:solidFill>
+                  <a:schemeClr val="bg1"/>
+                </a:solidFill>
+                <a:effectLst>
+                  <a:outerShdw blurRad="63500" sx="102000" sy="102000" algn="ctr" rotWithShape="0">
+                    <a:prstClr val="black">
+                      <a:alpha val="40000"/>
+                    </a:prstClr>
+                  </a:outerShdw>
+                </a:effectLst>
+                <a:latin typeface="Aharoni" panose="02010803020104030203" pitchFamily="2" charset="-79"/>
+                <a:cs typeface="Aharoni" panose="02010803020104030203" pitchFamily="2" charset="-79"/>
+              </a:rPr>
+              <a:t>Jelenleg</a:t>
+            </a:r>
+          </a:p>
+        </p:txBody>
+      </p:sp>
       <p:sp useBgFill="1">
         <p:nvSpPr>
-          <p:cNvPr id="4" name="Téglalap: lekerekített 3">
-            <a:extLst>
-              <a:ext uri="{FF2B5EF4-FFF2-40B4-BE49-F238E27FC236}">
-                <a16:creationId xmlns:a16="http://schemas.microsoft.com/office/drawing/2014/main" id="{7A2DF727-E82E-2E46-E1CC-C88F5E6E11DE}"/>
+          <p:cNvPr id="18" name="Téglalap: lekerekített 17">
+            <a:extLst>
+              <a:ext uri="{FF2B5EF4-FFF2-40B4-BE49-F238E27FC236}">
+                <a16:creationId xmlns:a16="http://schemas.microsoft.com/office/drawing/2014/main" id="{AE3514EF-A827-0934-F720-AB54C3F6A765}"/>
               </a:ext>
             </a:extLst>
           </p:cNvPr>
@@ -4202,8 +4491,8 @@
         </p:nvSpPr>
         <p:spPr>
           <a:xfrm>
-            <a:off x="4597446" y="9021939"/>
-            <a:ext cx="2973381" cy="2557444"/>
+            <a:off x="9646055" y="8044480"/>
+            <a:ext cx="3134442" cy="2557444"/>
           </a:xfrm>
           <a:prstGeom prst="roundRect">
             <a:avLst/>
@@ -4246,61 +4535,164 @@
           </a:p>
         </p:txBody>
       </p:sp>
-      <p:sp useBgFill="1">
-        <p:nvSpPr>
-          <p:cNvPr id="5" name="Téglalap: lekerekített 4">
-            <a:extLst>
-              <a:ext uri="{FF2B5EF4-FFF2-40B4-BE49-F238E27FC236}">
-                <a16:creationId xmlns:a16="http://schemas.microsoft.com/office/drawing/2014/main" id="{B1463A13-FA7D-7F31-F2DE-73B32F844101}"/>
-              </a:ext>
-            </a:extLst>
-          </p:cNvPr>
-          <p:cNvSpPr/>
+      <mc:AlternateContent xmlns:mc="http://schemas.openxmlformats.org/markup-compatibility/2006">
+        <mc:Choice xmlns:pslz="http://schemas.microsoft.com/office/powerpoint/2016/slidezoom" Requires="pslz">
+          <p:graphicFrame>
+            <p:nvGraphicFramePr>
+              <p:cNvPr id="19" name="Dia nagyítása 18">
+                <a:extLst>
+                  <a:ext uri="{FF2B5EF4-FFF2-40B4-BE49-F238E27FC236}">
+                    <a16:creationId xmlns:a16="http://schemas.microsoft.com/office/drawing/2014/main" id="{2C99C9F9-8CFE-FDD0-ED2A-E45068EBF0F4}"/>
+                  </a:ext>
+                </a:extLst>
+              </p:cNvPr>
+              <p:cNvGraphicFramePr>
+                <a:graphicFrameLocks noChangeAspect="1"/>
+              </p:cNvGraphicFramePr>
+              <p:nvPr>
+                <p:extLst>
+                  <p:ext uri="{D42A27DB-BD31-4B8C-83A1-F6EECF244321}">
+                    <p14:modId xmlns:p14="http://schemas.microsoft.com/office/powerpoint/2010/main" val="4282587829"/>
+                  </p:ext>
+                </p:extLst>
+              </p:nvPr>
+            </p:nvGraphicFramePr>
+            <p:xfrm>
+              <a:off x="10402158" y="9190114"/>
+              <a:ext cx="1622236" cy="912508"/>
+            </p:xfrm>
+            <a:graphic>
+              <a:graphicData uri="http://schemas.microsoft.com/office/powerpoint/2016/slidezoom">
+                <pslz:sldZm>
+                  <pslz:sldZmObj sldId="271" cId="1338035232">
+                    <pslz:zmPr id="{BD4BEC53-3C9C-4F8C-8E01-6F8DF8F1F6EF}" returnToParent="0" transitionDur="1000">
+                      <p166:blipFill xmlns:p166="http://schemas.microsoft.com/office/powerpoint/2016/6/main">
+                        <a:blip r:embed="rId9"/>
+                        <a:stretch>
+                          <a:fillRect/>
+                        </a:stretch>
+                      </p166:blipFill>
+                      <p166:spPr xmlns:p166="http://schemas.microsoft.com/office/powerpoint/2016/6/main">
+                        <a:xfrm>
+                          <a:off x="0" y="0"/>
+                          <a:ext cx="1622236" cy="912508"/>
+                        </a:xfrm>
+                        <a:prstGeom prst="roundRect">
+                          <a:avLst>
+                            <a:gd name="adj" fmla="val 8594"/>
+                          </a:avLst>
+                        </a:prstGeom>
+                        <a:solidFill>
+                          <a:srgbClr val="FFFFFF">
+                            <a:shade val="85000"/>
+                          </a:srgbClr>
+                        </a:solidFill>
+                        <a:ln>
+                          <a:noFill/>
+                        </a:ln>
+                        <a:effectLst>
+                          <a:reflection blurRad="12700" stA="38000" endPos="28000" dist="5000" dir="5400000" sy="-100000" algn="bl" rotWithShape="0"/>
+                        </a:effectLst>
+                      </p166:spPr>
+                    </pslz:zmPr>
+                  </pslz:sldZmObj>
+                </pslz:sldZm>
+              </a:graphicData>
+            </a:graphic>
+          </p:graphicFrame>
+        </mc:Choice>
+        <mc:Fallback>
+          <p:pic>
+            <p:nvPicPr>
+              <p:cNvPr id="19" name="Dia nagyítása 18">
+                <a:hlinkClick r:id="rId10" action="ppaction://hlinksldjump"/>
+                <a:extLst>
+                  <a:ext uri="{FF2B5EF4-FFF2-40B4-BE49-F238E27FC236}">
+                    <a16:creationId xmlns:a16="http://schemas.microsoft.com/office/drawing/2014/main" id="{2C99C9F9-8CFE-FDD0-ED2A-E45068EBF0F4}"/>
+                  </a:ext>
+                </a:extLst>
+              </p:cNvPr>
+              <p:cNvPicPr>
+                <a:picLocks noGrp="1" noRot="1" noChangeAspect="1" noMove="1" noResize="1" noEditPoints="1" noAdjustHandles="1" noChangeArrowheads="1" noChangeShapeType="1"/>
+              </p:cNvPicPr>
+              <p:nvPr/>
+            </p:nvPicPr>
+            <p:blipFill>
+              <a:blip r:embed="rId9"/>
+              <a:stretch>
+                <a:fillRect/>
+              </a:stretch>
+            </p:blipFill>
+            <p:spPr>
+              <a:xfrm>
+                <a:off x="10402158" y="9190114"/>
+                <a:ext cx="1622236" cy="912508"/>
+              </a:xfrm>
+              <a:prstGeom prst="roundRect">
+                <a:avLst>
+                  <a:gd name="adj" fmla="val 8594"/>
+                </a:avLst>
+              </a:prstGeom>
+              <a:solidFill>
+                <a:srgbClr val="FFFFFF">
+                  <a:shade val="85000"/>
+                </a:srgbClr>
+              </a:solidFill>
+              <a:ln>
+                <a:noFill/>
+              </a:ln>
+              <a:effectLst>
+                <a:reflection blurRad="12700" stA="38000" endPos="28000" dist="5000" dir="5400000" sy="-100000" algn="bl" rotWithShape="0"/>
+              </a:effectLst>
+            </p:spPr>
+          </p:pic>
+        </mc:Fallback>
+      </mc:AlternateContent>
+      <p:sp>
+        <p:nvSpPr>
+          <p:cNvPr id="21" name="Szövegdoboz 20">
+            <a:extLst>
+              <a:ext uri="{FF2B5EF4-FFF2-40B4-BE49-F238E27FC236}">
+                <a16:creationId xmlns:a16="http://schemas.microsoft.com/office/drawing/2014/main" id="{3AF0D97B-B5C8-B1E4-2FD4-7328E648DD9A}"/>
+              </a:ext>
+            </a:extLst>
+          </p:cNvPr>
+          <p:cNvSpPr txBox="1"/>
           <p:nvPr/>
         </p:nvSpPr>
         <p:spPr>
           <a:xfrm>
-            <a:off x="8530128" y="10311319"/>
-            <a:ext cx="3134442" cy="2557444"/>
-          </a:xfrm>
-          <a:prstGeom prst="roundRect">
+            <a:off x="10053354" y="8476817"/>
+            <a:ext cx="2467164" cy="523220"/>
+          </a:xfrm>
+          <a:prstGeom prst="rect">
             <a:avLst/>
           </a:prstGeom>
-          <a:ln>
-            <a:solidFill>
-              <a:schemeClr val="accent1">
-                <a:shade val="15000"/>
-              </a:schemeClr>
-            </a:solidFill>
-          </a:ln>
-          <a:effectLst>
-            <a:innerShdw blurRad="254000">
-              <a:schemeClr val="bg1"/>
-            </a:innerShdw>
-          </a:effectLst>
-        </p:spPr>
-        <p:style>
-          <a:lnRef idx="2">
-            <a:schemeClr val="accent1">
-              <a:shade val="15000"/>
-            </a:schemeClr>
-          </a:lnRef>
-          <a:fillRef idx="1">
-            <a:schemeClr val="accent1"/>
-          </a:fillRef>
-          <a:effectRef idx="0">
-            <a:schemeClr val="accent1"/>
-          </a:effectRef>
-          <a:fontRef idx="minor">
-            <a:schemeClr val="lt1"/>
-          </a:fontRef>
-        </p:style>
-        <p:txBody>
-          <a:bodyPr rtlCol="0" anchor="ctr"/>
-          <a:lstStyle/>
-          <a:p>
-            <a:pPr algn="ctr"/>
-            <a:endParaRPr lang="hu-HU" dirty="0"/>
+          <a:noFill/>
+        </p:spPr>
+        <p:txBody>
+          <a:bodyPr wrap="square" rtlCol="0">
+            <a:spAutoFit/>
+          </a:bodyPr>
+          <a:lstStyle/>
+          <a:p>
+            <a:r>
+              <a:rPr lang="hu-HU" sz="2800" cap="small" dirty="0">
+                <a:solidFill>
+                  <a:schemeClr val="bg1"/>
+                </a:solidFill>
+                <a:effectLst>
+                  <a:outerShdw blurRad="63500" sx="102000" sy="102000" algn="ctr" rotWithShape="0">
+                    <a:prstClr val="black">
+                      <a:alpha val="40000"/>
+                    </a:prstClr>
+                  </a:outerShdw>
+                </a:effectLst>
+                <a:latin typeface="Aharoni" panose="02010803020104030203" pitchFamily="2" charset="-79"/>
+                <a:cs typeface="Aharoni" panose="02010803020104030203" pitchFamily="2" charset="-79"/>
+              </a:rPr>
+              <a:t>Továbbiakban</a:t>
+            </a:r>
           </a:p>
         </p:txBody>
       </p:sp>
@@ -4360,57 +4752,12 @@
           <a:chExt cx="0" cy="0"/>
         </a:xfrm>
       </p:grpSpPr>
-      <p:pic>
-        <p:nvPicPr>
-          <p:cNvPr id="1032" name="Picture 8" descr="MacBook Pro">
-            <a:extLst>
-              <a:ext uri="{FF2B5EF4-FFF2-40B4-BE49-F238E27FC236}">
-                <a16:creationId xmlns:a16="http://schemas.microsoft.com/office/drawing/2014/main" id="{277736F9-C298-C84C-0CE9-A68A6DD17D11}"/>
-              </a:ext>
-            </a:extLst>
-          </p:cNvPr>
-          <p:cNvPicPr>
-            <a:picLocks noChangeAspect="1" noChangeArrowheads="1"/>
-          </p:cNvPicPr>
-          <p:nvPr/>
-        </p:nvPicPr>
-        <p:blipFill rotWithShape="1">
-          <a:blip r:embed="rId3">
-            <a:extLst>
-              <a:ext uri="{28A0092B-C50C-407E-A947-70E740481C1C}">
-                <a14:useLocalDpi xmlns:a14="http://schemas.microsoft.com/office/drawing/2010/main" val="0"/>
-              </a:ext>
-            </a:extLst>
-          </a:blip>
-          <a:srcRect t="11728" b="17823"/>
-          <a:stretch/>
-        </p:blipFill>
-        <p:spPr bwMode="auto">
-          <a:xfrm>
-            <a:off x="0" y="0"/>
-            <a:ext cx="12168277" cy="6858001"/>
-          </a:xfrm>
-          <a:prstGeom prst="rect">
-            <a:avLst/>
-          </a:prstGeom>
-          <a:noFill/>
-          <a:extLst>
-            <a:ext uri="{909E8E84-426E-40DD-AFC4-6F175D3DCCD1}">
-              <a14:hiddenFill xmlns:a14="http://schemas.microsoft.com/office/drawing/2010/main">
-                <a:solidFill>
-                  <a:srgbClr val="FFFFFF"/>
-                </a:solidFill>
-              </a14:hiddenFill>
-            </a:ext>
-          </a:extLst>
-        </p:spPr>
-      </p:pic>
       <p:sp useBgFill="1">
         <p:nvSpPr>
-          <p:cNvPr id="6" name="Téglalap: lekerekített 5">
-            <a:extLst>
-              <a:ext uri="{FF2B5EF4-FFF2-40B4-BE49-F238E27FC236}">
-                <a16:creationId xmlns:a16="http://schemas.microsoft.com/office/drawing/2014/main" id="{661E97ED-ABBB-9CAD-411A-908DC18A4776}"/>
+          <p:cNvPr id="24" name="Téglalap: lekerekített 23">
+            <a:extLst>
+              <a:ext uri="{FF2B5EF4-FFF2-40B4-BE49-F238E27FC236}">
+                <a16:creationId xmlns:a16="http://schemas.microsoft.com/office/drawing/2014/main" id="{DA0064E0-9897-D0C3-62A5-C6FE14460EF3}"/>
               </a:ext>
             </a:extLst>
           </p:cNvPr>
@@ -4419,8 +4766,8 @@
         </p:nvSpPr>
         <p:spPr>
           <a:xfrm>
-            <a:off x="6303313" y="132882"/>
-            <a:ext cx="3613997" cy="1864316"/>
+            <a:off x="3388256" y="1678360"/>
+            <a:ext cx="5630128" cy="3745758"/>
           </a:xfrm>
           <a:prstGeom prst="roundRect">
             <a:avLst/>
@@ -4465,6 +4812,51 @@
       </p:sp>
       <p:pic>
         <p:nvPicPr>
+          <p:cNvPr id="1032" name="Picture 8" descr="MacBook Pro">
+            <a:extLst>
+              <a:ext uri="{FF2B5EF4-FFF2-40B4-BE49-F238E27FC236}">
+                <a16:creationId xmlns:a16="http://schemas.microsoft.com/office/drawing/2014/main" id="{277736F9-C298-C84C-0CE9-A68A6DD17D11}"/>
+              </a:ext>
+            </a:extLst>
+          </p:cNvPr>
+          <p:cNvPicPr>
+            <a:picLocks noChangeAspect="1" noChangeArrowheads="1"/>
+          </p:cNvPicPr>
+          <p:nvPr/>
+        </p:nvPicPr>
+        <p:blipFill rotWithShape="1">
+          <a:blip r:embed="rId3">
+            <a:extLst>
+              <a:ext uri="{28A0092B-C50C-407E-A947-70E740481C1C}">
+                <a14:useLocalDpi xmlns:a14="http://schemas.microsoft.com/office/drawing/2010/main" val="0"/>
+              </a:ext>
+            </a:extLst>
+          </a:blip>
+          <a:srcRect t="11728" b="17823"/>
+          <a:stretch/>
+        </p:blipFill>
+        <p:spPr bwMode="auto">
+          <a:xfrm>
+            <a:off x="0" y="0"/>
+            <a:ext cx="12168277" cy="6858001"/>
+          </a:xfrm>
+          <a:prstGeom prst="rect">
+            <a:avLst/>
+          </a:prstGeom>
+          <a:noFill/>
+          <a:extLst>
+            <a:ext uri="{909E8E84-426E-40DD-AFC4-6F175D3DCCD1}">
+              <a14:hiddenFill xmlns:a14="http://schemas.microsoft.com/office/drawing/2010/main">
+                <a:solidFill>
+                  <a:srgbClr val="FFFFFF"/>
+                </a:solidFill>
+              </a14:hiddenFill>
+            </a:ext>
+          </a:extLst>
+        </p:spPr>
+      </p:pic>
+      <p:pic>
+        <p:nvPicPr>
           <p:cNvPr id="16" name="Kép 15" descr="A képen Betűtípus, Grafika, embléma, Grafikus tervezés látható&#10;&#10;Automatikusan generált leírás">
             <a:extLst>
               <a:ext uri="{FF2B5EF4-FFF2-40B4-BE49-F238E27FC236}">
@@ -4491,8 +4883,8 @@
         </p:blipFill>
         <p:spPr>
           <a:xfrm>
-            <a:off x="6685139" y="156043"/>
-            <a:ext cx="2903361" cy="1841155"/>
+            <a:off x="113635" y="62759"/>
+            <a:ext cx="1300093" cy="824449"/>
           </a:xfrm>
           <a:prstGeom prst="rect">
             <a:avLst/>
@@ -4501,10 +4893,10 @@
       </p:pic>
       <p:sp useBgFill="1">
         <p:nvSpPr>
-          <p:cNvPr id="2" name="Téglalap: lekerekített 1">
-            <a:extLst>
-              <a:ext uri="{FF2B5EF4-FFF2-40B4-BE49-F238E27FC236}">
-                <a16:creationId xmlns:a16="http://schemas.microsoft.com/office/drawing/2014/main" id="{9FB5A313-C0E0-2925-9C25-E22555E7A341}"/>
+          <p:cNvPr id="4" name="Téglalap: lekerekített 3">
+            <a:extLst>
+              <a:ext uri="{FF2B5EF4-FFF2-40B4-BE49-F238E27FC236}">
+                <a16:creationId xmlns:a16="http://schemas.microsoft.com/office/drawing/2014/main" id="{D623A749-9D0D-906D-843C-1148DD6267BD}"/>
               </a:ext>
             </a:extLst>
           </p:cNvPr>
@@ -4513,8 +4905,8 @@
         </p:nvSpPr>
         <p:spPr>
           <a:xfrm>
-            <a:off x="1813914" y="132882"/>
-            <a:ext cx="3613997" cy="1864316"/>
+            <a:off x="4528779" y="2278680"/>
+            <a:ext cx="3134442" cy="2557444"/>
           </a:xfrm>
           <a:prstGeom prst="roundRect">
             <a:avLst/>
@@ -4557,47 +4949,12 @@
           </a:p>
         </p:txBody>
       </p:sp>
-      <p:pic>
-        <p:nvPicPr>
-          <p:cNvPr id="15" name="Kép 14" descr="A képen szöveg, Grafika, Betűtípus, szimbólum látható&#10;&#10;Automatikusan generált leírás">
-            <a:extLst>
-              <a:ext uri="{FF2B5EF4-FFF2-40B4-BE49-F238E27FC236}">
-                <a16:creationId xmlns:a16="http://schemas.microsoft.com/office/drawing/2014/main" id="{5921782C-15EC-6A91-BE26-BAB571D2E13B}"/>
-              </a:ext>
-            </a:extLst>
-          </p:cNvPr>
-          <p:cNvPicPr>
-            <a:picLocks noChangeAspect="1"/>
-          </p:cNvPicPr>
-          <p:nvPr/>
-        </p:nvPicPr>
-        <p:blipFill rotWithShape="1">
-          <a:blip r:embed="rId5">
-            <a:extLst>
-              <a:ext uri="{28A0092B-C50C-407E-A947-70E740481C1C}">
-                <a14:useLocalDpi xmlns:a14="http://schemas.microsoft.com/office/drawing/2010/main" val="0"/>
-              </a:ext>
-            </a:extLst>
-          </a:blip>
-          <a:srcRect l="21440" t="20172" r="20828" b="25427"/>
-          <a:stretch/>
-        </p:blipFill>
-        <p:spPr>
-          <a:xfrm>
-            <a:off x="2310702" y="370582"/>
-            <a:ext cx="2620420" cy="1388915"/>
-          </a:xfrm>
-          <a:prstGeom prst="rect">
-            <a:avLst/>
-          </a:prstGeom>
-        </p:spPr>
-      </p:pic>
       <p:sp useBgFill="1">
         <p:nvSpPr>
-          <p:cNvPr id="4" name="Téglalap: lekerekített 3">
-            <a:extLst>
-              <a:ext uri="{FF2B5EF4-FFF2-40B4-BE49-F238E27FC236}">
-                <a16:creationId xmlns:a16="http://schemas.microsoft.com/office/drawing/2014/main" id="{D623A749-9D0D-906D-843C-1148DD6267BD}"/>
+          <p:cNvPr id="5" name="Téglalap: lekerekített 4">
+            <a:extLst>
+              <a:ext uri="{FF2B5EF4-FFF2-40B4-BE49-F238E27FC236}">
+                <a16:creationId xmlns:a16="http://schemas.microsoft.com/office/drawing/2014/main" id="{3499E01B-F177-C636-109D-6D15D06FD3E1}"/>
               </a:ext>
             </a:extLst>
           </p:cNvPr>
@@ -4606,7 +4963,7 @@
         </p:nvSpPr>
         <p:spPr>
           <a:xfrm>
-            <a:off x="4516917" y="3929974"/>
+            <a:off x="8553855" y="2278680"/>
             <a:ext cx="3134442" cy="2557444"/>
           </a:xfrm>
           <a:prstGeom prst="roundRect">
@@ -4650,64 +5007,6 @@
           </a:p>
         </p:txBody>
       </p:sp>
-      <p:sp useBgFill="1">
-        <p:nvSpPr>
-          <p:cNvPr id="5" name="Téglalap: lekerekített 4">
-            <a:extLst>
-              <a:ext uri="{FF2B5EF4-FFF2-40B4-BE49-F238E27FC236}">
-                <a16:creationId xmlns:a16="http://schemas.microsoft.com/office/drawing/2014/main" id="{3499E01B-F177-C636-109D-6D15D06FD3E1}"/>
-              </a:ext>
-            </a:extLst>
-          </p:cNvPr>
-          <p:cNvSpPr/>
-          <p:nvPr/>
-        </p:nvSpPr>
-        <p:spPr>
-          <a:xfrm>
-            <a:off x="8530131" y="3929974"/>
-            <a:ext cx="3134442" cy="2557444"/>
-          </a:xfrm>
-          <a:prstGeom prst="roundRect">
-            <a:avLst/>
-          </a:prstGeom>
-          <a:ln>
-            <a:solidFill>
-              <a:schemeClr val="accent1">
-                <a:shade val="15000"/>
-              </a:schemeClr>
-            </a:solidFill>
-          </a:ln>
-          <a:effectLst>
-            <a:innerShdw blurRad="254000">
-              <a:schemeClr val="bg1"/>
-            </a:innerShdw>
-          </a:effectLst>
-        </p:spPr>
-        <p:style>
-          <a:lnRef idx="2">
-            <a:schemeClr val="accent1">
-              <a:shade val="15000"/>
-            </a:schemeClr>
-          </a:lnRef>
-          <a:fillRef idx="1">
-            <a:schemeClr val="accent1"/>
-          </a:fillRef>
-          <a:effectRef idx="0">
-            <a:schemeClr val="accent1"/>
-          </a:effectRef>
-          <a:fontRef idx="minor">
-            <a:schemeClr val="lt1"/>
-          </a:fontRef>
-        </p:style>
-        <p:txBody>
-          <a:bodyPr rtlCol="0" anchor="ctr"/>
-          <a:lstStyle/>
-          <a:p>
-            <a:pPr algn="ctr"/>
-            <a:endParaRPr lang="hu-HU" dirty="0"/>
-          </a:p>
-        </p:txBody>
-      </p:sp>
       <p:grpSp>
         <p:nvGrpSpPr>
           <p:cNvPr id="9" name="Csoportba foglalás 8">
@@ -4722,7 +5021,7 @@
         </p:nvGrpSpPr>
         <p:grpSpPr>
           <a:xfrm>
-            <a:off x="503703" y="3929974"/>
+            <a:off x="503703" y="2278681"/>
             <a:ext cx="3134442" cy="2557444"/>
             <a:chOff x="503703" y="3929974"/>
             <a:chExt cx="3134442" cy="2557444"/>
@@ -4786,8 +5085,8 @@
             </a:p>
           </p:txBody>
         </p:sp>
-        <mc:AlternateContent xmlns:mc="http://schemas.openxmlformats.org/markup-compatibility/2006">
-          <mc:Choice xmlns:pslz="http://schemas.microsoft.com/office/powerpoint/2016/slidezoom" Requires="pslz">
+        <mc:AlternateContent xmlns:mc="http://schemas.openxmlformats.org/markup-compatibility/2006" xmlns:pslz="http://schemas.microsoft.com/office/powerpoint/2016/slidezoom">
+          <mc:Choice Requires="pslz">
             <p:graphicFrame>
               <p:nvGraphicFramePr>
                 <p:cNvPr id="8" name="Dia nagyítása 7">
@@ -4818,7 +5117,7 @@
                     <pslz:sldZmObj sldId="268" cId="2327745269">
                       <pslz:zmPr id="{C60B5517-277B-437A-BA4A-8C910730E572}" transitionDur="1000">
                         <p166:blipFill xmlns:p166="http://schemas.microsoft.com/office/powerpoint/2016/6/main">
-                          <a:blip r:embed="rId6"/>
+                          <a:blip r:embed="rId5"/>
                           <a:stretch>
                             <a:fillRect/>
                           </a:stretch>
@@ -4852,7 +5151,7 @@
               </a:graphic>
             </p:graphicFrame>
           </mc:Choice>
-          <mc:Fallback>
+          <mc:Fallback xmlns="">
             <p:pic>
               <p:nvPicPr>
                 <p:cNvPr id="8" name="Dia nagyítása 7">
@@ -4914,7 +5213,7 @@
         </p:nvSpPr>
         <p:spPr>
           <a:xfrm>
-            <a:off x="763682" y="4189794"/>
+            <a:off x="840471" y="2660431"/>
             <a:ext cx="2641600" cy="646331"/>
           </a:xfrm>
           <a:prstGeom prst="rect">
@@ -4933,6 +5232,13 @@
                 <a:solidFill>
                   <a:schemeClr val="bg1"/>
                 </a:solidFill>
+                <a:effectLst>
+                  <a:outerShdw blurRad="63500" sx="102000" sy="102000" algn="ctr" rotWithShape="0">
+                    <a:prstClr val="black">
+                      <a:alpha val="40000"/>
+                    </a:prstClr>
+                  </a:outerShdw>
+                </a:effectLst>
                 <a:latin typeface="Aharoni" panose="02010803020104030203" pitchFamily="2" charset="-79"/>
                 <a:cs typeface="Aharoni" panose="02010803020104030203" pitchFamily="2" charset="-79"/>
               </a:rPr>
@@ -4955,8 +5261,8 @@
         </p:nvSpPr>
         <p:spPr>
           <a:xfrm>
-            <a:off x="4775200" y="4836125"/>
-            <a:ext cx="2641600" cy="646331"/>
+            <a:off x="5149748" y="3234236"/>
+            <a:ext cx="1892504" cy="646331"/>
           </a:xfrm>
           <a:prstGeom prst="rect">
             <a:avLst/>
@@ -4974,10 +5280,17 @@
                 <a:solidFill>
                   <a:schemeClr val="bg1"/>
                 </a:solidFill>
+                <a:effectLst>
+                  <a:outerShdw blurRad="63500" sx="102000" sy="102000" algn="ctr" rotWithShape="0">
+                    <a:prstClr val="black">
+                      <a:alpha val="40000"/>
+                    </a:prstClr>
+                  </a:outerShdw>
+                </a:effectLst>
                 <a:latin typeface="Aharoni" panose="02010803020104030203" pitchFamily="2" charset="-79"/>
                 <a:cs typeface="Aharoni" panose="02010803020104030203" pitchFamily="2" charset="-79"/>
               </a:rPr>
-              <a:t>Eddigiekben</a:t>
+              <a:t>Jelenleg</a:t>
             </a:r>
           </a:p>
         </p:txBody>
@@ -4999,13 +5312,13 @@
               <p:nvPr>
                 <p:extLst>
                   <p:ext uri="{D42A27DB-BD31-4B8C-83A1-F6EECF244321}">
-                    <p14:modId xmlns:p14="http://schemas.microsoft.com/office/powerpoint/2010/main" val="59715984"/>
+                    <p14:modId xmlns:p14="http://schemas.microsoft.com/office/powerpoint/2010/main" val="1415015697"/>
                   </p:ext>
                 </p:extLst>
               </p:nvPr>
             </p:nvGraphicFramePr>
             <p:xfrm>
-              <a:off x="4675254" y="4428676"/>
+              <a:off x="7006379" y="1274165"/>
               <a:ext cx="2879411" cy="1436852"/>
             </p:xfrm>
             <a:graphic>
@@ -5074,7 +5387,7 @@
             </p:blipFill>
             <p:spPr>
               <a:xfrm>
-                <a:off x="4675254" y="4428676"/>
+                <a:off x="7006379" y="1274165"/>
                 <a:ext cx="2879411" cy="1436852"/>
               </a:xfrm>
               <a:prstGeom prst="rect">
@@ -5087,6 +5400,260 @@
           </p:pic>
         </mc:Fallback>
       </mc:AlternateContent>
+      <mc:AlternateContent xmlns:mc="http://schemas.openxmlformats.org/markup-compatibility/2006">
+        <mc:Choice xmlns:pslz="http://schemas.microsoft.com/office/powerpoint/2016/slidezoom" Requires="pslz">
+          <p:graphicFrame>
+            <p:nvGraphicFramePr>
+              <p:cNvPr id="12" name="Dia nagyítása 11">
+                <a:extLst>
+                  <a:ext uri="{FF2B5EF4-FFF2-40B4-BE49-F238E27FC236}">
+                    <a16:creationId xmlns:a16="http://schemas.microsoft.com/office/drawing/2014/main" id="{B439089A-44BD-3B97-07B5-758C386186F3}"/>
+                  </a:ext>
+                </a:extLst>
+              </p:cNvPr>
+              <p:cNvGraphicFramePr>
+                <a:graphicFrameLocks noChangeAspect="1"/>
+              </p:cNvGraphicFramePr>
+              <p:nvPr>
+                <p:extLst>
+                  <p:ext uri="{D42A27DB-BD31-4B8C-83A1-F6EECF244321}">
+                    <p14:modId xmlns:p14="http://schemas.microsoft.com/office/powerpoint/2010/main" val="2784270212"/>
+                  </p:ext>
+                </p:extLst>
+              </p:nvPr>
+            </p:nvGraphicFramePr>
+            <p:xfrm>
+              <a:off x="9309958" y="3424314"/>
+              <a:ext cx="1622236" cy="912508"/>
+            </p:xfrm>
+            <a:graphic>
+              <a:graphicData uri="http://schemas.microsoft.com/office/powerpoint/2016/slidezoom">
+                <pslz:sldZm>
+                  <pslz:sldZmObj sldId="271" cId="1338035232">
+                    <pslz:zmPr id="{BD4BEC53-3C9C-4F8C-8E01-6F8DF8F1F6EF}" returnToParent="0" transitionDur="1000">
+                      <p166:blipFill xmlns:p166="http://schemas.microsoft.com/office/powerpoint/2016/6/main">
+                        <a:blip r:embed="rId10"/>
+                        <a:stretch>
+                          <a:fillRect/>
+                        </a:stretch>
+                      </p166:blipFill>
+                      <p166:spPr xmlns:p166="http://schemas.microsoft.com/office/powerpoint/2016/6/main">
+                        <a:xfrm>
+                          <a:off x="0" y="0"/>
+                          <a:ext cx="1622236" cy="912508"/>
+                        </a:xfrm>
+                        <a:prstGeom prst="roundRect">
+                          <a:avLst>
+                            <a:gd name="adj" fmla="val 8594"/>
+                          </a:avLst>
+                        </a:prstGeom>
+                        <a:solidFill>
+                          <a:srgbClr val="FFFFFF">
+                            <a:shade val="85000"/>
+                          </a:srgbClr>
+                        </a:solidFill>
+                        <a:ln>
+                          <a:noFill/>
+                        </a:ln>
+                        <a:effectLst>
+                          <a:reflection blurRad="12700" stA="38000" endPos="28000" dist="5000" dir="5400000" sy="-100000" algn="bl" rotWithShape="0"/>
+                        </a:effectLst>
+                      </p166:spPr>
+                    </pslz:zmPr>
+                  </pslz:sldZmObj>
+                </pslz:sldZm>
+              </a:graphicData>
+            </a:graphic>
+          </p:graphicFrame>
+        </mc:Choice>
+        <mc:Fallback>
+          <p:pic>
+            <p:nvPicPr>
+              <p:cNvPr id="12" name="Dia nagyítása 11">
+                <a:hlinkClick r:id="rId11" action="ppaction://hlinksldjump"/>
+                <a:extLst>
+                  <a:ext uri="{FF2B5EF4-FFF2-40B4-BE49-F238E27FC236}">
+                    <a16:creationId xmlns:a16="http://schemas.microsoft.com/office/drawing/2014/main" id="{B439089A-44BD-3B97-07B5-758C386186F3}"/>
+                  </a:ext>
+                </a:extLst>
+              </p:cNvPr>
+              <p:cNvPicPr>
+                <a:picLocks noGrp="1" noRot="1" noChangeAspect="1" noMove="1" noResize="1" noEditPoints="1" noAdjustHandles="1" noChangeArrowheads="1" noChangeShapeType="1"/>
+              </p:cNvPicPr>
+              <p:nvPr/>
+            </p:nvPicPr>
+            <p:blipFill>
+              <a:blip r:embed="rId10"/>
+              <a:stretch>
+                <a:fillRect/>
+              </a:stretch>
+            </p:blipFill>
+            <p:spPr>
+              <a:xfrm>
+                <a:off x="9309958" y="3424314"/>
+                <a:ext cx="1622236" cy="912508"/>
+              </a:xfrm>
+              <a:prstGeom prst="roundRect">
+                <a:avLst>
+                  <a:gd name="adj" fmla="val 8594"/>
+                </a:avLst>
+              </a:prstGeom>
+              <a:solidFill>
+                <a:srgbClr val="FFFFFF">
+                  <a:shade val="85000"/>
+                </a:srgbClr>
+              </a:solidFill>
+              <a:ln>
+                <a:noFill/>
+              </a:ln>
+              <a:effectLst>
+                <a:reflection blurRad="12700" stA="38000" endPos="28000" dist="5000" dir="5400000" sy="-100000" algn="bl" rotWithShape="0"/>
+              </a:effectLst>
+            </p:spPr>
+          </p:pic>
+        </mc:Fallback>
+      </mc:AlternateContent>
+      <p:sp>
+        <p:nvSpPr>
+          <p:cNvPr id="13" name="Szövegdoboz 12">
+            <a:extLst>
+              <a:ext uri="{FF2B5EF4-FFF2-40B4-BE49-F238E27FC236}">
+                <a16:creationId xmlns:a16="http://schemas.microsoft.com/office/drawing/2014/main" id="{677B4D6E-BF06-FE4C-72D2-671A4422AEAC}"/>
+              </a:ext>
+            </a:extLst>
+          </p:cNvPr>
+          <p:cNvSpPr txBox="1"/>
+          <p:nvPr/>
+        </p:nvSpPr>
+        <p:spPr>
+          <a:xfrm>
+            <a:off x="8961154" y="2711017"/>
+            <a:ext cx="2467164" cy="523220"/>
+          </a:xfrm>
+          <a:prstGeom prst="rect">
+            <a:avLst/>
+          </a:prstGeom>
+          <a:noFill/>
+        </p:spPr>
+        <p:txBody>
+          <a:bodyPr wrap="square" rtlCol="0">
+            <a:spAutoFit/>
+          </a:bodyPr>
+          <a:lstStyle/>
+          <a:p>
+            <a:r>
+              <a:rPr lang="hu-HU" sz="2800" cap="small" dirty="0">
+                <a:solidFill>
+                  <a:schemeClr val="bg1"/>
+                </a:solidFill>
+                <a:effectLst>
+                  <a:outerShdw blurRad="63500" sx="102000" sy="102000" algn="ctr" rotWithShape="0">
+                    <a:prstClr val="black">
+                      <a:alpha val="40000"/>
+                    </a:prstClr>
+                  </a:outerShdw>
+                </a:effectLst>
+                <a:latin typeface="Aharoni" panose="02010803020104030203" pitchFamily="2" charset="-79"/>
+                <a:cs typeface="Aharoni" panose="02010803020104030203" pitchFamily="2" charset="-79"/>
+              </a:rPr>
+              <a:t>Továbbiakban</a:t>
+            </a:r>
+          </a:p>
+        </p:txBody>
+      </p:sp>
+      <p:pic>
+        <p:nvPicPr>
+          <p:cNvPr id="14" name="Kép 13" descr="A képen szöveg, Grafika, Betűtípus, szimbólum látható&#10;&#10;Automatikusan generált leírás">
+            <a:extLst>
+              <a:ext uri="{FF2B5EF4-FFF2-40B4-BE49-F238E27FC236}">
+                <a16:creationId xmlns:a16="http://schemas.microsoft.com/office/drawing/2014/main" id="{B99B30E3-0952-0EF4-7A95-DB23B536783C}"/>
+              </a:ext>
+            </a:extLst>
+          </p:cNvPr>
+          <p:cNvPicPr>
+            <a:picLocks noChangeAspect="1"/>
+          </p:cNvPicPr>
+          <p:nvPr/>
+        </p:nvPicPr>
+        <p:blipFill rotWithShape="1">
+          <a:blip r:embed="rId12">
+            <a:extLst>
+              <a:ext uri="{28A0092B-C50C-407E-A947-70E740481C1C}">
+                <a14:useLocalDpi xmlns:a14="http://schemas.microsoft.com/office/drawing/2010/main" val="0"/>
+              </a:ext>
+            </a:extLst>
+          </a:blip>
+          <a:srcRect l="21440" t="20172" r="20828" b="25427"/>
+          <a:stretch/>
+        </p:blipFill>
+        <p:spPr>
+          <a:xfrm>
+            <a:off x="-6290720" y="2211251"/>
+            <a:ext cx="4539916" cy="2406315"/>
+          </a:xfrm>
+          <a:prstGeom prst="rect">
+            <a:avLst/>
+          </a:prstGeom>
+        </p:spPr>
+      </p:pic>
+      <p:sp useBgFill="1">
+        <p:nvSpPr>
+          <p:cNvPr id="18" name="Téglalap: lekerekített 17">
+            <a:extLst>
+              <a:ext uri="{FF2B5EF4-FFF2-40B4-BE49-F238E27FC236}">
+                <a16:creationId xmlns:a16="http://schemas.microsoft.com/office/drawing/2014/main" id="{72A43297-9CD1-4F20-434F-9CD229EED6FE}"/>
+              </a:ext>
+            </a:extLst>
+          </p:cNvPr>
+          <p:cNvSpPr/>
+          <p:nvPr/>
+        </p:nvSpPr>
+        <p:spPr>
+          <a:xfrm>
+            <a:off x="-6193733" y="2102574"/>
+            <a:ext cx="4345942" cy="2623666"/>
+          </a:xfrm>
+          <a:prstGeom prst="roundRect">
+            <a:avLst/>
+          </a:prstGeom>
+          <a:ln>
+            <a:solidFill>
+              <a:schemeClr val="accent1">
+                <a:shade val="15000"/>
+              </a:schemeClr>
+            </a:solidFill>
+          </a:ln>
+          <a:effectLst>
+            <a:innerShdw blurRad="254000">
+              <a:schemeClr val="bg1"/>
+            </a:innerShdw>
+          </a:effectLst>
+        </p:spPr>
+        <p:style>
+          <a:lnRef idx="2">
+            <a:schemeClr val="accent1">
+              <a:shade val="15000"/>
+            </a:schemeClr>
+          </a:lnRef>
+          <a:fillRef idx="1">
+            <a:schemeClr val="accent1"/>
+          </a:fillRef>
+          <a:effectRef idx="0">
+            <a:schemeClr val="accent1"/>
+          </a:effectRef>
+          <a:fontRef idx="minor">
+            <a:schemeClr val="lt1"/>
+          </a:fontRef>
+        </p:style>
+        <p:txBody>
+          <a:bodyPr rtlCol="0" anchor="ctr"/>
+          <a:lstStyle/>
+          <a:p>
+            <a:pPr algn="ctr"/>
+            <a:endParaRPr lang="hu-HU" dirty="0"/>
+          </a:p>
+        </p:txBody>
+      </p:sp>
     </p:spTree>
     <p:extLst>
       <p:ext uri="{BB962C8B-B14F-4D97-AF65-F5344CB8AC3E}">
@@ -5598,13 +6165,13 @@
   <p:clrMapOvr>
     <a:masterClrMapping/>
   </p:clrMapOvr>
-  <mc:AlternateContent xmlns:mc="http://schemas.openxmlformats.org/markup-compatibility/2006">
-    <mc:Choice xmlns:p159="http://schemas.microsoft.com/office/powerpoint/2015/09/main" Requires="p159">
+  <mc:AlternateContent xmlns:mc="http://schemas.openxmlformats.org/markup-compatibility/2006" xmlns:p159="http://schemas.microsoft.com/office/powerpoint/2015/09/main">
+    <mc:Choice Requires="p159">
       <p:transition>
         <p159:morph option="byObject"/>
       </p:transition>
     </mc:Choice>
-    <mc:Fallback>
+    <mc:Fallback xmlns="">
       <p:transition>
         <p:fade/>
       </p:transition>
@@ -6099,6 +6666,507 @@
   <p:clrMapOvr>
     <a:masterClrMapping/>
   </p:clrMapOvr>
+  <mc:AlternateContent xmlns:mc="http://schemas.openxmlformats.org/markup-compatibility/2006" xmlns:p159="http://schemas.microsoft.com/office/powerpoint/2015/09/main">
+    <mc:Choice Requires="p159">
+      <p:transition>
+        <p159:morph option="byObject"/>
+      </p:transition>
+    </mc:Choice>
+    <mc:Fallback xmlns="">
+      <p:transition>
+        <p:fade/>
+      </p:transition>
+    </mc:Fallback>
+  </mc:AlternateContent>
+</p:sld>
+</file>
+
+<file path=ppt/slides/slide6.xml><?xml version="1.0" encoding="utf-8"?>
+<p:sld xmlns:a="http://schemas.openxmlformats.org/drawingml/2006/main" xmlns:r="http://schemas.openxmlformats.org/officeDocument/2006/relationships" xmlns:p="http://schemas.openxmlformats.org/presentationml/2006/main">
+  <p:cSld>
+    <p:bg>
+      <p:bgPr>
+        <a:blipFill dpi="0" rotWithShape="1">
+          <a:blip r:embed="rId2">
+            <a:lum/>
+          </a:blip>
+          <a:srcRect/>
+          <a:stretch>
+            <a:fillRect/>
+          </a:stretch>
+        </a:blipFill>
+        <a:effectLst/>
+      </p:bgPr>
+    </p:bg>
+    <p:spTree>
+      <p:nvGrpSpPr>
+        <p:cNvPr id="1" name=""/>
+        <p:cNvGrpSpPr/>
+        <p:nvPr/>
+      </p:nvGrpSpPr>
+      <p:grpSpPr>
+        <a:xfrm>
+          <a:off x="0" y="0"/>
+          <a:ext cx="0" cy="0"/>
+          <a:chOff x="0" y="0"/>
+          <a:chExt cx="0" cy="0"/>
+        </a:xfrm>
+      </p:grpSpPr>
+      <p:pic>
+        <p:nvPicPr>
+          <p:cNvPr id="1032" name="Picture 8" descr="MacBook Pro">
+            <a:extLst>
+              <a:ext uri="{FF2B5EF4-FFF2-40B4-BE49-F238E27FC236}">
+                <a16:creationId xmlns:a16="http://schemas.microsoft.com/office/drawing/2014/main" id="{277736F9-C298-C84C-0CE9-A68A6DD17D11}"/>
+              </a:ext>
+            </a:extLst>
+          </p:cNvPr>
+          <p:cNvPicPr>
+            <a:picLocks noChangeAspect="1" noChangeArrowheads="1"/>
+          </p:cNvPicPr>
+          <p:nvPr/>
+        </p:nvPicPr>
+        <p:blipFill rotWithShape="1">
+          <a:blip r:embed="rId3">
+            <a:extLst>
+              <a:ext uri="{28A0092B-C50C-407E-A947-70E740481C1C}">
+                <a14:useLocalDpi xmlns:a14="http://schemas.microsoft.com/office/drawing/2010/main" val="0"/>
+              </a:ext>
+            </a:extLst>
+          </a:blip>
+          <a:srcRect t="11728" b="17823"/>
+          <a:stretch/>
+        </p:blipFill>
+        <p:spPr bwMode="auto">
+          <a:xfrm>
+            <a:off x="0" y="0"/>
+            <a:ext cx="12168277" cy="6858001"/>
+          </a:xfrm>
+          <a:prstGeom prst="rect">
+            <a:avLst/>
+          </a:prstGeom>
+          <a:noFill/>
+          <a:extLst>
+            <a:ext uri="{909E8E84-426E-40DD-AFC4-6F175D3DCCD1}">
+              <a14:hiddenFill xmlns:a14="http://schemas.microsoft.com/office/drawing/2010/main">
+                <a:solidFill>
+                  <a:srgbClr val="FFFFFF"/>
+                </a:solidFill>
+              </a14:hiddenFill>
+            </a:ext>
+          </a:extLst>
+        </p:spPr>
+      </p:pic>
+      <p:sp useBgFill="1">
+        <p:nvSpPr>
+          <p:cNvPr id="6" name="Téglalap: lekerekített 5">
+            <a:extLst>
+              <a:ext uri="{FF2B5EF4-FFF2-40B4-BE49-F238E27FC236}">
+                <a16:creationId xmlns:a16="http://schemas.microsoft.com/office/drawing/2014/main" id="{661E97ED-ABBB-9CAD-411A-908DC18A4776}"/>
+              </a:ext>
+            </a:extLst>
+          </p:cNvPr>
+          <p:cNvSpPr/>
+          <p:nvPr/>
+        </p:nvSpPr>
+        <p:spPr>
+          <a:xfrm>
+            <a:off x="6303313" y="-3179278"/>
+            <a:ext cx="3613997" cy="1864316"/>
+          </a:xfrm>
+          <a:prstGeom prst="roundRect">
+            <a:avLst/>
+          </a:prstGeom>
+          <a:ln>
+            <a:solidFill>
+              <a:schemeClr val="accent1">
+                <a:shade val="15000"/>
+              </a:schemeClr>
+            </a:solidFill>
+          </a:ln>
+          <a:effectLst>
+            <a:innerShdw blurRad="254000">
+              <a:schemeClr val="bg1"/>
+            </a:innerShdw>
+          </a:effectLst>
+        </p:spPr>
+        <p:style>
+          <a:lnRef idx="2">
+            <a:schemeClr val="accent1">
+              <a:shade val="15000"/>
+            </a:schemeClr>
+          </a:lnRef>
+          <a:fillRef idx="1">
+            <a:schemeClr val="accent1"/>
+          </a:fillRef>
+          <a:effectRef idx="0">
+            <a:schemeClr val="accent1"/>
+          </a:effectRef>
+          <a:fontRef idx="minor">
+            <a:schemeClr val="lt1"/>
+          </a:fontRef>
+        </p:style>
+        <p:txBody>
+          <a:bodyPr rtlCol="0" anchor="ctr"/>
+          <a:lstStyle/>
+          <a:p>
+            <a:pPr algn="ctr"/>
+            <a:endParaRPr lang="hu-HU" dirty="0"/>
+          </a:p>
+        </p:txBody>
+      </p:sp>
+      <p:pic>
+        <p:nvPicPr>
+          <p:cNvPr id="16" name="Kép 15" descr="A képen Betűtípus, Grafika, embléma, Grafikus tervezés látható&#10;&#10;Automatikusan generált leírás">
+            <a:extLst>
+              <a:ext uri="{FF2B5EF4-FFF2-40B4-BE49-F238E27FC236}">
+                <a16:creationId xmlns:a16="http://schemas.microsoft.com/office/drawing/2014/main" id="{9883CE8C-9286-4615-EA0A-CBB377DC328A}"/>
+              </a:ext>
+            </a:extLst>
+          </p:cNvPr>
+          <p:cNvPicPr>
+            <a:picLocks noChangeAspect="1"/>
+          </p:cNvPicPr>
+          <p:nvPr/>
+        </p:nvPicPr>
+        <p:blipFill>
+          <a:blip r:embed="rId4">
+            <a:extLst>
+              <a:ext uri="{28A0092B-C50C-407E-A947-70E740481C1C}">
+                <a14:useLocalDpi xmlns:a14="http://schemas.microsoft.com/office/drawing/2010/main" val="0"/>
+              </a:ext>
+            </a:extLst>
+          </a:blip>
+          <a:stretch>
+            <a:fillRect/>
+          </a:stretch>
+        </p:blipFill>
+        <p:spPr>
+          <a:xfrm>
+            <a:off x="6685139" y="-3156117"/>
+            <a:ext cx="2903361" cy="1841155"/>
+          </a:xfrm>
+          <a:prstGeom prst="rect">
+            <a:avLst/>
+          </a:prstGeom>
+        </p:spPr>
+      </p:pic>
+      <p:sp useBgFill="1">
+        <p:nvSpPr>
+          <p:cNvPr id="2" name="Téglalap: lekerekített 1">
+            <a:extLst>
+              <a:ext uri="{FF2B5EF4-FFF2-40B4-BE49-F238E27FC236}">
+                <a16:creationId xmlns:a16="http://schemas.microsoft.com/office/drawing/2014/main" id="{9FB5A313-C0E0-2925-9C25-E22555E7A341}"/>
+              </a:ext>
+            </a:extLst>
+          </p:cNvPr>
+          <p:cNvSpPr/>
+          <p:nvPr/>
+        </p:nvSpPr>
+        <p:spPr>
+          <a:xfrm>
+            <a:off x="1813914" y="-3687278"/>
+            <a:ext cx="3613997" cy="1864316"/>
+          </a:xfrm>
+          <a:prstGeom prst="roundRect">
+            <a:avLst/>
+          </a:prstGeom>
+          <a:ln>
+            <a:solidFill>
+              <a:schemeClr val="accent1">
+                <a:shade val="15000"/>
+              </a:schemeClr>
+            </a:solidFill>
+          </a:ln>
+          <a:effectLst>
+            <a:innerShdw blurRad="254000">
+              <a:schemeClr val="bg1"/>
+            </a:innerShdw>
+          </a:effectLst>
+        </p:spPr>
+        <p:style>
+          <a:lnRef idx="2">
+            <a:schemeClr val="accent1">
+              <a:shade val="15000"/>
+            </a:schemeClr>
+          </a:lnRef>
+          <a:fillRef idx="1">
+            <a:schemeClr val="accent1"/>
+          </a:fillRef>
+          <a:effectRef idx="0">
+            <a:schemeClr val="accent1"/>
+          </a:effectRef>
+          <a:fontRef idx="minor">
+            <a:schemeClr val="lt1"/>
+          </a:fontRef>
+        </p:style>
+        <p:txBody>
+          <a:bodyPr rtlCol="0" anchor="ctr"/>
+          <a:lstStyle/>
+          <a:p>
+            <a:pPr algn="ctr"/>
+            <a:endParaRPr lang="hu-HU" dirty="0"/>
+          </a:p>
+        </p:txBody>
+      </p:sp>
+      <p:pic>
+        <p:nvPicPr>
+          <p:cNvPr id="15" name="Kép 14" descr="A képen szöveg, Grafika, Betűtípus, szimbólum látható&#10;&#10;Automatikusan generált leírás">
+            <a:extLst>
+              <a:ext uri="{FF2B5EF4-FFF2-40B4-BE49-F238E27FC236}">
+                <a16:creationId xmlns:a16="http://schemas.microsoft.com/office/drawing/2014/main" id="{5921782C-15EC-6A91-BE26-BAB571D2E13B}"/>
+              </a:ext>
+            </a:extLst>
+          </p:cNvPr>
+          <p:cNvPicPr>
+            <a:picLocks noChangeAspect="1"/>
+          </p:cNvPicPr>
+          <p:nvPr/>
+        </p:nvPicPr>
+        <p:blipFill rotWithShape="1">
+          <a:blip r:embed="rId5">
+            <a:extLst>
+              <a:ext uri="{28A0092B-C50C-407E-A947-70E740481C1C}">
+                <a14:useLocalDpi xmlns:a14="http://schemas.microsoft.com/office/drawing/2010/main" val="0"/>
+              </a:ext>
+            </a:extLst>
+          </a:blip>
+          <a:srcRect l="21440" t="20172" r="20828" b="25427"/>
+          <a:stretch/>
+        </p:blipFill>
+        <p:spPr>
+          <a:xfrm>
+            <a:off x="2310702" y="-3449578"/>
+            <a:ext cx="2620420" cy="1388915"/>
+          </a:xfrm>
+          <a:prstGeom prst="rect">
+            <a:avLst/>
+          </a:prstGeom>
+        </p:spPr>
+      </p:pic>
+      <p:sp useBgFill="1">
+        <p:nvSpPr>
+          <p:cNvPr id="3" name="Téglalap: lekerekített 2">
+            <a:extLst>
+              <a:ext uri="{FF2B5EF4-FFF2-40B4-BE49-F238E27FC236}">
+                <a16:creationId xmlns:a16="http://schemas.microsoft.com/office/drawing/2014/main" id="{CB3D9B9F-8278-E0D5-8B89-6CC0CD38F1A8}"/>
+              </a:ext>
+            </a:extLst>
+          </p:cNvPr>
+          <p:cNvSpPr/>
+          <p:nvPr/>
+        </p:nvSpPr>
+        <p:spPr>
+          <a:xfrm>
+            <a:off x="526171" y="436815"/>
+            <a:ext cx="11115933" cy="5984370"/>
+          </a:xfrm>
+          <a:prstGeom prst="roundRect">
+            <a:avLst/>
+          </a:prstGeom>
+          <a:ln>
+            <a:solidFill>
+              <a:schemeClr val="accent1">
+                <a:shade val="15000"/>
+              </a:schemeClr>
+            </a:solidFill>
+          </a:ln>
+          <a:effectLst>
+            <a:innerShdw blurRad="254000">
+              <a:schemeClr val="bg1"/>
+            </a:innerShdw>
+          </a:effectLst>
+        </p:spPr>
+        <p:style>
+          <a:lnRef idx="2">
+            <a:schemeClr val="accent1">
+              <a:shade val="15000"/>
+            </a:schemeClr>
+          </a:lnRef>
+          <a:fillRef idx="1">
+            <a:schemeClr val="accent1"/>
+          </a:fillRef>
+          <a:effectRef idx="0">
+            <a:schemeClr val="accent1"/>
+          </a:effectRef>
+          <a:fontRef idx="minor">
+            <a:schemeClr val="lt1"/>
+          </a:fontRef>
+        </p:style>
+        <p:txBody>
+          <a:bodyPr rtlCol="0" anchor="ctr"/>
+          <a:lstStyle/>
+          <a:p>
+            <a:pPr algn="ctr"/>
+            <a:endParaRPr lang="hu-HU" dirty="0"/>
+          </a:p>
+        </p:txBody>
+      </p:sp>
+      <p:sp useBgFill="1">
+        <p:nvSpPr>
+          <p:cNvPr id="4" name="Téglalap: lekerekített 3">
+            <a:extLst>
+              <a:ext uri="{FF2B5EF4-FFF2-40B4-BE49-F238E27FC236}">
+                <a16:creationId xmlns:a16="http://schemas.microsoft.com/office/drawing/2014/main" id="{D623A749-9D0D-906D-843C-1148DD6267BD}"/>
+              </a:ext>
+            </a:extLst>
+          </p:cNvPr>
+          <p:cNvSpPr/>
+          <p:nvPr/>
+        </p:nvSpPr>
+        <p:spPr>
+          <a:xfrm>
+            <a:off x="4516917" y="9274134"/>
+            <a:ext cx="3134442" cy="2557444"/>
+          </a:xfrm>
+          <a:prstGeom prst="roundRect">
+            <a:avLst/>
+          </a:prstGeom>
+          <a:ln>
+            <a:solidFill>
+              <a:schemeClr val="accent1">
+                <a:shade val="15000"/>
+              </a:schemeClr>
+            </a:solidFill>
+          </a:ln>
+          <a:effectLst>
+            <a:innerShdw blurRad="254000">
+              <a:schemeClr val="bg1"/>
+            </a:innerShdw>
+          </a:effectLst>
+        </p:spPr>
+        <p:style>
+          <a:lnRef idx="2">
+            <a:schemeClr val="accent1">
+              <a:shade val="15000"/>
+            </a:schemeClr>
+          </a:lnRef>
+          <a:fillRef idx="1">
+            <a:schemeClr val="accent1"/>
+          </a:fillRef>
+          <a:effectRef idx="0">
+            <a:schemeClr val="accent1"/>
+          </a:effectRef>
+          <a:fontRef idx="minor">
+            <a:schemeClr val="lt1"/>
+          </a:fontRef>
+        </p:style>
+        <p:txBody>
+          <a:bodyPr rtlCol="0" anchor="ctr"/>
+          <a:lstStyle/>
+          <a:p>
+            <a:pPr algn="ctr"/>
+            <a:endParaRPr lang="hu-HU" dirty="0"/>
+          </a:p>
+        </p:txBody>
+      </p:sp>
+      <p:sp useBgFill="1">
+        <p:nvSpPr>
+          <p:cNvPr id="5" name="Téglalap: lekerekített 4">
+            <a:extLst>
+              <a:ext uri="{FF2B5EF4-FFF2-40B4-BE49-F238E27FC236}">
+                <a16:creationId xmlns:a16="http://schemas.microsoft.com/office/drawing/2014/main" id="{3499E01B-F177-C636-109D-6D15D06FD3E1}"/>
+              </a:ext>
+            </a:extLst>
+          </p:cNvPr>
+          <p:cNvSpPr/>
+          <p:nvPr/>
+        </p:nvSpPr>
+        <p:spPr>
+          <a:xfrm>
+            <a:off x="8530131" y="9782134"/>
+            <a:ext cx="3134442" cy="2557444"/>
+          </a:xfrm>
+          <a:prstGeom prst="roundRect">
+            <a:avLst/>
+          </a:prstGeom>
+          <a:ln>
+            <a:solidFill>
+              <a:schemeClr val="accent1">
+                <a:shade val="15000"/>
+              </a:schemeClr>
+            </a:solidFill>
+          </a:ln>
+          <a:effectLst>
+            <a:innerShdw blurRad="254000">
+              <a:schemeClr val="bg1"/>
+            </a:innerShdw>
+          </a:effectLst>
+        </p:spPr>
+        <p:style>
+          <a:lnRef idx="2">
+            <a:schemeClr val="accent1">
+              <a:shade val="15000"/>
+            </a:schemeClr>
+          </a:lnRef>
+          <a:fillRef idx="1">
+            <a:schemeClr val="accent1"/>
+          </a:fillRef>
+          <a:effectRef idx="0">
+            <a:schemeClr val="accent1"/>
+          </a:effectRef>
+          <a:fontRef idx="minor">
+            <a:schemeClr val="lt1"/>
+          </a:fontRef>
+        </p:style>
+        <p:txBody>
+          <a:bodyPr rtlCol="0" anchor="ctr"/>
+          <a:lstStyle/>
+          <a:p>
+            <a:pPr algn="ctr"/>
+            <a:endParaRPr lang="hu-HU" dirty="0"/>
+          </a:p>
+        </p:txBody>
+      </p:sp>
+      <p:sp>
+        <p:nvSpPr>
+          <p:cNvPr id="7" name="Szövegdoboz 6">
+            <a:extLst>
+              <a:ext uri="{FF2B5EF4-FFF2-40B4-BE49-F238E27FC236}">
+                <a16:creationId xmlns:a16="http://schemas.microsoft.com/office/drawing/2014/main" id="{7FC638A6-9CEA-AA91-51A7-E32F83105017}"/>
+              </a:ext>
+            </a:extLst>
+          </p:cNvPr>
+          <p:cNvSpPr txBox="1"/>
+          <p:nvPr/>
+        </p:nvSpPr>
+        <p:spPr>
+          <a:xfrm>
+            <a:off x="5342563" y="2644170"/>
+            <a:ext cx="5147352" cy="1569660"/>
+          </a:xfrm>
+          <a:prstGeom prst="rect">
+            <a:avLst/>
+          </a:prstGeom>
+          <a:noFill/>
+        </p:spPr>
+        <p:txBody>
+          <a:bodyPr wrap="square" rtlCol="0">
+            <a:spAutoFit/>
+          </a:bodyPr>
+          <a:lstStyle/>
+          <a:p>
+            <a:r>
+              <a:rPr lang="hu-HU" sz="9600" dirty="0">
+                <a:solidFill>
+                  <a:schemeClr val="bg1"/>
+                </a:solidFill>
+              </a:rPr>
+              <a:t>3</a:t>
+            </a:r>
+          </a:p>
+        </p:txBody>
+      </p:sp>
+    </p:spTree>
+    <p:extLst>
+      <p:ext uri="{BB962C8B-B14F-4D97-AF65-F5344CB8AC3E}">
+        <p14:creationId xmlns:p14="http://schemas.microsoft.com/office/powerpoint/2010/main" val="1338035232"/>
+      </p:ext>
+    </p:extLst>
+  </p:cSld>
+  <p:clrMapOvr>
+    <a:masterClrMapping/>
+  </p:clrMapOvr>
   <mc:AlternateContent xmlns:mc="http://schemas.openxmlformats.org/markup-compatibility/2006">
     <mc:Choice xmlns:p159="http://schemas.microsoft.com/office/powerpoint/2015/09/main" Requires="p159">
       <p:transition>
@@ -6114,7 +7182,7 @@
 </p:sld>
 </file>
 
-<file path=ppt/slides/slide6.xml><?xml version="1.0" encoding="utf-8"?>
+<file path=ppt/slides/slide7.xml><?xml version="1.0" encoding="utf-8"?>
 <p:sld xmlns:a="http://schemas.openxmlformats.org/drawingml/2006/main" xmlns:r="http://schemas.openxmlformats.org/officeDocument/2006/relationships" xmlns:p="http://schemas.openxmlformats.org/presentationml/2006/main">
   <p:cSld>
     <p:bg>
@@ -6513,8 +7581,8 @@
             </a:p>
           </p:txBody>
         </p:sp>
-        <mc:AlternateContent xmlns:mc="http://schemas.openxmlformats.org/markup-compatibility/2006">
-          <mc:Choice xmlns:pslz="http://schemas.microsoft.com/office/powerpoint/2016/slidezoom" Requires="pslz">
+        <mc:AlternateContent xmlns:mc="http://schemas.openxmlformats.org/markup-compatibility/2006" xmlns:pslz="http://schemas.microsoft.com/office/powerpoint/2016/slidezoom">
+          <mc:Choice Requires="pslz">
             <p:graphicFrame>
               <p:nvGraphicFramePr>
                 <p:cNvPr id="8" name="Dia nagyítása 7">
@@ -6579,7 +7647,7 @@
               </a:graphic>
             </p:graphicFrame>
           </mc:Choice>
-          <mc:Fallback>
+          <mc:Fallback xmlns="">
             <p:pic>
               <p:nvPicPr>
                 <p:cNvPr id="8" name="Dia nagyítása 7">
@@ -6596,7 +7664,7 @@
                 <p:nvPr/>
               </p:nvPicPr>
               <p:blipFill>
-                <a:blip r:embed="rId6"/>
+                <a:blip r:embed="rId8"/>
                 <a:stretch>
                   <a:fillRect/>
                 </a:stretch>
@@ -6668,8 +7736,8 @@
           </a:p>
         </p:txBody>
       </p:sp>
-      <mc:AlternateContent xmlns:mc="http://schemas.openxmlformats.org/markup-compatibility/2006">
-        <mc:Choice xmlns:pslz="http://schemas.microsoft.com/office/powerpoint/2016/slidezoom" Requires="pslz">
+      <mc:AlternateContent xmlns:mc="http://schemas.openxmlformats.org/markup-compatibility/2006" xmlns:pslz="http://schemas.microsoft.com/office/powerpoint/2016/slidezoom">
+        <mc:Choice Requires="pslz">
           <p:graphicFrame>
             <p:nvGraphicFramePr>
               <p:cNvPr id="17" name="Dia nagyítása 16">
@@ -6700,7 +7768,7 @@
                   <pslz:sldZmObj sldId="269" cId="4035598141">
                     <pslz:zmPr id="{414F6D8F-5412-493B-997D-D4BFFA1E6AC3}" imageType="cover" transitionDur="1000">
                       <p166:blipFill xmlns:p166="http://schemas.microsoft.com/office/powerpoint/2016/6/main">
-                        <a:blip r:embed="rId8">
+                        <a:blip r:embed="rId9">
                           <a:extLst>
                             <a:ext uri="{28A0092B-C50C-407E-A947-70E740481C1C}">
                               <a14:useLocalDpi xmlns:a14="http://schemas.microsoft.com/office/drawing/2010/main" val="0"/>
@@ -6730,11 +7798,11 @@
             </a:graphic>
           </p:graphicFrame>
         </mc:Choice>
-        <mc:Fallback>
+        <mc:Fallback xmlns="">
           <p:pic>
             <p:nvPicPr>
               <p:cNvPr id="17" name="Dia nagyítása 16">
-                <a:hlinkClick r:id="rId9" action="ppaction://hlinksldjump"/>
+                <a:hlinkClick r:id="rId10" action="ppaction://hlinksldjump"/>
                 <a:extLst>
                   <a:ext uri="{FF2B5EF4-FFF2-40B4-BE49-F238E27FC236}">
                     <a16:creationId xmlns:a16="http://schemas.microsoft.com/office/drawing/2014/main" id="{427AFAFE-8344-C053-C52E-AAD1F72485B1}"/>
@@ -6747,7 +7815,7 @@
               <p:nvPr/>
             </p:nvPicPr>
             <p:blipFill>
-              <a:blip r:embed="rId8">
+              <a:blip r:embed="rId11">
                 <a:extLst>
                   <a:ext uri="{28A0092B-C50C-407E-A947-70E740481C1C}">
                     <a14:useLocalDpi xmlns:a14="http://schemas.microsoft.com/office/drawing/2010/main" val="0"/>
@@ -6824,13 +7892,13 @@
   <p:clrMapOvr>
     <a:masterClrMapping/>
   </p:clrMapOvr>
-  <mc:AlternateContent xmlns:mc="http://schemas.openxmlformats.org/markup-compatibility/2006">
-    <mc:Choice xmlns:p159="http://schemas.microsoft.com/office/powerpoint/2015/09/main" Requires="p159">
+  <mc:AlternateContent xmlns:mc="http://schemas.openxmlformats.org/markup-compatibility/2006" xmlns:p159="http://schemas.microsoft.com/office/powerpoint/2015/09/main">
+    <mc:Choice Requires="p159">
       <p:transition xmlns:p14="http://schemas.microsoft.com/office/powerpoint/2010/main" spd="slow" p14:dur="1500">
         <p159:morph option="byObject"/>
       </p:transition>
     </mc:Choice>
-    <mc:Fallback>
+    <mc:Fallback xmlns="">
       <p:transition spd="slow">
         <p:fade/>
       </p:transition>

--- a/workshop III..pptx
+++ b/workshop III..pptx
@@ -11,7 +11,7 @@
     <p:sldId id="268" r:id="rId5"/>
     <p:sldId id="269" r:id="rId6"/>
     <p:sldId id="271" r:id="rId7"/>
-    <p:sldId id="270" r:id="rId8"/>
+    <p:sldId id="272" r:id="rId8"/>
   </p:sldIdLst>
   <p:sldSz cx="12192000" cy="6858000"/>
   <p:notesSz cx="6858000" cy="9144000"/>
@@ -265,7 +265,7 @@
           <a:p>
             <a:fld id="{6129DD96-5E77-4586-A2B9-E5BB275D3AE2}" type="datetimeFigureOut">
               <a:rPr lang="hu-HU" smtClean="0"/>
-              <a:t>2024. 01. 08.</a:t>
+              <a:t>2024. 01. 18.</a:t>
             </a:fld>
             <a:endParaRPr lang="hu-HU"/>
           </a:p>
@@ -463,7 +463,7 @@
           <a:p>
             <a:fld id="{6129DD96-5E77-4586-A2B9-E5BB275D3AE2}" type="datetimeFigureOut">
               <a:rPr lang="hu-HU" smtClean="0"/>
-              <a:t>2024. 01. 08.</a:t>
+              <a:t>2024. 01. 18.</a:t>
             </a:fld>
             <a:endParaRPr lang="hu-HU"/>
           </a:p>
@@ -671,7 +671,7 @@
           <a:p>
             <a:fld id="{6129DD96-5E77-4586-A2B9-E5BB275D3AE2}" type="datetimeFigureOut">
               <a:rPr lang="hu-HU" smtClean="0"/>
-              <a:t>2024. 01. 08.</a:t>
+              <a:t>2024. 01. 18.</a:t>
             </a:fld>
             <a:endParaRPr lang="hu-HU"/>
           </a:p>
@@ -869,7 +869,7 @@
           <a:p>
             <a:fld id="{6129DD96-5E77-4586-A2B9-E5BB275D3AE2}" type="datetimeFigureOut">
               <a:rPr lang="hu-HU" smtClean="0"/>
-              <a:t>2024. 01. 08.</a:t>
+              <a:t>2024. 01. 18.</a:t>
             </a:fld>
             <a:endParaRPr lang="hu-HU"/>
           </a:p>
@@ -1144,7 +1144,7 @@
           <a:p>
             <a:fld id="{6129DD96-5E77-4586-A2B9-E5BB275D3AE2}" type="datetimeFigureOut">
               <a:rPr lang="hu-HU" smtClean="0"/>
-              <a:t>2024. 01. 08.</a:t>
+              <a:t>2024. 01. 18.</a:t>
             </a:fld>
             <a:endParaRPr lang="hu-HU"/>
           </a:p>
@@ -1409,7 +1409,7 @@
           <a:p>
             <a:fld id="{6129DD96-5E77-4586-A2B9-E5BB275D3AE2}" type="datetimeFigureOut">
               <a:rPr lang="hu-HU" smtClean="0"/>
-              <a:t>2024. 01. 08.</a:t>
+              <a:t>2024. 01. 18.</a:t>
             </a:fld>
             <a:endParaRPr lang="hu-HU"/>
           </a:p>
@@ -1821,7 +1821,7 @@
           <a:p>
             <a:fld id="{6129DD96-5E77-4586-A2B9-E5BB275D3AE2}" type="datetimeFigureOut">
               <a:rPr lang="hu-HU" smtClean="0"/>
-              <a:t>2024. 01. 08.</a:t>
+              <a:t>2024. 01. 18.</a:t>
             </a:fld>
             <a:endParaRPr lang="hu-HU"/>
           </a:p>
@@ -1962,7 +1962,7 @@
           <a:p>
             <a:fld id="{6129DD96-5E77-4586-A2B9-E5BB275D3AE2}" type="datetimeFigureOut">
               <a:rPr lang="hu-HU" smtClean="0"/>
-              <a:t>2024. 01. 08.</a:t>
+              <a:t>2024. 01. 18.</a:t>
             </a:fld>
             <a:endParaRPr lang="hu-HU"/>
           </a:p>
@@ -2075,7 +2075,7 @@
           <a:p>
             <a:fld id="{6129DD96-5E77-4586-A2B9-E5BB275D3AE2}" type="datetimeFigureOut">
               <a:rPr lang="hu-HU" smtClean="0"/>
-              <a:t>2024. 01. 08.</a:t>
+              <a:t>2024. 01. 18.</a:t>
             </a:fld>
             <a:endParaRPr lang="hu-HU"/>
           </a:p>
@@ -2386,7 +2386,7 @@
           <a:p>
             <a:fld id="{6129DD96-5E77-4586-A2B9-E5BB275D3AE2}" type="datetimeFigureOut">
               <a:rPr lang="hu-HU" smtClean="0"/>
-              <a:t>2024. 01. 08.</a:t>
+              <a:t>2024. 01. 18.</a:t>
             </a:fld>
             <a:endParaRPr lang="hu-HU"/>
           </a:p>
@@ -2674,7 +2674,7 @@
           <a:p>
             <a:fld id="{6129DD96-5E77-4586-A2B9-E5BB275D3AE2}" type="datetimeFigureOut">
               <a:rPr lang="hu-HU" smtClean="0"/>
-              <a:t>2024. 01. 08.</a:t>
+              <a:t>2024. 01. 18.</a:t>
             </a:fld>
             <a:endParaRPr lang="hu-HU"/>
           </a:p>
@@ -2915,7 +2915,7 @@
           <a:p>
             <a:fld id="{6129DD96-5E77-4586-A2B9-E5BB275D3AE2}" type="datetimeFigureOut">
               <a:rPr lang="hu-HU" smtClean="0"/>
-              <a:t>2024. 01. 08.</a:t>
+              <a:t>2024. 01. 18.</a:t>
             </a:fld>
             <a:endParaRPr lang="hu-HU"/>
           </a:p>
@@ -3811,6 +3811,11 @@
             </a:solidFill>
           </a:ln>
           <a:effectLst>
+            <a:glow rad="12700">
+              <a:schemeClr val="bg1">
+                <a:alpha val="40000"/>
+              </a:schemeClr>
+            </a:glow>
             <a:innerShdw blurRad="254000">
               <a:schemeClr val="bg1"/>
             </a:innerShdw>
@@ -4535,8 +4540,8 @@
           </a:p>
         </p:txBody>
       </p:sp>
-      <mc:AlternateContent xmlns:mc="http://schemas.openxmlformats.org/markup-compatibility/2006">
-        <mc:Choice xmlns:pslz="http://schemas.microsoft.com/office/powerpoint/2016/slidezoom" Requires="pslz">
+      <mc:AlternateContent xmlns:mc="http://schemas.openxmlformats.org/markup-compatibility/2006" xmlns:pslz="http://schemas.microsoft.com/office/powerpoint/2016/slidezoom">
+        <mc:Choice Requires="pslz">
           <p:graphicFrame>
             <p:nvGraphicFramePr>
               <p:cNvPr id="19" name="Dia nagyítása 18">
@@ -4601,7 +4606,7 @@
             </a:graphic>
           </p:graphicFrame>
         </mc:Choice>
-        <mc:Fallback>
+        <mc:Fallback xmlns="">
           <p:pic>
             <p:nvPicPr>
               <p:cNvPr id="19" name="Dia nagyítása 18">
@@ -4618,7 +4623,7 @@
               <p:nvPr/>
             </p:nvPicPr>
             <p:blipFill>
-              <a:blip r:embed="rId9"/>
+              <a:blip r:embed="rId11"/>
               <a:stretch>
                 <a:fillRect/>
               </a:stretch>
@@ -4855,6 +4860,69 @@
           </a:extLst>
         </p:spPr>
       </p:pic>
+      <p:sp useBgFill="1">
+        <p:nvSpPr>
+          <p:cNvPr id="6" name="Téglalap: lekerekített 5">
+            <a:extLst>
+              <a:ext uri="{FF2B5EF4-FFF2-40B4-BE49-F238E27FC236}">
+                <a16:creationId xmlns:a16="http://schemas.microsoft.com/office/drawing/2014/main" id="{F9CFCAA7-1450-6C9B-F16C-CA55EA818FF0}"/>
+              </a:ext>
+            </a:extLst>
+          </p:cNvPr>
+          <p:cNvSpPr/>
+          <p:nvPr/>
+        </p:nvSpPr>
+        <p:spPr>
+          <a:xfrm>
+            <a:off x="23723" y="62759"/>
+            <a:ext cx="1659043" cy="850462"/>
+          </a:xfrm>
+          <a:prstGeom prst="roundRect">
+            <a:avLst/>
+          </a:prstGeom>
+          <a:ln>
+            <a:solidFill>
+              <a:schemeClr val="accent1">
+                <a:shade val="15000"/>
+              </a:schemeClr>
+            </a:solidFill>
+          </a:ln>
+          <a:effectLst>
+            <a:glow rad="12700">
+              <a:schemeClr val="bg1">
+                <a:alpha val="40000"/>
+              </a:schemeClr>
+            </a:glow>
+            <a:innerShdw blurRad="254000">
+              <a:schemeClr val="bg1"/>
+            </a:innerShdw>
+          </a:effectLst>
+        </p:spPr>
+        <p:style>
+          <a:lnRef idx="2">
+            <a:schemeClr val="accent1">
+              <a:shade val="15000"/>
+            </a:schemeClr>
+          </a:lnRef>
+          <a:fillRef idx="1">
+            <a:schemeClr val="accent1"/>
+          </a:fillRef>
+          <a:effectRef idx="0">
+            <a:schemeClr val="accent1"/>
+          </a:effectRef>
+          <a:fontRef idx="minor">
+            <a:schemeClr val="lt1"/>
+          </a:fontRef>
+        </p:style>
+        <p:txBody>
+          <a:bodyPr rtlCol="0" anchor="ctr"/>
+          <a:lstStyle/>
+          <a:p>
+            <a:pPr algn="ctr"/>
+            <a:endParaRPr lang="hu-HU" dirty="0"/>
+          </a:p>
+        </p:txBody>
+      </p:sp>
       <p:pic>
         <p:nvPicPr>
           <p:cNvPr id="16" name="Kép 15" descr="A képen Betűtípus, Grafika, embléma, Grafikus tervezés látható&#10;&#10;Automatikusan generált leírás">
@@ -4883,7 +4951,7 @@
         </p:blipFill>
         <p:spPr>
           <a:xfrm>
-            <a:off x="113635" y="62759"/>
+            <a:off x="203197" y="75765"/>
             <a:ext cx="1300093" cy="824449"/>
           </a:xfrm>
           <a:prstGeom prst="rect">
@@ -5295,8 +5363,8 @@
           </a:p>
         </p:txBody>
       </p:sp>
-      <mc:AlternateContent xmlns:mc="http://schemas.openxmlformats.org/markup-compatibility/2006">
-        <mc:Choice xmlns:pslz="http://schemas.microsoft.com/office/powerpoint/2016/slidezoom" Requires="pslz">
+      <mc:AlternateContent xmlns:mc="http://schemas.openxmlformats.org/markup-compatibility/2006" xmlns:pslz="http://schemas.microsoft.com/office/powerpoint/2016/slidezoom">
+        <mc:Choice Requires="pslz">
           <p:graphicFrame>
             <p:nvGraphicFramePr>
               <p:cNvPr id="17" name="Dia nagyítása 16">
@@ -5312,13 +5380,13 @@
               <p:nvPr>
                 <p:extLst>
                   <p:ext uri="{D42A27DB-BD31-4B8C-83A1-F6EECF244321}">
-                    <p14:modId xmlns:p14="http://schemas.microsoft.com/office/powerpoint/2010/main" val="1415015697"/>
+                    <p14:modId xmlns:p14="http://schemas.microsoft.com/office/powerpoint/2010/main" val="560638274"/>
                   </p:ext>
                 </p:extLst>
               </p:nvPr>
             </p:nvGraphicFramePr>
             <p:xfrm>
-              <a:off x="7006379" y="1274165"/>
+              <a:off x="4646404" y="2832813"/>
               <a:ext cx="2879411" cy="1436852"/>
             </p:xfrm>
             <a:graphic>
@@ -5357,7 +5425,7 @@
             </a:graphic>
           </p:graphicFrame>
         </mc:Choice>
-        <mc:Fallback>
+        <mc:Fallback xmlns="">
           <p:pic>
             <p:nvPicPr>
               <p:cNvPr id="17" name="Dia nagyítása 16">
@@ -5374,7 +5442,7 @@
               <p:nvPr/>
             </p:nvPicPr>
             <p:blipFill>
-              <a:blip r:embed="rId8">
+              <a:blip r:embed="rId10">
                 <a:extLst>
                   <a:ext uri="{28A0092B-C50C-407E-A947-70E740481C1C}">
                     <a14:useLocalDpi xmlns:a14="http://schemas.microsoft.com/office/drawing/2010/main" val="0"/>
@@ -5387,7 +5455,7 @@
             </p:blipFill>
             <p:spPr>
               <a:xfrm>
-                <a:off x="7006379" y="1274165"/>
+                <a:off x="4646404" y="2832813"/>
                 <a:ext cx="2879411" cy="1436852"/>
               </a:xfrm>
               <a:prstGeom prst="rect">
@@ -5400,8 +5468,8 @@
           </p:pic>
         </mc:Fallback>
       </mc:AlternateContent>
-      <mc:AlternateContent xmlns:mc="http://schemas.openxmlformats.org/markup-compatibility/2006">
-        <mc:Choice xmlns:pslz="http://schemas.microsoft.com/office/powerpoint/2016/slidezoom" Requires="pslz">
+      <mc:AlternateContent xmlns:mc="http://schemas.openxmlformats.org/markup-compatibility/2006" xmlns:pslz="http://schemas.microsoft.com/office/powerpoint/2016/slidezoom">
+        <mc:Choice Requires="pslz">
           <p:graphicFrame>
             <p:nvGraphicFramePr>
               <p:cNvPr id="12" name="Dia nagyítása 11">
@@ -5417,7 +5485,7 @@
               <p:nvPr>
                 <p:extLst>
                   <p:ext uri="{D42A27DB-BD31-4B8C-83A1-F6EECF244321}">
-                    <p14:modId xmlns:p14="http://schemas.microsoft.com/office/powerpoint/2010/main" val="2784270212"/>
+                    <p14:modId xmlns:p14="http://schemas.microsoft.com/office/powerpoint/2010/main" val="2809906257"/>
                   </p:ext>
                 </p:extLst>
               </p:nvPr>
@@ -5430,9 +5498,9 @@
               <a:graphicData uri="http://schemas.microsoft.com/office/powerpoint/2016/slidezoom">
                 <pslz:sldZm>
                   <pslz:sldZmObj sldId="271" cId="1338035232">
-                    <pslz:zmPr id="{BD4BEC53-3C9C-4F8C-8E01-6F8DF8F1F6EF}" returnToParent="0" transitionDur="1000">
+                    <pslz:zmPr id="{BD4BEC53-3C9C-4F8C-8E01-6F8DF8F1F6EF}" transitionDur="1000">
                       <p166:blipFill xmlns:p166="http://schemas.microsoft.com/office/powerpoint/2016/6/main">
-                        <a:blip r:embed="rId10"/>
+                        <a:blip r:embed="rId11"/>
                         <a:stretch>
                           <a:fillRect/>
                         </a:stretch>
@@ -5466,11 +5534,11 @@
             </a:graphic>
           </p:graphicFrame>
         </mc:Choice>
-        <mc:Fallback>
+        <mc:Fallback xmlns="">
           <p:pic>
             <p:nvPicPr>
               <p:cNvPr id="12" name="Dia nagyítása 11">
-                <a:hlinkClick r:id="rId11" action="ppaction://hlinksldjump"/>
+                <a:hlinkClick r:id="rId12" action="ppaction://hlinksldjump"/>
                 <a:extLst>
                   <a:ext uri="{FF2B5EF4-FFF2-40B4-BE49-F238E27FC236}">
                     <a16:creationId xmlns:a16="http://schemas.microsoft.com/office/drawing/2014/main" id="{B439089A-44BD-3B97-07B5-758C386186F3}"/>
@@ -5483,7 +5551,7 @@
               <p:nvPr/>
             </p:nvPicPr>
             <p:blipFill>
-              <a:blip r:embed="rId10"/>
+              <a:blip r:embed="rId13"/>
               <a:stretch>
                 <a:fillRect/>
               </a:stretch>
@@ -5576,7 +5644,7 @@
           <p:nvPr/>
         </p:nvPicPr>
         <p:blipFill rotWithShape="1">
-          <a:blip r:embed="rId12">
+          <a:blip r:embed="rId14">
             <a:extLst>
               <a:ext uri="{28A0092B-C50C-407E-A947-70E740481C1C}">
                 <a14:useLocalDpi xmlns:a14="http://schemas.microsoft.com/office/drawing/2010/main" val="0"/>
@@ -6130,13 +6198,16 @@
         </p:nvSpPr>
         <p:spPr>
           <a:xfrm>
-            <a:off x="5342563" y="2644170"/>
-            <a:ext cx="5147352" cy="1569660"/>
+            <a:off x="3890432" y="2705725"/>
+            <a:ext cx="4825762" cy="1446550"/>
           </a:xfrm>
           <a:prstGeom prst="rect">
             <a:avLst/>
           </a:prstGeom>
           <a:noFill/>
+          <a:ln>
+            <a:noFill/>
+          </a:ln>
         </p:spPr>
         <p:txBody>
           <a:bodyPr wrap="square" rtlCol="0">
@@ -6145,13 +6216,28 @@
           <a:lstStyle/>
           <a:p>
             <a:r>
-              <a:rPr lang="hu-HU" sz="9600" dirty="0">
+              <a:rPr lang="hu-HU" sz="8800" dirty="0" err="1">
+                <a:ln>
+                  <a:solidFill>
+                    <a:schemeClr val="tx1"/>
+                  </a:solidFill>
+                </a:ln>
                 <a:solidFill>
                   <a:schemeClr val="bg1"/>
                 </a:solidFill>
               </a:rPr>
-              <a:t>1</a:t>
+              <a:t>fileup.site</a:t>
             </a:r>
+            <a:endParaRPr lang="hu-HU" sz="8800" dirty="0">
+              <a:ln>
+                <a:solidFill>
+                  <a:schemeClr val="tx1"/>
+                </a:solidFill>
+              </a:ln>
+              <a:solidFill>
+                <a:schemeClr val="bg1"/>
+              </a:solidFill>
+            </a:endParaRPr>
           </a:p>
         </p:txBody>
       </p:sp>
@@ -6631,8 +6717,8 @@
         </p:nvSpPr>
         <p:spPr>
           <a:xfrm>
-            <a:off x="5342563" y="2644170"/>
-            <a:ext cx="5147352" cy="1569660"/>
+            <a:off x="4191396" y="2069111"/>
+            <a:ext cx="5147352" cy="2800767"/>
           </a:xfrm>
           <a:prstGeom prst="rect">
             <a:avLst/>
@@ -6646,12 +6732,17 @@
           <a:lstStyle/>
           <a:p>
             <a:r>
-              <a:rPr lang="hu-HU" sz="9600" dirty="0">
+              <a:rPr lang="hu-HU" sz="8800" dirty="0">
+                <a:ln>
+                  <a:solidFill>
+                    <a:schemeClr val="tx1"/>
+                  </a:solidFill>
+                </a:ln>
                 <a:solidFill>
                   <a:schemeClr val="bg1"/>
                 </a:solidFill>
               </a:rPr>
-              <a:t>2</a:t>
+              <a:t>Miért hoztuk? </a:t>
             </a:r>
           </a:p>
         </p:txBody>
@@ -7167,13 +7258,13 @@
   <p:clrMapOvr>
     <a:masterClrMapping/>
   </p:clrMapOvr>
-  <mc:AlternateContent xmlns:mc="http://schemas.openxmlformats.org/markup-compatibility/2006">
-    <mc:Choice xmlns:p159="http://schemas.microsoft.com/office/powerpoint/2015/09/main" Requires="p159">
+  <mc:AlternateContent xmlns:mc="http://schemas.openxmlformats.org/markup-compatibility/2006" xmlns:p159="http://schemas.microsoft.com/office/powerpoint/2015/09/main">
+    <mc:Choice Requires="p159">
       <p:transition>
         <p159:morph option="byObject"/>
       </p:transition>
     </mc:Choice>
-    <mc:Fallback>
+    <mc:Fallback xmlns="">
       <p:transition>
         <p:fade/>
       </p:transition>
@@ -7272,8 +7363,8 @@
         </p:nvSpPr>
         <p:spPr>
           <a:xfrm>
-            <a:off x="743788" y="695090"/>
-            <a:ext cx="10680700" cy="5467818"/>
+            <a:off x="3156454" y="1306901"/>
+            <a:ext cx="5879092" cy="4215013"/>
           </a:xfrm>
           <a:prstGeom prst="roundRect">
             <a:avLst/>
@@ -7286,6 +7377,11 @@
             </a:solidFill>
           </a:ln>
           <a:effectLst>
+            <a:glow rad="12700">
+              <a:schemeClr val="bg1">
+                <a:alpha val="40000"/>
+              </a:schemeClr>
+            </a:glow>
             <a:innerShdw blurRad="254000">
               <a:schemeClr val="bg1"/>
             </a:innerShdw>
@@ -7344,20 +7440,216 @@
         </p:blipFill>
         <p:spPr>
           <a:xfrm>
-            <a:off x="2865825" y="1388118"/>
-            <a:ext cx="6436625" cy="4081761"/>
+            <a:off x="4191858" y="2132693"/>
+            <a:ext cx="3918454" cy="2484873"/>
           </a:xfrm>
           <a:prstGeom prst="rect">
             <a:avLst/>
           </a:prstGeom>
         </p:spPr>
       </p:pic>
+      <p:pic>
+        <p:nvPicPr>
+          <p:cNvPr id="15" name="Kép 14" descr="A képen szöveg, Grafika, Betűtípus, szimbólum látható&#10;&#10;Automatikusan generált leírás">
+            <a:extLst>
+              <a:ext uri="{FF2B5EF4-FFF2-40B4-BE49-F238E27FC236}">
+                <a16:creationId xmlns:a16="http://schemas.microsoft.com/office/drawing/2014/main" id="{5921782C-15EC-6A91-BE26-BAB571D2E13B}"/>
+              </a:ext>
+            </a:extLst>
+          </p:cNvPr>
+          <p:cNvPicPr>
+            <a:picLocks noChangeAspect="1"/>
+          </p:cNvPicPr>
+          <p:nvPr/>
+        </p:nvPicPr>
+        <p:blipFill rotWithShape="1">
+          <a:blip r:embed="rId5">
+            <a:extLst>
+              <a:ext uri="{28A0092B-C50C-407E-A947-70E740481C1C}">
+                <a14:useLocalDpi xmlns:a14="http://schemas.microsoft.com/office/drawing/2010/main" val="0"/>
+              </a:ext>
+            </a:extLst>
+          </a:blip>
+          <a:srcRect l="21440" t="20172" r="20828" b="25427"/>
+          <a:stretch/>
+        </p:blipFill>
+        <p:spPr>
+          <a:xfrm>
+            <a:off x="-6290720" y="2211251"/>
+            <a:ext cx="4539916" cy="2406315"/>
+          </a:xfrm>
+          <a:prstGeom prst="rect">
+            <a:avLst/>
+          </a:prstGeom>
+        </p:spPr>
+      </p:pic>
+      <p:pic>
+        <p:nvPicPr>
+          <p:cNvPr id="20" name="Kép 19" descr="MacBook Pro">
+            <a:extLst>
+              <a:ext uri="{FF2B5EF4-FFF2-40B4-BE49-F238E27FC236}">
+                <a16:creationId xmlns:a16="http://schemas.microsoft.com/office/drawing/2014/main" id="{21F80F2A-19A2-BE61-98F7-92EB1D6C434B}"/>
+              </a:ext>
+            </a:extLst>
+          </p:cNvPr>
+          <p:cNvPicPr>
+            <a:picLocks noChangeAspect="1" noChangeArrowheads="1"/>
+          </p:cNvPicPr>
+          <p:nvPr/>
+        </p:nvPicPr>
+        <p:blipFill rotWithShape="1">
+          <a:blip r:embed="rId3">
+            <a:extLst>
+              <a:ext uri="{28A0092B-C50C-407E-A947-70E740481C1C}">
+                <a14:useLocalDpi xmlns:a14="http://schemas.microsoft.com/office/drawing/2010/main" val="0"/>
+              </a:ext>
+            </a:extLst>
+          </a:blip>
+          <a:srcRect t="11728" b="17823"/>
+          <a:stretch/>
+        </p:blipFill>
+        <p:spPr bwMode="auto">
+          <a:xfrm>
+            <a:off x="-23724" y="-13370"/>
+            <a:ext cx="12215723" cy="6884741"/>
+          </a:xfrm>
+          <a:custGeom>
+            <a:avLst/>
+            <a:gdLst>
+              <a:gd name="connsiteX0" fmla="*/ 3881240 w 12192000"/>
+              <a:gd name="connsiteY0" fmla="*/ 1321493 h 6871371"/>
+              <a:gd name="connsiteX1" fmla="*/ 3178724 w 12192000"/>
+              <a:gd name="connsiteY1" fmla="*/ 2024009 h 6871371"/>
+              <a:gd name="connsiteX2" fmla="*/ 3178724 w 12192000"/>
+              <a:gd name="connsiteY2" fmla="*/ 4833990 h 6871371"/>
+              <a:gd name="connsiteX3" fmla="*/ 3881240 w 12192000"/>
+              <a:gd name="connsiteY3" fmla="*/ 5536506 h 6871371"/>
+              <a:gd name="connsiteX4" fmla="*/ 8355300 w 12192000"/>
+              <a:gd name="connsiteY4" fmla="*/ 5536506 h 6871371"/>
+              <a:gd name="connsiteX5" fmla="*/ 9057816 w 12192000"/>
+              <a:gd name="connsiteY5" fmla="*/ 4833990 h 6871371"/>
+              <a:gd name="connsiteX6" fmla="*/ 9057816 w 12192000"/>
+              <a:gd name="connsiteY6" fmla="*/ 2024009 h 6871371"/>
+              <a:gd name="connsiteX7" fmla="*/ 8355300 w 12192000"/>
+              <a:gd name="connsiteY7" fmla="*/ 1321493 h 6871371"/>
+              <a:gd name="connsiteX8" fmla="*/ 0 w 12192000"/>
+              <a:gd name="connsiteY8" fmla="*/ 0 h 6871371"/>
+              <a:gd name="connsiteX9" fmla="*/ 12192000 w 12192000"/>
+              <a:gd name="connsiteY9" fmla="*/ 0 h 6871371"/>
+              <a:gd name="connsiteX10" fmla="*/ 12192000 w 12192000"/>
+              <a:gd name="connsiteY10" fmla="*/ 6871371 h 6871371"/>
+              <a:gd name="connsiteX11" fmla="*/ 0 w 12192000"/>
+              <a:gd name="connsiteY11" fmla="*/ 6871371 h 6871371"/>
+            </a:gdLst>
+            <a:ahLst/>
+            <a:cxnLst>
+              <a:cxn ang="0">
+                <a:pos x="connsiteX0" y="connsiteY0"/>
+              </a:cxn>
+              <a:cxn ang="0">
+                <a:pos x="connsiteX1" y="connsiteY1"/>
+              </a:cxn>
+              <a:cxn ang="0">
+                <a:pos x="connsiteX2" y="connsiteY2"/>
+              </a:cxn>
+              <a:cxn ang="0">
+                <a:pos x="connsiteX3" y="connsiteY3"/>
+              </a:cxn>
+              <a:cxn ang="0">
+                <a:pos x="connsiteX4" y="connsiteY4"/>
+              </a:cxn>
+              <a:cxn ang="0">
+                <a:pos x="connsiteX5" y="connsiteY5"/>
+              </a:cxn>
+              <a:cxn ang="0">
+                <a:pos x="connsiteX6" y="connsiteY6"/>
+              </a:cxn>
+              <a:cxn ang="0">
+                <a:pos x="connsiteX7" y="connsiteY7"/>
+              </a:cxn>
+              <a:cxn ang="0">
+                <a:pos x="connsiteX8" y="connsiteY8"/>
+              </a:cxn>
+              <a:cxn ang="0">
+                <a:pos x="connsiteX9" y="connsiteY9"/>
+              </a:cxn>
+              <a:cxn ang="0">
+                <a:pos x="connsiteX10" y="connsiteY10"/>
+              </a:cxn>
+              <a:cxn ang="0">
+                <a:pos x="connsiteX11" y="connsiteY11"/>
+              </a:cxn>
+            </a:cxnLst>
+            <a:rect l="l" t="t" r="r" b="b"/>
+            <a:pathLst>
+              <a:path w="12192000" h="6871371">
+                <a:moveTo>
+                  <a:pt x="3881240" y="1321493"/>
+                </a:moveTo>
+                <a:cubicBezTo>
+                  <a:pt x="3493251" y="1321493"/>
+                  <a:pt x="3178724" y="1636020"/>
+                  <a:pt x="3178724" y="2024009"/>
+                </a:cubicBezTo>
+                <a:lnTo>
+                  <a:pt x="3178724" y="4833990"/>
+                </a:lnTo>
+                <a:cubicBezTo>
+                  <a:pt x="3178724" y="5221979"/>
+                  <a:pt x="3493251" y="5536506"/>
+                  <a:pt x="3881240" y="5536506"/>
+                </a:cubicBezTo>
+                <a:lnTo>
+                  <a:pt x="8355300" y="5536506"/>
+                </a:lnTo>
+                <a:cubicBezTo>
+                  <a:pt x="8743289" y="5536506"/>
+                  <a:pt x="9057816" y="5221979"/>
+                  <a:pt x="9057816" y="4833990"/>
+                </a:cubicBezTo>
+                <a:lnTo>
+                  <a:pt x="9057816" y="2024009"/>
+                </a:lnTo>
+                <a:cubicBezTo>
+                  <a:pt x="9057816" y="1636020"/>
+                  <a:pt x="8743289" y="1321493"/>
+                  <a:pt x="8355300" y="1321493"/>
+                </a:cubicBezTo>
+                <a:close/>
+                <a:moveTo>
+                  <a:pt x="0" y="0"/>
+                </a:moveTo>
+                <a:lnTo>
+                  <a:pt x="12192000" y="0"/>
+                </a:lnTo>
+                <a:lnTo>
+                  <a:pt x="12192000" y="6871371"/>
+                </a:lnTo>
+                <a:lnTo>
+                  <a:pt x="0" y="6871371"/>
+                </a:lnTo>
+                <a:close/>
+              </a:path>
+            </a:pathLst>
+          </a:custGeom>
+          <a:noFill/>
+          <a:extLst>
+            <a:ext uri="{909E8E84-426E-40DD-AFC4-6F175D3DCCD1}">
+              <a14:hiddenFill xmlns:a14="http://schemas.microsoft.com/office/drawing/2010/main">
+                <a:solidFill>
+                  <a:srgbClr val="FFFFFF"/>
+                </a:solidFill>
+              </a14:hiddenFill>
+            </a:ext>
+          </a:extLst>
+        </p:spPr>
+      </p:pic>
       <p:sp useBgFill="1">
         <p:nvSpPr>
-          <p:cNvPr id="4" name="Téglalap: lekerekített 3">
-            <a:extLst>
-              <a:ext uri="{FF2B5EF4-FFF2-40B4-BE49-F238E27FC236}">
-                <a16:creationId xmlns:a16="http://schemas.microsoft.com/office/drawing/2014/main" id="{D623A749-9D0D-906D-843C-1148DD6267BD}"/>
+          <p:cNvPr id="2" name="Téglalap: lekerekített 1">
+            <a:extLst>
+              <a:ext uri="{FF2B5EF4-FFF2-40B4-BE49-F238E27FC236}">
+                <a16:creationId xmlns:a16="http://schemas.microsoft.com/office/drawing/2014/main" id="{D8F1135A-23F9-D726-FEF7-B31C26DD7226}"/>
               </a:ext>
             </a:extLst>
           </p:cNvPr>
@@ -7366,8 +7658,8 @@
         </p:nvSpPr>
         <p:spPr>
           <a:xfrm>
-            <a:off x="4516917" y="13912174"/>
-            <a:ext cx="3134442" cy="2557444"/>
+            <a:off x="-6193733" y="2102574"/>
+            <a:ext cx="4345942" cy="2623666"/>
           </a:xfrm>
           <a:prstGeom prst="roundRect">
             <a:avLst/>
@@ -7410,105 +7702,12 @@
           </a:p>
         </p:txBody>
       </p:sp>
-      <p:pic>
-        <p:nvPicPr>
-          <p:cNvPr id="15" name="Kép 14" descr="A képen szöveg, Grafika, Betűtípus, szimbólum látható&#10;&#10;Automatikusan generált leírás">
-            <a:extLst>
-              <a:ext uri="{FF2B5EF4-FFF2-40B4-BE49-F238E27FC236}">
-                <a16:creationId xmlns:a16="http://schemas.microsoft.com/office/drawing/2014/main" id="{5921782C-15EC-6A91-BE26-BAB571D2E13B}"/>
-              </a:ext>
-            </a:extLst>
-          </p:cNvPr>
-          <p:cNvPicPr>
-            <a:picLocks noChangeAspect="1"/>
-          </p:cNvPicPr>
-          <p:nvPr/>
-        </p:nvPicPr>
-        <p:blipFill rotWithShape="1">
-          <a:blip r:embed="rId5">
-            <a:extLst>
-              <a:ext uri="{28A0092B-C50C-407E-A947-70E740481C1C}">
-                <a14:useLocalDpi xmlns:a14="http://schemas.microsoft.com/office/drawing/2010/main" val="0"/>
-              </a:ext>
-            </a:extLst>
-          </a:blip>
-          <a:srcRect l="21440" t="20172" r="20828" b="25427"/>
-          <a:stretch/>
-        </p:blipFill>
-        <p:spPr>
-          <a:xfrm>
-            <a:off x="23723" y="163032"/>
-            <a:ext cx="1267383" cy="671758"/>
-          </a:xfrm>
-          <a:prstGeom prst="rect">
-            <a:avLst/>
-          </a:prstGeom>
-        </p:spPr>
-      </p:pic>
-      <p:sp useBgFill="1">
-        <p:nvSpPr>
-          <p:cNvPr id="5" name="Téglalap: lekerekített 4">
-            <a:extLst>
-              <a:ext uri="{FF2B5EF4-FFF2-40B4-BE49-F238E27FC236}">
-                <a16:creationId xmlns:a16="http://schemas.microsoft.com/office/drawing/2014/main" id="{3499E01B-F177-C636-109D-6D15D06FD3E1}"/>
-              </a:ext>
-            </a:extLst>
-          </p:cNvPr>
-          <p:cNvSpPr/>
-          <p:nvPr/>
-        </p:nvSpPr>
-        <p:spPr>
-          <a:xfrm>
-            <a:off x="16366031" y="3929974"/>
-            <a:ext cx="3134442" cy="2557444"/>
-          </a:xfrm>
-          <a:prstGeom prst="roundRect">
-            <a:avLst/>
-          </a:prstGeom>
-          <a:ln>
-            <a:solidFill>
-              <a:schemeClr val="accent1">
-                <a:shade val="15000"/>
-              </a:schemeClr>
-            </a:solidFill>
-          </a:ln>
-          <a:effectLst>
-            <a:innerShdw blurRad="254000">
-              <a:schemeClr val="bg1"/>
-            </a:innerShdw>
-          </a:effectLst>
-        </p:spPr>
-        <p:style>
-          <a:lnRef idx="2">
-            <a:schemeClr val="accent1">
-              <a:shade val="15000"/>
-            </a:schemeClr>
-          </a:lnRef>
-          <a:fillRef idx="1">
-            <a:schemeClr val="accent1"/>
-          </a:fillRef>
-          <a:effectRef idx="0">
-            <a:schemeClr val="accent1"/>
-          </a:effectRef>
-          <a:fontRef idx="minor">
-            <a:schemeClr val="lt1"/>
-          </a:fontRef>
-        </p:style>
-        <p:txBody>
-          <a:bodyPr rtlCol="0" anchor="ctr"/>
-          <a:lstStyle/>
-          <a:p>
-            <a:pPr algn="ctr"/>
-            <a:endParaRPr lang="hu-HU" dirty="0"/>
-          </a:p>
-        </p:txBody>
-      </p:sp>
       <p:grpSp>
         <p:nvGrpSpPr>
-          <p:cNvPr id="9" name="Csoportba foglalás 8">
-            <a:extLst>
-              <a:ext uri="{FF2B5EF4-FFF2-40B4-BE49-F238E27FC236}">
-                <a16:creationId xmlns:a16="http://schemas.microsoft.com/office/drawing/2014/main" id="{BD15567B-A4EB-C7C1-F4B0-8CFCAE7AD61B}"/>
+          <p:cNvPr id="10" name="Csoportba foglalás 9">
+            <a:extLst>
+              <a:ext uri="{FF2B5EF4-FFF2-40B4-BE49-F238E27FC236}">
+                <a16:creationId xmlns:a16="http://schemas.microsoft.com/office/drawing/2014/main" id="{5D2CC1CF-D5AC-8748-DC7B-482DEE34464F}"/>
               </a:ext>
             </a:extLst>
           </p:cNvPr>
@@ -7517,7 +7716,7 @@
         </p:nvGrpSpPr>
         <p:grpSpPr>
           <a:xfrm>
-            <a:off x="-12297897" y="3929974"/>
+            <a:off x="-1001067" y="8044480"/>
             <a:ext cx="3134442" cy="2557444"/>
             <a:chOff x="503703" y="3929974"/>
             <a:chExt cx="3134442" cy="2557444"/>
@@ -7525,10 +7724,10 @@
         </p:grpSpPr>
         <p:sp useBgFill="1">
           <p:nvSpPr>
-            <p:cNvPr id="3" name="Téglalap: lekerekített 2">
+            <p:cNvPr id="11" name="Téglalap: lekerekített 10">
               <a:extLst>
                 <a:ext uri="{FF2B5EF4-FFF2-40B4-BE49-F238E27FC236}">
-                  <a16:creationId xmlns:a16="http://schemas.microsoft.com/office/drawing/2014/main" id="{CB3D9B9F-8278-E0D5-8B89-6CC0CD38F1A8}"/>
+                  <a16:creationId xmlns:a16="http://schemas.microsoft.com/office/drawing/2014/main" id="{E47F0BE7-7AC7-B03C-27FC-EF7C9ECE23A9}"/>
                 </a:ext>
               </a:extLst>
             </p:cNvPr>
@@ -7585,23 +7784,17 @@
           <mc:Choice Requires="pslz">
             <p:graphicFrame>
               <p:nvGraphicFramePr>
-                <p:cNvPr id="8" name="Dia nagyítása 7">
+                <p:cNvPr id="12" name="Dia nagyítása 11">
                   <a:extLst>
                     <a:ext uri="{FF2B5EF4-FFF2-40B4-BE49-F238E27FC236}">
-                      <a16:creationId xmlns:a16="http://schemas.microsoft.com/office/drawing/2014/main" id="{DCDDA27F-12E3-6AA3-64B4-3CBA582A685E}"/>
+                      <a16:creationId xmlns:a16="http://schemas.microsoft.com/office/drawing/2014/main" id="{6B74FDB6-A663-17AC-6031-72D3D507DBFA}"/>
                     </a:ext>
                   </a:extLst>
                 </p:cNvPr>
                 <p:cNvGraphicFramePr>
                   <a:graphicFrameLocks noChangeAspect="1"/>
                 </p:cNvGraphicFramePr>
-                <p:nvPr>
-                  <p:extLst>
-                    <p:ext uri="{D42A27DB-BD31-4B8C-83A1-F6EECF244321}">
-                      <p14:modId xmlns:p14="http://schemas.microsoft.com/office/powerpoint/2010/main" val="1004736218"/>
-                    </p:ext>
-                  </p:extLst>
-                </p:nvPr>
+                <p:nvPr/>
               </p:nvGraphicFramePr>
               <p:xfrm>
                 <a:off x="1273364" y="5095945"/>
@@ -7650,11 +7843,11 @@
           <mc:Fallback xmlns="">
             <p:pic>
               <p:nvPicPr>
-                <p:cNvPr id="8" name="Dia nagyítása 7">
+                <p:cNvPr id="12" name="Dia nagyítása 11">
                   <a:hlinkClick r:id="rId7" action="ppaction://hlinksldjump"/>
                   <a:extLst>
                     <a:ext uri="{FF2B5EF4-FFF2-40B4-BE49-F238E27FC236}">
-                      <a16:creationId xmlns:a16="http://schemas.microsoft.com/office/drawing/2014/main" id="{DCDDA27F-12E3-6AA3-64B4-3CBA582A685E}"/>
+                      <a16:creationId xmlns:a16="http://schemas.microsoft.com/office/drawing/2014/main" id="{6B74FDB6-A663-17AC-6031-72D3D507DBFA}"/>
                     </a:ext>
                   </a:extLst>
                 </p:cNvPr>
@@ -7671,7 +7864,7 @@
               </p:blipFill>
               <p:spPr>
                 <a:xfrm>
-                  <a:off x="-11528236" y="5095945"/>
+                  <a:off x="-231406" y="9210451"/>
                   <a:ext cx="1622236" cy="912508"/>
                 </a:xfrm>
                 <a:prstGeom prst="roundRect">
@@ -7697,10 +7890,10 @@
       </p:grpSp>
       <p:sp>
         <p:nvSpPr>
-          <p:cNvPr id="7" name="Szövegdoboz 6">
-            <a:extLst>
-              <a:ext uri="{FF2B5EF4-FFF2-40B4-BE49-F238E27FC236}">
-                <a16:creationId xmlns:a16="http://schemas.microsoft.com/office/drawing/2014/main" id="{BF868122-A533-8395-A8AD-E7484EEA47A2}"/>
+          <p:cNvPr id="13" name="Szövegdoboz 12">
+            <a:extLst>
+              <a:ext uri="{FF2B5EF4-FFF2-40B4-BE49-F238E27FC236}">
+                <a16:creationId xmlns:a16="http://schemas.microsoft.com/office/drawing/2014/main" id="{3C6EDD2C-7924-1178-4E45-D5FA2D965289}"/>
               </a:ext>
             </a:extLst>
           </p:cNvPr>
@@ -7709,7 +7902,7 @@
         </p:nvSpPr>
         <p:spPr>
           <a:xfrm>
-            <a:off x="-12037918" y="4189794"/>
+            <a:off x="-664299" y="8426230"/>
             <a:ext cx="2641600" cy="646331"/>
           </a:xfrm>
           <a:prstGeom prst="rect">
@@ -7728,6 +7921,13 @@
                 <a:solidFill>
                   <a:schemeClr val="bg1"/>
                 </a:solidFill>
+                <a:effectLst>
+                  <a:outerShdw blurRad="63500" sx="102000" sy="102000" algn="ctr" rotWithShape="0">
+                    <a:prstClr val="black">
+                      <a:alpha val="40000"/>
+                    </a:prstClr>
+                  </a:outerShdw>
+                </a:effectLst>
                 <a:latin typeface="Aharoni" panose="02010803020104030203" pitchFamily="2" charset="-79"/>
                 <a:cs typeface="Aharoni" panose="02010803020104030203" pitchFamily="2" charset="-79"/>
               </a:rPr>
@@ -7736,45 +7936,197 @@
           </a:p>
         </p:txBody>
       </p:sp>
+      <p:sp useBgFill="1">
+        <p:nvSpPr>
+          <p:cNvPr id="14" name="Téglalap: lekerekített 13">
+            <a:extLst>
+              <a:ext uri="{FF2B5EF4-FFF2-40B4-BE49-F238E27FC236}">
+                <a16:creationId xmlns:a16="http://schemas.microsoft.com/office/drawing/2014/main" id="{6581F6E1-6856-F71E-E620-49B6C68435EB}"/>
+              </a:ext>
+            </a:extLst>
+          </p:cNvPr>
+          <p:cNvSpPr/>
+          <p:nvPr/>
+        </p:nvSpPr>
+        <p:spPr>
+          <a:xfrm>
+            <a:off x="4322494" y="9085881"/>
+            <a:ext cx="3134442" cy="2557444"/>
+          </a:xfrm>
+          <a:prstGeom prst="roundRect">
+            <a:avLst/>
+          </a:prstGeom>
+          <a:ln>
+            <a:solidFill>
+              <a:schemeClr val="accent1">
+                <a:shade val="15000"/>
+              </a:schemeClr>
+            </a:solidFill>
+          </a:ln>
+          <a:effectLst>
+            <a:innerShdw blurRad="254000">
+              <a:schemeClr val="bg1"/>
+            </a:innerShdw>
+          </a:effectLst>
+        </p:spPr>
+        <p:style>
+          <a:lnRef idx="2">
+            <a:schemeClr val="accent1">
+              <a:shade val="15000"/>
+            </a:schemeClr>
+          </a:lnRef>
+          <a:fillRef idx="1">
+            <a:schemeClr val="accent1"/>
+          </a:fillRef>
+          <a:effectRef idx="0">
+            <a:schemeClr val="accent1"/>
+          </a:effectRef>
+          <a:fontRef idx="minor">
+            <a:schemeClr val="lt1"/>
+          </a:fontRef>
+        </p:style>
+        <p:txBody>
+          <a:bodyPr rtlCol="0" anchor="ctr"/>
+          <a:lstStyle/>
+          <a:p>
+            <a:pPr algn="ctr"/>
+            <a:endParaRPr lang="hu-HU" dirty="0"/>
+          </a:p>
+        </p:txBody>
+      </p:sp>
+      <p:sp>
+        <p:nvSpPr>
+          <p:cNvPr id="17" name="Szövegdoboz 16">
+            <a:extLst>
+              <a:ext uri="{FF2B5EF4-FFF2-40B4-BE49-F238E27FC236}">
+                <a16:creationId xmlns:a16="http://schemas.microsoft.com/office/drawing/2014/main" id="{6C08E9F9-4A3E-54A9-D6FC-2FB096C418E8}"/>
+              </a:ext>
+            </a:extLst>
+          </p:cNvPr>
+          <p:cNvSpPr txBox="1"/>
+          <p:nvPr/>
+        </p:nvSpPr>
+        <p:spPr>
+          <a:xfrm>
+            <a:off x="4943463" y="10041437"/>
+            <a:ext cx="1892504" cy="646331"/>
+          </a:xfrm>
+          <a:prstGeom prst="rect">
+            <a:avLst/>
+          </a:prstGeom>
+          <a:noFill/>
+        </p:spPr>
+        <p:txBody>
+          <a:bodyPr wrap="square" rtlCol="0">
+            <a:spAutoFit/>
+          </a:bodyPr>
+          <a:lstStyle/>
+          <a:p>
+            <a:r>
+              <a:rPr lang="hu-HU" sz="3600" cap="small" dirty="0">
+                <a:solidFill>
+                  <a:schemeClr val="bg1"/>
+                </a:solidFill>
+                <a:effectLst>
+                  <a:outerShdw blurRad="63500" sx="102000" sy="102000" algn="ctr" rotWithShape="0">
+                    <a:prstClr val="black">
+                      <a:alpha val="40000"/>
+                    </a:prstClr>
+                  </a:outerShdw>
+                </a:effectLst>
+                <a:latin typeface="Aharoni" panose="02010803020104030203" pitchFamily="2" charset="-79"/>
+                <a:cs typeface="Aharoni" panose="02010803020104030203" pitchFamily="2" charset="-79"/>
+              </a:rPr>
+              <a:t>Jelenleg</a:t>
+            </a:r>
+          </a:p>
+        </p:txBody>
+      </p:sp>
+      <p:sp useBgFill="1">
+        <p:nvSpPr>
+          <p:cNvPr id="18" name="Téglalap: lekerekített 17">
+            <a:extLst>
+              <a:ext uri="{FF2B5EF4-FFF2-40B4-BE49-F238E27FC236}">
+                <a16:creationId xmlns:a16="http://schemas.microsoft.com/office/drawing/2014/main" id="{AE3514EF-A827-0934-F720-AB54C3F6A765}"/>
+              </a:ext>
+            </a:extLst>
+          </p:cNvPr>
+          <p:cNvSpPr/>
+          <p:nvPr/>
+        </p:nvSpPr>
+        <p:spPr>
+          <a:xfrm>
+            <a:off x="9646055" y="8044480"/>
+            <a:ext cx="3134442" cy="2557444"/>
+          </a:xfrm>
+          <a:prstGeom prst="roundRect">
+            <a:avLst/>
+          </a:prstGeom>
+          <a:ln>
+            <a:solidFill>
+              <a:schemeClr val="accent1">
+                <a:shade val="15000"/>
+              </a:schemeClr>
+            </a:solidFill>
+          </a:ln>
+          <a:effectLst>
+            <a:innerShdw blurRad="254000">
+              <a:schemeClr val="bg1"/>
+            </a:innerShdw>
+          </a:effectLst>
+        </p:spPr>
+        <p:style>
+          <a:lnRef idx="2">
+            <a:schemeClr val="accent1">
+              <a:shade val="15000"/>
+            </a:schemeClr>
+          </a:lnRef>
+          <a:fillRef idx="1">
+            <a:schemeClr val="accent1"/>
+          </a:fillRef>
+          <a:effectRef idx="0">
+            <a:schemeClr val="accent1"/>
+          </a:effectRef>
+          <a:fontRef idx="minor">
+            <a:schemeClr val="lt1"/>
+          </a:fontRef>
+        </p:style>
+        <p:txBody>
+          <a:bodyPr rtlCol="0" anchor="ctr"/>
+          <a:lstStyle/>
+          <a:p>
+            <a:pPr algn="ctr"/>
+            <a:endParaRPr lang="hu-HU" dirty="0"/>
+          </a:p>
+        </p:txBody>
+      </p:sp>
       <mc:AlternateContent xmlns:mc="http://schemas.openxmlformats.org/markup-compatibility/2006" xmlns:pslz="http://schemas.microsoft.com/office/powerpoint/2016/slidezoom">
         <mc:Choice Requires="pslz">
           <p:graphicFrame>
             <p:nvGraphicFramePr>
-              <p:cNvPr id="17" name="Dia nagyítása 16">
+              <p:cNvPr id="19" name="Dia nagyítása 18">
                 <a:extLst>
                   <a:ext uri="{FF2B5EF4-FFF2-40B4-BE49-F238E27FC236}">
-                    <a16:creationId xmlns:a16="http://schemas.microsoft.com/office/drawing/2014/main" id="{427AFAFE-8344-C053-C52E-AAD1F72485B1}"/>
+                    <a16:creationId xmlns:a16="http://schemas.microsoft.com/office/drawing/2014/main" id="{2C99C9F9-8CFE-FDD0-ED2A-E45068EBF0F4}"/>
                   </a:ext>
                 </a:extLst>
               </p:cNvPr>
               <p:cNvGraphicFramePr>
                 <a:graphicFrameLocks noChangeAspect="1"/>
               </p:cNvGraphicFramePr>
-              <p:nvPr>
-                <p:extLst>
-                  <p:ext uri="{D42A27DB-BD31-4B8C-83A1-F6EECF244321}">
-                    <p14:modId xmlns:p14="http://schemas.microsoft.com/office/powerpoint/2010/main" val="3677739201"/>
-                  </p:ext>
-                </p:extLst>
-              </p:nvPr>
+              <p:nvPr/>
             </p:nvGraphicFramePr>
             <p:xfrm>
-              <a:off x="4675254" y="14410876"/>
-              <a:ext cx="2879411" cy="1436852"/>
+              <a:off x="10402158" y="9190114"/>
+              <a:ext cx="1622236" cy="912508"/>
             </p:xfrm>
             <a:graphic>
               <a:graphicData uri="http://schemas.microsoft.com/office/powerpoint/2016/slidezoom">
                 <pslz:sldZm>
-                  <pslz:sldZmObj sldId="269" cId="4035598141">
-                    <pslz:zmPr id="{414F6D8F-5412-493B-997D-D4BFFA1E6AC3}" imageType="cover" transitionDur="1000">
+                  <pslz:sldZmObj sldId="271" cId="1338035232">
+                    <pslz:zmPr id="{BD4BEC53-3C9C-4F8C-8E01-6F8DF8F1F6EF}" returnToParent="0" transitionDur="1000">
                       <p166:blipFill xmlns:p166="http://schemas.microsoft.com/office/powerpoint/2016/6/main">
-                        <a:blip r:embed="rId9">
-                          <a:extLst>
-                            <a:ext uri="{28A0092B-C50C-407E-A947-70E740481C1C}">
-                              <a14:useLocalDpi xmlns:a14="http://schemas.microsoft.com/office/drawing/2010/main" val="0"/>
-                            </a:ext>
-                          </a:extLst>
-                        </a:blip>
+                        <a:blip r:embed="rId9"/>
                         <a:stretch>
                           <a:fillRect/>
                         </a:stretch>
@@ -7782,14 +8134,24 @@
                       <p166:spPr xmlns:p166="http://schemas.microsoft.com/office/powerpoint/2016/6/main">
                         <a:xfrm>
                           <a:off x="0" y="0"/>
-                          <a:ext cx="2879411" cy="1436852"/>
+                          <a:ext cx="1622236" cy="912508"/>
                         </a:xfrm>
-                        <a:prstGeom prst="rect">
-                          <a:avLst/>
+                        <a:prstGeom prst="roundRect">
+                          <a:avLst>
+                            <a:gd name="adj" fmla="val 8594"/>
+                          </a:avLst>
                         </a:prstGeom>
-                        <a:ln w="3175">
+                        <a:solidFill>
+                          <a:srgbClr val="FFFFFF">
+                            <a:shade val="85000"/>
+                          </a:srgbClr>
+                        </a:solidFill>
+                        <a:ln>
                           <a:noFill/>
                         </a:ln>
+                        <a:effectLst>
+                          <a:reflection blurRad="12700" stA="38000" endPos="28000" dist="5000" dir="5400000" sy="-100000" algn="bl" rotWithShape="0"/>
+                        </a:effectLst>
                       </p166:spPr>
                     </pslz:zmPr>
                   </pslz:sldZmObj>
@@ -7801,11 +8163,11 @@
         <mc:Fallback xmlns="">
           <p:pic>
             <p:nvPicPr>
-              <p:cNvPr id="17" name="Dia nagyítása 16">
+              <p:cNvPr id="19" name="Dia nagyítása 18">
                 <a:hlinkClick r:id="rId10" action="ppaction://hlinksldjump"/>
                 <a:extLst>
                   <a:ext uri="{FF2B5EF4-FFF2-40B4-BE49-F238E27FC236}">
-                    <a16:creationId xmlns:a16="http://schemas.microsoft.com/office/drawing/2014/main" id="{427AFAFE-8344-C053-C52E-AAD1F72485B1}"/>
+                    <a16:creationId xmlns:a16="http://schemas.microsoft.com/office/drawing/2014/main" id="{2C99C9F9-8CFE-FDD0-ED2A-E45068EBF0F4}"/>
                   </a:ext>
                 </a:extLst>
               </p:cNvPr>
@@ -7815,38 +8177,42 @@
               <p:nvPr/>
             </p:nvPicPr>
             <p:blipFill>
-              <a:blip r:embed="rId11">
-                <a:extLst>
-                  <a:ext uri="{28A0092B-C50C-407E-A947-70E740481C1C}">
-                    <a14:useLocalDpi xmlns:a14="http://schemas.microsoft.com/office/drawing/2010/main" val="0"/>
-                  </a:ext>
-                </a:extLst>
-              </a:blip>
+              <a:blip r:embed="rId11"/>
               <a:stretch>
                 <a:fillRect/>
               </a:stretch>
             </p:blipFill>
             <p:spPr>
               <a:xfrm>
-                <a:off x="4675254" y="14410876"/>
-                <a:ext cx="2879411" cy="1436852"/>
+                <a:off x="10402158" y="9190114"/>
+                <a:ext cx="1622236" cy="912508"/>
               </a:xfrm>
-              <a:prstGeom prst="rect">
-                <a:avLst/>
+              <a:prstGeom prst="roundRect">
+                <a:avLst>
+                  <a:gd name="adj" fmla="val 8594"/>
+                </a:avLst>
               </a:prstGeom>
-              <a:ln w="3175">
+              <a:solidFill>
+                <a:srgbClr val="FFFFFF">
+                  <a:shade val="85000"/>
+                </a:srgbClr>
+              </a:solidFill>
+              <a:ln>
                 <a:noFill/>
               </a:ln>
+              <a:effectLst>
+                <a:reflection blurRad="12700" stA="38000" endPos="28000" dist="5000" dir="5400000" sy="-100000" algn="bl" rotWithShape="0"/>
+              </a:effectLst>
             </p:spPr>
           </p:pic>
         </mc:Fallback>
       </mc:AlternateContent>
       <p:sp>
         <p:nvSpPr>
-          <p:cNvPr id="10" name="Szövegdoboz 9">
-            <a:extLst>
-              <a:ext uri="{FF2B5EF4-FFF2-40B4-BE49-F238E27FC236}">
-                <a16:creationId xmlns:a16="http://schemas.microsoft.com/office/drawing/2014/main" id="{A2A5ED28-8D2F-20BD-CE39-CE409BD21BE1}"/>
+          <p:cNvPr id="21" name="Szövegdoboz 20">
+            <a:extLst>
+              <a:ext uri="{FF2B5EF4-FFF2-40B4-BE49-F238E27FC236}">
+                <a16:creationId xmlns:a16="http://schemas.microsoft.com/office/drawing/2014/main" id="{3AF0D97B-B5C8-B1E4-2FD4-7328E648DD9A}"/>
               </a:ext>
             </a:extLst>
           </p:cNvPr>
@@ -7855,8 +8221,8 @@
         </p:nvSpPr>
         <p:spPr>
           <a:xfrm>
-            <a:off x="4775200" y="14818325"/>
-            <a:ext cx="2641600" cy="646331"/>
+            <a:off x="10053354" y="8476817"/>
+            <a:ext cx="2467164" cy="523220"/>
           </a:xfrm>
           <a:prstGeom prst="rect">
             <a:avLst/>
@@ -7870,14 +8236,21 @@
           <a:lstStyle/>
           <a:p>
             <a:r>
-              <a:rPr lang="hu-HU" sz="3600" cap="small" dirty="0">
+              <a:rPr lang="hu-HU" sz="2800" cap="small" dirty="0">
                 <a:solidFill>
                   <a:schemeClr val="bg1"/>
                 </a:solidFill>
+                <a:effectLst>
+                  <a:outerShdw blurRad="63500" sx="102000" sy="102000" algn="ctr" rotWithShape="0">
+                    <a:prstClr val="black">
+                      <a:alpha val="40000"/>
+                    </a:prstClr>
+                  </a:outerShdw>
+                </a:effectLst>
                 <a:latin typeface="Aharoni" panose="02010803020104030203" pitchFamily="2" charset="-79"/>
                 <a:cs typeface="Aharoni" panose="02010803020104030203" pitchFamily="2" charset="-79"/>
               </a:rPr>
-              <a:t>Eddigiekben</a:t>
+              <a:t>Továbbiakban</a:t>
             </a:r>
           </a:p>
         </p:txBody>
@@ -7885,7 +8258,7 @@
     </p:spTree>
     <p:extLst>
       <p:ext uri="{BB962C8B-B14F-4D97-AF65-F5344CB8AC3E}">
-        <p14:creationId xmlns:p14="http://schemas.microsoft.com/office/powerpoint/2010/main" val="2191643148"/>
+        <p14:creationId xmlns:p14="http://schemas.microsoft.com/office/powerpoint/2010/main" val="2065415613"/>
       </p:ext>
     </p:extLst>
   </p:cSld>

--- a/workshop III..pptx
+++ b/workshop III..pptx
@@ -6215,8 +6215,9 @@
           </a:bodyPr>
           <a:lstStyle/>
           <a:p>
+            <a:pPr algn="ctr"/>
             <a:r>
-              <a:rPr lang="hu-HU" sz="8800" dirty="0" err="1">
+              <a:rPr lang="en-US" sz="8800" dirty="0" err="1">
                 <a:ln>
                   <a:solidFill>
                     <a:schemeClr val="tx1"/>
@@ -6226,7 +6227,7 @@
                   <a:schemeClr val="bg1"/>
                 </a:solidFill>
               </a:rPr>
-              <a:t>fileup.site</a:t>
+              <a:t>Funkciók</a:t>
             </a:r>
             <a:endParaRPr lang="hu-HU" sz="8800" dirty="0">
               <a:ln>
@@ -6717,8 +6718,8 @@
         </p:nvSpPr>
         <p:spPr>
           <a:xfrm>
-            <a:off x="4191396" y="2069111"/>
-            <a:ext cx="5147352" cy="2800767"/>
+            <a:off x="3729637" y="2705725"/>
+            <a:ext cx="5147352" cy="1446550"/>
           </a:xfrm>
           <a:prstGeom prst="rect">
             <a:avLst/>
@@ -6731,8 +6732,9 @@
           </a:bodyPr>
           <a:lstStyle/>
           <a:p>
+            <a:pPr algn="ctr"/>
             <a:r>
-              <a:rPr lang="hu-HU" sz="8800" dirty="0">
+              <a:rPr lang="en-US" sz="8800" dirty="0">
                 <a:ln>
                   <a:solidFill>
                     <a:schemeClr val="tx1"/>
@@ -6742,8 +6744,18 @@
                   <a:schemeClr val="bg1"/>
                 </a:solidFill>
               </a:rPr>
-              <a:t>Miért hoztuk? </a:t>
+              <a:t>Domain</a:t>
             </a:r>
+            <a:endParaRPr lang="hu-HU" sz="8800" dirty="0">
+              <a:ln>
+                <a:solidFill>
+                  <a:schemeClr val="tx1"/>
+                </a:solidFill>
+              </a:ln>
+              <a:solidFill>
+                <a:schemeClr val="bg1"/>
+              </a:solidFill>
+            </a:endParaRPr>
           </a:p>
         </p:txBody>
       </p:sp>
@@ -7223,8 +7235,8 @@
         </p:nvSpPr>
         <p:spPr>
           <a:xfrm>
-            <a:off x="5342563" y="2644170"/>
-            <a:ext cx="5147352" cy="1569660"/>
+            <a:off x="2748985" y="2644170"/>
+            <a:ext cx="7108656" cy="1569660"/>
           </a:xfrm>
           <a:prstGeom prst="rect">
             <a:avLst/>
@@ -7237,14 +7249,30 @@
           </a:bodyPr>
           <a:lstStyle/>
           <a:p>
+            <a:pPr algn="ctr"/>
             <a:r>
-              <a:rPr lang="hu-HU" sz="9600" dirty="0">
+              <a:rPr lang="en-US" sz="9600" dirty="0" err="1">
+                <a:ln>
+                  <a:solidFill>
+                    <a:schemeClr val="tx1"/>
+                  </a:solidFill>
+                </a:ln>
                 <a:solidFill>
                   <a:schemeClr val="bg1"/>
                 </a:solidFill>
               </a:rPr>
-              <a:t>3</a:t>
+              <a:t>Jövőkép</a:t>
             </a:r>
+            <a:endParaRPr lang="hu-HU" sz="9600" dirty="0">
+              <a:ln>
+                <a:solidFill>
+                  <a:schemeClr val="tx1"/>
+                </a:solidFill>
+              </a:ln>
+              <a:solidFill>
+                <a:schemeClr val="bg1"/>
+              </a:solidFill>
+            </a:endParaRPr>
           </a:p>
         </p:txBody>
       </p:sp>
